--- a/Documents/Presentation_1.pptx
+++ b/Documents/Presentation_1.pptx
@@ -13,9 +13,11 @@
     <p:sldId id="262" r:id="rId7"/>
     <p:sldId id="263" r:id="rId8"/>
     <p:sldId id="261" r:id="rId9"/>
-    <p:sldId id="264" r:id="rId10"/>
-    <p:sldId id="265" r:id="rId11"/>
-    <p:sldId id="258" r:id="rId12"/>
+    <p:sldId id="267" r:id="rId10"/>
+    <p:sldId id="268" r:id="rId11"/>
+    <p:sldId id="264" r:id="rId12"/>
+    <p:sldId id="265" r:id="rId13"/>
+    <p:sldId id="258" r:id="rId14"/>
   </p:sldIdLst>
   <p:sldSz cx="12192000" cy="6858000"/>
   <p:notesSz cx="6858000" cy="9144000"/>
@@ -867,7 +869,7 @@
           <a:p>
             <a:fld id="{716955FD-5218-4B18-8B2D-05970B9A6621}" type="datetimeFigureOut">
               <a:rPr lang="en-US" smtClean="0"/>
-              <a:t>11/16/2021</a:t>
+              <a:t>12/4/2021</a:t>
             </a:fld>
             <a:endParaRPr lang="en-US"/>
           </a:p>
@@ -1118,7 +1120,7 @@
           <a:p>
             <a:fld id="{716955FD-5218-4B18-8B2D-05970B9A6621}" type="datetimeFigureOut">
               <a:rPr lang="en-US" smtClean="0"/>
-              <a:t>11/16/2021</a:t>
+              <a:t>12/4/2021</a:t>
             </a:fld>
             <a:endParaRPr lang="en-US"/>
           </a:p>
@@ -1432,7 +1434,7 @@
           <a:p>
             <a:fld id="{716955FD-5218-4B18-8B2D-05970B9A6621}" type="datetimeFigureOut">
               <a:rPr lang="en-US" smtClean="0"/>
-              <a:t>11/16/2021</a:t>
+              <a:t>12/4/2021</a:t>
             </a:fld>
             <a:endParaRPr lang="en-US"/>
           </a:p>
@@ -1765,7 +1767,7 @@
           <a:p>
             <a:fld id="{716955FD-5218-4B18-8B2D-05970B9A6621}" type="datetimeFigureOut">
               <a:rPr lang="en-US" smtClean="0"/>
-              <a:t>11/16/2021</a:t>
+              <a:t>12/4/2021</a:t>
             </a:fld>
             <a:endParaRPr lang="en-US"/>
           </a:p>
@@ -2079,7 +2081,7 @@
           <a:p>
             <a:fld id="{716955FD-5218-4B18-8B2D-05970B9A6621}" type="datetimeFigureOut">
               <a:rPr lang="en-US" smtClean="0"/>
-              <a:t>11/16/2021</a:t>
+              <a:t>12/4/2021</a:t>
             </a:fld>
             <a:endParaRPr lang="en-US"/>
           </a:p>
@@ -2472,7 +2474,7 @@
           <a:p>
             <a:fld id="{716955FD-5218-4B18-8B2D-05970B9A6621}" type="datetimeFigureOut">
               <a:rPr lang="en-US" smtClean="0"/>
-              <a:t>11/16/2021</a:t>
+              <a:t>12/4/2021</a:t>
             </a:fld>
             <a:endParaRPr lang="en-US"/>
           </a:p>
@@ -2642,7 +2644,7 @@
           <a:p>
             <a:fld id="{716955FD-5218-4B18-8B2D-05970B9A6621}" type="datetimeFigureOut">
               <a:rPr lang="en-US" smtClean="0"/>
-              <a:t>11/16/2021</a:t>
+              <a:t>12/4/2021</a:t>
             </a:fld>
             <a:endParaRPr lang="en-US"/>
           </a:p>
@@ -2822,7 +2824,7 @@
           <a:p>
             <a:fld id="{716955FD-5218-4B18-8B2D-05970B9A6621}" type="datetimeFigureOut">
               <a:rPr lang="en-US" smtClean="0"/>
-              <a:t>11/16/2021</a:t>
+              <a:t>12/4/2021</a:t>
             </a:fld>
             <a:endParaRPr lang="en-US"/>
           </a:p>
@@ -2992,7 +2994,7 @@
           <a:p>
             <a:fld id="{716955FD-5218-4B18-8B2D-05970B9A6621}" type="datetimeFigureOut">
               <a:rPr lang="en-US" smtClean="0"/>
-              <a:t>11/16/2021</a:t>
+              <a:t>12/4/2021</a:t>
             </a:fld>
             <a:endParaRPr lang="en-US"/>
           </a:p>
@@ -3239,7 +3241,7 @@
           <a:p>
             <a:fld id="{716955FD-5218-4B18-8B2D-05970B9A6621}" type="datetimeFigureOut">
               <a:rPr lang="en-US" smtClean="0"/>
-              <a:t>11/16/2021</a:t>
+              <a:t>12/4/2021</a:t>
             </a:fld>
             <a:endParaRPr lang="en-US"/>
           </a:p>
@@ -3471,7 +3473,7 @@
           <a:p>
             <a:fld id="{716955FD-5218-4B18-8B2D-05970B9A6621}" type="datetimeFigureOut">
               <a:rPr lang="en-US" smtClean="0"/>
-              <a:t>11/16/2021</a:t>
+              <a:t>12/4/2021</a:t>
             </a:fld>
             <a:endParaRPr lang="en-US"/>
           </a:p>
@@ -3845,7 +3847,7 @@
           <a:p>
             <a:fld id="{716955FD-5218-4B18-8B2D-05970B9A6621}" type="datetimeFigureOut">
               <a:rPr lang="en-US" smtClean="0"/>
-              <a:t>11/16/2021</a:t>
+              <a:t>12/4/2021</a:t>
             </a:fld>
             <a:endParaRPr lang="en-US"/>
           </a:p>
@@ -3968,7 +3970,7 @@
           <a:p>
             <a:fld id="{716955FD-5218-4B18-8B2D-05970B9A6621}" type="datetimeFigureOut">
               <a:rPr lang="en-US" smtClean="0"/>
-              <a:t>11/16/2021</a:t>
+              <a:t>12/4/2021</a:t>
             </a:fld>
             <a:endParaRPr lang="en-US"/>
           </a:p>
@@ -4063,7 +4065,7 @@
           <a:p>
             <a:fld id="{716955FD-5218-4B18-8B2D-05970B9A6621}" type="datetimeFigureOut">
               <a:rPr lang="en-US" smtClean="0"/>
-              <a:t>11/16/2021</a:t>
+              <a:t>12/4/2021</a:t>
             </a:fld>
             <a:endParaRPr lang="en-US"/>
           </a:p>
@@ -4318,7 +4320,7 @@
           <a:p>
             <a:fld id="{716955FD-5218-4B18-8B2D-05970B9A6621}" type="datetimeFigureOut">
               <a:rPr lang="en-US" smtClean="0"/>
-              <a:t>11/16/2021</a:t>
+              <a:t>12/4/2021</a:t>
             </a:fld>
             <a:endParaRPr lang="en-US"/>
           </a:p>
@@ -4623,7 +4625,7 @@
           <a:p>
             <a:fld id="{716955FD-5218-4B18-8B2D-05970B9A6621}" type="datetimeFigureOut">
               <a:rPr lang="en-US" smtClean="0"/>
-              <a:t>11/16/2021</a:t>
+              <a:t>12/4/2021</a:t>
             </a:fld>
             <a:endParaRPr lang="en-US"/>
           </a:p>
@@ -5325,7 +5327,7 @@
           <a:p>
             <a:fld id="{716955FD-5218-4B18-8B2D-05970B9A6621}" type="datetimeFigureOut">
               <a:rPr lang="en-US" smtClean="0"/>
-              <a:t>11/16/2021</a:t>
+              <a:t>12/4/2021</a:t>
             </a:fld>
             <a:endParaRPr lang="en-US"/>
           </a:p>
@@ -6011,7 +6013,7 @@
           <p:cNvPr id="4" name="Заголовок 1">
             <a:extLst>
               <a:ext uri="{FF2B5EF4-FFF2-40B4-BE49-F238E27FC236}">
-                <a16:creationId xmlns:a16="http://schemas.microsoft.com/office/drawing/2014/main" id="{DE1E45F6-BFF4-485E-AAE1-88ABAFF51077}"/>
+                <a16:creationId xmlns:a16="http://schemas.microsoft.com/office/drawing/2014/main" id="{E921E96E-5F6E-4A6E-A0C7-F31C33B147FD}"/>
               </a:ext>
             </a:extLst>
           </p:cNvPr>
@@ -6112,6 +6114,625 @@
                   <a:srgbClr val="0070C0"/>
                 </a:solidFill>
               </a:rPr>
+              <a:t>Результат кластеризації</a:t>
+            </a:r>
+          </a:p>
+        </p:txBody>
+      </p:sp>
+      <p:pic>
+        <p:nvPicPr>
+          <p:cNvPr id="6" name="Рисунок 5">
+            <a:extLst>
+              <a:ext uri="{FF2B5EF4-FFF2-40B4-BE49-F238E27FC236}">
+                <a16:creationId xmlns:a16="http://schemas.microsoft.com/office/drawing/2014/main" id="{A6F10D79-DF0F-45B4-B61B-5E9DF8D7CE36}"/>
+              </a:ext>
+            </a:extLst>
+          </p:cNvPr>
+          <p:cNvPicPr>
+            <a:picLocks noChangeAspect="1"/>
+          </p:cNvPicPr>
+          <p:nvPr/>
+        </p:nvPicPr>
+        <p:blipFill rotWithShape="1">
+          <a:blip r:embed="rId2"/>
+          <a:srcRect l="1625" t="2536" r="898" b="-1"/>
+          <a:stretch/>
+        </p:blipFill>
+        <p:spPr>
+          <a:xfrm>
+            <a:off x="168676" y="1118587"/>
+            <a:ext cx="11884240" cy="4762453"/>
+          </a:xfrm>
+          <a:prstGeom prst="rect">
+            <a:avLst/>
+          </a:prstGeom>
+        </p:spPr>
+      </p:pic>
+    </p:spTree>
+    <p:extLst>
+      <p:ext uri="{BB962C8B-B14F-4D97-AF65-F5344CB8AC3E}">
+        <p14:creationId xmlns:p14="http://schemas.microsoft.com/office/powerpoint/2010/main" val="283742015"/>
+      </p:ext>
+    </p:extLst>
+  </p:cSld>
+  <p:clrMapOvr>
+    <a:masterClrMapping/>
+  </p:clrMapOvr>
+</p:sld>
+</file>
+
+<file path=ppt/slides/slide11.xml><?xml version="1.0" encoding="utf-8"?>
+<p:sld xmlns:a="http://schemas.openxmlformats.org/drawingml/2006/main" xmlns:r="http://schemas.openxmlformats.org/officeDocument/2006/relationships" xmlns:p="http://schemas.openxmlformats.org/presentationml/2006/main">
+  <p:cSld>
+    <p:spTree>
+      <p:nvGrpSpPr>
+        <p:cNvPr id="1" name=""/>
+        <p:cNvGrpSpPr/>
+        <p:nvPr/>
+      </p:nvGrpSpPr>
+      <p:grpSpPr>
+        <a:xfrm>
+          <a:off x="0" y="0"/>
+          <a:ext cx="0" cy="0"/>
+          <a:chOff x="0" y="0"/>
+          <a:chExt cx="0" cy="0"/>
+        </a:xfrm>
+      </p:grpSpPr>
+      <p:sp>
+        <p:nvSpPr>
+          <p:cNvPr id="4" name="Заголовок 1">
+            <a:extLst>
+              <a:ext uri="{FF2B5EF4-FFF2-40B4-BE49-F238E27FC236}">
+                <a16:creationId xmlns:a16="http://schemas.microsoft.com/office/drawing/2014/main" id="{5CBDDED3-3E4B-4696-A394-193C46E04FEC}"/>
+              </a:ext>
+            </a:extLst>
+          </p:cNvPr>
+          <p:cNvSpPr txBox="1">
+            <a:spLocks/>
+          </p:cNvSpPr>
+          <p:nvPr/>
+        </p:nvSpPr>
+        <p:spPr>
+          <a:xfrm>
+            <a:off x="168676" y="238379"/>
+            <a:ext cx="9081856" cy="747042"/>
+          </a:xfrm>
+          <a:prstGeom prst="rect">
+            <a:avLst/>
+          </a:prstGeom>
+        </p:spPr>
+        <p:txBody>
+          <a:bodyPr vert="horz" lIns="91440" tIns="45720" rIns="91440" bIns="45720" rtlCol="0" anchor="t">
+            <a:normAutofit/>
+          </a:bodyPr>
+          <a:lstStyle>
+            <a:lvl1pPr algn="l" defTabSz="457200" rtl="0" eaLnBrk="1" latinLnBrk="0" hangingPunct="1">
+              <a:spcBef>
+                <a:spcPct val="0"/>
+              </a:spcBef>
+              <a:buNone/>
+              <a:defRPr sz="3600" kern="1200">
+                <a:solidFill>
+                  <a:schemeClr val="accent1"/>
+                </a:solidFill>
+                <a:latin typeface="+mj-lt"/>
+                <a:ea typeface="+mj-ea"/>
+                <a:cs typeface="+mj-cs"/>
+              </a:defRPr>
+            </a:lvl1pPr>
+            <a:lvl2pPr eaLnBrk="1" hangingPunct="1">
+              <a:defRPr>
+                <a:solidFill>
+                  <a:schemeClr val="tx2"/>
+                </a:solidFill>
+              </a:defRPr>
+            </a:lvl2pPr>
+            <a:lvl3pPr eaLnBrk="1" hangingPunct="1">
+              <a:defRPr>
+                <a:solidFill>
+                  <a:schemeClr val="tx2"/>
+                </a:solidFill>
+              </a:defRPr>
+            </a:lvl3pPr>
+            <a:lvl4pPr eaLnBrk="1" hangingPunct="1">
+              <a:defRPr>
+                <a:solidFill>
+                  <a:schemeClr val="tx2"/>
+                </a:solidFill>
+              </a:defRPr>
+            </a:lvl4pPr>
+            <a:lvl5pPr eaLnBrk="1" hangingPunct="1">
+              <a:defRPr>
+                <a:solidFill>
+                  <a:schemeClr val="tx2"/>
+                </a:solidFill>
+              </a:defRPr>
+            </a:lvl5pPr>
+            <a:lvl6pPr eaLnBrk="1" hangingPunct="1">
+              <a:defRPr>
+                <a:solidFill>
+                  <a:schemeClr val="tx2"/>
+                </a:solidFill>
+              </a:defRPr>
+            </a:lvl6pPr>
+            <a:lvl7pPr eaLnBrk="1" hangingPunct="1">
+              <a:defRPr>
+                <a:solidFill>
+                  <a:schemeClr val="tx2"/>
+                </a:solidFill>
+              </a:defRPr>
+            </a:lvl7pPr>
+            <a:lvl8pPr eaLnBrk="1" hangingPunct="1">
+              <a:defRPr>
+                <a:solidFill>
+                  <a:schemeClr val="tx2"/>
+                </a:solidFill>
+              </a:defRPr>
+            </a:lvl8pPr>
+            <a:lvl9pPr eaLnBrk="1" hangingPunct="1">
+              <a:defRPr>
+                <a:solidFill>
+                  <a:schemeClr val="tx2"/>
+                </a:solidFill>
+              </a:defRPr>
+            </a:lvl9pPr>
+          </a:lstStyle>
+          <a:p>
+            <a:r>
+              <a:rPr lang="uk-UA" dirty="0">
+                <a:solidFill>
+                  <a:srgbClr val="0070C0"/>
+                </a:solidFill>
+              </a:rPr>
+              <a:t>Технології</a:t>
+            </a:r>
+          </a:p>
+        </p:txBody>
+      </p:sp>
+      <p:pic>
+        <p:nvPicPr>
+          <p:cNvPr id="1026" name="Picture 2" descr="React — Вікіпедія">
+            <a:extLst>
+              <a:ext uri="{FF2B5EF4-FFF2-40B4-BE49-F238E27FC236}">
+                <a16:creationId xmlns:a16="http://schemas.microsoft.com/office/drawing/2014/main" id="{B5473AC1-F239-4936-B85A-3B1C85890117}"/>
+              </a:ext>
+            </a:extLst>
+          </p:cNvPr>
+          <p:cNvPicPr>
+            <a:picLocks noChangeAspect="1" noChangeArrowheads="1"/>
+          </p:cNvPicPr>
+          <p:nvPr/>
+        </p:nvPicPr>
+        <p:blipFill>
+          <a:blip r:embed="rId2">
+            <a:extLst>
+              <a:ext uri="{28A0092B-C50C-407E-A947-70E740481C1C}">
+                <a14:useLocalDpi xmlns:a14="http://schemas.microsoft.com/office/drawing/2010/main" val="0"/>
+              </a:ext>
+            </a:extLst>
+          </a:blip>
+          <a:srcRect/>
+          <a:stretch>
+            <a:fillRect/>
+          </a:stretch>
+        </p:blipFill>
+        <p:spPr bwMode="auto">
+          <a:xfrm>
+            <a:off x="3992955" y="3164875"/>
+            <a:ext cx="2805721" cy="1986072"/>
+          </a:xfrm>
+          <a:prstGeom prst="rect">
+            <a:avLst/>
+          </a:prstGeom>
+          <a:noFill/>
+          <a:extLst>
+            <a:ext uri="{909E8E84-426E-40DD-AFC4-6F175D3DCCD1}">
+              <a14:hiddenFill xmlns:a14="http://schemas.microsoft.com/office/drawing/2010/main">
+                <a:solidFill>
+                  <a:srgbClr val="FFFFFF"/>
+                </a:solidFill>
+              </a14:hiddenFill>
+            </a:ext>
+          </a:extLst>
+        </p:spPr>
+      </p:pic>
+      <p:sp>
+        <p:nvSpPr>
+          <p:cNvPr id="7" name="TextBox 6">
+            <a:extLst>
+              <a:ext uri="{FF2B5EF4-FFF2-40B4-BE49-F238E27FC236}">
+                <a16:creationId xmlns:a16="http://schemas.microsoft.com/office/drawing/2014/main" id="{A00F316A-4DE3-41A7-A45F-D93DC3BFB0EB}"/>
+              </a:ext>
+            </a:extLst>
+          </p:cNvPr>
+          <p:cNvSpPr txBox="1"/>
+          <p:nvPr/>
+        </p:nvSpPr>
+        <p:spPr>
+          <a:xfrm>
+            <a:off x="410234" y="1660059"/>
+            <a:ext cx="2838450" cy="2794483"/>
+          </a:xfrm>
+          <a:prstGeom prst="rect">
+            <a:avLst/>
+          </a:prstGeom>
+          <a:noFill/>
+        </p:spPr>
+        <p:txBody>
+          <a:bodyPr wrap="square" rtlCol="0">
+            <a:spAutoFit/>
+          </a:bodyPr>
+          <a:lstStyle/>
+          <a:p>
+            <a:pPr marL="285750" indent="-285750">
+              <a:lnSpc>
+                <a:spcPct val="150000"/>
+              </a:lnSpc>
+              <a:buClr>
+                <a:srgbClr val="0070C0"/>
+              </a:buClr>
+              <a:buFont typeface="Wingdings" panose="05000000000000000000" pitchFamily="2" charset="2"/>
+              <a:buChar char="Ø"/>
+            </a:pPr>
+            <a:r>
+              <a:rPr lang="en-US" sz="2400" dirty="0"/>
+              <a:t>.NET 5</a:t>
+            </a:r>
+            <a:endParaRPr lang="uk-UA" sz="2400" dirty="0"/>
+          </a:p>
+          <a:p>
+            <a:pPr marL="742950" lvl="1" indent="-285750">
+              <a:lnSpc>
+                <a:spcPct val="150000"/>
+              </a:lnSpc>
+              <a:buClr>
+                <a:srgbClr val="0070C0"/>
+              </a:buClr>
+              <a:buFont typeface="Wingdings" panose="05000000000000000000" pitchFamily="2" charset="2"/>
+              <a:buChar char="Ø"/>
+            </a:pPr>
+            <a:r>
+              <a:rPr lang="en-US" sz="2400" dirty="0" err="1"/>
+              <a:t>ASP.Net</a:t>
+            </a:r>
+            <a:r>
+              <a:rPr lang="en-US" sz="2400" dirty="0"/>
+              <a:t> Core</a:t>
+            </a:r>
+          </a:p>
+          <a:p>
+            <a:pPr marL="285750" indent="-285750">
+              <a:lnSpc>
+                <a:spcPct val="150000"/>
+              </a:lnSpc>
+              <a:buClr>
+                <a:srgbClr val="0070C0"/>
+              </a:buClr>
+              <a:buFont typeface="Wingdings" panose="05000000000000000000" pitchFamily="2" charset="2"/>
+              <a:buChar char="Ø"/>
+            </a:pPr>
+            <a:r>
+              <a:rPr lang="en-US" sz="2400" dirty="0"/>
+              <a:t>React</a:t>
+            </a:r>
+          </a:p>
+          <a:p>
+            <a:pPr marL="742950" lvl="1" indent="-285750">
+              <a:lnSpc>
+                <a:spcPct val="150000"/>
+              </a:lnSpc>
+              <a:buClr>
+                <a:srgbClr val="0070C0"/>
+              </a:buClr>
+              <a:buFont typeface="Wingdings" panose="05000000000000000000" pitchFamily="2" charset="2"/>
+              <a:buChar char="Ø"/>
+            </a:pPr>
+            <a:r>
+              <a:rPr lang="en-US" sz="2400" dirty="0"/>
+              <a:t>Type Script</a:t>
+            </a:r>
+          </a:p>
+          <a:p>
+            <a:pPr marL="742950" lvl="1" indent="-285750">
+              <a:lnSpc>
+                <a:spcPct val="150000"/>
+              </a:lnSpc>
+              <a:buClr>
+                <a:srgbClr val="0070C0"/>
+              </a:buClr>
+              <a:buFont typeface="Wingdings" panose="05000000000000000000" pitchFamily="2" charset="2"/>
+              <a:buChar char="Ø"/>
+            </a:pPr>
+            <a:r>
+              <a:rPr lang="en-US" sz="2400" dirty="0"/>
+              <a:t>Ant Design</a:t>
+            </a:r>
+          </a:p>
+        </p:txBody>
+      </p:sp>
+      <p:pic>
+        <p:nvPicPr>
+          <p:cNvPr id="9" name="Графіка 8">
+            <a:extLst>
+              <a:ext uri="{FF2B5EF4-FFF2-40B4-BE49-F238E27FC236}">
+                <a16:creationId xmlns:a16="http://schemas.microsoft.com/office/drawing/2014/main" id="{7B0187F1-39B6-41D5-ACBF-CA2AFBB1EB21}"/>
+              </a:ext>
+            </a:extLst>
+          </p:cNvPr>
+          <p:cNvPicPr>
+            <a:picLocks noChangeAspect="1"/>
+          </p:cNvPicPr>
+          <p:nvPr/>
+        </p:nvPicPr>
+        <p:blipFill>
+          <a:blip r:embed="rId3">
+            <a:extLst>
+              <a:ext uri="{28A0092B-C50C-407E-A947-70E740481C1C}">
+                <a14:useLocalDpi xmlns:a14="http://schemas.microsoft.com/office/drawing/2010/main" val="0"/>
+              </a:ext>
+              <a:ext uri="{96DAC541-7B7A-43D3-8B79-37D633B846F1}">
+                <asvg:svgBlip xmlns:asvg="http://schemas.microsoft.com/office/drawing/2016/SVG/main" r:embed="rId4"/>
+              </a:ext>
+            </a:extLst>
+          </a:blip>
+          <a:stretch>
+            <a:fillRect/>
+          </a:stretch>
+        </p:blipFill>
+        <p:spPr>
+          <a:xfrm>
+            <a:off x="6492525" y="4461754"/>
+            <a:ext cx="1734981" cy="1734981"/>
+          </a:xfrm>
+          <a:prstGeom prst="rect">
+            <a:avLst/>
+          </a:prstGeom>
+        </p:spPr>
+      </p:pic>
+      <p:pic>
+        <p:nvPicPr>
+          <p:cNvPr id="13" name="Рисунок 12">
+            <a:extLst>
+              <a:ext uri="{FF2B5EF4-FFF2-40B4-BE49-F238E27FC236}">
+                <a16:creationId xmlns:a16="http://schemas.microsoft.com/office/drawing/2014/main" id="{CA133197-37EC-416A-AF2E-145CB1CC9BDB}"/>
+              </a:ext>
+            </a:extLst>
+          </p:cNvPr>
+          <p:cNvPicPr>
+            <a:picLocks noChangeAspect="1"/>
+          </p:cNvPicPr>
+          <p:nvPr/>
+        </p:nvPicPr>
+        <p:blipFill>
+          <a:blip r:embed="rId5">
+            <a:extLst>
+              <a:ext uri="{28A0092B-C50C-407E-A947-70E740481C1C}">
+                <a14:useLocalDpi xmlns:a14="http://schemas.microsoft.com/office/drawing/2010/main" val="0"/>
+              </a:ext>
+            </a:extLst>
+          </a:blip>
+          <a:stretch>
+            <a:fillRect/>
+          </a:stretch>
+        </p:blipFill>
+        <p:spPr>
+          <a:xfrm>
+            <a:off x="3919784" y="937277"/>
+            <a:ext cx="2049300" cy="2049300"/>
+          </a:xfrm>
+          <a:prstGeom prst="rect">
+            <a:avLst/>
+          </a:prstGeom>
+        </p:spPr>
+      </p:pic>
+      <p:pic>
+        <p:nvPicPr>
+          <p:cNvPr id="15" name="Рисунок 14">
+            <a:extLst>
+              <a:ext uri="{FF2B5EF4-FFF2-40B4-BE49-F238E27FC236}">
+                <a16:creationId xmlns:a16="http://schemas.microsoft.com/office/drawing/2014/main" id="{6047E9F3-0FDC-4855-9453-7FFC3ED9F106}"/>
+              </a:ext>
+            </a:extLst>
+          </p:cNvPr>
+          <p:cNvPicPr>
+            <a:picLocks noChangeAspect="1"/>
+          </p:cNvPicPr>
+          <p:nvPr/>
+        </p:nvPicPr>
+        <p:blipFill>
+          <a:blip r:embed="rId6">
+            <a:extLst>
+              <a:ext uri="{28A0092B-C50C-407E-A947-70E740481C1C}">
+                <a14:useLocalDpi xmlns:a14="http://schemas.microsoft.com/office/drawing/2010/main" val="0"/>
+              </a:ext>
+            </a:extLst>
+          </a:blip>
+          <a:stretch>
+            <a:fillRect/>
+          </a:stretch>
+        </p:blipFill>
+        <p:spPr>
+          <a:xfrm>
+            <a:off x="6492525" y="611900"/>
+            <a:ext cx="3017065" cy="3017065"/>
+          </a:xfrm>
+          <a:prstGeom prst="rect">
+            <a:avLst/>
+          </a:prstGeom>
+        </p:spPr>
+      </p:pic>
+      <p:pic>
+        <p:nvPicPr>
+          <p:cNvPr id="16" name="Рисунок 15" descr="Зображення, що містить текст, картинка&#10;&#10;Автоматично згенерований опис">
+            <a:extLst>
+              <a:ext uri="{FF2B5EF4-FFF2-40B4-BE49-F238E27FC236}">
+                <a16:creationId xmlns:a16="http://schemas.microsoft.com/office/drawing/2014/main" id="{B276B3DB-506E-4B61-8A83-F59D8649341C}"/>
+              </a:ext>
+            </a:extLst>
+          </p:cNvPr>
+          <p:cNvPicPr>
+            <a:picLocks noChangeAspect="1"/>
+          </p:cNvPicPr>
+          <p:nvPr/>
+        </p:nvPicPr>
+        <p:blipFill>
+          <a:blip r:embed="rId7">
+            <a:extLst>
+              <a:ext uri="{28A0092B-C50C-407E-A947-70E740481C1C}">
+                <a14:useLocalDpi xmlns:a14="http://schemas.microsoft.com/office/drawing/2010/main" val="0"/>
+              </a:ext>
+            </a:extLst>
+          </a:blip>
+          <a:stretch>
+            <a:fillRect/>
+          </a:stretch>
+        </p:blipFill>
+        <p:spPr>
+          <a:xfrm>
+            <a:off x="2802753" y="4860131"/>
+            <a:ext cx="1636133" cy="1636133"/>
+          </a:xfrm>
+          <a:prstGeom prst="rect">
+            <a:avLst/>
+          </a:prstGeom>
+        </p:spPr>
+      </p:pic>
+    </p:spTree>
+    <p:extLst>
+      <p:ext uri="{BB962C8B-B14F-4D97-AF65-F5344CB8AC3E}">
+        <p14:creationId xmlns:p14="http://schemas.microsoft.com/office/powerpoint/2010/main" val="346208136"/>
+      </p:ext>
+    </p:extLst>
+  </p:cSld>
+  <p:clrMapOvr>
+    <a:masterClrMapping/>
+  </p:clrMapOvr>
+</p:sld>
+</file>
+
+<file path=ppt/slides/slide12.xml><?xml version="1.0" encoding="utf-8"?>
+<p:sld xmlns:a="http://schemas.openxmlformats.org/drawingml/2006/main" xmlns:r="http://schemas.openxmlformats.org/officeDocument/2006/relationships" xmlns:p="http://schemas.openxmlformats.org/presentationml/2006/main">
+  <p:cSld>
+    <p:spTree>
+      <p:nvGrpSpPr>
+        <p:cNvPr id="1" name=""/>
+        <p:cNvGrpSpPr/>
+        <p:nvPr/>
+      </p:nvGrpSpPr>
+      <p:grpSpPr>
+        <a:xfrm>
+          <a:off x="0" y="0"/>
+          <a:ext cx="0" cy="0"/>
+          <a:chOff x="0" y="0"/>
+          <a:chExt cx="0" cy="0"/>
+        </a:xfrm>
+      </p:grpSpPr>
+      <p:sp>
+        <p:nvSpPr>
+          <p:cNvPr id="4" name="Заголовок 1">
+            <a:extLst>
+              <a:ext uri="{FF2B5EF4-FFF2-40B4-BE49-F238E27FC236}">
+                <a16:creationId xmlns:a16="http://schemas.microsoft.com/office/drawing/2014/main" id="{DE1E45F6-BFF4-485E-AAE1-88ABAFF51077}"/>
+              </a:ext>
+            </a:extLst>
+          </p:cNvPr>
+          <p:cNvSpPr txBox="1">
+            <a:spLocks/>
+          </p:cNvSpPr>
+          <p:nvPr/>
+        </p:nvSpPr>
+        <p:spPr>
+          <a:xfrm>
+            <a:off x="168676" y="238379"/>
+            <a:ext cx="9081856" cy="747042"/>
+          </a:xfrm>
+          <a:prstGeom prst="rect">
+            <a:avLst/>
+          </a:prstGeom>
+        </p:spPr>
+        <p:txBody>
+          <a:bodyPr vert="horz" lIns="91440" tIns="45720" rIns="91440" bIns="45720" rtlCol="0" anchor="t">
+            <a:normAutofit/>
+          </a:bodyPr>
+          <a:lstStyle>
+            <a:lvl1pPr algn="l" defTabSz="457200" rtl="0" eaLnBrk="1" latinLnBrk="0" hangingPunct="1">
+              <a:spcBef>
+                <a:spcPct val="0"/>
+              </a:spcBef>
+              <a:buNone/>
+              <a:defRPr sz="3600" kern="1200">
+                <a:solidFill>
+                  <a:schemeClr val="accent1"/>
+                </a:solidFill>
+                <a:latin typeface="+mj-lt"/>
+                <a:ea typeface="+mj-ea"/>
+                <a:cs typeface="+mj-cs"/>
+              </a:defRPr>
+            </a:lvl1pPr>
+            <a:lvl2pPr eaLnBrk="1" hangingPunct="1">
+              <a:defRPr>
+                <a:solidFill>
+                  <a:schemeClr val="tx2"/>
+                </a:solidFill>
+              </a:defRPr>
+            </a:lvl2pPr>
+            <a:lvl3pPr eaLnBrk="1" hangingPunct="1">
+              <a:defRPr>
+                <a:solidFill>
+                  <a:schemeClr val="tx2"/>
+                </a:solidFill>
+              </a:defRPr>
+            </a:lvl3pPr>
+            <a:lvl4pPr eaLnBrk="1" hangingPunct="1">
+              <a:defRPr>
+                <a:solidFill>
+                  <a:schemeClr val="tx2"/>
+                </a:solidFill>
+              </a:defRPr>
+            </a:lvl4pPr>
+            <a:lvl5pPr eaLnBrk="1" hangingPunct="1">
+              <a:defRPr>
+                <a:solidFill>
+                  <a:schemeClr val="tx2"/>
+                </a:solidFill>
+              </a:defRPr>
+            </a:lvl5pPr>
+            <a:lvl6pPr eaLnBrk="1" hangingPunct="1">
+              <a:defRPr>
+                <a:solidFill>
+                  <a:schemeClr val="tx2"/>
+                </a:solidFill>
+              </a:defRPr>
+            </a:lvl6pPr>
+            <a:lvl7pPr eaLnBrk="1" hangingPunct="1">
+              <a:defRPr>
+                <a:solidFill>
+                  <a:schemeClr val="tx2"/>
+                </a:solidFill>
+              </a:defRPr>
+            </a:lvl7pPr>
+            <a:lvl8pPr eaLnBrk="1" hangingPunct="1">
+              <a:defRPr>
+                <a:solidFill>
+                  <a:schemeClr val="tx2"/>
+                </a:solidFill>
+              </a:defRPr>
+            </a:lvl8pPr>
+            <a:lvl9pPr eaLnBrk="1" hangingPunct="1">
+              <a:defRPr>
+                <a:solidFill>
+                  <a:schemeClr val="tx2"/>
+                </a:solidFill>
+              </a:defRPr>
+            </a:lvl9pPr>
+          </a:lstStyle>
+          <a:p>
+            <a:r>
+              <a:rPr lang="uk-UA" dirty="0">
+                <a:solidFill>
+                  <a:srgbClr val="0070C0"/>
+                </a:solidFill>
+              </a:rPr>
               <a:t>Посилання</a:t>
             </a:r>
           </a:p>
@@ -6132,7 +6753,7 @@
         <p:spPr>
           <a:xfrm>
             <a:off x="603679" y="1331650"/>
-            <a:ext cx="7812351" cy="3438570"/>
+            <a:ext cx="7812351" cy="4438844"/>
           </a:xfrm>
           <a:prstGeom prst="rect">
             <a:avLst/>
@@ -6168,6 +6789,33 @@
                   </a:extLst>
                 </a:hlinkClick>
               </a:rPr>
+              <a:t>https://towardsdatascience.com/clustering-algorithm-for-data-with-mixed-categorical-and-numerical-features-d4e3a48066a0</a:t>
+            </a:r>
+          </a:p>
+          <a:p>
+            <a:pPr marL="285750" indent="-285750">
+              <a:lnSpc>
+                <a:spcPct val="150000"/>
+              </a:lnSpc>
+              <a:spcAft>
+                <a:spcPts val="600"/>
+              </a:spcAft>
+              <a:buClr>
+                <a:srgbClr val="0070C0"/>
+              </a:buClr>
+              <a:buFont typeface="Wingdings" panose="05000000000000000000" pitchFamily="2" charset="2"/>
+              <a:buChar char="Ø"/>
+            </a:pPr>
+            <a:r>
+              <a:rPr lang="en-US" sz="2000" dirty="0">
+                <a:hlinkClick r:id="rId2">
+                  <a:extLst>
+                    <a:ext uri="{A12FA001-AC4F-418D-AE19-62706E023703}">
+                      <ahyp:hlinkClr xmlns:ahyp="http://schemas.microsoft.com/office/drawing/2018/hyperlinkcolor" val="tx"/>
+                    </a:ext>
+                  </a:extLst>
+                </a:hlinkClick>
+              </a:rPr>
               <a:t>https://ant.design/components/overview/</a:t>
             </a:r>
             <a:endParaRPr lang="en-US" sz="2000" dirty="0"/>
@@ -6251,7 +6899,7 @@
 </p:sld>
 </file>
 
-<file path=ppt/slides/slide11.xml><?xml version="1.0" encoding="utf-8"?>
+<file path=ppt/slides/slide13.xml><?xml version="1.0" encoding="utf-8"?>
 <p:sld xmlns:a="http://schemas.openxmlformats.org/drawingml/2006/main" xmlns:r="http://schemas.openxmlformats.org/officeDocument/2006/relationships" xmlns:p="http://schemas.openxmlformats.org/presentationml/2006/main">
   <p:cSld>
     <p:spTree>
@@ -7753,8 +8401,8 @@
           </a:p>
         </p:txBody>
       </p:sp>
-      <mc:AlternateContent xmlns:mc="http://schemas.openxmlformats.org/markup-compatibility/2006">
-        <mc:Choice xmlns:a14="http://schemas.microsoft.com/office/drawing/2010/main" Requires="a14">
+      <mc:AlternateContent xmlns:mc="http://schemas.openxmlformats.org/markup-compatibility/2006" xmlns:a14="http://schemas.microsoft.com/office/drawing/2010/main">
+        <mc:Choice Requires="a14">
           <p:sp>
             <p:nvSpPr>
               <p:cNvPr id="6" name="TextBox 5">
@@ -8122,7 +8770,7 @@
             </p:txBody>
           </p:sp>
         </mc:Choice>
-        <mc:Fallback>
+        <mc:Fallback xmlns="">
           <p:sp>
             <p:nvSpPr>
               <p:cNvPr id="6" name="TextBox 5">
@@ -8474,7 +9122,7 @@
                   <a:srgbClr val="0070C0"/>
                 </a:solidFill>
               </a:rPr>
-              <a:t>Групування</a:t>
+              <a:t>Постановка задачі групування</a:t>
             </a:r>
           </a:p>
         </p:txBody>
@@ -8726,7 +9374,7 @@
           <p:cNvPr id="4" name="Заголовок 1">
             <a:extLst>
               <a:ext uri="{FF2B5EF4-FFF2-40B4-BE49-F238E27FC236}">
-                <a16:creationId xmlns:a16="http://schemas.microsoft.com/office/drawing/2014/main" id="{5CBDDED3-3E4B-4696-A394-193C46E04FEC}"/>
+                <a16:creationId xmlns:a16="http://schemas.microsoft.com/office/drawing/2014/main" id="{F8243150-867F-42C4-B527-2FA91B461363}"/>
               </a:ext>
             </a:extLst>
           </p:cNvPr>
@@ -8827,64 +9475,33 @@
                   <a:srgbClr val="0070C0"/>
                 </a:solidFill>
               </a:rPr>
-              <a:t>Технології</a:t>
-            </a:r>
-          </a:p>
-        </p:txBody>
-      </p:sp>
-      <p:pic>
-        <p:nvPicPr>
-          <p:cNvPr id="1026" name="Picture 2" descr="React — Вікіпедія">
+              <a:t>Кластеризація методом</a:t>
+            </a:r>
+            <a:r>
+              <a:rPr lang="en-US" dirty="0">
+                <a:solidFill>
+                  <a:srgbClr val="0070C0"/>
+                </a:solidFill>
+              </a:rPr>
+              <a:t> k-mods</a:t>
+            </a:r>
+            <a:r>
+              <a:rPr lang="uk-UA" dirty="0">
+                <a:solidFill>
+                  <a:srgbClr val="0070C0"/>
+                </a:solidFill>
+              </a:rPr>
+              <a:t> </a:t>
+            </a:r>
+          </a:p>
+        </p:txBody>
+      </p:sp>
+      <p:sp>
+        <p:nvSpPr>
+          <p:cNvPr id="6" name="TextBox 5">
             <a:extLst>
               <a:ext uri="{FF2B5EF4-FFF2-40B4-BE49-F238E27FC236}">
-                <a16:creationId xmlns:a16="http://schemas.microsoft.com/office/drawing/2014/main" id="{B5473AC1-F239-4936-B85A-3B1C85890117}"/>
-              </a:ext>
-            </a:extLst>
-          </p:cNvPr>
-          <p:cNvPicPr>
-            <a:picLocks noChangeAspect="1" noChangeArrowheads="1"/>
-          </p:cNvPicPr>
-          <p:nvPr/>
-        </p:nvPicPr>
-        <p:blipFill>
-          <a:blip r:embed="rId2">
-            <a:extLst>
-              <a:ext uri="{28A0092B-C50C-407E-A947-70E740481C1C}">
-                <a14:useLocalDpi xmlns:a14="http://schemas.microsoft.com/office/drawing/2010/main" val="0"/>
-              </a:ext>
-            </a:extLst>
-          </a:blip>
-          <a:srcRect/>
-          <a:stretch>
-            <a:fillRect/>
-          </a:stretch>
-        </p:blipFill>
-        <p:spPr bwMode="auto">
-          <a:xfrm>
-            <a:off x="3992955" y="3164875"/>
-            <a:ext cx="2805721" cy="1986072"/>
-          </a:xfrm>
-          <a:prstGeom prst="rect">
-            <a:avLst/>
-          </a:prstGeom>
-          <a:noFill/>
-          <a:extLst>
-            <a:ext uri="{909E8E84-426E-40DD-AFC4-6F175D3DCCD1}">
-              <a14:hiddenFill xmlns:a14="http://schemas.microsoft.com/office/drawing/2010/main">
-                <a:solidFill>
-                  <a:srgbClr val="FFFFFF"/>
-                </a:solidFill>
-              </a14:hiddenFill>
-            </a:ext>
-          </a:extLst>
-        </p:spPr>
-      </p:pic>
-      <p:sp>
-        <p:nvSpPr>
-          <p:cNvPr id="7" name="TextBox 6">
-            <a:extLst>
-              <a:ext uri="{FF2B5EF4-FFF2-40B4-BE49-F238E27FC236}">
-                <a16:creationId xmlns:a16="http://schemas.microsoft.com/office/drawing/2014/main" id="{A00F316A-4DE3-41A7-A45F-D93DC3BFB0EB}"/>
+                <a16:creationId xmlns:a16="http://schemas.microsoft.com/office/drawing/2014/main" id="{D8491B23-FE99-4CA6-9814-A95E9575423B}"/>
               </a:ext>
             </a:extLst>
           </p:cNvPr>
@@ -8893,8 +9510,8 @@
         </p:nvSpPr>
         <p:spPr>
           <a:xfrm>
-            <a:off x="410234" y="1660059"/>
-            <a:ext cx="2838450" cy="2794483"/>
+            <a:off x="759038" y="4539093"/>
+            <a:ext cx="8491493" cy="1703480"/>
           </a:xfrm>
           <a:prstGeom prst="rect">
             <a:avLst/>
@@ -8902,248 +9519,161 @@
           <a:noFill/>
         </p:spPr>
         <p:txBody>
-          <a:bodyPr wrap="square" rtlCol="0">
+          <a:bodyPr wrap="square">
             <a:spAutoFit/>
           </a:bodyPr>
           <a:lstStyle/>
           <a:p>
-            <a:pPr marL="285750" indent="-285750">
+            <a:pPr algn="just">
               <a:lnSpc>
                 <a:spcPct val="150000"/>
               </a:lnSpc>
-              <a:buClr>
-                <a:srgbClr val="0070C0"/>
-              </a:buClr>
-              <a:buFont typeface="Wingdings" panose="05000000000000000000" pitchFamily="2" charset="2"/>
-              <a:buChar char="Ø"/>
             </a:pPr>
             <a:r>
-              <a:rPr lang="en-US" sz="2400" dirty="0"/>
-              <a:t>.NET 5</a:t>
-            </a:r>
-            <a:endParaRPr lang="uk-UA" sz="2400" dirty="0"/>
-          </a:p>
-          <a:p>
-            <a:pPr marL="742950" lvl="1" indent="-285750">
+              <a:rPr lang="uk-UA" dirty="0"/>
+              <a:t>	</a:t>
+            </a:r>
+            <a:r>
+              <a:rPr lang="en-US" dirty="0"/>
+              <a:t>k-modes</a:t>
+            </a:r>
+            <a:r>
+              <a:rPr lang="uk-UA" dirty="0"/>
+              <a:t> – це алгоритм, який базується на алгоритмі </a:t>
+            </a:r>
+            <a:r>
+              <a:rPr lang="en-US" dirty="0"/>
+              <a:t>k-</a:t>
+            </a:r>
+            <a:r>
+              <a:rPr lang="uk-UA" dirty="0"/>
+              <a:t>середніх і використовується для кластеризації даних на основі якісних змінних.</a:t>
+            </a:r>
+          </a:p>
+          <a:p>
+            <a:pPr algn="just">
               <a:lnSpc>
                 <a:spcPct val="150000"/>
               </a:lnSpc>
-              <a:buClr>
-                <a:srgbClr val="0070C0"/>
-              </a:buClr>
-              <a:buFont typeface="Wingdings" panose="05000000000000000000" pitchFamily="2" charset="2"/>
-              <a:buChar char="Ø"/>
             </a:pPr>
             <a:r>
-              <a:rPr lang="en-US" sz="2400" dirty="0" err="1"/>
-              <a:t>ASP.Net</a:t>
-            </a:r>
-            <a:r>
-              <a:rPr lang="en-US" sz="2400" dirty="0"/>
-              <a:t> Core</a:t>
-            </a:r>
-          </a:p>
-          <a:p>
-            <a:pPr marL="285750" indent="-285750">
-              <a:lnSpc>
-                <a:spcPct val="150000"/>
-              </a:lnSpc>
-              <a:buClr>
-                <a:srgbClr val="0070C0"/>
-              </a:buClr>
-              <a:buFont typeface="Wingdings" panose="05000000000000000000" pitchFamily="2" charset="2"/>
-              <a:buChar char="Ø"/>
-            </a:pPr>
-            <a:r>
-              <a:rPr lang="en-US" sz="2400" dirty="0"/>
-              <a:t>React</a:t>
-            </a:r>
-          </a:p>
-          <a:p>
-            <a:pPr marL="742950" lvl="1" indent="-285750">
-              <a:lnSpc>
-                <a:spcPct val="150000"/>
-              </a:lnSpc>
-              <a:buClr>
-                <a:srgbClr val="0070C0"/>
-              </a:buClr>
-              <a:buFont typeface="Wingdings" panose="05000000000000000000" pitchFamily="2" charset="2"/>
-              <a:buChar char="Ø"/>
-            </a:pPr>
-            <a:r>
-              <a:rPr lang="en-US" sz="2400" dirty="0"/>
-              <a:t>Type Script</a:t>
-            </a:r>
-          </a:p>
-          <a:p>
-            <a:pPr marL="742950" lvl="1" indent="-285750">
-              <a:lnSpc>
-                <a:spcPct val="150000"/>
-              </a:lnSpc>
-              <a:buClr>
-                <a:srgbClr val="0070C0"/>
-              </a:buClr>
-              <a:buFont typeface="Wingdings" panose="05000000000000000000" pitchFamily="2" charset="2"/>
-              <a:buChar char="Ø"/>
-            </a:pPr>
-            <a:r>
-              <a:rPr lang="en-US" sz="2400" dirty="0"/>
-              <a:t>Ant Design</a:t>
-            </a:r>
-          </a:p>
-        </p:txBody>
-      </p:sp>
-      <p:pic>
-        <p:nvPicPr>
-          <p:cNvPr id="9" name="Графіка 8">
+              <a:rPr lang="uk-UA" dirty="0"/>
+              <a:t>	</a:t>
+            </a:r>
+            <a:r>
+              <a:rPr lang="en-US" dirty="0"/>
+              <a:t>k-modes </a:t>
+            </a:r>
+            <a:r>
+              <a:rPr lang="uk-UA" dirty="0"/>
+              <a:t>визначає кластери на основі відповідності категорій між даними представленими у вигляді точок.</a:t>
+            </a:r>
+            <a:endParaRPr lang="en-US" dirty="0"/>
+          </a:p>
+        </p:txBody>
+      </p:sp>
+      <p:sp>
+        <p:nvSpPr>
+          <p:cNvPr id="8" name="TextBox 7">
             <a:extLst>
               <a:ext uri="{FF2B5EF4-FFF2-40B4-BE49-F238E27FC236}">
-                <a16:creationId xmlns:a16="http://schemas.microsoft.com/office/drawing/2014/main" id="{7B0187F1-39B6-41D5-ACBF-CA2AFBB1EB21}"/>
+                <a16:creationId xmlns:a16="http://schemas.microsoft.com/office/drawing/2014/main" id="{18852229-13C1-495A-8A2F-9EFD183EDC50}"/>
               </a:ext>
             </a:extLst>
           </p:cNvPr>
-          <p:cNvPicPr>
-            <a:picLocks noChangeAspect="1"/>
-          </p:cNvPicPr>
+          <p:cNvSpPr txBox="1"/>
           <p:nvPr/>
-        </p:nvPicPr>
-        <p:blipFill>
-          <a:blip r:embed="rId3">
-            <a:extLst>
-              <a:ext uri="{28A0092B-C50C-407E-A947-70E740481C1C}">
-                <a14:useLocalDpi xmlns:a14="http://schemas.microsoft.com/office/drawing/2010/main" val="0"/>
-              </a:ext>
-              <a:ext uri="{96DAC541-7B7A-43D3-8B79-37D633B846F1}">
-                <asvg:svgBlip xmlns:asvg="http://schemas.microsoft.com/office/drawing/2016/SVG/main" r:embed="rId4"/>
-              </a:ext>
-            </a:extLst>
-          </a:blip>
-          <a:stretch>
-            <a:fillRect/>
-          </a:stretch>
-        </p:blipFill>
+        </p:nvSpPr>
         <p:spPr>
           <a:xfrm>
-            <a:off x="6492525" y="4461754"/>
-            <a:ext cx="1734981" cy="1734981"/>
+            <a:off x="759040" y="894524"/>
+            <a:ext cx="8491492" cy="2534476"/>
           </a:xfrm>
           <a:prstGeom prst="rect">
             <a:avLst/>
           </a:prstGeom>
+          <a:noFill/>
         </p:spPr>
-      </p:pic>
-      <p:pic>
-        <p:nvPicPr>
-          <p:cNvPr id="13" name="Рисунок 12">
+        <p:txBody>
+          <a:bodyPr wrap="square">
+            <a:spAutoFit/>
+          </a:bodyPr>
+          <a:lstStyle/>
+          <a:p>
+            <a:pPr>
+              <a:lnSpc>
+                <a:spcPct val="150000"/>
+              </a:lnSpc>
+            </a:pPr>
+            <a:r>
+              <a:rPr lang="uk-UA" dirty="0"/>
+              <a:t>	k-середніх – це популярний алгоритм кластеризації на основі </a:t>
+            </a:r>
+            <a:r>
+              <a:rPr lang="uk-UA" dirty="0" err="1"/>
+              <a:t>центроїдів</a:t>
+            </a:r>
+            <a:r>
+              <a:rPr lang="uk-UA" dirty="0"/>
+              <a:t>, який розділяє дані представлені у вигляді точок на k кластерів, кожен із яких має майже рівну кількість цих точок. Ідея цього алгоритму кластеризації полягає в тому, щоб знайти k </a:t>
+            </a:r>
+            <a:r>
+              <a:rPr lang="uk-UA" dirty="0" err="1"/>
+              <a:t>центроїдних</a:t>
+            </a:r>
+            <a:r>
+              <a:rPr lang="uk-UA" dirty="0"/>
+              <a:t> точок, де кожна точка з набору даних буде належати будь-якій з k-множин, що мають мінімальну евклідову відстань.</a:t>
+            </a:r>
+            <a:endParaRPr lang="en-US" dirty="0"/>
+          </a:p>
+        </p:txBody>
+      </p:sp>
+      <p:sp>
+        <p:nvSpPr>
+          <p:cNvPr id="10" name="TextBox 9">
             <a:extLst>
               <a:ext uri="{FF2B5EF4-FFF2-40B4-BE49-F238E27FC236}">
-                <a16:creationId xmlns:a16="http://schemas.microsoft.com/office/drawing/2014/main" id="{CA133197-37EC-416A-AF2E-145CB1CC9BDB}"/>
+                <a16:creationId xmlns:a16="http://schemas.microsoft.com/office/drawing/2014/main" id="{74BC541C-C498-4CE4-9632-8BCE4BDC9799}"/>
               </a:ext>
             </a:extLst>
           </p:cNvPr>
-          <p:cNvPicPr>
-            <a:picLocks noChangeAspect="1"/>
-          </p:cNvPicPr>
+          <p:cNvSpPr txBox="1"/>
           <p:nvPr/>
-        </p:nvPicPr>
-        <p:blipFill>
-          <a:blip r:embed="rId5">
-            <a:extLst>
-              <a:ext uri="{28A0092B-C50C-407E-A947-70E740481C1C}">
-                <a14:useLocalDpi xmlns:a14="http://schemas.microsoft.com/office/drawing/2010/main" val="0"/>
-              </a:ext>
-            </a:extLst>
-          </a:blip>
-          <a:stretch>
-            <a:fillRect/>
-          </a:stretch>
-        </p:blipFill>
+        </p:nvSpPr>
         <p:spPr>
           <a:xfrm>
-            <a:off x="3919784" y="937277"/>
-            <a:ext cx="2049300" cy="2049300"/>
+            <a:off x="759039" y="3339888"/>
+            <a:ext cx="8491492" cy="1287981"/>
           </a:xfrm>
           <a:prstGeom prst="rect">
             <a:avLst/>
           </a:prstGeom>
+          <a:noFill/>
         </p:spPr>
-      </p:pic>
-      <p:pic>
-        <p:nvPicPr>
-          <p:cNvPr id="15" name="Рисунок 14">
-            <a:extLst>
-              <a:ext uri="{FF2B5EF4-FFF2-40B4-BE49-F238E27FC236}">
-                <a16:creationId xmlns:a16="http://schemas.microsoft.com/office/drawing/2014/main" id="{6047E9F3-0FDC-4855-9453-7FFC3ED9F106}"/>
-              </a:ext>
-            </a:extLst>
-          </p:cNvPr>
-          <p:cNvPicPr>
-            <a:picLocks noChangeAspect="1"/>
-          </p:cNvPicPr>
-          <p:nvPr/>
-        </p:nvPicPr>
-        <p:blipFill>
-          <a:blip r:embed="rId6">
-            <a:extLst>
-              <a:ext uri="{28A0092B-C50C-407E-A947-70E740481C1C}">
-                <a14:useLocalDpi xmlns:a14="http://schemas.microsoft.com/office/drawing/2010/main" val="0"/>
-              </a:ext>
-            </a:extLst>
-          </a:blip>
-          <a:stretch>
-            <a:fillRect/>
-          </a:stretch>
-        </p:blipFill>
-        <p:spPr>
-          <a:xfrm>
-            <a:off x="6492525" y="611900"/>
-            <a:ext cx="3017065" cy="3017065"/>
-          </a:xfrm>
-          <a:prstGeom prst="rect">
-            <a:avLst/>
-          </a:prstGeom>
-        </p:spPr>
-      </p:pic>
-      <p:pic>
-        <p:nvPicPr>
-          <p:cNvPr id="16" name="Рисунок 15" descr="Зображення, що містить текст, картинка&#10;&#10;Автоматично згенерований опис">
-            <a:extLst>
-              <a:ext uri="{FF2B5EF4-FFF2-40B4-BE49-F238E27FC236}">
-                <a16:creationId xmlns:a16="http://schemas.microsoft.com/office/drawing/2014/main" id="{B276B3DB-506E-4B61-8A83-F59D8649341C}"/>
-              </a:ext>
-            </a:extLst>
-          </p:cNvPr>
-          <p:cNvPicPr>
-            <a:picLocks noChangeAspect="1"/>
-          </p:cNvPicPr>
-          <p:nvPr/>
-        </p:nvPicPr>
-        <p:blipFill>
-          <a:blip r:embed="rId7">
-            <a:extLst>
-              <a:ext uri="{28A0092B-C50C-407E-A947-70E740481C1C}">
-                <a14:useLocalDpi xmlns:a14="http://schemas.microsoft.com/office/drawing/2010/main" val="0"/>
-              </a:ext>
-            </a:extLst>
-          </a:blip>
-          <a:stretch>
-            <a:fillRect/>
-          </a:stretch>
-        </p:blipFill>
-        <p:spPr>
-          <a:xfrm>
-            <a:off x="2802753" y="4860131"/>
-            <a:ext cx="1636133" cy="1636133"/>
-          </a:xfrm>
-          <a:prstGeom prst="rect">
-            <a:avLst/>
-          </a:prstGeom>
-        </p:spPr>
-      </p:pic>
+        <p:txBody>
+          <a:bodyPr wrap="square">
+            <a:spAutoFit/>
+          </a:bodyPr>
+          <a:lstStyle/>
+          <a:p>
+            <a:pPr algn="just">
+              <a:lnSpc>
+                <a:spcPct val="150000"/>
+              </a:lnSpc>
+            </a:pPr>
+            <a:r>
+              <a:rPr lang="uk-UA" dirty="0"/>
+              <a:t>	Алгоритм k-середніх не застосовується до даних з якісними змінними, оскільки якісні змінні є дискретними і не мають природного походження. Отже, обчислення евклідової відстані для такого простору, не має сенсу.</a:t>
+            </a:r>
+            <a:endParaRPr lang="en-US" dirty="0"/>
+          </a:p>
+        </p:txBody>
+      </p:sp>
     </p:spTree>
     <p:extLst>
       <p:ext uri="{BB962C8B-B14F-4D97-AF65-F5344CB8AC3E}">
-        <p14:creationId xmlns:p14="http://schemas.microsoft.com/office/powerpoint/2010/main" val="346208136"/>
+        <p14:creationId xmlns:p14="http://schemas.microsoft.com/office/powerpoint/2010/main" val="2444979819"/>
       </p:ext>
     </p:extLst>
   </p:cSld>

--- a/Documents/Presentation_1.pptx
+++ b/Documents/Presentation_1.pptx
@@ -13,11 +13,13 @@
     <p:sldId id="262" r:id="rId7"/>
     <p:sldId id="263" r:id="rId8"/>
     <p:sldId id="261" r:id="rId9"/>
-    <p:sldId id="267" r:id="rId10"/>
-    <p:sldId id="268" r:id="rId11"/>
-    <p:sldId id="264" r:id="rId12"/>
-    <p:sldId id="265" r:id="rId13"/>
-    <p:sldId id="258" r:id="rId14"/>
+    <p:sldId id="270" r:id="rId10"/>
+    <p:sldId id="267" r:id="rId11"/>
+    <p:sldId id="268" r:id="rId12"/>
+    <p:sldId id="269" r:id="rId13"/>
+    <p:sldId id="264" r:id="rId14"/>
+    <p:sldId id="265" r:id="rId15"/>
+    <p:sldId id="258" r:id="rId16"/>
   </p:sldIdLst>
   <p:sldSz cx="12192000" cy="6858000"/>
   <p:notesSz cx="6858000" cy="9144000"/>
@@ -6013,6 +6015,337 @@
           <p:cNvPr id="4" name="Заголовок 1">
             <a:extLst>
               <a:ext uri="{FF2B5EF4-FFF2-40B4-BE49-F238E27FC236}">
+                <a16:creationId xmlns:a16="http://schemas.microsoft.com/office/drawing/2014/main" id="{F8243150-867F-42C4-B527-2FA91B461363}"/>
+              </a:ext>
+            </a:extLst>
+          </p:cNvPr>
+          <p:cNvSpPr txBox="1">
+            <a:spLocks/>
+          </p:cNvSpPr>
+          <p:nvPr/>
+        </p:nvSpPr>
+        <p:spPr>
+          <a:xfrm>
+            <a:off x="168676" y="238379"/>
+            <a:ext cx="9081856" cy="747042"/>
+          </a:xfrm>
+          <a:prstGeom prst="rect">
+            <a:avLst/>
+          </a:prstGeom>
+        </p:spPr>
+        <p:txBody>
+          <a:bodyPr vert="horz" lIns="91440" tIns="45720" rIns="91440" bIns="45720" rtlCol="0" anchor="t">
+            <a:normAutofit/>
+          </a:bodyPr>
+          <a:lstStyle>
+            <a:lvl1pPr algn="l" defTabSz="457200" rtl="0" eaLnBrk="1" latinLnBrk="0" hangingPunct="1">
+              <a:spcBef>
+                <a:spcPct val="0"/>
+              </a:spcBef>
+              <a:buNone/>
+              <a:defRPr sz="3600" kern="1200">
+                <a:solidFill>
+                  <a:schemeClr val="accent1"/>
+                </a:solidFill>
+                <a:latin typeface="+mj-lt"/>
+                <a:ea typeface="+mj-ea"/>
+                <a:cs typeface="+mj-cs"/>
+              </a:defRPr>
+            </a:lvl1pPr>
+            <a:lvl2pPr eaLnBrk="1" hangingPunct="1">
+              <a:defRPr>
+                <a:solidFill>
+                  <a:schemeClr val="tx2"/>
+                </a:solidFill>
+              </a:defRPr>
+            </a:lvl2pPr>
+            <a:lvl3pPr eaLnBrk="1" hangingPunct="1">
+              <a:defRPr>
+                <a:solidFill>
+                  <a:schemeClr val="tx2"/>
+                </a:solidFill>
+              </a:defRPr>
+            </a:lvl3pPr>
+            <a:lvl4pPr eaLnBrk="1" hangingPunct="1">
+              <a:defRPr>
+                <a:solidFill>
+                  <a:schemeClr val="tx2"/>
+                </a:solidFill>
+              </a:defRPr>
+            </a:lvl4pPr>
+            <a:lvl5pPr eaLnBrk="1" hangingPunct="1">
+              <a:defRPr>
+                <a:solidFill>
+                  <a:schemeClr val="tx2"/>
+                </a:solidFill>
+              </a:defRPr>
+            </a:lvl5pPr>
+            <a:lvl6pPr eaLnBrk="1" hangingPunct="1">
+              <a:defRPr>
+                <a:solidFill>
+                  <a:schemeClr val="tx2"/>
+                </a:solidFill>
+              </a:defRPr>
+            </a:lvl6pPr>
+            <a:lvl7pPr eaLnBrk="1" hangingPunct="1">
+              <a:defRPr>
+                <a:solidFill>
+                  <a:schemeClr val="tx2"/>
+                </a:solidFill>
+              </a:defRPr>
+            </a:lvl7pPr>
+            <a:lvl8pPr eaLnBrk="1" hangingPunct="1">
+              <a:defRPr>
+                <a:solidFill>
+                  <a:schemeClr val="tx2"/>
+                </a:solidFill>
+              </a:defRPr>
+            </a:lvl8pPr>
+            <a:lvl9pPr eaLnBrk="1" hangingPunct="1">
+              <a:defRPr>
+                <a:solidFill>
+                  <a:schemeClr val="tx2"/>
+                </a:solidFill>
+              </a:defRPr>
+            </a:lvl9pPr>
+          </a:lstStyle>
+          <a:p>
+            <a:r>
+              <a:rPr lang="uk-UA" dirty="0">
+                <a:solidFill>
+                  <a:srgbClr val="0070C0"/>
+                </a:solidFill>
+              </a:rPr>
+              <a:t>Кластеризація методом</a:t>
+            </a:r>
+            <a:r>
+              <a:rPr lang="en-US" dirty="0">
+                <a:solidFill>
+                  <a:srgbClr val="0070C0"/>
+                </a:solidFill>
+              </a:rPr>
+              <a:t> k-mods</a:t>
+            </a:r>
+            <a:r>
+              <a:rPr lang="uk-UA" dirty="0">
+                <a:solidFill>
+                  <a:srgbClr val="0070C0"/>
+                </a:solidFill>
+              </a:rPr>
+              <a:t> </a:t>
+            </a:r>
+          </a:p>
+        </p:txBody>
+      </p:sp>
+      <p:sp>
+        <p:nvSpPr>
+          <p:cNvPr id="6" name="TextBox 5">
+            <a:extLst>
+              <a:ext uri="{FF2B5EF4-FFF2-40B4-BE49-F238E27FC236}">
+                <a16:creationId xmlns:a16="http://schemas.microsoft.com/office/drawing/2014/main" id="{D8491B23-FE99-4CA6-9814-A95E9575423B}"/>
+              </a:ext>
+            </a:extLst>
+          </p:cNvPr>
+          <p:cNvSpPr txBox="1"/>
+          <p:nvPr/>
+        </p:nvSpPr>
+        <p:spPr>
+          <a:xfrm>
+            <a:off x="759038" y="4539093"/>
+            <a:ext cx="8491493" cy="1703480"/>
+          </a:xfrm>
+          <a:prstGeom prst="rect">
+            <a:avLst/>
+          </a:prstGeom>
+          <a:noFill/>
+        </p:spPr>
+        <p:txBody>
+          <a:bodyPr wrap="square">
+            <a:spAutoFit/>
+          </a:bodyPr>
+          <a:lstStyle/>
+          <a:p>
+            <a:pPr algn="just">
+              <a:lnSpc>
+                <a:spcPct val="150000"/>
+              </a:lnSpc>
+            </a:pPr>
+            <a:r>
+              <a:rPr lang="uk-UA" dirty="0"/>
+              <a:t>	</a:t>
+            </a:r>
+            <a:r>
+              <a:rPr lang="en-US" dirty="0"/>
+              <a:t>k-modes</a:t>
+            </a:r>
+            <a:r>
+              <a:rPr lang="uk-UA" dirty="0"/>
+              <a:t> – це алгоритм, який базується на алгоритмі </a:t>
+            </a:r>
+            <a:r>
+              <a:rPr lang="en-US" dirty="0"/>
+              <a:t>k-</a:t>
+            </a:r>
+            <a:r>
+              <a:rPr lang="uk-UA" dirty="0"/>
+              <a:t>середніх і використовується для кластеризації даних на основі якісних змінних.</a:t>
+            </a:r>
+          </a:p>
+          <a:p>
+            <a:pPr algn="just">
+              <a:lnSpc>
+                <a:spcPct val="150000"/>
+              </a:lnSpc>
+            </a:pPr>
+            <a:r>
+              <a:rPr lang="uk-UA" dirty="0"/>
+              <a:t>	</a:t>
+            </a:r>
+            <a:r>
+              <a:rPr lang="en-US" dirty="0"/>
+              <a:t>k-modes </a:t>
+            </a:r>
+            <a:r>
+              <a:rPr lang="uk-UA" dirty="0"/>
+              <a:t>визначає кластери на основі відповідності категорій між точками даних.</a:t>
+            </a:r>
+            <a:endParaRPr lang="en-US" dirty="0"/>
+          </a:p>
+        </p:txBody>
+      </p:sp>
+      <p:sp>
+        <p:nvSpPr>
+          <p:cNvPr id="8" name="TextBox 7">
+            <a:extLst>
+              <a:ext uri="{FF2B5EF4-FFF2-40B4-BE49-F238E27FC236}">
+                <a16:creationId xmlns:a16="http://schemas.microsoft.com/office/drawing/2014/main" id="{18852229-13C1-495A-8A2F-9EFD183EDC50}"/>
+              </a:ext>
+            </a:extLst>
+          </p:cNvPr>
+          <p:cNvSpPr txBox="1"/>
+          <p:nvPr/>
+        </p:nvSpPr>
+        <p:spPr>
+          <a:xfrm>
+            <a:off x="759040" y="894524"/>
+            <a:ext cx="8491492" cy="2534476"/>
+          </a:xfrm>
+          <a:prstGeom prst="rect">
+            <a:avLst/>
+          </a:prstGeom>
+          <a:noFill/>
+        </p:spPr>
+        <p:txBody>
+          <a:bodyPr wrap="square">
+            <a:spAutoFit/>
+          </a:bodyPr>
+          <a:lstStyle/>
+          <a:p>
+            <a:pPr>
+              <a:lnSpc>
+                <a:spcPct val="150000"/>
+              </a:lnSpc>
+            </a:pPr>
+            <a:r>
+              <a:rPr lang="uk-UA" dirty="0"/>
+              <a:t>	k-середніх – це популярний алгоритм кластеризації на основі </a:t>
+            </a:r>
+            <a:r>
+              <a:rPr lang="uk-UA" dirty="0" err="1"/>
+              <a:t>центроїдів</a:t>
+            </a:r>
+            <a:r>
+              <a:rPr lang="uk-UA" dirty="0"/>
+              <a:t>, який розділяє дані представлені у вигляді точок на k кластерів, кожен із яких має майже рівну кількість цих точок. Ідея цього алгоритму кластеризації полягає в тому, щоб знайти k </a:t>
+            </a:r>
+            <a:r>
+              <a:rPr lang="uk-UA" dirty="0" err="1"/>
+              <a:t>центроїдних</a:t>
+            </a:r>
+            <a:r>
+              <a:rPr lang="uk-UA" dirty="0"/>
+              <a:t> точок, де кожна точка з набору даних буде належати будь-якій з k-множин, що мають мінімальну евклідову відстань.</a:t>
+            </a:r>
+            <a:endParaRPr lang="en-US" dirty="0"/>
+          </a:p>
+        </p:txBody>
+      </p:sp>
+      <p:sp>
+        <p:nvSpPr>
+          <p:cNvPr id="10" name="TextBox 9">
+            <a:extLst>
+              <a:ext uri="{FF2B5EF4-FFF2-40B4-BE49-F238E27FC236}">
+                <a16:creationId xmlns:a16="http://schemas.microsoft.com/office/drawing/2014/main" id="{74BC541C-C498-4CE4-9632-8BCE4BDC9799}"/>
+              </a:ext>
+            </a:extLst>
+          </p:cNvPr>
+          <p:cNvSpPr txBox="1"/>
+          <p:nvPr/>
+        </p:nvSpPr>
+        <p:spPr>
+          <a:xfrm>
+            <a:off x="759039" y="3339888"/>
+            <a:ext cx="8491492" cy="1287981"/>
+          </a:xfrm>
+          <a:prstGeom prst="rect">
+            <a:avLst/>
+          </a:prstGeom>
+          <a:noFill/>
+        </p:spPr>
+        <p:txBody>
+          <a:bodyPr wrap="square">
+            <a:spAutoFit/>
+          </a:bodyPr>
+          <a:lstStyle/>
+          <a:p>
+            <a:pPr algn="just">
+              <a:lnSpc>
+                <a:spcPct val="150000"/>
+              </a:lnSpc>
+            </a:pPr>
+            <a:r>
+              <a:rPr lang="uk-UA" dirty="0"/>
+              <a:t>	Алгоритм k-середніх не застосовується до даних з якісними змінними, оскільки якісні змінні є дискретними і не мають природного походження. Отже, обчислення евклідової відстані для такого простору, не має сенсу.</a:t>
+            </a:r>
+            <a:endParaRPr lang="en-US" dirty="0"/>
+          </a:p>
+        </p:txBody>
+      </p:sp>
+    </p:spTree>
+    <p:extLst>
+      <p:ext uri="{BB962C8B-B14F-4D97-AF65-F5344CB8AC3E}">
+        <p14:creationId xmlns:p14="http://schemas.microsoft.com/office/powerpoint/2010/main" val="2444979819"/>
+      </p:ext>
+    </p:extLst>
+  </p:cSld>
+  <p:clrMapOvr>
+    <a:masterClrMapping/>
+  </p:clrMapOvr>
+</p:sld>
+</file>
+
+<file path=ppt/slides/slide11.xml><?xml version="1.0" encoding="utf-8"?>
+<p:sld xmlns:a="http://schemas.openxmlformats.org/drawingml/2006/main" xmlns:r="http://schemas.openxmlformats.org/officeDocument/2006/relationships" xmlns:p="http://schemas.openxmlformats.org/presentationml/2006/main">
+  <p:cSld>
+    <p:spTree>
+      <p:nvGrpSpPr>
+        <p:cNvPr id="1" name=""/>
+        <p:cNvGrpSpPr/>
+        <p:nvPr/>
+      </p:nvGrpSpPr>
+      <p:grpSpPr>
+        <a:xfrm>
+          <a:off x="0" y="0"/>
+          <a:ext cx="0" cy="0"/>
+          <a:chOff x="0" y="0"/>
+          <a:chExt cx="0" cy="0"/>
+        </a:xfrm>
+      </p:grpSpPr>
+      <p:sp>
+        <p:nvSpPr>
+          <p:cNvPr id="4" name="Заголовок 1">
+            <a:extLst>
+              <a:ext uri="{FF2B5EF4-FFF2-40B4-BE49-F238E27FC236}">
                 <a16:creationId xmlns:a16="http://schemas.microsoft.com/office/drawing/2014/main" id="{E921E96E-5F6E-4A6E-A0C7-F31C33B147FD}"/>
               </a:ext>
             </a:extLst>
@@ -6121,10 +6454,10 @@
       </p:sp>
       <p:pic>
         <p:nvPicPr>
-          <p:cNvPr id="6" name="Рисунок 5">
+          <p:cNvPr id="5" name="Рисунок 4">
             <a:extLst>
               <a:ext uri="{FF2B5EF4-FFF2-40B4-BE49-F238E27FC236}">
-                <a16:creationId xmlns:a16="http://schemas.microsoft.com/office/drawing/2014/main" id="{A6F10D79-DF0F-45B4-B61B-5E9DF8D7CE36}"/>
+                <a16:creationId xmlns:a16="http://schemas.microsoft.com/office/drawing/2014/main" id="{7571CBAA-A9B6-45BC-A980-92F3E0CF083B}"/>
               </a:ext>
             </a:extLst>
           </p:cNvPr>
@@ -6133,15 +6466,16 @@
           </p:cNvPicPr>
           <p:nvPr/>
         </p:nvPicPr>
-        <p:blipFill rotWithShape="1">
+        <p:blipFill>
           <a:blip r:embed="rId2"/>
-          <a:srcRect l="1625" t="2536" r="898" b="-1"/>
-          <a:stretch/>
+          <a:stretch>
+            <a:fillRect/>
+          </a:stretch>
         </p:blipFill>
         <p:spPr>
           <a:xfrm>
-            <a:off x="168676" y="1118587"/>
-            <a:ext cx="11884240" cy="4762453"/>
+            <a:off x="500103" y="1510552"/>
+            <a:ext cx="11191793" cy="4280648"/>
           </a:xfrm>
           <a:prstGeom prst="rect">
             <a:avLst/>
@@ -6161,7 +6495,2106 @@
 </p:sld>
 </file>
 
-<file path=ppt/slides/slide11.xml><?xml version="1.0" encoding="utf-8"?>
+<file path=ppt/slides/slide12.xml><?xml version="1.0" encoding="utf-8"?>
+<p:sld xmlns:a="http://schemas.openxmlformats.org/drawingml/2006/main" xmlns:r="http://schemas.openxmlformats.org/officeDocument/2006/relationships" xmlns:p="http://schemas.openxmlformats.org/presentationml/2006/main">
+  <p:cSld>
+    <p:spTree>
+      <p:nvGrpSpPr>
+        <p:cNvPr id="1" name=""/>
+        <p:cNvGrpSpPr/>
+        <p:nvPr/>
+      </p:nvGrpSpPr>
+      <p:grpSpPr>
+        <a:xfrm>
+          <a:off x="0" y="0"/>
+          <a:ext cx="0" cy="0"/>
+          <a:chOff x="0" y="0"/>
+          <a:chExt cx="0" cy="0"/>
+        </a:xfrm>
+      </p:grpSpPr>
+      <p:sp>
+        <p:nvSpPr>
+          <p:cNvPr id="4" name="Заголовок 1">
+            <a:extLst>
+              <a:ext uri="{FF2B5EF4-FFF2-40B4-BE49-F238E27FC236}">
+                <a16:creationId xmlns:a16="http://schemas.microsoft.com/office/drawing/2014/main" id="{B80BE08D-4E9D-43CA-AA94-AF8423D19B28}"/>
+              </a:ext>
+            </a:extLst>
+          </p:cNvPr>
+          <p:cNvSpPr txBox="1">
+            <a:spLocks/>
+          </p:cNvSpPr>
+          <p:nvPr/>
+        </p:nvSpPr>
+        <p:spPr>
+          <a:xfrm>
+            <a:off x="168676" y="238379"/>
+            <a:ext cx="9081856" cy="747042"/>
+          </a:xfrm>
+          <a:prstGeom prst="rect">
+            <a:avLst/>
+          </a:prstGeom>
+        </p:spPr>
+        <p:txBody>
+          <a:bodyPr vert="horz" lIns="91440" tIns="45720" rIns="91440" bIns="45720" rtlCol="0" anchor="t">
+            <a:normAutofit/>
+          </a:bodyPr>
+          <a:lstStyle>
+            <a:lvl1pPr algn="l" defTabSz="457200" rtl="0" eaLnBrk="1" latinLnBrk="0" hangingPunct="1">
+              <a:spcBef>
+                <a:spcPct val="0"/>
+              </a:spcBef>
+              <a:buNone/>
+              <a:defRPr sz="3600" kern="1200">
+                <a:solidFill>
+                  <a:schemeClr val="accent1"/>
+                </a:solidFill>
+                <a:latin typeface="+mj-lt"/>
+                <a:ea typeface="+mj-ea"/>
+                <a:cs typeface="+mj-cs"/>
+              </a:defRPr>
+            </a:lvl1pPr>
+            <a:lvl2pPr eaLnBrk="1" hangingPunct="1">
+              <a:defRPr>
+                <a:solidFill>
+                  <a:schemeClr val="tx2"/>
+                </a:solidFill>
+              </a:defRPr>
+            </a:lvl2pPr>
+            <a:lvl3pPr eaLnBrk="1" hangingPunct="1">
+              <a:defRPr>
+                <a:solidFill>
+                  <a:schemeClr val="tx2"/>
+                </a:solidFill>
+              </a:defRPr>
+            </a:lvl3pPr>
+            <a:lvl4pPr eaLnBrk="1" hangingPunct="1">
+              <a:defRPr>
+                <a:solidFill>
+                  <a:schemeClr val="tx2"/>
+                </a:solidFill>
+              </a:defRPr>
+            </a:lvl4pPr>
+            <a:lvl5pPr eaLnBrk="1" hangingPunct="1">
+              <a:defRPr>
+                <a:solidFill>
+                  <a:schemeClr val="tx2"/>
+                </a:solidFill>
+              </a:defRPr>
+            </a:lvl5pPr>
+            <a:lvl6pPr eaLnBrk="1" hangingPunct="1">
+              <a:defRPr>
+                <a:solidFill>
+                  <a:schemeClr val="tx2"/>
+                </a:solidFill>
+              </a:defRPr>
+            </a:lvl6pPr>
+            <a:lvl7pPr eaLnBrk="1" hangingPunct="1">
+              <a:defRPr>
+                <a:solidFill>
+                  <a:schemeClr val="tx2"/>
+                </a:solidFill>
+              </a:defRPr>
+            </a:lvl7pPr>
+            <a:lvl8pPr eaLnBrk="1" hangingPunct="1">
+              <a:defRPr>
+                <a:solidFill>
+                  <a:schemeClr val="tx2"/>
+                </a:solidFill>
+              </a:defRPr>
+            </a:lvl8pPr>
+            <a:lvl9pPr eaLnBrk="1" hangingPunct="1">
+              <a:defRPr>
+                <a:solidFill>
+                  <a:schemeClr val="tx2"/>
+                </a:solidFill>
+              </a:defRPr>
+            </a:lvl9pPr>
+          </a:lstStyle>
+          <a:p>
+            <a:r>
+              <a:rPr lang="uk-UA" dirty="0">
+                <a:solidFill>
+                  <a:srgbClr val="0070C0"/>
+                </a:solidFill>
+              </a:rPr>
+              <a:t>Результат кластеризації</a:t>
+            </a:r>
+          </a:p>
+        </p:txBody>
+      </p:sp>
+      <p:graphicFrame>
+        <p:nvGraphicFramePr>
+          <p:cNvPr id="5" name="Таблиця 4">
+            <a:extLst>
+              <a:ext uri="{FF2B5EF4-FFF2-40B4-BE49-F238E27FC236}">
+                <a16:creationId xmlns:a16="http://schemas.microsoft.com/office/drawing/2014/main" id="{46E00C7F-EB7A-4D64-84EE-0314AAEDF02F}"/>
+              </a:ext>
+            </a:extLst>
+          </p:cNvPr>
+          <p:cNvGraphicFramePr>
+            <a:graphicFrameLocks noGrp="1"/>
+          </p:cNvGraphicFramePr>
+          <p:nvPr>
+            <p:extLst>
+              <p:ext uri="{D42A27DB-BD31-4B8C-83A1-F6EECF244321}">
+                <p14:modId xmlns:p14="http://schemas.microsoft.com/office/powerpoint/2010/main" val="3570993720"/>
+              </p:ext>
+            </p:extLst>
+          </p:nvPr>
+        </p:nvGraphicFramePr>
+        <p:xfrm>
+          <a:off x="348773" y="1264444"/>
+          <a:ext cx="7552353" cy="3282333"/>
+        </p:xfrm>
+        <a:graphic>
+          <a:graphicData uri="http://schemas.openxmlformats.org/drawingml/2006/table">
+            <a:tbl>
+              <a:tblPr firstRow="1" firstCol="1" bandRow="1">
+                <a:tableStyleId>{5C22544A-7EE6-4342-B048-85BDC9FD1C3A}</a:tableStyleId>
+              </a:tblPr>
+              <a:tblGrid>
+                <a:gridCol w="1193723">
+                  <a:extLst>
+                    <a:ext uri="{9D8B030D-6E8A-4147-A177-3AD203B41FA5}">
+                      <a16:colId xmlns:a16="http://schemas.microsoft.com/office/drawing/2014/main" val="328476391"/>
+                    </a:ext>
+                  </a:extLst>
+                </a:gridCol>
+                <a:gridCol w="6358630">
+                  <a:extLst>
+                    <a:ext uri="{9D8B030D-6E8A-4147-A177-3AD203B41FA5}">
+                      <a16:colId xmlns:a16="http://schemas.microsoft.com/office/drawing/2014/main" val="3926832066"/>
+                    </a:ext>
+                  </a:extLst>
+                </a:gridCol>
+              </a:tblGrid>
+              <a:tr h="544837">
+                <a:tc>
+                  <a:txBody>
+                    <a:bodyPr/>
+                    <a:lstStyle/>
+                    <a:p>
+                      <a:pPr marL="0" marR="0" indent="0" algn="just">
+                        <a:spcBef>
+                          <a:spcPts val="0"/>
+                        </a:spcBef>
+                        <a:spcAft>
+                          <a:spcPts val="0"/>
+                        </a:spcAft>
+                      </a:pPr>
+                      <a:r>
+                        <a:rPr lang="uk-UA" sz="1800">
+                          <a:solidFill>
+                            <a:schemeClr val="tx1"/>
+                          </a:solidFill>
+                          <a:effectLst/>
+                        </a:rPr>
+                        <a:t>Кластери</a:t>
+                      </a:r>
+                      <a:endParaRPr lang="en-US" sz="1800">
+                        <a:solidFill>
+                          <a:schemeClr val="tx1"/>
+                        </a:solidFill>
+                        <a:effectLst/>
+                        <a:latin typeface="Times New Roman" panose="02020603050405020304" pitchFamily="18" charset="0"/>
+                        <a:ea typeface="Calibri" panose="020F0502020204030204" pitchFamily="34" charset="0"/>
+                        <a:cs typeface="Times New Roman" panose="02020603050405020304" pitchFamily="18" charset="0"/>
+                      </a:endParaRPr>
+                    </a:p>
+                  </a:txBody>
+                  <a:tcPr marL="68580" marR="68580" marT="0" marB="0">
+                    <a:lnL w="12700" cap="flat" cmpd="sng" algn="ctr">
+                      <a:solidFill>
+                        <a:schemeClr val="tx1"/>
+                      </a:solidFill>
+                      <a:prstDash val="solid"/>
+                      <a:round/>
+                      <a:headEnd type="none" w="med" len="med"/>
+                      <a:tailEnd type="none" w="med" len="med"/>
+                    </a:lnL>
+                    <a:lnR w="12700" cap="flat" cmpd="sng" algn="ctr">
+                      <a:solidFill>
+                        <a:schemeClr val="tx1"/>
+                      </a:solidFill>
+                      <a:prstDash val="solid"/>
+                      <a:round/>
+                      <a:headEnd type="none" w="med" len="med"/>
+                      <a:tailEnd type="none" w="med" len="med"/>
+                    </a:lnR>
+                    <a:lnT w="12700" cap="flat" cmpd="sng" algn="ctr">
+                      <a:solidFill>
+                        <a:schemeClr val="tx1"/>
+                      </a:solidFill>
+                      <a:prstDash val="solid"/>
+                      <a:round/>
+                      <a:headEnd type="none" w="med" len="med"/>
+                      <a:tailEnd type="none" w="med" len="med"/>
+                    </a:lnT>
+                    <a:lnB w="12700" cap="flat" cmpd="sng" algn="ctr">
+                      <a:solidFill>
+                        <a:schemeClr val="tx1"/>
+                      </a:solidFill>
+                      <a:prstDash val="solid"/>
+                      <a:round/>
+                      <a:headEnd type="none" w="med" len="med"/>
+                      <a:tailEnd type="none" w="med" len="med"/>
+                    </a:lnB>
+                    <a:noFill/>
+                  </a:tcPr>
+                </a:tc>
+                <a:tc>
+                  <a:txBody>
+                    <a:bodyPr/>
+                    <a:lstStyle/>
+                    <a:p>
+                      <a:pPr marL="0" marR="0" indent="0" algn="just">
+                        <a:spcBef>
+                          <a:spcPts val="0"/>
+                        </a:spcBef>
+                        <a:spcAft>
+                          <a:spcPts val="0"/>
+                        </a:spcAft>
+                      </a:pPr>
+                      <a:r>
+                        <a:rPr lang="uk-UA" sz="1800" dirty="0">
+                          <a:solidFill>
+                            <a:schemeClr val="tx1"/>
+                          </a:solidFill>
+                          <a:effectLst/>
+                        </a:rPr>
+                        <a:t>Елементи</a:t>
+                      </a:r>
+                      <a:endParaRPr lang="en-US" sz="1800" dirty="0">
+                        <a:solidFill>
+                          <a:schemeClr val="tx1"/>
+                        </a:solidFill>
+                        <a:effectLst/>
+                        <a:latin typeface="Times New Roman" panose="02020603050405020304" pitchFamily="18" charset="0"/>
+                        <a:ea typeface="Calibri" panose="020F0502020204030204" pitchFamily="34" charset="0"/>
+                        <a:cs typeface="Times New Roman" panose="02020603050405020304" pitchFamily="18" charset="0"/>
+                      </a:endParaRPr>
+                    </a:p>
+                  </a:txBody>
+                  <a:tcPr marL="68580" marR="68580" marT="0" marB="0">
+                    <a:lnL w="12700" cap="flat" cmpd="sng" algn="ctr">
+                      <a:solidFill>
+                        <a:schemeClr val="tx1"/>
+                      </a:solidFill>
+                      <a:prstDash val="solid"/>
+                      <a:round/>
+                      <a:headEnd type="none" w="med" len="med"/>
+                      <a:tailEnd type="none" w="med" len="med"/>
+                    </a:lnL>
+                    <a:lnR w="12700" cap="flat" cmpd="sng" algn="ctr">
+                      <a:solidFill>
+                        <a:schemeClr val="tx1"/>
+                      </a:solidFill>
+                      <a:prstDash val="solid"/>
+                      <a:round/>
+                      <a:headEnd type="none" w="med" len="med"/>
+                      <a:tailEnd type="none" w="med" len="med"/>
+                    </a:lnR>
+                    <a:lnT w="12700" cap="flat" cmpd="sng" algn="ctr">
+                      <a:solidFill>
+                        <a:schemeClr val="tx1"/>
+                      </a:solidFill>
+                      <a:prstDash val="solid"/>
+                      <a:round/>
+                      <a:headEnd type="none" w="med" len="med"/>
+                      <a:tailEnd type="none" w="med" len="med"/>
+                    </a:lnT>
+                    <a:lnB w="12700" cap="flat" cmpd="sng" algn="ctr">
+                      <a:solidFill>
+                        <a:schemeClr val="tx1"/>
+                      </a:solidFill>
+                      <a:prstDash val="solid"/>
+                      <a:round/>
+                      <a:headEnd type="none" w="med" len="med"/>
+                      <a:tailEnd type="none" w="med" len="med"/>
+                    </a:lnB>
+                    <a:noFill/>
+                  </a:tcPr>
+                </a:tc>
+                <a:extLst>
+                  <a:ext uri="{0D108BD9-81ED-4DB2-BD59-A6C34878D82A}">
+                    <a16:rowId xmlns:a16="http://schemas.microsoft.com/office/drawing/2014/main" val="419970195"/>
+                  </a:ext>
+                </a:extLst>
+              </a:tr>
+              <a:tr h="272419">
+                <a:tc>
+                  <a:txBody>
+                    <a:bodyPr/>
+                    <a:lstStyle/>
+                    <a:p>
+                      <a:pPr marL="0" marR="0" indent="0" algn="l">
+                        <a:spcBef>
+                          <a:spcPts val="0"/>
+                        </a:spcBef>
+                        <a:spcAft>
+                          <a:spcPts val="0"/>
+                        </a:spcAft>
+                      </a:pPr>
+                      <a:r>
+                        <a:rPr lang="en-US" sz="1800">
+                          <a:solidFill>
+                            <a:schemeClr val="tx1"/>
+                          </a:solidFill>
+                          <a:effectLst/>
+                        </a:rPr>
+                        <a:t>0</a:t>
+                      </a:r>
+                      <a:endParaRPr lang="en-US" sz="1800">
+                        <a:solidFill>
+                          <a:schemeClr val="tx1"/>
+                        </a:solidFill>
+                        <a:effectLst/>
+                        <a:latin typeface="Times New Roman" panose="02020603050405020304" pitchFamily="18" charset="0"/>
+                        <a:ea typeface="Calibri" panose="020F0502020204030204" pitchFamily="34" charset="0"/>
+                        <a:cs typeface="Times New Roman" panose="02020603050405020304" pitchFamily="18" charset="0"/>
+                      </a:endParaRPr>
+                    </a:p>
+                  </a:txBody>
+                  <a:tcPr marL="68580" marR="68580" marT="0" marB="0" anchor="ctr">
+                    <a:lnL w="12700" cap="flat" cmpd="sng" algn="ctr">
+                      <a:solidFill>
+                        <a:schemeClr val="tx1"/>
+                      </a:solidFill>
+                      <a:prstDash val="solid"/>
+                      <a:round/>
+                      <a:headEnd type="none" w="med" len="med"/>
+                      <a:tailEnd type="none" w="med" len="med"/>
+                    </a:lnL>
+                    <a:lnR w="12700" cap="flat" cmpd="sng" algn="ctr">
+                      <a:solidFill>
+                        <a:schemeClr val="tx1"/>
+                      </a:solidFill>
+                      <a:prstDash val="solid"/>
+                      <a:round/>
+                      <a:headEnd type="none" w="med" len="med"/>
+                      <a:tailEnd type="none" w="med" len="med"/>
+                    </a:lnR>
+                    <a:lnT w="12700" cap="flat" cmpd="sng" algn="ctr">
+                      <a:solidFill>
+                        <a:schemeClr val="tx1"/>
+                      </a:solidFill>
+                      <a:prstDash val="solid"/>
+                      <a:round/>
+                      <a:headEnd type="none" w="med" len="med"/>
+                      <a:tailEnd type="none" w="med" len="med"/>
+                    </a:lnT>
+                    <a:lnB w="12700" cap="flat" cmpd="sng" algn="ctr">
+                      <a:solidFill>
+                        <a:schemeClr val="tx1"/>
+                      </a:solidFill>
+                      <a:prstDash val="solid"/>
+                      <a:round/>
+                      <a:headEnd type="none" w="med" len="med"/>
+                      <a:tailEnd type="none" w="med" len="med"/>
+                    </a:lnB>
+                    <a:noFill/>
+                  </a:tcPr>
+                </a:tc>
+                <a:tc>
+                  <a:txBody>
+                    <a:bodyPr/>
+                    <a:lstStyle/>
+                    <a:p>
+                      <a:pPr marL="0" marR="0" indent="0" algn="just">
+                        <a:spcBef>
+                          <a:spcPts val="0"/>
+                        </a:spcBef>
+                        <a:spcAft>
+                          <a:spcPts val="0"/>
+                        </a:spcAft>
+                      </a:pPr>
+                      <a:r>
+                        <a:rPr lang="uk-UA" sz="1800">
+                          <a:solidFill>
+                            <a:schemeClr val="tx1"/>
+                          </a:solidFill>
+                          <a:effectLst/>
+                        </a:rPr>
+                        <a:t>X201</a:t>
+                      </a:r>
+                      <a:r>
+                        <a:rPr lang="en-US" sz="1800">
+                          <a:solidFill>
+                            <a:schemeClr val="tx1"/>
+                          </a:solidFill>
+                          <a:effectLst/>
+                        </a:rPr>
+                        <a:t>, </a:t>
+                      </a:r>
+                      <a:r>
+                        <a:rPr lang="uk-UA" sz="1800">
+                          <a:solidFill>
+                            <a:schemeClr val="tx1"/>
+                          </a:solidFill>
+                          <a:effectLst/>
+                        </a:rPr>
+                        <a:t>X200</a:t>
+                      </a:r>
+                      <a:r>
+                        <a:rPr lang="en-US" sz="1800">
+                          <a:solidFill>
+                            <a:schemeClr val="tx1"/>
+                          </a:solidFill>
+                          <a:effectLst/>
+                        </a:rPr>
+                        <a:t>, </a:t>
+                      </a:r>
+                      <a:r>
+                        <a:rPr lang="uk-UA" sz="1800">
+                          <a:solidFill>
+                            <a:schemeClr val="tx1"/>
+                          </a:solidFill>
+                          <a:effectLst/>
+                        </a:rPr>
+                        <a:t>NP3701</a:t>
+                      </a:r>
+                      <a:r>
+                        <a:rPr lang="en-US" sz="1800">
+                          <a:solidFill>
+                            <a:schemeClr val="tx1"/>
+                          </a:solidFill>
+                          <a:effectLst/>
+                        </a:rPr>
+                        <a:t>, </a:t>
+                      </a:r>
+                      <a:r>
+                        <a:rPr lang="uk-UA" sz="1800">
+                          <a:solidFill>
+                            <a:schemeClr val="tx1"/>
+                          </a:solidFill>
+                          <a:effectLst/>
+                        </a:rPr>
+                        <a:t>NP1526</a:t>
+                      </a:r>
+                      <a:endParaRPr lang="en-US" sz="1800">
+                        <a:solidFill>
+                          <a:schemeClr val="tx1"/>
+                        </a:solidFill>
+                        <a:effectLst/>
+                        <a:latin typeface="Times New Roman" panose="02020603050405020304" pitchFamily="18" charset="0"/>
+                        <a:ea typeface="Calibri" panose="020F0502020204030204" pitchFamily="34" charset="0"/>
+                        <a:cs typeface="Times New Roman" panose="02020603050405020304" pitchFamily="18" charset="0"/>
+                      </a:endParaRPr>
+                    </a:p>
+                  </a:txBody>
+                  <a:tcPr marL="68580" marR="68580" marT="0" marB="0">
+                    <a:lnL w="12700" cap="flat" cmpd="sng" algn="ctr">
+                      <a:solidFill>
+                        <a:schemeClr val="tx1"/>
+                      </a:solidFill>
+                      <a:prstDash val="solid"/>
+                      <a:round/>
+                      <a:headEnd type="none" w="med" len="med"/>
+                      <a:tailEnd type="none" w="med" len="med"/>
+                    </a:lnL>
+                    <a:lnR w="12700" cap="flat" cmpd="sng" algn="ctr">
+                      <a:solidFill>
+                        <a:schemeClr val="tx1"/>
+                      </a:solidFill>
+                      <a:prstDash val="solid"/>
+                      <a:round/>
+                      <a:headEnd type="none" w="med" len="med"/>
+                      <a:tailEnd type="none" w="med" len="med"/>
+                    </a:lnR>
+                    <a:lnT w="12700" cap="flat" cmpd="sng" algn="ctr">
+                      <a:solidFill>
+                        <a:schemeClr val="tx1"/>
+                      </a:solidFill>
+                      <a:prstDash val="solid"/>
+                      <a:round/>
+                      <a:headEnd type="none" w="med" len="med"/>
+                      <a:tailEnd type="none" w="med" len="med"/>
+                    </a:lnT>
+                    <a:lnB w="12700" cap="flat" cmpd="sng" algn="ctr">
+                      <a:solidFill>
+                        <a:schemeClr val="tx1"/>
+                      </a:solidFill>
+                      <a:prstDash val="solid"/>
+                      <a:round/>
+                      <a:headEnd type="none" w="med" len="med"/>
+                      <a:tailEnd type="none" w="med" len="med"/>
+                    </a:lnB>
+                    <a:noFill/>
+                  </a:tcPr>
+                </a:tc>
+                <a:extLst>
+                  <a:ext uri="{0D108BD9-81ED-4DB2-BD59-A6C34878D82A}">
+                    <a16:rowId xmlns:a16="http://schemas.microsoft.com/office/drawing/2014/main" val="3393157727"/>
+                  </a:ext>
+                </a:extLst>
+              </a:tr>
+              <a:tr h="272419">
+                <a:tc>
+                  <a:txBody>
+                    <a:bodyPr/>
+                    <a:lstStyle/>
+                    <a:p>
+                      <a:pPr marL="0" marR="0" indent="0" algn="l">
+                        <a:spcBef>
+                          <a:spcPts val="0"/>
+                        </a:spcBef>
+                        <a:spcAft>
+                          <a:spcPts val="0"/>
+                        </a:spcAft>
+                      </a:pPr>
+                      <a:r>
+                        <a:rPr lang="en-US" sz="1800">
+                          <a:solidFill>
+                            <a:schemeClr val="tx1"/>
+                          </a:solidFill>
+                          <a:effectLst/>
+                        </a:rPr>
+                        <a:t>1</a:t>
+                      </a:r>
+                      <a:endParaRPr lang="en-US" sz="1800">
+                        <a:solidFill>
+                          <a:schemeClr val="tx1"/>
+                        </a:solidFill>
+                        <a:effectLst/>
+                        <a:latin typeface="Times New Roman" panose="02020603050405020304" pitchFamily="18" charset="0"/>
+                        <a:ea typeface="Calibri" panose="020F0502020204030204" pitchFamily="34" charset="0"/>
+                        <a:cs typeface="Times New Roman" panose="02020603050405020304" pitchFamily="18" charset="0"/>
+                      </a:endParaRPr>
+                    </a:p>
+                  </a:txBody>
+                  <a:tcPr marL="68580" marR="68580" marT="0" marB="0" anchor="ctr">
+                    <a:lnL w="12700" cap="flat" cmpd="sng" algn="ctr">
+                      <a:solidFill>
+                        <a:schemeClr val="tx1"/>
+                      </a:solidFill>
+                      <a:prstDash val="solid"/>
+                      <a:round/>
+                      <a:headEnd type="none" w="med" len="med"/>
+                      <a:tailEnd type="none" w="med" len="med"/>
+                    </a:lnL>
+                    <a:lnR w="12700" cap="flat" cmpd="sng" algn="ctr">
+                      <a:solidFill>
+                        <a:schemeClr val="tx1"/>
+                      </a:solidFill>
+                      <a:prstDash val="solid"/>
+                      <a:round/>
+                      <a:headEnd type="none" w="med" len="med"/>
+                      <a:tailEnd type="none" w="med" len="med"/>
+                    </a:lnR>
+                    <a:lnT w="12700" cap="flat" cmpd="sng" algn="ctr">
+                      <a:solidFill>
+                        <a:schemeClr val="tx1"/>
+                      </a:solidFill>
+                      <a:prstDash val="solid"/>
+                      <a:round/>
+                      <a:headEnd type="none" w="med" len="med"/>
+                      <a:tailEnd type="none" w="med" len="med"/>
+                    </a:lnT>
+                    <a:lnB w="12700" cap="flat" cmpd="sng" algn="ctr">
+                      <a:solidFill>
+                        <a:schemeClr val="tx1"/>
+                      </a:solidFill>
+                      <a:prstDash val="solid"/>
+                      <a:round/>
+                      <a:headEnd type="none" w="med" len="med"/>
+                      <a:tailEnd type="none" w="med" len="med"/>
+                    </a:lnB>
+                    <a:noFill/>
+                  </a:tcPr>
+                </a:tc>
+                <a:tc>
+                  <a:txBody>
+                    <a:bodyPr/>
+                    <a:lstStyle/>
+                    <a:p>
+                      <a:pPr marL="0" marR="0" indent="0" algn="just">
+                        <a:spcBef>
+                          <a:spcPts val="0"/>
+                        </a:spcBef>
+                        <a:spcAft>
+                          <a:spcPts val="0"/>
+                        </a:spcAft>
+                      </a:pPr>
+                      <a:r>
+                        <a:rPr lang="uk-UA" sz="1800">
+                          <a:solidFill>
+                            <a:schemeClr val="tx1"/>
+                          </a:solidFill>
+                          <a:effectLst/>
+                        </a:rPr>
+                        <a:t>NP1501</a:t>
+                      </a:r>
+                      <a:r>
+                        <a:rPr lang="en-US" sz="1800">
+                          <a:solidFill>
+                            <a:schemeClr val="tx1"/>
+                          </a:solidFill>
+                          <a:effectLst/>
+                        </a:rPr>
+                        <a:t>, </a:t>
+                      </a:r>
+                      <a:r>
+                        <a:rPr lang="uk-UA" sz="1800">
+                          <a:solidFill>
+                            <a:schemeClr val="tx1"/>
+                          </a:solidFill>
+                          <a:effectLst/>
+                        </a:rPr>
+                        <a:t>X215</a:t>
+                      </a:r>
+                      <a:r>
+                        <a:rPr lang="en-US" sz="1800">
+                          <a:solidFill>
+                            <a:schemeClr val="tx1"/>
+                          </a:solidFill>
+                          <a:effectLst/>
+                        </a:rPr>
+                        <a:t>, </a:t>
+                      </a:r>
+                      <a:r>
+                        <a:rPr lang="uk-UA" sz="1800">
+                          <a:solidFill>
+                            <a:schemeClr val="tx1"/>
+                          </a:solidFill>
+                          <a:effectLst/>
+                        </a:rPr>
+                        <a:t>X211</a:t>
+                      </a:r>
+                      <a:r>
+                        <a:rPr lang="en-US" sz="1800">
+                          <a:solidFill>
+                            <a:schemeClr val="tx1"/>
+                          </a:solidFill>
+                          <a:effectLst/>
+                        </a:rPr>
+                        <a:t>, </a:t>
+                      </a:r>
+                      <a:r>
+                        <a:rPr lang="uk-UA" sz="1800">
+                          <a:solidFill>
+                            <a:schemeClr val="tx1"/>
+                          </a:solidFill>
+                          <a:effectLst/>
+                        </a:rPr>
+                        <a:t>NP1512</a:t>
+                      </a:r>
+                      <a:r>
+                        <a:rPr lang="en-US" sz="1800">
+                          <a:solidFill>
+                            <a:schemeClr val="tx1"/>
+                          </a:solidFill>
+                          <a:effectLst/>
+                        </a:rPr>
+                        <a:t>, </a:t>
+                      </a:r>
+                      <a:r>
+                        <a:rPr lang="uk-UA" sz="1800">
+                          <a:solidFill>
+                            <a:schemeClr val="tx1"/>
+                          </a:solidFill>
+                          <a:effectLst/>
+                        </a:rPr>
+                        <a:t>NP1514</a:t>
+                      </a:r>
+                      <a:r>
+                        <a:rPr lang="en-US" sz="1800">
+                          <a:solidFill>
+                            <a:schemeClr val="tx1"/>
+                          </a:solidFill>
+                          <a:effectLst/>
+                        </a:rPr>
+                        <a:t>, </a:t>
+                      </a:r>
+                      <a:r>
+                        <a:rPr lang="uk-UA" sz="1800">
+                          <a:solidFill>
+                            <a:schemeClr val="tx1"/>
+                          </a:solidFill>
+                          <a:effectLst/>
+                        </a:rPr>
+                        <a:t>NP1521</a:t>
+                      </a:r>
+                      <a:endParaRPr lang="en-US" sz="1800">
+                        <a:solidFill>
+                          <a:schemeClr val="tx1"/>
+                        </a:solidFill>
+                        <a:effectLst/>
+                        <a:latin typeface="Times New Roman" panose="02020603050405020304" pitchFamily="18" charset="0"/>
+                        <a:ea typeface="Calibri" panose="020F0502020204030204" pitchFamily="34" charset="0"/>
+                        <a:cs typeface="Times New Roman" panose="02020603050405020304" pitchFamily="18" charset="0"/>
+                      </a:endParaRPr>
+                    </a:p>
+                  </a:txBody>
+                  <a:tcPr marL="68580" marR="68580" marT="0" marB="0">
+                    <a:lnL w="12700" cap="flat" cmpd="sng" algn="ctr">
+                      <a:solidFill>
+                        <a:schemeClr val="tx1"/>
+                      </a:solidFill>
+                      <a:prstDash val="solid"/>
+                      <a:round/>
+                      <a:headEnd type="none" w="med" len="med"/>
+                      <a:tailEnd type="none" w="med" len="med"/>
+                    </a:lnL>
+                    <a:lnR w="12700" cap="flat" cmpd="sng" algn="ctr">
+                      <a:solidFill>
+                        <a:schemeClr val="tx1"/>
+                      </a:solidFill>
+                      <a:prstDash val="solid"/>
+                      <a:round/>
+                      <a:headEnd type="none" w="med" len="med"/>
+                      <a:tailEnd type="none" w="med" len="med"/>
+                    </a:lnR>
+                    <a:lnT w="12700" cap="flat" cmpd="sng" algn="ctr">
+                      <a:solidFill>
+                        <a:schemeClr val="tx1"/>
+                      </a:solidFill>
+                      <a:prstDash val="solid"/>
+                      <a:round/>
+                      <a:headEnd type="none" w="med" len="med"/>
+                      <a:tailEnd type="none" w="med" len="med"/>
+                    </a:lnT>
+                    <a:lnB w="12700" cap="flat" cmpd="sng" algn="ctr">
+                      <a:solidFill>
+                        <a:schemeClr val="tx1"/>
+                      </a:solidFill>
+                      <a:prstDash val="solid"/>
+                      <a:round/>
+                      <a:headEnd type="none" w="med" len="med"/>
+                      <a:tailEnd type="none" w="med" len="med"/>
+                    </a:lnB>
+                    <a:noFill/>
+                  </a:tcPr>
+                </a:tc>
+                <a:extLst>
+                  <a:ext uri="{0D108BD9-81ED-4DB2-BD59-A6C34878D82A}">
+                    <a16:rowId xmlns:a16="http://schemas.microsoft.com/office/drawing/2014/main" val="499529593"/>
+                  </a:ext>
+                </a:extLst>
+              </a:tr>
+              <a:tr h="817256">
+                <a:tc>
+                  <a:txBody>
+                    <a:bodyPr/>
+                    <a:lstStyle/>
+                    <a:p>
+                      <a:pPr marL="0" marR="0" indent="0" algn="l">
+                        <a:spcBef>
+                          <a:spcPts val="0"/>
+                        </a:spcBef>
+                        <a:spcAft>
+                          <a:spcPts val="0"/>
+                        </a:spcAft>
+                      </a:pPr>
+                      <a:r>
+                        <a:rPr lang="en-US" sz="1800">
+                          <a:solidFill>
+                            <a:schemeClr val="tx1"/>
+                          </a:solidFill>
+                          <a:effectLst/>
+                        </a:rPr>
+                        <a:t>2</a:t>
+                      </a:r>
+                      <a:endParaRPr lang="en-US" sz="1800">
+                        <a:solidFill>
+                          <a:schemeClr val="tx1"/>
+                        </a:solidFill>
+                        <a:effectLst/>
+                        <a:latin typeface="Times New Roman" panose="02020603050405020304" pitchFamily="18" charset="0"/>
+                        <a:ea typeface="Calibri" panose="020F0502020204030204" pitchFamily="34" charset="0"/>
+                        <a:cs typeface="Times New Roman" panose="02020603050405020304" pitchFamily="18" charset="0"/>
+                      </a:endParaRPr>
+                    </a:p>
+                  </a:txBody>
+                  <a:tcPr marL="68580" marR="68580" marT="0" marB="0" anchor="ctr">
+                    <a:lnL w="12700" cap="flat" cmpd="sng" algn="ctr">
+                      <a:solidFill>
+                        <a:schemeClr val="tx1"/>
+                      </a:solidFill>
+                      <a:prstDash val="solid"/>
+                      <a:round/>
+                      <a:headEnd type="none" w="med" len="med"/>
+                      <a:tailEnd type="none" w="med" len="med"/>
+                    </a:lnL>
+                    <a:lnR w="12700" cap="flat" cmpd="sng" algn="ctr">
+                      <a:solidFill>
+                        <a:schemeClr val="tx1"/>
+                      </a:solidFill>
+                      <a:prstDash val="solid"/>
+                      <a:round/>
+                      <a:headEnd type="none" w="med" len="med"/>
+                      <a:tailEnd type="none" w="med" len="med"/>
+                    </a:lnR>
+                    <a:lnT w="12700" cap="flat" cmpd="sng" algn="ctr">
+                      <a:solidFill>
+                        <a:schemeClr val="tx1"/>
+                      </a:solidFill>
+                      <a:prstDash val="solid"/>
+                      <a:round/>
+                      <a:headEnd type="none" w="med" len="med"/>
+                      <a:tailEnd type="none" w="med" len="med"/>
+                    </a:lnT>
+                    <a:lnB w="12700" cap="flat" cmpd="sng" algn="ctr">
+                      <a:solidFill>
+                        <a:schemeClr val="tx1"/>
+                      </a:solidFill>
+                      <a:prstDash val="solid"/>
+                      <a:round/>
+                      <a:headEnd type="none" w="med" len="med"/>
+                      <a:tailEnd type="none" w="med" len="med"/>
+                    </a:lnB>
+                    <a:noFill/>
+                  </a:tcPr>
+                </a:tc>
+                <a:tc>
+                  <a:txBody>
+                    <a:bodyPr/>
+                    <a:lstStyle/>
+                    <a:p>
+                      <a:pPr marL="0" marR="0" indent="0" algn="just">
+                        <a:spcBef>
+                          <a:spcPts val="0"/>
+                        </a:spcBef>
+                        <a:spcAft>
+                          <a:spcPts val="0"/>
+                        </a:spcAft>
+                      </a:pPr>
+                      <a:r>
+                        <a:rPr lang="uk-UA" sz="1800" dirty="0">
+                          <a:solidFill>
+                            <a:schemeClr val="tx1"/>
+                          </a:solidFill>
+                          <a:effectLst/>
+                        </a:rPr>
+                        <a:t>X221</a:t>
+                      </a:r>
+                      <a:r>
+                        <a:rPr lang="en-US" sz="1800" dirty="0">
+                          <a:solidFill>
+                            <a:schemeClr val="tx1"/>
+                          </a:solidFill>
+                          <a:effectLst/>
+                        </a:rPr>
+                        <a:t>, </a:t>
+                      </a:r>
+                      <a:r>
+                        <a:rPr lang="uk-UA" sz="1800" dirty="0">
+                          <a:solidFill>
+                            <a:schemeClr val="tx1"/>
+                          </a:solidFill>
+                          <a:effectLst/>
+                        </a:rPr>
+                        <a:t>X190</a:t>
+                      </a:r>
+                      <a:r>
+                        <a:rPr lang="en-US" sz="1800" dirty="0">
+                          <a:solidFill>
+                            <a:schemeClr val="tx1"/>
+                          </a:solidFill>
+                          <a:effectLst/>
+                        </a:rPr>
+                        <a:t>, </a:t>
+                      </a:r>
+                      <a:r>
+                        <a:rPr lang="uk-UA" sz="1800" dirty="0">
+                          <a:solidFill>
+                            <a:schemeClr val="tx1"/>
+                          </a:solidFill>
+                          <a:effectLst/>
+                        </a:rPr>
+                        <a:t>X271</a:t>
+                      </a:r>
+                      <a:r>
+                        <a:rPr lang="en-US" sz="1800" dirty="0">
+                          <a:solidFill>
+                            <a:schemeClr val="tx1"/>
+                          </a:solidFill>
+                          <a:effectLst/>
+                        </a:rPr>
+                        <a:t>, </a:t>
+                      </a:r>
+                      <a:r>
+                        <a:rPr lang="uk-UA" sz="1800" dirty="0">
+                          <a:solidFill>
+                            <a:schemeClr val="tx1"/>
+                          </a:solidFill>
+                          <a:effectLst/>
+                        </a:rPr>
+                        <a:t>NP1528</a:t>
+                      </a:r>
+                      <a:r>
+                        <a:rPr lang="en-US" sz="1800" dirty="0">
+                          <a:solidFill>
+                            <a:schemeClr val="tx1"/>
+                          </a:solidFill>
+                          <a:effectLst/>
+                        </a:rPr>
+                        <a:t>, </a:t>
+                      </a:r>
+                      <a:r>
+                        <a:rPr lang="uk-UA" sz="1800" dirty="0">
+                          <a:solidFill>
+                            <a:schemeClr val="tx1"/>
+                          </a:solidFill>
+                          <a:effectLst/>
+                        </a:rPr>
+                        <a:t>NP1525</a:t>
+                      </a:r>
+                      <a:r>
+                        <a:rPr lang="en-US" sz="1800" dirty="0">
+                          <a:solidFill>
+                            <a:schemeClr val="tx1"/>
+                          </a:solidFill>
+                          <a:effectLst/>
+                        </a:rPr>
+                        <a:t>, </a:t>
+                      </a:r>
+                      <a:r>
+                        <a:rPr lang="uk-UA" sz="1800" dirty="0">
+                          <a:solidFill>
+                            <a:schemeClr val="tx1"/>
+                          </a:solidFill>
+                          <a:effectLst/>
+                        </a:rPr>
+                        <a:t>NP3708</a:t>
+                      </a:r>
+                      <a:r>
+                        <a:rPr lang="en-US" sz="1800" dirty="0">
+                          <a:solidFill>
+                            <a:schemeClr val="tx1"/>
+                          </a:solidFill>
+                          <a:effectLst/>
+                        </a:rPr>
+                        <a:t>, </a:t>
+                      </a:r>
+                      <a:r>
+                        <a:rPr lang="uk-UA" sz="1800" dirty="0">
+                          <a:solidFill>
+                            <a:schemeClr val="tx1"/>
+                          </a:solidFill>
+                          <a:effectLst/>
+                        </a:rPr>
+                        <a:t>NP1522</a:t>
+                      </a:r>
+                      <a:r>
+                        <a:rPr lang="en-US" sz="1800" dirty="0">
+                          <a:solidFill>
+                            <a:schemeClr val="tx1"/>
+                          </a:solidFill>
+                          <a:effectLst/>
+                        </a:rPr>
+                        <a:t>, </a:t>
+                      </a:r>
+                      <a:r>
+                        <a:rPr lang="uk-UA" sz="1800" dirty="0">
+                          <a:solidFill>
+                            <a:schemeClr val="tx1"/>
+                          </a:solidFill>
+                          <a:effectLst/>
+                        </a:rPr>
+                        <a:t>NP1502</a:t>
+                      </a:r>
+                      <a:r>
+                        <a:rPr lang="en-US" sz="1800" dirty="0">
+                          <a:solidFill>
+                            <a:schemeClr val="tx1"/>
+                          </a:solidFill>
+                          <a:effectLst/>
+                        </a:rPr>
+                        <a:t>, </a:t>
+                      </a:r>
+                      <a:r>
+                        <a:rPr lang="uk-UA" sz="1800" dirty="0">
+                          <a:solidFill>
+                            <a:schemeClr val="tx1"/>
+                          </a:solidFill>
+                          <a:effectLst/>
+                        </a:rPr>
+                        <a:t>NP1520</a:t>
+                      </a:r>
+                      <a:r>
+                        <a:rPr lang="en-US" sz="1800" dirty="0">
+                          <a:solidFill>
+                            <a:schemeClr val="tx1"/>
+                          </a:solidFill>
+                          <a:effectLst/>
+                        </a:rPr>
+                        <a:t>, </a:t>
+                      </a:r>
+                      <a:r>
+                        <a:rPr lang="uk-UA" sz="1800" dirty="0">
+                          <a:solidFill>
+                            <a:schemeClr val="tx1"/>
+                          </a:solidFill>
+                          <a:effectLst/>
+                        </a:rPr>
+                        <a:t>NP1503</a:t>
+                      </a:r>
+                      <a:r>
+                        <a:rPr lang="en-US" sz="1800" dirty="0">
+                          <a:solidFill>
+                            <a:schemeClr val="tx1"/>
+                          </a:solidFill>
+                          <a:effectLst/>
+                        </a:rPr>
+                        <a:t>, </a:t>
+                      </a:r>
+                      <a:r>
+                        <a:rPr lang="uk-UA" sz="1800" dirty="0">
+                          <a:solidFill>
+                            <a:schemeClr val="tx1"/>
+                          </a:solidFill>
+                          <a:effectLst/>
+                        </a:rPr>
+                        <a:t>NP1508</a:t>
+                      </a:r>
+                      <a:r>
+                        <a:rPr lang="en-US" sz="1800" dirty="0">
+                          <a:solidFill>
+                            <a:schemeClr val="tx1"/>
+                          </a:solidFill>
+                          <a:effectLst/>
+                        </a:rPr>
+                        <a:t>, </a:t>
+                      </a:r>
+                      <a:r>
+                        <a:rPr lang="uk-UA" sz="1800" dirty="0">
+                          <a:solidFill>
+                            <a:schemeClr val="tx1"/>
+                          </a:solidFill>
+                          <a:effectLst/>
+                        </a:rPr>
+                        <a:t>NP1510</a:t>
+                      </a:r>
+                      <a:endParaRPr lang="en-US" sz="1800" dirty="0">
+                        <a:solidFill>
+                          <a:schemeClr val="tx1"/>
+                        </a:solidFill>
+                        <a:effectLst/>
+                        <a:latin typeface="Times New Roman" panose="02020603050405020304" pitchFamily="18" charset="0"/>
+                        <a:ea typeface="Calibri" panose="020F0502020204030204" pitchFamily="34" charset="0"/>
+                        <a:cs typeface="Times New Roman" panose="02020603050405020304" pitchFamily="18" charset="0"/>
+                      </a:endParaRPr>
+                    </a:p>
+                  </a:txBody>
+                  <a:tcPr marL="68580" marR="68580" marT="0" marB="0">
+                    <a:lnL w="12700" cap="flat" cmpd="sng" algn="ctr">
+                      <a:solidFill>
+                        <a:schemeClr val="tx1"/>
+                      </a:solidFill>
+                      <a:prstDash val="solid"/>
+                      <a:round/>
+                      <a:headEnd type="none" w="med" len="med"/>
+                      <a:tailEnd type="none" w="med" len="med"/>
+                    </a:lnL>
+                    <a:lnR w="12700" cap="flat" cmpd="sng" algn="ctr">
+                      <a:solidFill>
+                        <a:schemeClr val="tx1"/>
+                      </a:solidFill>
+                      <a:prstDash val="solid"/>
+                      <a:round/>
+                      <a:headEnd type="none" w="med" len="med"/>
+                      <a:tailEnd type="none" w="med" len="med"/>
+                    </a:lnR>
+                    <a:lnT w="12700" cap="flat" cmpd="sng" algn="ctr">
+                      <a:solidFill>
+                        <a:schemeClr val="tx1"/>
+                      </a:solidFill>
+                      <a:prstDash val="solid"/>
+                      <a:round/>
+                      <a:headEnd type="none" w="med" len="med"/>
+                      <a:tailEnd type="none" w="med" len="med"/>
+                    </a:lnT>
+                    <a:lnB w="12700" cap="flat" cmpd="sng" algn="ctr">
+                      <a:solidFill>
+                        <a:schemeClr val="tx1"/>
+                      </a:solidFill>
+                      <a:prstDash val="solid"/>
+                      <a:round/>
+                      <a:headEnd type="none" w="med" len="med"/>
+                      <a:tailEnd type="none" w="med" len="med"/>
+                    </a:lnB>
+                    <a:noFill/>
+                  </a:tcPr>
+                </a:tc>
+                <a:extLst>
+                  <a:ext uri="{0D108BD9-81ED-4DB2-BD59-A6C34878D82A}">
+                    <a16:rowId xmlns:a16="http://schemas.microsoft.com/office/drawing/2014/main" val="1840886376"/>
+                  </a:ext>
+                </a:extLst>
+              </a:tr>
+              <a:tr h="272419">
+                <a:tc>
+                  <a:txBody>
+                    <a:bodyPr/>
+                    <a:lstStyle/>
+                    <a:p>
+                      <a:pPr marL="0" marR="0" indent="0" algn="l">
+                        <a:spcBef>
+                          <a:spcPts val="0"/>
+                        </a:spcBef>
+                        <a:spcAft>
+                          <a:spcPts val="0"/>
+                        </a:spcAft>
+                      </a:pPr>
+                      <a:r>
+                        <a:rPr lang="en-US" sz="1800">
+                          <a:solidFill>
+                            <a:schemeClr val="tx1"/>
+                          </a:solidFill>
+                          <a:effectLst/>
+                        </a:rPr>
+                        <a:t>3</a:t>
+                      </a:r>
+                      <a:endParaRPr lang="en-US" sz="1800">
+                        <a:solidFill>
+                          <a:schemeClr val="tx1"/>
+                        </a:solidFill>
+                        <a:effectLst/>
+                        <a:latin typeface="Times New Roman" panose="02020603050405020304" pitchFamily="18" charset="0"/>
+                        <a:ea typeface="Calibri" panose="020F0502020204030204" pitchFamily="34" charset="0"/>
+                        <a:cs typeface="Times New Roman" panose="02020603050405020304" pitchFamily="18" charset="0"/>
+                      </a:endParaRPr>
+                    </a:p>
+                  </a:txBody>
+                  <a:tcPr marL="68580" marR="68580" marT="0" marB="0" anchor="ctr">
+                    <a:lnL w="12700" cap="flat" cmpd="sng" algn="ctr">
+                      <a:solidFill>
+                        <a:schemeClr val="tx1"/>
+                      </a:solidFill>
+                      <a:prstDash val="solid"/>
+                      <a:round/>
+                      <a:headEnd type="none" w="med" len="med"/>
+                      <a:tailEnd type="none" w="med" len="med"/>
+                    </a:lnL>
+                    <a:lnR w="12700" cap="flat" cmpd="sng" algn="ctr">
+                      <a:solidFill>
+                        <a:schemeClr val="tx1"/>
+                      </a:solidFill>
+                      <a:prstDash val="solid"/>
+                      <a:round/>
+                      <a:headEnd type="none" w="med" len="med"/>
+                      <a:tailEnd type="none" w="med" len="med"/>
+                    </a:lnR>
+                    <a:lnT w="12700" cap="flat" cmpd="sng" algn="ctr">
+                      <a:solidFill>
+                        <a:schemeClr val="tx1"/>
+                      </a:solidFill>
+                      <a:prstDash val="solid"/>
+                      <a:round/>
+                      <a:headEnd type="none" w="med" len="med"/>
+                      <a:tailEnd type="none" w="med" len="med"/>
+                    </a:lnT>
+                    <a:lnB w="12700" cap="flat" cmpd="sng" algn="ctr">
+                      <a:solidFill>
+                        <a:schemeClr val="tx1"/>
+                      </a:solidFill>
+                      <a:prstDash val="solid"/>
+                      <a:round/>
+                      <a:headEnd type="none" w="med" len="med"/>
+                      <a:tailEnd type="none" w="med" len="med"/>
+                    </a:lnB>
+                    <a:noFill/>
+                  </a:tcPr>
+                </a:tc>
+                <a:tc>
+                  <a:txBody>
+                    <a:bodyPr/>
+                    <a:lstStyle/>
+                    <a:p>
+                      <a:pPr marL="0" marR="0" indent="0" algn="just">
+                        <a:spcBef>
+                          <a:spcPts val="0"/>
+                        </a:spcBef>
+                        <a:spcAft>
+                          <a:spcPts val="0"/>
+                        </a:spcAft>
+                      </a:pPr>
+                      <a:r>
+                        <a:rPr lang="uk-UA" sz="1800" dirty="0">
+                          <a:solidFill>
+                            <a:schemeClr val="tx1"/>
+                          </a:solidFill>
+                          <a:effectLst/>
+                        </a:rPr>
+                        <a:t>X202</a:t>
+                      </a:r>
+                      <a:endParaRPr lang="en-US" sz="1800" dirty="0">
+                        <a:solidFill>
+                          <a:schemeClr val="tx1"/>
+                        </a:solidFill>
+                        <a:effectLst/>
+                        <a:latin typeface="Times New Roman" panose="02020603050405020304" pitchFamily="18" charset="0"/>
+                        <a:ea typeface="Calibri" panose="020F0502020204030204" pitchFamily="34" charset="0"/>
+                        <a:cs typeface="Times New Roman" panose="02020603050405020304" pitchFamily="18" charset="0"/>
+                      </a:endParaRPr>
+                    </a:p>
+                  </a:txBody>
+                  <a:tcPr marL="68580" marR="68580" marT="0" marB="0">
+                    <a:lnL w="12700" cap="flat" cmpd="sng" algn="ctr">
+                      <a:solidFill>
+                        <a:schemeClr val="tx1"/>
+                      </a:solidFill>
+                      <a:prstDash val="solid"/>
+                      <a:round/>
+                      <a:headEnd type="none" w="med" len="med"/>
+                      <a:tailEnd type="none" w="med" len="med"/>
+                    </a:lnL>
+                    <a:lnR w="12700" cap="flat" cmpd="sng" algn="ctr">
+                      <a:solidFill>
+                        <a:schemeClr val="tx1"/>
+                      </a:solidFill>
+                      <a:prstDash val="solid"/>
+                      <a:round/>
+                      <a:headEnd type="none" w="med" len="med"/>
+                      <a:tailEnd type="none" w="med" len="med"/>
+                    </a:lnR>
+                    <a:lnT w="12700" cap="flat" cmpd="sng" algn="ctr">
+                      <a:solidFill>
+                        <a:schemeClr val="tx1"/>
+                      </a:solidFill>
+                      <a:prstDash val="solid"/>
+                      <a:round/>
+                      <a:headEnd type="none" w="med" len="med"/>
+                      <a:tailEnd type="none" w="med" len="med"/>
+                    </a:lnT>
+                    <a:lnB w="12700" cap="flat" cmpd="sng" algn="ctr">
+                      <a:solidFill>
+                        <a:schemeClr val="tx1"/>
+                      </a:solidFill>
+                      <a:prstDash val="solid"/>
+                      <a:round/>
+                      <a:headEnd type="none" w="med" len="med"/>
+                      <a:tailEnd type="none" w="med" len="med"/>
+                    </a:lnB>
+                    <a:noFill/>
+                  </a:tcPr>
+                </a:tc>
+                <a:extLst>
+                  <a:ext uri="{0D108BD9-81ED-4DB2-BD59-A6C34878D82A}">
+                    <a16:rowId xmlns:a16="http://schemas.microsoft.com/office/drawing/2014/main" val="3064441775"/>
+                  </a:ext>
+                </a:extLst>
+              </a:tr>
+              <a:tr h="544837">
+                <a:tc>
+                  <a:txBody>
+                    <a:bodyPr/>
+                    <a:lstStyle/>
+                    <a:p>
+                      <a:pPr marL="0" marR="0" indent="0" algn="l">
+                        <a:spcBef>
+                          <a:spcPts val="0"/>
+                        </a:spcBef>
+                        <a:spcAft>
+                          <a:spcPts val="0"/>
+                        </a:spcAft>
+                      </a:pPr>
+                      <a:r>
+                        <a:rPr lang="en-US" sz="1800">
+                          <a:solidFill>
+                            <a:schemeClr val="tx1"/>
+                          </a:solidFill>
+                          <a:effectLst/>
+                        </a:rPr>
+                        <a:t>4</a:t>
+                      </a:r>
+                      <a:endParaRPr lang="en-US" sz="1800">
+                        <a:solidFill>
+                          <a:schemeClr val="tx1"/>
+                        </a:solidFill>
+                        <a:effectLst/>
+                        <a:latin typeface="Times New Roman" panose="02020603050405020304" pitchFamily="18" charset="0"/>
+                        <a:ea typeface="Calibri" panose="020F0502020204030204" pitchFamily="34" charset="0"/>
+                        <a:cs typeface="Times New Roman" panose="02020603050405020304" pitchFamily="18" charset="0"/>
+                      </a:endParaRPr>
+                    </a:p>
+                  </a:txBody>
+                  <a:tcPr marL="68580" marR="68580" marT="0" marB="0" anchor="ctr">
+                    <a:lnL w="12700" cap="flat" cmpd="sng" algn="ctr">
+                      <a:solidFill>
+                        <a:schemeClr val="tx1"/>
+                      </a:solidFill>
+                      <a:prstDash val="solid"/>
+                      <a:round/>
+                      <a:headEnd type="none" w="med" len="med"/>
+                      <a:tailEnd type="none" w="med" len="med"/>
+                    </a:lnL>
+                    <a:lnR w="12700" cap="flat" cmpd="sng" algn="ctr">
+                      <a:solidFill>
+                        <a:schemeClr val="tx1"/>
+                      </a:solidFill>
+                      <a:prstDash val="solid"/>
+                      <a:round/>
+                      <a:headEnd type="none" w="med" len="med"/>
+                      <a:tailEnd type="none" w="med" len="med"/>
+                    </a:lnR>
+                    <a:lnT w="12700" cap="flat" cmpd="sng" algn="ctr">
+                      <a:solidFill>
+                        <a:schemeClr val="tx1"/>
+                      </a:solidFill>
+                      <a:prstDash val="solid"/>
+                      <a:round/>
+                      <a:headEnd type="none" w="med" len="med"/>
+                      <a:tailEnd type="none" w="med" len="med"/>
+                    </a:lnT>
+                    <a:lnB w="12700" cap="flat" cmpd="sng" algn="ctr">
+                      <a:solidFill>
+                        <a:schemeClr val="tx1"/>
+                      </a:solidFill>
+                      <a:prstDash val="solid"/>
+                      <a:round/>
+                      <a:headEnd type="none" w="med" len="med"/>
+                      <a:tailEnd type="none" w="med" len="med"/>
+                    </a:lnB>
+                    <a:noFill/>
+                  </a:tcPr>
+                </a:tc>
+                <a:tc>
+                  <a:txBody>
+                    <a:bodyPr/>
+                    <a:lstStyle/>
+                    <a:p>
+                      <a:pPr marL="0" marR="0" indent="0" algn="just">
+                        <a:spcBef>
+                          <a:spcPts val="0"/>
+                        </a:spcBef>
+                        <a:spcAft>
+                          <a:spcPts val="0"/>
+                        </a:spcAft>
+                      </a:pPr>
+                      <a:r>
+                        <a:rPr lang="uk-UA" sz="1800" dirty="0">
+                          <a:solidFill>
+                            <a:schemeClr val="tx1"/>
+                          </a:solidFill>
+                          <a:effectLst/>
+                        </a:rPr>
+                        <a:t>X32</a:t>
+                      </a:r>
+                      <a:r>
+                        <a:rPr lang="en-US" sz="1800" dirty="0">
+                          <a:solidFill>
+                            <a:schemeClr val="tx1"/>
+                          </a:solidFill>
+                          <a:effectLst/>
+                        </a:rPr>
+                        <a:t>, </a:t>
+                      </a:r>
+                      <a:r>
+                        <a:rPr lang="uk-UA" sz="1800" dirty="0">
+                          <a:solidFill>
+                            <a:schemeClr val="tx1"/>
+                          </a:solidFill>
+                          <a:effectLst/>
+                        </a:rPr>
+                        <a:t>X233</a:t>
+                      </a:r>
+                      <a:r>
+                        <a:rPr lang="en-US" sz="1800" dirty="0">
+                          <a:solidFill>
+                            <a:schemeClr val="tx1"/>
+                          </a:solidFill>
+                          <a:effectLst/>
+                        </a:rPr>
+                        <a:t>, </a:t>
+                      </a:r>
+                      <a:r>
+                        <a:rPr lang="uk-UA" sz="1800" dirty="0">
+                          <a:solidFill>
+                            <a:schemeClr val="tx1"/>
+                          </a:solidFill>
+                          <a:effectLst/>
+                        </a:rPr>
+                        <a:t>X224</a:t>
+                      </a:r>
+                      <a:r>
+                        <a:rPr lang="en-US" sz="1800" dirty="0">
+                          <a:solidFill>
+                            <a:schemeClr val="tx1"/>
+                          </a:solidFill>
+                          <a:effectLst/>
+                        </a:rPr>
+                        <a:t>, </a:t>
+                      </a:r>
+                      <a:r>
+                        <a:rPr lang="uk-UA" sz="1800" dirty="0">
+                          <a:solidFill>
+                            <a:schemeClr val="tx1"/>
+                          </a:solidFill>
+                          <a:effectLst/>
+                        </a:rPr>
+                        <a:t>X223</a:t>
+                      </a:r>
+                      <a:r>
+                        <a:rPr lang="en-US" sz="1800" dirty="0">
+                          <a:solidFill>
+                            <a:schemeClr val="tx1"/>
+                          </a:solidFill>
+                          <a:effectLst/>
+                        </a:rPr>
+                        <a:t>, </a:t>
+                      </a:r>
+                      <a:r>
+                        <a:rPr lang="uk-UA" sz="1800" dirty="0">
+                          <a:solidFill>
+                            <a:schemeClr val="tx1"/>
+                          </a:solidFill>
+                          <a:effectLst/>
+                        </a:rPr>
+                        <a:t>X217</a:t>
+                      </a:r>
+                      <a:r>
+                        <a:rPr lang="en-US" sz="1800" dirty="0">
+                          <a:solidFill>
+                            <a:schemeClr val="tx1"/>
+                          </a:solidFill>
+                          <a:effectLst/>
+                        </a:rPr>
+                        <a:t>, </a:t>
+                      </a:r>
+                      <a:r>
+                        <a:rPr lang="uk-UA" sz="1800" dirty="0">
+                          <a:solidFill>
+                            <a:schemeClr val="tx1"/>
+                          </a:solidFill>
+                          <a:effectLst/>
+                        </a:rPr>
+                        <a:t>NP3715</a:t>
+                      </a:r>
+                      <a:r>
+                        <a:rPr lang="en-US" sz="1800" dirty="0">
+                          <a:solidFill>
+                            <a:schemeClr val="tx1"/>
+                          </a:solidFill>
+                          <a:effectLst/>
+                        </a:rPr>
+                        <a:t>, </a:t>
+                      </a:r>
+                      <a:r>
+                        <a:rPr lang="uk-UA" sz="1800" dirty="0">
+                          <a:solidFill>
+                            <a:schemeClr val="tx1"/>
+                          </a:solidFill>
+                          <a:effectLst/>
+                        </a:rPr>
+                        <a:t>X212</a:t>
+                      </a:r>
+                      <a:r>
+                        <a:rPr lang="en-US" sz="1800" dirty="0">
+                          <a:solidFill>
+                            <a:schemeClr val="tx1"/>
+                          </a:solidFill>
+                          <a:effectLst/>
+                        </a:rPr>
+                        <a:t>, </a:t>
+                      </a:r>
+                      <a:r>
+                        <a:rPr lang="uk-UA" sz="1800" dirty="0">
+                          <a:solidFill>
+                            <a:schemeClr val="tx1"/>
+                          </a:solidFill>
+                          <a:effectLst/>
+                        </a:rPr>
+                        <a:t>X213</a:t>
+                      </a:r>
+                      <a:r>
+                        <a:rPr lang="en-US" sz="1800" dirty="0">
+                          <a:solidFill>
+                            <a:schemeClr val="tx1"/>
+                          </a:solidFill>
+                          <a:effectLst/>
+                        </a:rPr>
+                        <a:t>, </a:t>
+                      </a:r>
+                      <a:r>
+                        <a:rPr lang="uk-UA" sz="1800" dirty="0">
+                          <a:solidFill>
+                            <a:schemeClr val="tx1"/>
+                          </a:solidFill>
+                          <a:effectLst/>
+                        </a:rPr>
+                        <a:t>NP1524</a:t>
+                      </a:r>
+                      <a:r>
+                        <a:rPr lang="en-US" sz="1800" dirty="0">
+                          <a:solidFill>
+                            <a:schemeClr val="tx1"/>
+                          </a:solidFill>
+                          <a:effectLst/>
+                        </a:rPr>
+                        <a:t>, </a:t>
+                      </a:r>
+                      <a:r>
+                        <a:rPr lang="uk-UA" sz="1800" dirty="0">
+                          <a:solidFill>
+                            <a:schemeClr val="tx1"/>
+                          </a:solidFill>
+                          <a:effectLst/>
+                        </a:rPr>
+                        <a:t>X155</a:t>
+                      </a:r>
+                      <a:r>
+                        <a:rPr lang="en-US" sz="1800" dirty="0">
+                          <a:solidFill>
+                            <a:schemeClr val="tx1"/>
+                          </a:solidFill>
+                          <a:effectLst/>
+                        </a:rPr>
+                        <a:t>, </a:t>
+                      </a:r>
+                      <a:r>
+                        <a:rPr lang="uk-UA" sz="1800" dirty="0">
+                          <a:solidFill>
+                            <a:schemeClr val="tx1"/>
+                          </a:solidFill>
+                          <a:effectLst/>
+                        </a:rPr>
+                        <a:t>X41</a:t>
+                      </a:r>
+                      <a:endParaRPr lang="en-US" sz="1800" dirty="0">
+                        <a:solidFill>
+                          <a:schemeClr val="tx1"/>
+                        </a:solidFill>
+                        <a:effectLst/>
+                        <a:latin typeface="Times New Roman" panose="02020603050405020304" pitchFamily="18" charset="0"/>
+                        <a:ea typeface="Calibri" panose="020F0502020204030204" pitchFamily="34" charset="0"/>
+                        <a:cs typeface="Times New Roman" panose="02020603050405020304" pitchFamily="18" charset="0"/>
+                      </a:endParaRPr>
+                    </a:p>
+                  </a:txBody>
+                  <a:tcPr marL="68580" marR="68580" marT="0" marB="0">
+                    <a:lnL w="12700" cap="flat" cmpd="sng" algn="ctr">
+                      <a:solidFill>
+                        <a:schemeClr val="tx1"/>
+                      </a:solidFill>
+                      <a:prstDash val="solid"/>
+                      <a:round/>
+                      <a:headEnd type="none" w="med" len="med"/>
+                      <a:tailEnd type="none" w="med" len="med"/>
+                    </a:lnL>
+                    <a:lnR w="12700" cap="flat" cmpd="sng" algn="ctr">
+                      <a:solidFill>
+                        <a:schemeClr val="tx1"/>
+                      </a:solidFill>
+                      <a:prstDash val="solid"/>
+                      <a:round/>
+                      <a:headEnd type="none" w="med" len="med"/>
+                      <a:tailEnd type="none" w="med" len="med"/>
+                    </a:lnR>
+                    <a:lnT w="12700" cap="flat" cmpd="sng" algn="ctr">
+                      <a:solidFill>
+                        <a:schemeClr val="tx1"/>
+                      </a:solidFill>
+                      <a:prstDash val="solid"/>
+                      <a:round/>
+                      <a:headEnd type="none" w="med" len="med"/>
+                      <a:tailEnd type="none" w="med" len="med"/>
+                    </a:lnT>
+                    <a:lnB w="12700" cap="flat" cmpd="sng" algn="ctr">
+                      <a:solidFill>
+                        <a:schemeClr val="tx1"/>
+                      </a:solidFill>
+                      <a:prstDash val="solid"/>
+                      <a:round/>
+                      <a:headEnd type="none" w="med" len="med"/>
+                      <a:tailEnd type="none" w="med" len="med"/>
+                    </a:lnB>
+                    <a:noFill/>
+                  </a:tcPr>
+                </a:tc>
+                <a:extLst>
+                  <a:ext uri="{0D108BD9-81ED-4DB2-BD59-A6C34878D82A}">
+                    <a16:rowId xmlns:a16="http://schemas.microsoft.com/office/drawing/2014/main" val="339511624"/>
+                  </a:ext>
+                </a:extLst>
+              </a:tr>
+              <a:tr h="272419">
+                <a:tc>
+                  <a:txBody>
+                    <a:bodyPr/>
+                    <a:lstStyle/>
+                    <a:p>
+                      <a:pPr marL="0" marR="0" indent="0" algn="l">
+                        <a:spcBef>
+                          <a:spcPts val="0"/>
+                        </a:spcBef>
+                        <a:spcAft>
+                          <a:spcPts val="0"/>
+                        </a:spcAft>
+                      </a:pPr>
+                      <a:r>
+                        <a:rPr lang="en-US" sz="1800">
+                          <a:solidFill>
+                            <a:schemeClr val="tx1"/>
+                          </a:solidFill>
+                          <a:effectLst/>
+                        </a:rPr>
+                        <a:t>5</a:t>
+                      </a:r>
+                      <a:endParaRPr lang="en-US" sz="1800">
+                        <a:solidFill>
+                          <a:schemeClr val="tx1"/>
+                        </a:solidFill>
+                        <a:effectLst/>
+                        <a:latin typeface="Times New Roman" panose="02020603050405020304" pitchFamily="18" charset="0"/>
+                        <a:ea typeface="Calibri" panose="020F0502020204030204" pitchFamily="34" charset="0"/>
+                        <a:cs typeface="Times New Roman" panose="02020603050405020304" pitchFamily="18" charset="0"/>
+                      </a:endParaRPr>
+                    </a:p>
+                  </a:txBody>
+                  <a:tcPr marL="68580" marR="68580" marT="0" marB="0" anchor="ctr">
+                    <a:lnL w="12700" cap="flat" cmpd="sng" algn="ctr">
+                      <a:solidFill>
+                        <a:schemeClr val="tx1"/>
+                      </a:solidFill>
+                      <a:prstDash val="solid"/>
+                      <a:round/>
+                      <a:headEnd type="none" w="med" len="med"/>
+                      <a:tailEnd type="none" w="med" len="med"/>
+                    </a:lnL>
+                    <a:lnR w="12700" cap="flat" cmpd="sng" algn="ctr">
+                      <a:solidFill>
+                        <a:schemeClr val="tx1"/>
+                      </a:solidFill>
+                      <a:prstDash val="solid"/>
+                      <a:round/>
+                      <a:headEnd type="none" w="med" len="med"/>
+                      <a:tailEnd type="none" w="med" len="med"/>
+                    </a:lnR>
+                    <a:lnT w="12700" cap="flat" cmpd="sng" algn="ctr">
+                      <a:solidFill>
+                        <a:schemeClr val="tx1"/>
+                      </a:solidFill>
+                      <a:prstDash val="solid"/>
+                      <a:round/>
+                      <a:headEnd type="none" w="med" len="med"/>
+                      <a:tailEnd type="none" w="med" len="med"/>
+                    </a:lnT>
+                    <a:lnB w="12700" cap="flat" cmpd="sng" algn="ctr">
+                      <a:solidFill>
+                        <a:schemeClr val="tx1"/>
+                      </a:solidFill>
+                      <a:prstDash val="solid"/>
+                      <a:round/>
+                      <a:headEnd type="none" w="med" len="med"/>
+                      <a:tailEnd type="none" w="med" len="med"/>
+                    </a:lnB>
+                    <a:noFill/>
+                  </a:tcPr>
+                </a:tc>
+                <a:tc>
+                  <a:txBody>
+                    <a:bodyPr/>
+                    <a:lstStyle/>
+                    <a:p>
+                      <a:pPr marL="0" marR="0" indent="0" algn="just">
+                        <a:spcBef>
+                          <a:spcPts val="0"/>
+                        </a:spcBef>
+                        <a:spcAft>
+                          <a:spcPts val="0"/>
+                        </a:spcAft>
+                      </a:pPr>
+                      <a:r>
+                        <a:rPr lang="uk-UA" sz="1800">
+                          <a:solidFill>
+                            <a:schemeClr val="tx1"/>
+                          </a:solidFill>
+                          <a:effectLst/>
+                        </a:rPr>
+                        <a:t>NP3706</a:t>
+                      </a:r>
+                      <a:r>
+                        <a:rPr lang="en-US" sz="1800">
+                          <a:solidFill>
+                            <a:schemeClr val="tx1"/>
+                          </a:solidFill>
+                          <a:effectLst/>
+                        </a:rPr>
+                        <a:t>, </a:t>
+                      </a:r>
+                      <a:r>
+                        <a:rPr lang="uk-UA" sz="1800">
+                          <a:solidFill>
+                            <a:schemeClr val="tx1"/>
+                          </a:solidFill>
+                          <a:effectLst/>
+                        </a:rPr>
+                        <a:t>NP1518</a:t>
+                      </a:r>
+                      <a:r>
+                        <a:rPr lang="en-US" sz="1800">
+                          <a:solidFill>
+                            <a:schemeClr val="tx1"/>
+                          </a:solidFill>
+                          <a:effectLst/>
+                        </a:rPr>
+                        <a:t>, </a:t>
+                      </a:r>
+                      <a:r>
+                        <a:rPr lang="uk-UA" sz="1800">
+                          <a:solidFill>
+                            <a:schemeClr val="tx1"/>
+                          </a:solidFill>
+                          <a:effectLst/>
+                        </a:rPr>
+                        <a:t>X218</a:t>
+                      </a:r>
+                      <a:r>
+                        <a:rPr lang="en-US" sz="1800">
+                          <a:solidFill>
+                            <a:schemeClr val="tx1"/>
+                          </a:solidFill>
+                          <a:effectLst/>
+                        </a:rPr>
+                        <a:t>, </a:t>
+                      </a:r>
+                      <a:r>
+                        <a:rPr lang="uk-UA" sz="1800">
+                          <a:solidFill>
+                            <a:schemeClr val="tx1"/>
+                          </a:solidFill>
+                          <a:effectLst/>
+                        </a:rPr>
+                        <a:t>X220</a:t>
+                      </a:r>
+                      <a:r>
+                        <a:rPr lang="en-US" sz="1800">
+                          <a:solidFill>
+                            <a:schemeClr val="tx1"/>
+                          </a:solidFill>
+                          <a:effectLst/>
+                        </a:rPr>
+                        <a:t>, </a:t>
+                      </a:r>
+                      <a:r>
+                        <a:rPr lang="uk-UA" sz="1800">
+                          <a:solidFill>
+                            <a:schemeClr val="tx1"/>
+                          </a:solidFill>
+                          <a:effectLst/>
+                        </a:rPr>
+                        <a:t>NP1527</a:t>
+                      </a:r>
+                      <a:r>
+                        <a:rPr lang="en-US" sz="1800">
+                          <a:solidFill>
+                            <a:schemeClr val="tx1"/>
+                          </a:solidFill>
+                          <a:effectLst/>
+                        </a:rPr>
+                        <a:t>, </a:t>
+                      </a:r>
+                      <a:r>
+                        <a:rPr lang="uk-UA" sz="1800">
+                          <a:solidFill>
+                            <a:schemeClr val="tx1"/>
+                          </a:solidFill>
+                          <a:effectLst/>
+                        </a:rPr>
+                        <a:t>X275</a:t>
+                      </a:r>
+                      <a:endParaRPr lang="en-US" sz="1800">
+                        <a:solidFill>
+                          <a:schemeClr val="tx1"/>
+                        </a:solidFill>
+                        <a:effectLst/>
+                        <a:latin typeface="Times New Roman" panose="02020603050405020304" pitchFamily="18" charset="0"/>
+                        <a:ea typeface="Calibri" panose="020F0502020204030204" pitchFamily="34" charset="0"/>
+                        <a:cs typeface="Times New Roman" panose="02020603050405020304" pitchFamily="18" charset="0"/>
+                      </a:endParaRPr>
+                    </a:p>
+                  </a:txBody>
+                  <a:tcPr marL="68580" marR="68580" marT="0" marB="0">
+                    <a:lnL w="12700" cap="flat" cmpd="sng" algn="ctr">
+                      <a:solidFill>
+                        <a:schemeClr val="tx1"/>
+                      </a:solidFill>
+                      <a:prstDash val="solid"/>
+                      <a:round/>
+                      <a:headEnd type="none" w="med" len="med"/>
+                      <a:tailEnd type="none" w="med" len="med"/>
+                    </a:lnL>
+                    <a:lnR w="12700" cap="flat" cmpd="sng" algn="ctr">
+                      <a:solidFill>
+                        <a:schemeClr val="tx1"/>
+                      </a:solidFill>
+                      <a:prstDash val="solid"/>
+                      <a:round/>
+                      <a:headEnd type="none" w="med" len="med"/>
+                      <a:tailEnd type="none" w="med" len="med"/>
+                    </a:lnR>
+                    <a:lnT w="12700" cap="flat" cmpd="sng" algn="ctr">
+                      <a:solidFill>
+                        <a:schemeClr val="tx1"/>
+                      </a:solidFill>
+                      <a:prstDash val="solid"/>
+                      <a:round/>
+                      <a:headEnd type="none" w="med" len="med"/>
+                      <a:tailEnd type="none" w="med" len="med"/>
+                    </a:lnT>
+                    <a:lnB w="12700" cap="flat" cmpd="sng" algn="ctr">
+                      <a:solidFill>
+                        <a:schemeClr val="tx1"/>
+                      </a:solidFill>
+                      <a:prstDash val="solid"/>
+                      <a:round/>
+                      <a:headEnd type="none" w="med" len="med"/>
+                      <a:tailEnd type="none" w="med" len="med"/>
+                    </a:lnB>
+                    <a:noFill/>
+                  </a:tcPr>
+                </a:tc>
+                <a:extLst>
+                  <a:ext uri="{0D108BD9-81ED-4DB2-BD59-A6C34878D82A}">
+                    <a16:rowId xmlns:a16="http://schemas.microsoft.com/office/drawing/2014/main" val="2486576427"/>
+                  </a:ext>
+                </a:extLst>
+              </a:tr>
+              <a:tr h="272419">
+                <a:tc>
+                  <a:txBody>
+                    <a:bodyPr/>
+                    <a:lstStyle/>
+                    <a:p>
+                      <a:pPr marL="0" marR="0" indent="0" algn="l">
+                        <a:spcBef>
+                          <a:spcPts val="0"/>
+                        </a:spcBef>
+                        <a:spcAft>
+                          <a:spcPts val="0"/>
+                        </a:spcAft>
+                      </a:pPr>
+                      <a:r>
+                        <a:rPr lang="en-US" sz="1800">
+                          <a:solidFill>
+                            <a:schemeClr val="tx1"/>
+                          </a:solidFill>
+                          <a:effectLst/>
+                        </a:rPr>
+                        <a:t>6</a:t>
+                      </a:r>
+                      <a:endParaRPr lang="en-US" sz="1800">
+                        <a:solidFill>
+                          <a:schemeClr val="tx1"/>
+                        </a:solidFill>
+                        <a:effectLst/>
+                        <a:latin typeface="Times New Roman" panose="02020603050405020304" pitchFamily="18" charset="0"/>
+                        <a:ea typeface="Calibri" panose="020F0502020204030204" pitchFamily="34" charset="0"/>
+                        <a:cs typeface="Times New Roman" panose="02020603050405020304" pitchFamily="18" charset="0"/>
+                      </a:endParaRPr>
+                    </a:p>
+                  </a:txBody>
+                  <a:tcPr marL="68580" marR="68580" marT="0" marB="0" anchor="ctr">
+                    <a:lnL w="12700" cap="flat" cmpd="sng" algn="ctr">
+                      <a:solidFill>
+                        <a:schemeClr val="tx1"/>
+                      </a:solidFill>
+                      <a:prstDash val="solid"/>
+                      <a:round/>
+                      <a:headEnd type="none" w="med" len="med"/>
+                      <a:tailEnd type="none" w="med" len="med"/>
+                    </a:lnL>
+                    <a:lnR w="12700" cap="flat" cmpd="sng" algn="ctr">
+                      <a:solidFill>
+                        <a:schemeClr val="tx1"/>
+                      </a:solidFill>
+                      <a:prstDash val="solid"/>
+                      <a:round/>
+                      <a:headEnd type="none" w="med" len="med"/>
+                      <a:tailEnd type="none" w="med" len="med"/>
+                    </a:lnR>
+                    <a:lnT w="12700" cap="flat" cmpd="sng" algn="ctr">
+                      <a:solidFill>
+                        <a:schemeClr val="tx1"/>
+                      </a:solidFill>
+                      <a:prstDash val="solid"/>
+                      <a:round/>
+                      <a:headEnd type="none" w="med" len="med"/>
+                      <a:tailEnd type="none" w="med" len="med"/>
+                    </a:lnT>
+                    <a:lnB w="12700" cap="flat" cmpd="sng" algn="ctr">
+                      <a:solidFill>
+                        <a:schemeClr val="tx1"/>
+                      </a:solidFill>
+                      <a:prstDash val="solid"/>
+                      <a:round/>
+                      <a:headEnd type="none" w="med" len="med"/>
+                      <a:tailEnd type="none" w="med" len="med"/>
+                    </a:lnB>
+                    <a:noFill/>
+                  </a:tcPr>
+                </a:tc>
+                <a:tc>
+                  <a:txBody>
+                    <a:bodyPr/>
+                    <a:lstStyle/>
+                    <a:p>
+                      <a:pPr marL="0" marR="0" indent="0" algn="just">
+                        <a:spcBef>
+                          <a:spcPts val="0"/>
+                        </a:spcBef>
+                        <a:spcAft>
+                          <a:spcPts val="0"/>
+                        </a:spcAft>
+                      </a:pPr>
+                      <a:r>
+                        <a:rPr lang="uk-UA" sz="1800" dirty="0">
+                          <a:solidFill>
+                            <a:schemeClr val="tx1"/>
+                          </a:solidFill>
+                          <a:effectLst/>
+                        </a:rPr>
+                        <a:t>NP1517</a:t>
+                      </a:r>
+                      <a:r>
+                        <a:rPr lang="en-US" sz="1800" dirty="0">
+                          <a:solidFill>
+                            <a:schemeClr val="tx1"/>
+                          </a:solidFill>
+                          <a:effectLst/>
+                        </a:rPr>
+                        <a:t>, </a:t>
+                      </a:r>
+                      <a:r>
+                        <a:rPr lang="uk-UA" sz="1800" dirty="0">
+                          <a:solidFill>
+                            <a:schemeClr val="tx1"/>
+                          </a:solidFill>
+                          <a:effectLst/>
+                        </a:rPr>
+                        <a:t>NP1516</a:t>
+                      </a:r>
+                      <a:r>
+                        <a:rPr lang="en-US" sz="1800" dirty="0">
+                          <a:solidFill>
+                            <a:schemeClr val="tx1"/>
+                          </a:solidFill>
+                          <a:effectLst/>
+                        </a:rPr>
+                        <a:t>, </a:t>
+                      </a:r>
+                      <a:r>
+                        <a:rPr lang="uk-UA" sz="1800" dirty="0">
+                          <a:solidFill>
+                            <a:schemeClr val="tx1"/>
+                          </a:solidFill>
+                          <a:effectLst/>
+                        </a:rPr>
+                        <a:t>NP1507</a:t>
+                      </a:r>
+                      <a:endParaRPr lang="en-US" sz="1800" dirty="0">
+                        <a:solidFill>
+                          <a:schemeClr val="tx1"/>
+                        </a:solidFill>
+                        <a:effectLst/>
+                        <a:latin typeface="Times New Roman" panose="02020603050405020304" pitchFamily="18" charset="0"/>
+                        <a:ea typeface="Calibri" panose="020F0502020204030204" pitchFamily="34" charset="0"/>
+                        <a:cs typeface="Times New Roman" panose="02020603050405020304" pitchFamily="18" charset="0"/>
+                      </a:endParaRPr>
+                    </a:p>
+                  </a:txBody>
+                  <a:tcPr marL="68580" marR="68580" marT="0" marB="0">
+                    <a:lnL w="12700" cap="flat" cmpd="sng" algn="ctr">
+                      <a:solidFill>
+                        <a:schemeClr val="tx1"/>
+                      </a:solidFill>
+                      <a:prstDash val="solid"/>
+                      <a:round/>
+                      <a:headEnd type="none" w="med" len="med"/>
+                      <a:tailEnd type="none" w="med" len="med"/>
+                    </a:lnL>
+                    <a:lnR w="12700" cap="flat" cmpd="sng" algn="ctr">
+                      <a:solidFill>
+                        <a:schemeClr val="tx1"/>
+                      </a:solidFill>
+                      <a:prstDash val="solid"/>
+                      <a:round/>
+                      <a:headEnd type="none" w="med" len="med"/>
+                      <a:tailEnd type="none" w="med" len="med"/>
+                    </a:lnR>
+                    <a:lnT w="12700" cap="flat" cmpd="sng" algn="ctr">
+                      <a:solidFill>
+                        <a:schemeClr val="tx1"/>
+                      </a:solidFill>
+                      <a:prstDash val="solid"/>
+                      <a:round/>
+                      <a:headEnd type="none" w="med" len="med"/>
+                      <a:tailEnd type="none" w="med" len="med"/>
+                    </a:lnT>
+                    <a:lnB w="12700" cap="flat" cmpd="sng" algn="ctr">
+                      <a:solidFill>
+                        <a:schemeClr val="tx1"/>
+                      </a:solidFill>
+                      <a:prstDash val="solid"/>
+                      <a:round/>
+                      <a:headEnd type="none" w="med" len="med"/>
+                      <a:tailEnd type="none" w="med" len="med"/>
+                    </a:lnB>
+                    <a:noFill/>
+                  </a:tcPr>
+                </a:tc>
+                <a:extLst>
+                  <a:ext uri="{0D108BD9-81ED-4DB2-BD59-A6C34878D82A}">
+                    <a16:rowId xmlns:a16="http://schemas.microsoft.com/office/drawing/2014/main" val="2192127946"/>
+                  </a:ext>
+                </a:extLst>
+              </a:tr>
+            </a:tbl>
+          </a:graphicData>
+        </a:graphic>
+      </p:graphicFrame>
+      <p:sp>
+        <p:nvSpPr>
+          <p:cNvPr id="6" name="TextBox 5">
+            <a:extLst>
+              <a:ext uri="{FF2B5EF4-FFF2-40B4-BE49-F238E27FC236}">
+                <a16:creationId xmlns:a16="http://schemas.microsoft.com/office/drawing/2014/main" id="{29484459-6733-40B6-8A63-DB6C9C00B032}"/>
+              </a:ext>
+            </a:extLst>
+          </p:cNvPr>
+          <p:cNvSpPr txBox="1"/>
+          <p:nvPr/>
+        </p:nvSpPr>
+        <p:spPr>
+          <a:xfrm>
+            <a:off x="348774" y="4835307"/>
+            <a:ext cx="7552352" cy="1015663"/>
+          </a:xfrm>
+          <a:prstGeom prst="rect">
+            <a:avLst/>
+          </a:prstGeom>
+          <a:noFill/>
+        </p:spPr>
+        <p:txBody>
+          <a:bodyPr wrap="square" rtlCol="0">
+            <a:spAutoFit/>
+          </a:bodyPr>
+          <a:lstStyle/>
+          <a:p>
+            <a:r>
+              <a:rPr lang="uk-UA" sz="2000" dirty="0"/>
+              <a:t>Кількість елементів що знаходяться в однакових кластерах рівна 34 з 43 початкових елементів, а це означає,  точність становить 79%</a:t>
+            </a:r>
+            <a:endParaRPr lang="en-US" sz="2000" dirty="0"/>
+          </a:p>
+        </p:txBody>
+      </p:sp>
+    </p:spTree>
+    <p:extLst>
+      <p:ext uri="{BB962C8B-B14F-4D97-AF65-F5344CB8AC3E}">
+        <p14:creationId xmlns:p14="http://schemas.microsoft.com/office/powerpoint/2010/main" val="3767209283"/>
+      </p:ext>
+    </p:extLst>
+  </p:cSld>
+  <p:clrMapOvr>
+    <a:masterClrMapping/>
+  </p:clrMapOvr>
+</p:sld>
+</file>
+
+<file path=ppt/slides/slide13.xml><?xml version="1.0" encoding="utf-8"?>
 <p:sld xmlns:a="http://schemas.openxmlformats.org/drawingml/2006/main" xmlns:r="http://schemas.openxmlformats.org/officeDocument/2006/relationships" xmlns:p="http://schemas.openxmlformats.org/presentationml/2006/main">
   <p:cSld>
     <p:spTree>
@@ -6610,7 +9043,7 @@
 </p:sld>
 </file>
 
-<file path=ppt/slides/slide12.xml><?xml version="1.0" encoding="utf-8"?>
+<file path=ppt/slides/slide14.xml><?xml version="1.0" encoding="utf-8"?>
 <p:sld xmlns:a="http://schemas.openxmlformats.org/drawingml/2006/main" xmlns:r="http://schemas.openxmlformats.org/officeDocument/2006/relationships" xmlns:p="http://schemas.openxmlformats.org/presentationml/2006/main">
   <p:cSld>
     <p:spTree>
@@ -6753,7 +9186,7 @@
         <p:spPr>
           <a:xfrm>
             <a:off x="603679" y="1331650"/>
-            <a:ext cx="7812351" cy="4438844"/>
+            <a:ext cx="7812351" cy="3767634"/>
           </a:xfrm>
           <a:prstGeom prst="rect">
             <a:avLst/>
@@ -6790,6 +9223,33 @@
                 </a:hlinkClick>
               </a:rPr>
               <a:t>https://towardsdatascience.com/clustering-algorithm-for-data-with-mixed-categorical-and-numerical-features-d4e3a48066a0</a:t>
+            </a:r>
+          </a:p>
+          <a:p>
+            <a:pPr marL="285750" indent="-285750">
+              <a:lnSpc>
+                <a:spcPct val="150000"/>
+              </a:lnSpc>
+              <a:spcAft>
+                <a:spcPts val="600"/>
+              </a:spcAft>
+              <a:buClr>
+                <a:srgbClr val="0070C0"/>
+              </a:buClr>
+              <a:buFont typeface="Wingdings" panose="05000000000000000000" pitchFamily="2" charset="2"/>
+              <a:buChar char="Ø"/>
+            </a:pPr>
+            <a:r>
+              <a:rPr lang="en-US" sz="2000" dirty="0">
+                <a:hlinkClick r:id="rId2">
+                  <a:extLst>
+                    <a:ext uri="{A12FA001-AC4F-418D-AE19-62706E023703}">
+                      <ahyp:hlinkClr xmlns:ahyp="http://schemas.microsoft.com/office/drawing/2018/hyperlinkcolor" val="tx"/>
+                    </a:ext>
+                  </a:extLst>
+                </a:hlinkClick>
+              </a:rPr>
+              <a:t>https://stackoverflow.com/questions/42639824/python-k-modes-explanation</a:t>
             </a:r>
           </a:p>
           <a:p>
@@ -6843,45 +9303,6 @@
               </a:rPr>
               <a:t>https://docs.microsoft.com/en-us/aspnet/core/mvc/models/file-uploads?view=aspnetcore-5.0</a:t>
             </a:r>
-            <a:endParaRPr lang="en-US" sz="2000" dirty="0"/>
-          </a:p>
-          <a:p>
-            <a:pPr marL="285750" indent="-285750">
-              <a:lnSpc>
-                <a:spcPct val="200000"/>
-              </a:lnSpc>
-              <a:buClr>
-                <a:srgbClr val="0070C0"/>
-              </a:buClr>
-              <a:buFont typeface="Wingdings" panose="05000000000000000000" pitchFamily="2" charset="2"/>
-              <a:buChar char="Ø"/>
-            </a:pPr>
-            <a:endParaRPr lang="en-US" dirty="0"/>
-          </a:p>
-          <a:p>
-            <a:pPr marL="285750" indent="-285750">
-              <a:lnSpc>
-                <a:spcPct val="200000"/>
-              </a:lnSpc>
-              <a:buClr>
-                <a:srgbClr val="0070C0"/>
-              </a:buClr>
-              <a:buFont typeface="Wingdings" panose="05000000000000000000" pitchFamily="2" charset="2"/>
-              <a:buChar char="Ø"/>
-            </a:pPr>
-            <a:endParaRPr lang="en-US" dirty="0"/>
-          </a:p>
-          <a:p>
-            <a:pPr marL="285750" indent="-285750">
-              <a:lnSpc>
-                <a:spcPct val="200000"/>
-              </a:lnSpc>
-              <a:buClr>
-                <a:srgbClr val="0070C0"/>
-              </a:buClr>
-              <a:buFont typeface="Wingdings" panose="05000000000000000000" pitchFamily="2" charset="2"/>
-              <a:buChar char="Ø"/>
-            </a:pPr>
             <a:endParaRPr lang="en-US" dirty="0"/>
           </a:p>
         </p:txBody>
@@ -6899,7 +9320,7 @@
 </p:sld>
 </file>
 
-<file path=ppt/slides/slide13.xml><?xml version="1.0" encoding="utf-8"?>
+<file path=ppt/slides/slide15.xml><?xml version="1.0" encoding="utf-8"?>
 <p:sld xmlns:a="http://schemas.openxmlformats.org/drawingml/2006/main" xmlns:r="http://schemas.openxmlformats.org/officeDocument/2006/relationships" xmlns:p="http://schemas.openxmlformats.org/presentationml/2006/main">
   <p:cSld>
     <p:spTree>
@@ -9369,12 +11790,4277 @@
           <a:chExt cx="0" cy="0"/>
         </a:xfrm>
       </p:grpSpPr>
+      <p:graphicFrame>
+        <p:nvGraphicFramePr>
+          <p:cNvPr id="4" name="Таблиця 3">
+            <a:extLst>
+              <a:ext uri="{FF2B5EF4-FFF2-40B4-BE49-F238E27FC236}">
+                <a16:creationId xmlns:a16="http://schemas.microsoft.com/office/drawing/2014/main" id="{D383D0C0-4A9B-473D-ADB5-5638A1051BBF}"/>
+              </a:ext>
+            </a:extLst>
+          </p:cNvPr>
+          <p:cNvGraphicFramePr>
+            <a:graphicFrameLocks noGrp="1"/>
+          </p:cNvGraphicFramePr>
+          <p:nvPr>
+            <p:extLst>
+              <p:ext uri="{D42A27DB-BD31-4B8C-83A1-F6EECF244321}">
+                <p14:modId xmlns:p14="http://schemas.microsoft.com/office/powerpoint/2010/main" val="4234525367"/>
+              </p:ext>
+            </p:extLst>
+          </p:nvPr>
+        </p:nvGraphicFramePr>
+        <p:xfrm>
+          <a:off x="900073" y="1597180"/>
+          <a:ext cx="7974167" cy="4114800"/>
+        </p:xfrm>
+        <a:graphic>
+          <a:graphicData uri="http://schemas.openxmlformats.org/drawingml/2006/table">
+            <a:tbl>
+              <a:tblPr firstCol="1" bandRow="1">
+                <a:tableStyleId>{5C22544A-7EE6-4342-B048-85BDC9FD1C3A}</a:tableStyleId>
+              </a:tblPr>
+              <a:tblGrid>
+                <a:gridCol w="750315">
+                  <a:extLst>
+                    <a:ext uri="{9D8B030D-6E8A-4147-A177-3AD203B41FA5}">
+                      <a16:colId xmlns:a16="http://schemas.microsoft.com/office/drawing/2014/main" val="2078122869"/>
+                    </a:ext>
+                  </a:extLst>
+                </a:gridCol>
+                <a:gridCol w="150299">
+                  <a:extLst>
+                    <a:ext uri="{9D8B030D-6E8A-4147-A177-3AD203B41FA5}">
+                      <a16:colId xmlns:a16="http://schemas.microsoft.com/office/drawing/2014/main" val="962362547"/>
+                    </a:ext>
+                  </a:extLst>
+                </a:gridCol>
+                <a:gridCol w="1278385">
+                  <a:extLst>
+                    <a:ext uri="{9D8B030D-6E8A-4147-A177-3AD203B41FA5}">
+                      <a16:colId xmlns:a16="http://schemas.microsoft.com/office/drawing/2014/main" val="2317964893"/>
+                    </a:ext>
+                  </a:extLst>
+                </a:gridCol>
+                <a:gridCol w="5795168">
+                  <a:extLst>
+                    <a:ext uri="{9D8B030D-6E8A-4147-A177-3AD203B41FA5}">
+                      <a16:colId xmlns:a16="http://schemas.microsoft.com/office/drawing/2014/main" val="3251064081"/>
+                    </a:ext>
+                  </a:extLst>
+                </a:gridCol>
+              </a:tblGrid>
+              <a:tr h="175073">
+                <a:tc gridSpan="2">
+                  <a:txBody>
+                    <a:bodyPr/>
+                    <a:lstStyle/>
+                    <a:p>
+                      <a:pPr marL="0" marR="0" indent="0" algn="just">
+                        <a:spcBef>
+                          <a:spcPts val="0"/>
+                        </a:spcBef>
+                        <a:spcAft>
+                          <a:spcPts val="0"/>
+                        </a:spcAft>
+                      </a:pPr>
+                      <a:r>
+                        <a:rPr lang="uk-UA" sz="1800" dirty="0">
+                          <a:solidFill>
+                            <a:schemeClr val="tx1"/>
+                          </a:solidFill>
+                          <a:effectLst/>
+                        </a:rPr>
+                        <a:t>Групи</a:t>
+                      </a:r>
+                      <a:endParaRPr lang="en-US" sz="1800" dirty="0">
+                        <a:solidFill>
+                          <a:schemeClr val="tx1"/>
+                        </a:solidFill>
+                        <a:effectLst/>
+                        <a:latin typeface="Times New Roman" panose="02020603050405020304" pitchFamily="18" charset="0"/>
+                        <a:ea typeface="Calibri" panose="020F0502020204030204" pitchFamily="34" charset="0"/>
+                        <a:cs typeface="Times New Roman" panose="02020603050405020304" pitchFamily="18" charset="0"/>
+                      </a:endParaRPr>
+                    </a:p>
+                  </a:txBody>
+                  <a:tcPr marL="56274" marR="56274" marT="0" marB="0">
+                    <a:lnL w="12700" cap="flat" cmpd="sng" algn="ctr">
+                      <a:solidFill>
+                        <a:schemeClr val="tx1"/>
+                      </a:solidFill>
+                      <a:prstDash val="solid"/>
+                      <a:round/>
+                      <a:headEnd type="none" w="med" len="med"/>
+                      <a:tailEnd type="none" w="med" len="med"/>
+                    </a:lnL>
+                    <a:lnR w="12700" cap="flat" cmpd="sng" algn="ctr">
+                      <a:solidFill>
+                        <a:schemeClr val="tx1"/>
+                      </a:solidFill>
+                      <a:prstDash val="solid"/>
+                      <a:round/>
+                      <a:headEnd type="none" w="med" len="med"/>
+                      <a:tailEnd type="none" w="med" len="med"/>
+                    </a:lnR>
+                    <a:lnT w="12700" cap="flat" cmpd="sng" algn="ctr">
+                      <a:solidFill>
+                        <a:schemeClr val="tx1"/>
+                      </a:solidFill>
+                      <a:prstDash val="solid"/>
+                      <a:round/>
+                      <a:headEnd type="none" w="med" len="med"/>
+                      <a:tailEnd type="none" w="med" len="med"/>
+                    </a:lnT>
+                    <a:lnB w="12700" cap="flat" cmpd="sng" algn="ctr">
+                      <a:solidFill>
+                        <a:schemeClr val="tx1"/>
+                      </a:solidFill>
+                      <a:prstDash val="solid"/>
+                      <a:round/>
+                      <a:headEnd type="none" w="med" len="med"/>
+                      <a:tailEnd type="none" w="med" len="med"/>
+                    </a:lnB>
+                    <a:lnTlToBr w="12700" cmpd="sng">
+                      <a:noFill/>
+                      <a:prstDash val="solid"/>
+                    </a:lnTlToBr>
+                    <a:lnBlToTr w="12700" cmpd="sng">
+                      <a:noFill/>
+                      <a:prstDash val="solid"/>
+                    </a:lnBlToTr>
+                    <a:noFill/>
+                  </a:tcPr>
+                </a:tc>
+                <a:tc hMerge="1">
+                  <a:txBody>
+                    <a:bodyPr/>
+                    <a:lstStyle/>
+                    <a:p>
+                      <a:pPr marL="0" marR="0" indent="0" algn="just">
+                        <a:spcBef>
+                          <a:spcPts val="0"/>
+                        </a:spcBef>
+                        <a:spcAft>
+                          <a:spcPts val="0"/>
+                        </a:spcAft>
+                      </a:pPr>
+                      <a:r>
+                        <a:rPr lang="uk-UA" sz="1800" dirty="0">
+                          <a:solidFill>
+                            <a:schemeClr val="tx1"/>
+                          </a:solidFill>
+                          <a:effectLst/>
+                        </a:rPr>
+                        <a:t>Під групи</a:t>
+                      </a:r>
+                      <a:endParaRPr lang="en-US" sz="1800" dirty="0">
+                        <a:solidFill>
+                          <a:schemeClr val="tx1"/>
+                        </a:solidFill>
+                        <a:effectLst/>
+                        <a:latin typeface="Times New Roman" panose="02020603050405020304" pitchFamily="18" charset="0"/>
+                        <a:ea typeface="Calibri" panose="020F0502020204030204" pitchFamily="34" charset="0"/>
+                        <a:cs typeface="Times New Roman" panose="02020603050405020304" pitchFamily="18" charset="0"/>
+                      </a:endParaRPr>
+                    </a:p>
+                  </a:txBody>
+                  <a:tcPr marL="56274" marR="56274" marT="0" marB="0">
+                    <a:lnL w="12700" cap="flat" cmpd="sng" algn="ctr">
+                      <a:solidFill>
+                        <a:schemeClr val="tx1"/>
+                      </a:solidFill>
+                      <a:prstDash val="solid"/>
+                      <a:round/>
+                      <a:headEnd type="none" w="med" len="med"/>
+                      <a:tailEnd type="none" w="med" len="med"/>
+                    </a:lnL>
+                    <a:lnR w="12700" cap="flat" cmpd="sng" algn="ctr">
+                      <a:solidFill>
+                        <a:schemeClr val="tx1"/>
+                      </a:solidFill>
+                      <a:prstDash val="solid"/>
+                      <a:round/>
+                      <a:headEnd type="none" w="med" len="med"/>
+                      <a:tailEnd type="none" w="med" len="med"/>
+                    </a:lnR>
+                    <a:lnT w="12700" cap="flat" cmpd="sng" algn="ctr">
+                      <a:solidFill>
+                        <a:schemeClr val="tx1"/>
+                      </a:solidFill>
+                      <a:prstDash val="solid"/>
+                      <a:round/>
+                      <a:headEnd type="none" w="med" len="med"/>
+                      <a:tailEnd type="none" w="med" len="med"/>
+                    </a:lnT>
+                    <a:lnB w="12700" cap="flat" cmpd="sng" algn="ctr">
+                      <a:solidFill>
+                        <a:schemeClr val="tx1"/>
+                      </a:solidFill>
+                      <a:prstDash val="solid"/>
+                      <a:round/>
+                      <a:headEnd type="none" w="med" len="med"/>
+                      <a:tailEnd type="none" w="med" len="med"/>
+                    </a:lnB>
+                    <a:lnTlToBr w="12700" cmpd="sng">
+                      <a:noFill/>
+                      <a:prstDash val="solid"/>
+                    </a:lnTlToBr>
+                    <a:lnBlToTr w="12700" cmpd="sng">
+                      <a:noFill/>
+                      <a:prstDash val="solid"/>
+                    </a:lnBlToTr>
+                    <a:noFill/>
+                  </a:tcPr>
+                </a:tc>
+                <a:tc>
+                  <a:txBody>
+                    <a:bodyPr/>
+                    <a:lstStyle/>
+                    <a:p>
+                      <a:pPr marL="0" marR="0" indent="0" algn="just">
+                        <a:spcBef>
+                          <a:spcPts val="0"/>
+                        </a:spcBef>
+                        <a:spcAft>
+                          <a:spcPts val="0"/>
+                        </a:spcAft>
+                      </a:pPr>
+                      <a:r>
+                        <a:rPr lang="uk-UA" sz="1800">
+                          <a:solidFill>
+                            <a:schemeClr val="tx1"/>
+                          </a:solidFill>
+                          <a:effectLst/>
+                        </a:rPr>
+                        <a:t>Під групи</a:t>
+                      </a:r>
+                      <a:endParaRPr lang="en-US" sz="1800" dirty="0">
+                        <a:solidFill>
+                          <a:schemeClr val="tx1"/>
+                        </a:solidFill>
+                        <a:effectLst/>
+                        <a:latin typeface="Times New Roman" panose="02020603050405020304" pitchFamily="18" charset="0"/>
+                        <a:ea typeface="Calibri" panose="020F0502020204030204" pitchFamily="34" charset="0"/>
+                        <a:cs typeface="Times New Roman" panose="02020603050405020304" pitchFamily="18" charset="0"/>
+                      </a:endParaRPr>
+                    </a:p>
+                  </a:txBody>
+                  <a:tcPr marL="56274" marR="56274" marT="0" marB="0">
+                    <a:lnL w="12700" cap="flat" cmpd="sng" algn="ctr">
+                      <a:solidFill>
+                        <a:schemeClr val="tx1"/>
+                      </a:solidFill>
+                      <a:prstDash val="solid"/>
+                      <a:round/>
+                      <a:headEnd type="none" w="med" len="med"/>
+                      <a:tailEnd type="none" w="med" len="med"/>
+                    </a:lnL>
+                    <a:lnR w="12700" cap="flat" cmpd="sng" algn="ctr">
+                      <a:solidFill>
+                        <a:schemeClr val="tx1"/>
+                      </a:solidFill>
+                      <a:prstDash val="solid"/>
+                      <a:round/>
+                      <a:headEnd type="none" w="med" len="med"/>
+                      <a:tailEnd type="none" w="med" len="med"/>
+                    </a:lnR>
+                    <a:lnT w="12700" cap="flat" cmpd="sng" algn="ctr">
+                      <a:solidFill>
+                        <a:schemeClr val="tx1"/>
+                      </a:solidFill>
+                      <a:prstDash val="solid"/>
+                      <a:round/>
+                      <a:headEnd type="none" w="med" len="med"/>
+                      <a:tailEnd type="none" w="med" len="med"/>
+                    </a:lnT>
+                    <a:lnB w="12700" cap="flat" cmpd="sng" algn="ctr">
+                      <a:solidFill>
+                        <a:schemeClr val="tx1"/>
+                      </a:solidFill>
+                      <a:prstDash val="solid"/>
+                      <a:round/>
+                      <a:headEnd type="none" w="med" len="med"/>
+                      <a:tailEnd type="none" w="med" len="med"/>
+                    </a:lnB>
+                    <a:lnTlToBr w="12700" cmpd="sng">
+                      <a:noFill/>
+                      <a:prstDash val="solid"/>
+                    </a:lnTlToBr>
+                    <a:lnBlToTr w="12700" cmpd="sng">
+                      <a:noFill/>
+                      <a:prstDash val="solid"/>
+                    </a:lnBlToTr>
+                    <a:noFill/>
+                  </a:tcPr>
+                </a:tc>
+                <a:tc>
+                  <a:txBody>
+                    <a:bodyPr/>
+                    <a:lstStyle/>
+                    <a:p>
+                      <a:pPr marL="0" marR="0" indent="0" algn="just">
+                        <a:spcBef>
+                          <a:spcPts val="0"/>
+                        </a:spcBef>
+                        <a:spcAft>
+                          <a:spcPts val="0"/>
+                        </a:spcAft>
+                      </a:pPr>
+                      <a:r>
+                        <a:rPr lang="uk-UA" sz="1800">
+                          <a:solidFill>
+                            <a:schemeClr val="tx1"/>
+                          </a:solidFill>
+                          <a:effectLst/>
+                        </a:rPr>
+                        <a:t>Елементи</a:t>
+                      </a:r>
+                      <a:endParaRPr lang="en-US" sz="1800">
+                        <a:solidFill>
+                          <a:schemeClr val="tx1"/>
+                        </a:solidFill>
+                        <a:effectLst/>
+                        <a:latin typeface="Times New Roman" panose="02020603050405020304" pitchFamily="18" charset="0"/>
+                        <a:ea typeface="Calibri" panose="020F0502020204030204" pitchFamily="34" charset="0"/>
+                        <a:cs typeface="Times New Roman" panose="02020603050405020304" pitchFamily="18" charset="0"/>
+                      </a:endParaRPr>
+                    </a:p>
+                  </a:txBody>
+                  <a:tcPr marL="56274" marR="56274" marT="0" marB="0">
+                    <a:lnL w="12700" cap="flat" cmpd="sng" algn="ctr">
+                      <a:solidFill>
+                        <a:schemeClr val="tx1"/>
+                      </a:solidFill>
+                      <a:prstDash val="solid"/>
+                      <a:round/>
+                      <a:headEnd type="none" w="med" len="med"/>
+                      <a:tailEnd type="none" w="med" len="med"/>
+                    </a:lnL>
+                    <a:lnR w="12700" cap="flat" cmpd="sng" algn="ctr">
+                      <a:solidFill>
+                        <a:schemeClr val="tx1"/>
+                      </a:solidFill>
+                      <a:prstDash val="solid"/>
+                      <a:round/>
+                      <a:headEnd type="none" w="med" len="med"/>
+                      <a:tailEnd type="none" w="med" len="med"/>
+                    </a:lnR>
+                    <a:lnT w="12700" cap="flat" cmpd="sng" algn="ctr">
+                      <a:solidFill>
+                        <a:schemeClr val="tx1"/>
+                      </a:solidFill>
+                      <a:prstDash val="solid"/>
+                      <a:round/>
+                      <a:headEnd type="none" w="med" len="med"/>
+                      <a:tailEnd type="none" w="med" len="med"/>
+                    </a:lnT>
+                    <a:lnB w="12700" cap="flat" cmpd="sng" algn="ctr">
+                      <a:solidFill>
+                        <a:schemeClr val="tx1"/>
+                      </a:solidFill>
+                      <a:prstDash val="solid"/>
+                      <a:round/>
+                      <a:headEnd type="none" w="med" len="med"/>
+                      <a:tailEnd type="none" w="med" len="med"/>
+                    </a:lnB>
+                    <a:lnTlToBr w="12700" cmpd="sng">
+                      <a:noFill/>
+                      <a:prstDash val="solid"/>
+                    </a:lnTlToBr>
+                    <a:lnBlToTr w="12700" cmpd="sng">
+                      <a:noFill/>
+                      <a:prstDash val="solid"/>
+                    </a:lnBlToTr>
+                    <a:noFill/>
+                  </a:tcPr>
+                </a:tc>
+                <a:extLst>
+                  <a:ext uri="{0D108BD9-81ED-4DB2-BD59-A6C34878D82A}">
+                    <a16:rowId xmlns:a16="http://schemas.microsoft.com/office/drawing/2014/main" val="1377043417"/>
+                  </a:ext>
+                </a:extLst>
+              </a:tr>
+              <a:tr h="175073">
+                <a:tc rowSpan="2" gridSpan="2">
+                  <a:txBody>
+                    <a:bodyPr/>
+                    <a:lstStyle/>
+                    <a:p>
+                      <a:pPr marL="0" marR="0" indent="0" algn="l">
+                        <a:spcBef>
+                          <a:spcPts val="0"/>
+                        </a:spcBef>
+                        <a:spcAft>
+                          <a:spcPts val="0"/>
+                        </a:spcAft>
+                      </a:pPr>
+                      <a:r>
+                        <a:rPr lang="uk-UA" sz="1800" dirty="0">
+                          <a:solidFill>
+                            <a:schemeClr val="tx1"/>
+                          </a:solidFill>
+                          <a:effectLst/>
+                        </a:rPr>
+                        <a:t>1</a:t>
+                      </a:r>
+                      <a:endParaRPr lang="en-US" sz="1800" dirty="0">
+                        <a:solidFill>
+                          <a:schemeClr val="tx1"/>
+                        </a:solidFill>
+                        <a:effectLst/>
+                        <a:latin typeface="Times New Roman" panose="02020603050405020304" pitchFamily="18" charset="0"/>
+                        <a:ea typeface="Calibri" panose="020F0502020204030204" pitchFamily="34" charset="0"/>
+                        <a:cs typeface="Times New Roman" panose="02020603050405020304" pitchFamily="18" charset="0"/>
+                      </a:endParaRPr>
+                    </a:p>
+                  </a:txBody>
+                  <a:tcPr marL="56274" marR="56274" marT="0" marB="0" anchor="ctr">
+                    <a:lnL w="12700" cap="flat" cmpd="sng" algn="ctr">
+                      <a:solidFill>
+                        <a:schemeClr val="tx1"/>
+                      </a:solidFill>
+                      <a:prstDash val="solid"/>
+                      <a:round/>
+                      <a:headEnd type="none" w="med" len="med"/>
+                      <a:tailEnd type="none" w="med" len="med"/>
+                    </a:lnL>
+                    <a:lnR w="12700" cap="flat" cmpd="sng" algn="ctr">
+                      <a:solidFill>
+                        <a:schemeClr val="tx1"/>
+                      </a:solidFill>
+                      <a:prstDash val="solid"/>
+                      <a:round/>
+                      <a:headEnd type="none" w="med" len="med"/>
+                      <a:tailEnd type="none" w="med" len="med"/>
+                    </a:lnR>
+                    <a:lnT w="12700" cap="flat" cmpd="sng" algn="ctr">
+                      <a:solidFill>
+                        <a:schemeClr val="tx1"/>
+                      </a:solidFill>
+                      <a:prstDash val="solid"/>
+                      <a:round/>
+                      <a:headEnd type="none" w="med" len="med"/>
+                      <a:tailEnd type="none" w="med" len="med"/>
+                    </a:lnT>
+                    <a:lnB w="12700" cap="flat" cmpd="sng" algn="ctr">
+                      <a:solidFill>
+                        <a:schemeClr val="tx1"/>
+                      </a:solidFill>
+                      <a:prstDash val="solid"/>
+                      <a:round/>
+                      <a:headEnd type="none" w="med" len="med"/>
+                      <a:tailEnd type="none" w="med" len="med"/>
+                    </a:lnB>
+                    <a:lnTlToBr w="12700" cmpd="sng">
+                      <a:noFill/>
+                      <a:prstDash val="solid"/>
+                    </a:lnTlToBr>
+                    <a:lnBlToTr w="12700" cmpd="sng">
+                      <a:noFill/>
+                      <a:prstDash val="solid"/>
+                    </a:lnBlToTr>
+                    <a:noFill/>
+                  </a:tcPr>
+                </a:tc>
+                <a:tc rowSpan="2" hMerge="1">
+                  <a:txBody>
+                    <a:bodyPr/>
+                    <a:lstStyle/>
+                    <a:p>
+                      <a:pPr marL="0" marR="0" indent="0" algn="just">
+                        <a:spcBef>
+                          <a:spcPts val="0"/>
+                        </a:spcBef>
+                        <a:spcAft>
+                          <a:spcPts val="0"/>
+                        </a:spcAft>
+                      </a:pPr>
+                      <a:r>
+                        <a:rPr lang="en-US" sz="1800" dirty="0">
+                          <a:solidFill>
+                            <a:schemeClr val="tx1"/>
+                          </a:solidFill>
+                          <a:effectLst/>
+                        </a:rPr>
+                        <a:t>A</a:t>
+                      </a:r>
+                      <a:endParaRPr lang="en-US" sz="1800" dirty="0">
+                        <a:solidFill>
+                          <a:schemeClr val="tx1"/>
+                        </a:solidFill>
+                        <a:effectLst/>
+                        <a:latin typeface="Times New Roman" panose="02020603050405020304" pitchFamily="18" charset="0"/>
+                        <a:ea typeface="Calibri" panose="020F0502020204030204" pitchFamily="34" charset="0"/>
+                        <a:cs typeface="Times New Roman" panose="02020603050405020304" pitchFamily="18" charset="0"/>
+                      </a:endParaRPr>
+                    </a:p>
+                  </a:txBody>
+                  <a:tcPr marL="56274" marR="56274" marT="0" marB="0">
+                    <a:lnL w="12700" cap="flat" cmpd="sng" algn="ctr">
+                      <a:solidFill>
+                        <a:schemeClr val="tx1"/>
+                      </a:solidFill>
+                      <a:prstDash val="solid"/>
+                      <a:round/>
+                      <a:headEnd type="none" w="med" len="med"/>
+                      <a:tailEnd type="none" w="med" len="med"/>
+                    </a:lnL>
+                    <a:lnR w="12700" cap="flat" cmpd="sng" algn="ctr">
+                      <a:solidFill>
+                        <a:schemeClr val="tx1"/>
+                      </a:solidFill>
+                      <a:prstDash val="solid"/>
+                      <a:round/>
+                      <a:headEnd type="none" w="med" len="med"/>
+                      <a:tailEnd type="none" w="med" len="med"/>
+                    </a:lnR>
+                    <a:lnT w="12700" cap="flat" cmpd="sng" algn="ctr">
+                      <a:solidFill>
+                        <a:schemeClr val="tx1"/>
+                      </a:solidFill>
+                      <a:prstDash val="solid"/>
+                      <a:round/>
+                      <a:headEnd type="none" w="med" len="med"/>
+                      <a:tailEnd type="none" w="med" len="med"/>
+                    </a:lnT>
+                    <a:lnB w="12700" cap="flat" cmpd="sng" algn="ctr">
+                      <a:solidFill>
+                        <a:schemeClr val="tx1"/>
+                      </a:solidFill>
+                      <a:prstDash val="solid"/>
+                      <a:round/>
+                      <a:headEnd type="none" w="med" len="med"/>
+                      <a:tailEnd type="none" w="med" len="med"/>
+                    </a:lnB>
+                    <a:lnTlToBr w="12700" cmpd="sng">
+                      <a:noFill/>
+                      <a:prstDash val="solid"/>
+                    </a:lnTlToBr>
+                    <a:lnBlToTr w="12700" cmpd="sng">
+                      <a:noFill/>
+                      <a:prstDash val="solid"/>
+                    </a:lnBlToTr>
+                    <a:noFill/>
+                  </a:tcPr>
+                </a:tc>
+                <a:tc>
+                  <a:txBody>
+                    <a:bodyPr/>
+                    <a:lstStyle/>
+                    <a:p>
+                      <a:pPr marL="0" marR="0" indent="0" algn="just">
+                        <a:spcBef>
+                          <a:spcPts val="0"/>
+                        </a:spcBef>
+                        <a:spcAft>
+                          <a:spcPts val="0"/>
+                        </a:spcAft>
+                      </a:pPr>
+                      <a:r>
+                        <a:rPr lang="en-US" sz="1800">
+                          <a:solidFill>
+                            <a:schemeClr val="tx1"/>
+                          </a:solidFill>
+                          <a:effectLst/>
+                        </a:rPr>
+                        <a:t>A</a:t>
+                      </a:r>
+                      <a:endParaRPr lang="en-US" sz="1800" dirty="0">
+                        <a:solidFill>
+                          <a:schemeClr val="tx1"/>
+                        </a:solidFill>
+                        <a:effectLst/>
+                        <a:latin typeface="Times New Roman" panose="02020603050405020304" pitchFamily="18" charset="0"/>
+                        <a:ea typeface="Calibri" panose="020F0502020204030204" pitchFamily="34" charset="0"/>
+                        <a:cs typeface="Times New Roman" panose="02020603050405020304" pitchFamily="18" charset="0"/>
+                      </a:endParaRPr>
+                    </a:p>
+                  </a:txBody>
+                  <a:tcPr marL="56274" marR="56274" marT="0" marB="0">
+                    <a:lnL w="12700" cap="flat" cmpd="sng" algn="ctr">
+                      <a:solidFill>
+                        <a:schemeClr val="tx1"/>
+                      </a:solidFill>
+                      <a:prstDash val="solid"/>
+                      <a:round/>
+                      <a:headEnd type="none" w="med" len="med"/>
+                      <a:tailEnd type="none" w="med" len="med"/>
+                    </a:lnL>
+                    <a:lnR w="12700" cap="flat" cmpd="sng" algn="ctr">
+                      <a:solidFill>
+                        <a:schemeClr val="tx1"/>
+                      </a:solidFill>
+                      <a:prstDash val="solid"/>
+                      <a:round/>
+                      <a:headEnd type="none" w="med" len="med"/>
+                      <a:tailEnd type="none" w="med" len="med"/>
+                    </a:lnR>
+                    <a:lnT w="12700" cap="flat" cmpd="sng" algn="ctr">
+                      <a:solidFill>
+                        <a:schemeClr val="tx1"/>
+                      </a:solidFill>
+                      <a:prstDash val="solid"/>
+                      <a:round/>
+                      <a:headEnd type="none" w="med" len="med"/>
+                      <a:tailEnd type="none" w="med" len="med"/>
+                    </a:lnT>
+                    <a:lnB w="12700" cap="flat" cmpd="sng" algn="ctr">
+                      <a:solidFill>
+                        <a:schemeClr val="tx1"/>
+                      </a:solidFill>
+                      <a:prstDash val="solid"/>
+                      <a:round/>
+                      <a:headEnd type="none" w="med" len="med"/>
+                      <a:tailEnd type="none" w="med" len="med"/>
+                    </a:lnB>
+                    <a:lnTlToBr w="12700" cmpd="sng">
+                      <a:noFill/>
+                      <a:prstDash val="solid"/>
+                    </a:lnTlToBr>
+                    <a:lnBlToTr w="12700" cmpd="sng">
+                      <a:noFill/>
+                      <a:prstDash val="solid"/>
+                    </a:lnBlToTr>
+                    <a:noFill/>
+                  </a:tcPr>
+                </a:tc>
+                <a:tc>
+                  <a:txBody>
+                    <a:bodyPr/>
+                    <a:lstStyle/>
+                    <a:p>
+                      <a:pPr marL="0" marR="0" indent="0" algn="just">
+                        <a:spcBef>
+                          <a:spcPts val="0"/>
+                        </a:spcBef>
+                        <a:spcAft>
+                          <a:spcPts val="0"/>
+                        </a:spcAft>
+                      </a:pPr>
+                      <a:r>
+                        <a:rPr lang="uk-UA" sz="1800">
+                          <a:solidFill>
+                            <a:schemeClr val="tx1"/>
+                          </a:solidFill>
+                          <a:effectLst/>
+                        </a:rPr>
+                        <a:t>NP1501</a:t>
+                      </a:r>
+                      <a:r>
+                        <a:rPr lang="en-US" sz="1800">
+                          <a:solidFill>
+                            <a:schemeClr val="tx1"/>
+                          </a:solidFill>
+                          <a:effectLst/>
+                        </a:rPr>
+                        <a:t>, </a:t>
+                      </a:r>
+                      <a:r>
+                        <a:rPr lang="uk-UA" sz="1800">
+                          <a:solidFill>
+                            <a:schemeClr val="tx1"/>
+                          </a:solidFill>
+                          <a:effectLst/>
+                        </a:rPr>
+                        <a:t>NP1514</a:t>
+                      </a:r>
+                      <a:r>
+                        <a:rPr lang="en-US" sz="1800">
+                          <a:solidFill>
+                            <a:schemeClr val="tx1"/>
+                          </a:solidFill>
+                          <a:effectLst/>
+                        </a:rPr>
+                        <a:t>, </a:t>
+                      </a:r>
+                      <a:r>
+                        <a:rPr lang="uk-UA" sz="1800">
+                          <a:solidFill>
+                            <a:schemeClr val="tx1"/>
+                          </a:solidFill>
+                          <a:effectLst/>
+                        </a:rPr>
+                        <a:t>NP1516</a:t>
+                      </a:r>
+                      <a:r>
+                        <a:rPr lang="en-US" sz="1800">
+                          <a:solidFill>
+                            <a:schemeClr val="tx1"/>
+                          </a:solidFill>
+                          <a:effectLst/>
+                        </a:rPr>
+                        <a:t>, </a:t>
+                      </a:r>
+                      <a:r>
+                        <a:rPr lang="uk-UA" sz="1800">
+                          <a:solidFill>
+                            <a:schemeClr val="tx1"/>
+                          </a:solidFill>
+                          <a:effectLst/>
+                        </a:rPr>
+                        <a:t>NP1517</a:t>
+                      </a:r>
+                      <a:r>
+                        <a:rPr lang="en-US" sz="1800">
+                          <a:solidFill>
+                            <a:schemeClr val="tx1"/>
+                          </a:solidFill>
+                          <a:effectLst/>
+                        </a:rPr>
+                        <a:t>, </a:t>
+                      </a:r>
+                      <a:r>
+                        <a:rPr lang="uk-UA" sz="1800">
+                          <a:solidFill>
+                            <a:schemeClr val="tx1"/>
+                          </a:solidFill>
+                          <a:effectLst/>
+                        </a:rPr>
+                        <a:t>NP1507</a:t>
+                      </a:r>
+                      <a:endParaRPr lang="en-US" sz="1800">
+                        <a:solidFill>
+                          <a:schemeClr val="tx1"/>
+                        </a:solidFill>
+                        <a:effectLst/>
+                        <a:latin typeface="Times New Roman" panose="02020603050405020304" pitchFamily="18" charset="0"/>
+                        <a:ea typeface="Calibri" panose="020F0502020204030204" pitchFamily="34" charset="0"/>
+                        <a:cs typeface="Times New Roman" panose="02020603050405020304" pitchFamily="18" charset="0"/>
+                      </a:endParaRPr>
+                    </a:p>
+                  </a:txBody>
+                  <a:tcPr marL="56274" marR="56274" marT="0" marB="0">
+                    <a:lnL w="12700" cap="flat" cmpd="sng" algn="ctr">
+                      <a:solidFill>
+                        <a:schemeClr val="tx1"/>
+                      </a:solidFill>
+                      <a:prstDash val="solid"/>
+                      <a:round/>
+                      <a:headEnd type="none" w="med" len="med"/>
+                      <a:tailEnd type="none" w="med" len="med"/>
+                    </a:lnL>
+                    <a:lnR w="12700" cap="flat" cmpd="sng" algn="ctr">
+                      <a:solidFill>
+                        <a:schemeClr val="tx1"/>
+                      </a:solidFill>
+                      <a:prstDash val="solid"/>
+                      <a:round/>
+                      <a:headEnd type="none" w="med" len="med"/>
+                      <a:tailEnd type="none" w="med" len="med"/>
+                    </a:lnR>
+                    <a:lnT w="12700" cap="flat" cmpd="sng" algn="ctr">
+                      <a:solidFill>
+                        <a:schemeClr val="tx1"/>
+                      </a:solidFill>
+                      <a:prstDash val="solid"/>
+                      <a:round/>
+                      <a:headEnd type="none" w="med" len="med"/>
+                      <a:tailEnd type="none" w="med" len="med"/>
+                    </a:lnT>
+                    <a:lnB w="12700" cap="flat" cmpd="sng" algn="ctr">
+                      <a:solidFill>
+                        <a:schemeClr val="tx1"/>
+                      </a:solidFill>
+                      <a:prstDash val="solid"/>
+                      <a:round/>
+                      <a:headEnd type="none" w="med" len="med"/>
+                      <a:tailEnd type="none" w="med" len="med"/>
+                    </a:lnB>
+                    <a:lnTlToBr w="12700" cmpd="sng">
+                      <a:noFill/>
+                      <a:prstDash val="solid"/>
+                    </a:lnTlToBr>
+                    <a:lnBlToTr w="12700" cmpd="sng">
+                      <a:noFill/>
+                      <a:prstDash val="solid"/>
+                    </a:lnBlToTr>
+                    <a:noFill/>
+                  </a:tcPr>
+                </a:tc>
+                <a:extLst>
+                  <a:ext uri="{0D108BD9-81ED-4DB2-BD59-A6C34878D82A}">
+                    <a16:rowId xmlns:a16="http://schemas.microsoft.com/office/drawing/2014/main" val="3717191838"/>
+                  </a:ext>
+                </a:extLst>
+              </a:tr>
+              <a:tr h="175073">
+                <a:tc gridSpan="2" vMerge="1">
+                  <a:txBody>
+                    <a:bodyPr/>
+                    <a:lstStyle/>
+                    <a:p>
+                      <a:endParaRPr lang="en-US"/>
+                    </a:p>
+                  </a:txBody>
+                  <a:tcPr/>
+                </a:tc>
+                <a:tc hMerge="1" vMerge="1">
+                  <a:txBody>
+                    <a:bodyPr/>
+                    <a:lstStyle/>
+                    <a:p>
+                      <a:pPr marL="0" marR="0" indent="0" algn="just">
+                        <a:spcBef>
+                          <a:spcPts val="0"/>
+                        </a:spcBef>
+                        <a:spcAft>
+                          <a:spcPts val="0"/>
+                        </a:spcAft>
+                      </a:pPr>
+                      <a:r>
+                        <a:rPr lang="en-US" sz="1800" dirty="0">
+                          <a:solidFill>
+                            <a:schemeClr val="tx1"/>
+                          </a:solidFill>
+                          <a:effectLst/>
+                        </a:rPr>
+                        <a:t>B</a:t>
+                      </a:r>
+                      <a:endParaRPr lang="en-US" sz="1800" dirty="0">
+                        <a:solidFill>
+                          <a:schemeClr val="tx1"/>
+                        </a:solidFill>
+                        <a:effectLst/>
+                        <a:latin typeface="Times New Roman" panose="02020603050405020304" pitchFamily="18" charset="0"/>
+                        <a:ea typeface="Calibri" panose="020F0502020204030204" pitchFamily="34" charset="0"/>
+                        <a:cs typeface="Times New Roman" panose="02020603050405020304" pitchFamily="18" charset="0"/>
+                      </a:endParaRPr>
+                    </a:p>
+                  </a:txBody>
+                  <a:tcPr marL="56274" marR="56274" marT="0" marB="0">
+                    <a:lnL w="12700" cap="flat" cmpd="sng" algn="ctr">
+                      <a:solidFill>
+                        <a:schemeClr val="tx1"/>
+                      </a:solidFill>
+                      <a:prstDash val="solid"/>
+                      <a:round/>
+                      <a:headEnd type="none" w="med" len="med"/>
+                      <a:tailEnd type="none" w="med" len="med"/>
+                    </a:lnL>
+                    <a:lnR w="12700" cap="flat" cmpd="sng" algn="ctr">
+                      <a:solidFill>
+                        <a:schemeClr val="tx1"/>
+                      </a:solidFill>
+                      <a:prstDash val="solid"/>
+                      <a:round/>
+                      <a:headEnd type="none" w="med" len="med"/>
+                      <a:tailEnd type="none" w="med" len="med"/>
+                    </a:lnR>
+                    <a:lnT w="12700" cap="flat" cmpd="sng" algn="ctr">
+                      <a:solidFill>
+                        <a:schemeClr val="tx1"/>
+                      </a:solidFill>
+                      <a:prstDash val="solid"/>
+                      <a:round/>
+                      <a:headEnd type="none" w="med" len="med"/>
+                      <a:tailEnd type="none" w="med" len="med"/>
+                    </a:lnT>
+                    <a:lnB w="12700" cap="flat" cmpd="sng" algn="ctr">
+                      <a:solidFill>
+                        <a:schemeClr val="tx1"/>
+                      </a:solidFill>
+                      <a:prstDash val="solid"/>
+                      <a:round/>
+                      <a:headEnd type="none" w="med" len="med"/>
+                      <a:tailEnd type="none" w="med" len="med"/>
+                    </a:lnB>
+                    <a:lnTlToBr w="12700" cmpd="sng">
+                      <a:noFill/>
+                      <a:prstDash val="solid"/>
+                    </a:lnTlToBr>
+                    <a:lnBlToTr w="12700" cmpd="sng">
+                      <a:noFill/>
+                      <a:prstDash val="solid"/>
+                    </a:lnBlToTr>
+                    <a:noFill/>
+                  </a:tcPr>
+                </a:tc>
+                <a:tc>
+                  <a:txBody>
+                    <a:bodyPr/>
+                    <a:lstStyle/>
+                    <a:p>
+                      <a:pPr marL="0" marR="0" indent="0" algn="just">
+                        <a:spcBef>
+                          <a:spcPts val="0"/>
+                        </a:spcBef>
+                        <a:spcAft>
+                          <a:spcPts val="0"/>
+                        </a:spcAft>
+                      </a:pPr>
+                      <a:r>
+                        <a:rPr lang="en-US" sz="1800" dirty="0">
+                          <a:solidFill>
+                            <a:schemeClr val="tx1"/>
+                          </a:solidFill>
+                          <a:effectLst/>
+                        </a:rPr>
+                        <a:t>B</a:t>
+                      </a:r>
+                      <a:endParaRPr lang="en-US" sz="1800" dirty="0">
+                        <a:solidFill>
+                          <a:schemeClr val="tx1"/>
+                        </a:solidFill>
+                        <a:effectLst/>
+                        <a:latin typeface="Times New Roman" panose="02020603050405020304" pitchFamily="18" charset="0"/>
+                        <a:ea typeface="Calibri" panose="020F0502020204030204" pitchFamily="34" charset="0"/>
+                        <a:cs typeface="Times New Roman" panose="02020603050405020304" pitchFamily="18" charset="0"/>
+                      </a:endParaRPr>
+                    </a:p>
+                  </a:txBody>
+                  <a:tcPr marL="56274" marR="56274" marT="0" marB="0">
+                    <a:lnL w="12700" cap="flat" cmpd="sng" algn="ctr">
+                      <a:solidFill>
+                        <a:schemeClr val="tx1"/>
+                      </a:solidFill>
+                      <a:prstDash val="solid"/>
+                      <a:round/>
+                      <a:headEnd type="none" w="med" len="med"/>
+                      <a:tailEnd type="none" w="med" len="med"/>
+                    </a:lnL>
+                    <a:lnR w="12700" cap="flat" cmpd="sng" algn="ctr">
+                      <a:solidFill>
+                        <a:schemeClr val="tx1"/>
+                      </a:solidFill>
+                      <a:prstDash val="solid"/>
+                      <a:round/>
+                      <a:headEnd type="none" w="med" len="med"/>
+                      <a:tailEnd type="none" w="med" len="med"/>
+                    </a:lnR>
+                    <a:lnT w="12700" cap="flat" cmpd="sng" algn="ctr">
+                      <a:solidFill>
+                        <a:schemeClr val="tx1"/>
+                      </a:solidFill>
+                      <a:prstDash val="solid"/>
+                      <a:round/>
+                      <a:headEnd type="none" w="med" len="med"/>
+                      <a:tailEnd type="none" w="med" len="med"/>
+                    </a:lnT>
+                    <a:lnB w="12700" cap="flat" cmpd="sng" algn="ctr">
+                      <a:solidFill>
+                        <a:schemeClr val="tx1"/>
+                      </a:solidFill>
+                      <a:prstDash val="solid"/>
+                      <a:round/>
+                      <a:headEnd type="none" w="med" len="med"/>
+                      <a:tailEnd type="none" w="med" len="med"/>
+                    </a:lnB>
+                    <a:lnTlToBr w="12700" cmpd="sng">
+                      <a:noFill/>
+                      <a:prstDash val="solid"/>
+                    </a:lnTlToBr>
+                    <a:lnBlToTr w="12700" cmpd="sng">
+                      <a:noFill/>
+                      <a:prstDash val="solid"/>
+                    </a:lnBlToTr>
+                    <a:noFill/>
+                  </a:tcPr>
+                </a:tc>
+                <a:tc>
+                  <a:txBody>
+                    <a:bodyPr/>
+                    <a:lstStyle/>
+                    <a:p>
+                      <a:pPr marL="0" marR="0" indent="0" algn="just">
+                        <a:spcBef>
+                          <a:spcPts val="0"/>
+                        </a:spcBef>
+                        <a:spcAft>
+                          <a:spcPts val="0"/>
+                        </a:spcAft>
+                      </a:pPr>
+                      <a:r>
+                        <a:rPr lang="uk-UA" sz="1800">
+                          <a:solidFill>
+                            <a:schemeClr val="tx1"/>
+                          </a:solidFill>
+                          <a:effectLst/>
+                        </a:rPr>
+                        <a:t>X190</a:t>
+                      </a:r>
+                      <a:r>
+                        <a:rPr lang="en-US" sz="1800">
+                          <a:solidFill>
+                            <a:schemeClr val="tx1"/>
+                          </a:solidFill>
+                          <a:effectLst/>
+                        </a:rPr>
+                        <a:t>, </a:t>
+                      </a:r>
+                      <a:r>
+                        <a:rPr lang="uk-UA" sz="1800">
+                          <a:solidFill>
+                            <a:schemeClr val="tx1"/>
+                          </a:solidFill>
+                          <a:effectLst/>
+                        </a:rPr>
+                        <a:t>NP1526</a:t>
+                      </a:r>
+                      <a:r>
+                        <a:rPr lang="en-US" sz="1800">
+                          <a:solidFill>
+                            <a:schemeClr val="tx1"/>
+                          </a:solidFill>
+                          <a:effectLst/>
+                        </a:rPr>
+                        <a:t>, </a:t>
+                      </a:r>
+                      <a:r>
+                        <a:rPr lang="uk-UA" sz="1800">
+                          <a:solidFill>
+                            <a:schemeClr val="tx1"/>
+                          </a:solidFill>
+                          <a:effectLst/>
+                        </a:rPr>
+                        <a:t>X200</a:t>
+                      </a:r>
+                      <a:r>
+                        <a:rPr lang="en-US" sz="1800">
+                          <a:solidFill>
+                            <a:schemeClr val="tx1"/>
+                          </a:solidFill>
+                          <a:effectLst/>
+                        </a:rPr>
+                        <a:t>, </a:t>
+                      </a:r>
+                      <a:r>
+                        <a:rPr lang="uk-UA" sz="1800">
+                          <a:solidFill>
+                            <a:schemeClr val="tx1"/>
+                          </a:solidFill>
+                          <a:effectLst/>
+                        </a:rPr>
+                        <a:t>X201</a:t>
+                      </a:r>
+                      <a:endParaRPr lang="en-US" sz="1800">
+                        <a:solidFill>
+                          <a:schemeClr val="tx1"/>
+                        </a:solidFill>
+                        <a:effectLst/>
+                        <a:latin typeface="Times New Roman" panose="02020603050405020304" pitchFamily="18" charset="0"/>
+                        <a:ea typeface="Calibri" panose="020F0502020204030204" pitchFamily="34" charset="0"/>
+                        <a:cs typeface="Times New Roman" panose="02020603050405020304" pitchFamily="18" charset="0"/>
+                      </a:endParaRPr>
+                    </a:p>
+                  </a:txBody>
+                  <a:tcPr marL="56274" marR="56274" marT="0" marB="0">
+                    <a:lnL w="12700" cap="flat" cmpd="sng" algn="ctr">
+                      <a:solidFill>
+                        <a:schemeClr val="tx1"/>
+                      </a:solidFill>
+                      <a:prstDash val="solid"/>
+                      <a:round/>
+                      <a:headEnd type="none" w="med" len="med"/>
+                      <a:tailEnd type="none" w="med" len="med"/>
+                    </a:lnL>
+                    <a:lnR w="12700" cap="flat" cmpd="sng" algn="ctr">
+                      <a:solidFill>
+                        <a:schemeClr val="tx1"/>
+                      </a:solidFill>
+                      <a:prstDash val="solid"/>
+                      <a:round/>
+                      <a:headEnd type="none" w="med" len="med"/>
+                      <a:tailEnd type="none" w="med" len="med"/>
+                    </a:lnR>
+                    <a:lnT w="12700" cap="flat" cmpd="sng" algn="ctr">
+                      <a:solidFill>
+                        <a:schemeClr val="tx1"/>
+                      </a:solidFill>
+                      <a:prstDash val="solid"/>
+                      <a:round/>
+                      <a:headEnd type="none" w="med" len="med"/>
+                      <a:tailEnd type="none" w="med" len="med"/>
+                    </a:lnT>
+                    <a:lnB w="12700" cap="flat" cmpd="sng" algn="ctr">
+                      <a:solidFill>
+                        <a:schemeClr val="tx1"/>
+                      </a:solidFill>
+                      <a:prstDash val="solid"/>
+                      <a:round/>
+                      <a:headEnd type="none" w="med" len="med"/>
+                      <a:tailEnd type="none" w="med" len="med"/>
+                    </a:lnB>
+                    <a:lnTlToBr w="12700" cmpd="sng">
+                      <a:noFill/>
+                      <a:prstDash val="solid"/>
+                    </a:lnTlToBr>
+                    <a:lnBlToTr w="12700" cmpd="sng">
+                      <a:noFill/>
+                      <a:prstDash val="solid"/>
+                    </a:lnBlToTr>
+                    <a:noFill/>
+                  </a:tcPr>
+                </a:tc>
+                <a:extLst>
+                  <a:ext uri="{0D108BD9-81ED-4DB2-BD59-A6C34878D82A}">
+                    <a16:rowId xmlns:a16="http://schemas.microsoft.com/office/drawing/2014/main" val="3550660816"/>
+                  </a:ext>
+                </a:extLst>
+              </a:tr>
+              <a:tr h="175073">
+                <a:tc gridSpan="3">
+                  <a:txBody>
+                    <a:bodyPr/>
+                    <a:lstStyle/>
+                    <a:p>
+                      <a:pPr marL="0" marR="0" indent="0" algn="l">
+                        <a:spcBef>
+                          <a:spcPts val="0"/>
+                        </a:spcBef>
+                        <a:spcAft>
+                          <a:spcPts val="0"/>
+                        </a:spcAft>
+                      </a:pPr>
+                      <a:r>
+                        <a:rPr lang="en-US" sz="1800">
+                          <a:solidFill>
+                            <a:schemeClr val="tx1"/>
+                          </a:solidFill>
+                          <a:effectLst/>
+                        </a:rPr>
+                        <a:t>1B/2</a:t>
+                      </a:r>
+                      <a:endParaRPr lang="en-US" sz="1800">
+                        <a:solidFill>
+                          <a:schemeClr val="tx1"/>
+                        </a:solidFill>
+                        <a:effectLst/>
+                        <a:latin typeface="Times New Roman" panose="02020603050405020304" pitchFamily="18" charset="0"/>
+                        <a:ea typeface="Calibri" panose="020F0502020204030204" pitchFamily="34" charset="0"/>
+                        <a:cs typeface="Times New Roman" panose="02020603050405020304" pitchFamily="18" charset="0"/>
+                      </a:endParaRPr>
+                    </a:p>
+                  </a:txBody>
+                  <a:tcPr marL="56274" marR="56274" marT="0" marB="0" anchor="ctr">
+                    <a:lnL w="12700" cap="flat" cmpd="sng" algn="ctr">
+                      <a:solidFill>
+                        <a:schemeClr val="tx1"/>
+                      </a:solidFill>
+                      <a:prstDash val="solid"/>
+                      <a:round/>
+                      <a:headEnd type="none" w="med" len="med"/>
+                      <a:tailEnd type="none" w="med" len="med"/>
+                    </a:lnL>
+                    <a:lnR w="12700" cap="flat" cmpd="sng" algn="ctr">
+                      <a:solidFill>
+                        <a:schemeClr val="tx1"/>
+                      </a:solidFill>
+                      <a:prstDash val="solid"/>
+                      <a:round/>
+                      <a:headEnd type="none" w="med" len="med"/>
+                      <a:tailEnd type="none" w="med" len="med"/>
+                    </a:lnR>
+                    <a:lnT w="12700" cap="flat" cmpd="sng" algn="ctr">
+                      <a:solidFill>
+                        <a:schemeClr val="tx1"/>
+                      </a:solidFill>
+                      <a:prstDash val="solid"/>
+                      <a:round/>
+                      <a:headEnd type="none" w="med" len="med"/>
+                      <a:tailEnd type="none" w="med" len="med"/>
+                    </a:lnT>
+                    <a:lnB w="12700" cap="flat" cmpd="sng" algn="ctr">
+                      <a:solidFill>
+                        <a:schemeClr val="tx1"/>
+                      </a:solidFill>
+                      <a:prstDash val="solid"/>
+                      <a:round/>
+                      <a:headEnd type="none" w="med" len="med"/>
+                      <a:tailEnd type="none" w="med" len="med"/>
+                    </a:lnB>
+                    <a:lnTlToBr w="12700" cmpd="sng">
+                      <a:noFill/>
+                      <a:prstDash val="solid"/>
+                    </a:lnTlToBr>
+                    <a:lnBlToTr w="12700" cmpd="sng">
+                      <a:noFill/>
+                      <a:prstDash val="solid"/>
+                    </a:lnBlToTr>
+                    <a:noFill/>
+                  </a:tcPr>
+                </a:tc>
+                <a:tc hMerge="1">
+                  <a:txBody>
+                    <a:bodyPr/>
+                    <a:lstStyle/>
+                    <a:p>
+                      <a:endParaRPr lang="en-US"/>
+                    </a:p>
+                  </a:txBody>
+                  <a:tcPr/>
+                </a:tc>
+                <a:tc hMerge="1">
+                  <a:txBody>
+                    <a:bodyPr/>
+                    <a:lstStyle/>
+                    <a:p>
+                      <a:pPr marL="0" marR="0" indent="0" algn="l">
+                        <a:spcBef>
+                          <a:spcPts val="0"/>
+                        </a:spcBef>
+                        <a:spcAft>
+                          <a:spcPts val="0"/>
+                        </a:spcAft>
+                      </a:pPr>
+                      <a:endParaRPr lang="en-US" sz="1800">
+                        <a:solidFill>
+                          <a:schemeClr val="tx1"/>
+                        </a:solidFill>
+                        <a:effectLst/>
+                        <a:latin typeface="Times New Roman" panose="02020603050405020304" pitchFamily="18" charset="0"/>
+                        <a:ea typeface="Calibri" panose="020F0502020204030204" pitchFamily="34" charset="0"/>
+                        <a:cs typeface="Times New Roman" panose="02020603050405020304" pitchFamily="18" charset="0"/>
+                      </a:endParaRPr>
+                    </a:p>
+                  </a:txBody>
+                  <a:tcPr marL="56274" marR="56274" marT="0" marB="0" anchor="ctr">
+                    <a:lnL w="12700" cap="flat" cmpd="sng" algn="ctr">
+                      <a:solidFill>
+                        <a:schemeClr val="tx1"/>
+                      </a:solidFill>
+                      <a:prstDash val="solid"/>
+                      <a:round/>
+                      <a:headEnd type="none" w="med" len="med"/>
+                      <a:tailEnd type="none" w="med" len="med"/>
+                    </a:lnL>
+                    <a:lnR w="12700" cap="flat" cmpd="sng" algn="ctr">
+                      <a:solidFill>
+                        <a:schemeClr val="tx1"/>
+                      </a:solidFill>
+                      <a:prstDash val="solid"/>
+                      <a:round/>
+                      <a:headEnd type="none" w="med" len="med"/>
+                      <a:tailEnd type="none" w="med" len="med"/>
+                    </a:lnR>
+                    <a:lnT w="12700" cap="flat" cmpd="sng" algn="ctr">
+                      <a:solidFill>
+                        <a:schemeClr val="tx1"/>
+                      </a:solidFill>
+                      <a:prstDash val="solid"/>
+                      <a:round/>
+                      <a:headEnd type="none" w="med" len="med"/>
+                      <a:tailEnd type="none" w="med" len="med"/>
+                    </a:lnT>
+                    <a:lnB w="12700" cap="flat" cmpd="sng" algn="ctr">
+                      <a:solidFill>
+                        <a:schemeClr val="tx1"/>
+                      </a:solidFill>
+                      <a:prstDash val="solid"/>
+                      <a:round/>
+                      <a:headEnd type="none" w="med" len="med"/>
+                      <a:tailEnd type="none" w="med" len="med"/>
+                    </a:lnB>
+                    <a:lnTlToBr w="12700" cmpd="sng">
+                      <a:noFill/>
+                      <a:prstDash val="solid"/>
+                    </a:lnTlToBr>
+                    <a:lnBlToTr w="12700" cmpd="sng">
+                      <a:noFill/>
+                      <a:prstDash val="solid"/>
+                    </a:lnBlToTr>
+                    <a:noFill/>
+                  </a:tcPr>
+                </a:tc>
+                <a:tc>
+                  <a:txBody>
+                    <a:bodyPr/>
+                    <a:lstStyle/>
+                    <a:p>
+                      <a:pPr marL="0" marR="0" indent="0" algn="just">
+                        <a:spcBef>
+                          <a:spcPts val="0"/>
+                        </a:spcBef>
+                        <a:spcAft>
+                          <a:spcPts val="0"/>
+                        </a:spcAft>
+                      </a:pPr>
+                      <a:r>
+                        <a:rPr lang="uk-UA" sz="1800">
+                          <a:solidFill>
+                            <a:schemeClr val="tx1"/>
+                          </a:solidFill>
+                          <a:effectLst/>
+                        </a:rPr>
+                        <a:t>NP1512</a:t>
+                      </a:r>
+                      <a:r>
+                        <a:rPr lang="en-US" sz="1800">
+                          <a:solidFill>
+                            <a:schemeClr val="tx1"/>
+                          </a:solidFill>
+                          <a:effectLst/>
+                        </a:rPr>
+                        <a:t>, </a:t>
+                      </a:r>
+                      <a:r>
+                        <a:rPr lang="uk-UA" sz="1800">
+                          <a:solidFill>
+                            <a:schemeClr val="tx1"/>
+                          </a:solidFill>
+                          <a:effectLst/>
+                        </a:rPr>
+                        <a:t>NP1521</a:t>
+                      </a:r>
+                      <a:endParaRPr lang="en-US" sz="1800">
+                        <a:solidFill>
+                          <a:schemeClr val="tx1"/>
+                        </a:solidFill>
+                        <a:effectLst/>
+                        <a:latin typeface="Times New Roman" panose="02020603050405020304" pitchFamily="18" charset="0"/>
+                        <a:ea typeface="Calibri" panose="020F0502020204030204" pitchFamily="34" charset="0"/>
+                        <a:cs typeface="Times New Roman" panose="02020603050405020304" pitchFamily="18" charset="0"/>
+                      </a:endParaRPr>
+                    </a:p>
+                  </a:txBody>
+                  <a:tcPr marL="56274" marR="56274" marT="0" marB="0">
+                    <a:lnL w="12700" cap="flat" cmpd="sng" algn="ctr">
+                      <a:solidFill>
+                        <a:schemeClr val="tx1"/>
+                      </a:solidFill>
+                      <a:prstDash val="solid"/>
+                      <a:round/>
+                      <a:headEnd type="none" w="med" len="med"/>
+                      <a:tailEnd type="none" w="med" len="med"/>
+                    </a:lnL>
+                    <a:lnR w="12700" cap="flat" cmpd="sng" algn="ctr">
+                      <a:solidFill>
+                        <a:schemeClr val="tx1"/>
+                      </a:solidFill>
+                      <a:prstDash val="solid"/>
+                      <a:round/>
+                      <a:headEnd type="none" w="med" len="med"/>
+                      <a:tailEnd type="none" w="med" len="med"/>
+                    </a:lnR>
+                    <a:lnT w="12700" cap="flat" cmpd="sng" algn="ctr">
+                      <a:solidFill>
+                        <a:schemeClr val="tx1"/>
+                      </a:solidFill>
+                      <a:prstDash val="solid"/>
+                      <a:round/>
+                      <a:headEnd type="none" w="med" len="med"/>
+                      <a:tailEnd type="none" w="med" len="med"/>
+                    </a:lnT>
+                    <a:lnB w="12700" cap="flat" cmpd="sng" algn="ctr">
+                      <a:solidFill>
+                        <a:schemeClr val="tx1"/>
+                      </a:solidFill>
+                      <a:prstDash val="solid"/>
+                      <a:round/>
+                      <a:headEnd type="none" w="med" len="med"/>
+                      <a:tailEnd type="none" w="med" len="med"/>
+                    </a:lnB>
+                    <a:lnTlToBr w="12700" cmpd="sng">
+                      <a:noFill/>
+                      <a:prstDash val="solid"/>
+                    </a:lnTlToBr>
+                    <a:lnBlToTr w="12700" cmpd="sng">
+                      <a:noFill/>
+                      <a:prstDash val="solid"/>
+                    </a:lnBlToTr>
+                    <a:noFill/>
+                  </a:tcPr>
+                </a:tc>
+                <a:extLst>
+                  <a:ext uri="{0D108BD9-81ED-4DB2-BD59-A6C34878D82A}">
+                    <a16:rowId xmlns:a16="http://schemas.microsoft.com/office/drawing/2014/main" val="2272550845"/>
+                  </a:ext>
+                </a:extLst>
+              </a:tr>
+              <a:tr h="350147">
+                <a:tc gridSpan="3">
+                  <a:txBody>
+                    <a:bodyPr/>
+                    <a:lstStyle/>
+                    <a:p>
+                      <a:pPr marL="0" marR="0" indent="0" algn="l">
+                        <a:spcBef>
+                          <a:spcPts val="0"/>
+                        </a:spcBef>
+                        <a:spcAft>
+                          <a:spcPts val="0"/>
+                        </a:spcAft>
+                      </a:pPr>
+                      <a:r>
+                        <a:rPr lang="en-US" sz="1800">
+                          <a:solidFill>
+                            <a:schemeClr val="tx1"/>
+                          </a:solidFill>
+                          <a:effectLst/>
+                        </a:rPr>
+                        <a:t>2</a:t>
+                      </a:r>
+                      <a:endParaRPr lang="en-US" sz="1800">
+                        <a:solidFill>
+                          <a:schemeClr val="tx1"/>
+                        </a:solidFill>
+                        <a:effectLst/>
+                        <a:latin typeface="Times New Roman" panose="02020603050405020304" pitchFamily="18" charset="0"/>
+                        <a:ea typeface="Calibri" panose="020F0502020204030204" pitchFamily="34" charset="0"/>
+                        <a:cs typeface="Times New Roman" panose="02020603050405020304" pitchFamily="18" charset="0"/>
+                      </a:endParaRPr>
+                    </a:p>
+                  </a:txBody>
+                  <a:tcPr marL="56274" marR="56274" marT="0" marB="0" anchor="ctr">
+                    <a:lnL w="12700" cap="flat" cmpd="sng" algn="ctr">
+                      <a:solidFill>
+                        <a:schemeClr val="tx1"/>
+                      </a:solidFill>
+                      <a:prstDash val="solid"/>
+                      <a:round/>
+                      <a:headEnd type="none" w="med" len="med"/>
+                      <a:tailEnd type="none" w="med" len="med"/>
+                    </a:lnL>
+                    <a:lnR w="12700" cap="flat" cmpd="sng" algn="ctr">
+                      <a:solidFill>
+                        <a:schemeClr val="tx1"/>
+                      </a:solidFill>
+                      <a:prstDash val="solid"/>
+                      <a:round/>
+                      <a:headEnd type="none" w="med" len="med"/>
+                      <a:tailEnd type="none" w="med" len="med"/>
+                    </a:lnR>
+                    <a:lnT w="12700" cap="flat" cmpd="sng" algn="ctr">
+                      <a:solidFill>
+                        <a:schemeClr val="tx1"/>
+                      </a:solidFill>
+                      <a:prstDash val="solid"/>
+                      <a:round/>
+                      <a:headEnd type="none" w="med" len="med"/>
+                      <a:tailEnd type="none" w="med" len="med"/>
+                    </a:lnT>
+                    <a:lnB w="12700" cap="flat" cmpd="sng" algn="ctr">
+                      <a:solidFill>
+                        <a:schemeClr val="tx1"/>
+                      </a:solidFill>
+                      <a:prstDash val="solid"/>
+                      <a:round/>
+                      <a:headEnd type="none" w="med" len="med"/>
+                      <a:tailEnd type="none" w="med" len="med"/>
+                    </a:lnB>
+                    <a:lnTlToBr w="12700" cmpd="sng">
+                      <a:noFill/>
+                      <a:prstDash val="solid"/>
+                    </a:lnTlToBr>
+                    <a:lnBlToTr w="12700" cmpd="sng">
+                      <a:noFill/>
+                      <a:prstDash val="solid"/>
+                    </a:lnBlToTr>
+                    <a:noFill/>
+                  </a:tcPr>
+                </a:tc>
+                <a:tc hMerge="1">
+                  <a:txBody>
+                    <a:bodyPr/>
+                    <a:lstStyle/>
+                    <a:p>
+                      <a:endParaRPr lang="en-US"/>
+                    </a:p>
+                  </a:txBody>
+                  <a:tcPr/>
+                </a:tc>
+                <a:tc hMerge="1">
+                  <a:txBody>
+                    <a:bodyPr/>
+                    <a:lstStyle/>
+                    <a:p>
+                      <a:pPr marL="0" marR="0" indent="0" algn="l">
+                        <a:spcBef>
+                          <a:spcPts val="0"/>
+                        </a:spcBef>
+                        <a:spcAft>
+                          <a:spcPts val="0"/>
+                        </a:spcAft>
+                      </a:pPr>
+                      <a:endParaRPr lang="en-US" sz="1800">
+                        <a:solidFill>
+                          <a:schemeClr val="tx1"/>
+                        </a:solidFill>
+                        <a:effectLst/>
+                        <a:latin typeface="Times New Roman" panose="02020603050405020304" pitchFamily="18" charset="0"/>
+                        <a:ea typeface="Calibri" panose="020F0502020204030204" pitchFamily="34" charset="0"/>
+                        <a:cs typeface="Times New Roman" panose="02020603050405020304" pitchFamily="18" charset="0"/>
+                      </a:endParaRPr>
+                    </a:p>
+                  </a:txBody>
+                  <a:tcPr marL="56274" marR="56274" marT="0" marB="0" anchor="ctr">
+                    <a:lnL w="12700" cap="flat" cmpd="sng" algn="ctr">
+                      <a:solidFill>
+                        <a:schemeClr val="tx1"/>
+                      </a:solidFill>
+                      <a:prstDash val="solid"/>
+                      <a:round/>
+                      <a:headEnd type="none" w="med" len="med"/>
+                      <a:tailEnd type="none" w="med" len="med"/>
+                    </a:lnL>
+                    <a:lnR w="12700" cap="flat" cmpd="sng" algn="ctr">
+                      <a:solidFill>
+                        <a:schemeClr val="tx1"/>
+                      </a:solidFill>
+                      <a:prstDash val="solid"/>
+                      <a:round/>
+                      <a:headEnd type="none" w="med" len="med"/>
+                      <a:tailEnd type="none" w="med" len="med"/>
+                    </a:lnR>
+                    <a:lnT w="12700" cap="flat" cmpd="sng" algn="ctr">
+                      <a:solidFill>
+                        <a:schemeClr val="tx1"/>
+                      </a:solidFill>
+                      <a:prstDash val="solid"/>
+                      <a:round/>
+                      <a:headEnd type="none" w="med" len="med"/>
+                      <a:tailEnd type="none" w="med" len="med"/>
+                    </a:lnT>
+                    <a:lnB w="12700" cap="flat" cmpd="sng" algn="ctr">
+                      <a:solidFill>
+                        <a:schemeClr val="tx1"/>
+                      </a:solidFill>
+                      <a:prstDash val="solid"/>
+                      <a:round/>
+                      <a:headEnd type="none" w="med" len="med"/>
+                      <a:tailEnd type="none" w="med" len="med"/>
+                    </a:lnB>
+                    <a:lnTlToBr w="12700" cmpd="sng">
+                      <a:noFill/>
+                      <a:prstDash val="solid"/>
+                    </a:lnTlToBr>
+                    <a:lnBlToTr w="12700" cmpd="sng">
+                      <a:noFill/>
+                      <a:prstDash val="solid"/>
+                    </a:lnBlToTr>
+                    <a:noFill/>
+                  </a:tcPr>
+                </a:tc>
+                <a:tc>
+                  <a:txBody>
+                    <a:bodyPr/>
+                    <a:lstStyle/>
+                    <a:p>
+                      <a:pPr marL="0" marR="0" indent="0" algn="just">
+                        <a:spcBef>
+                          <a:spcPts val="0"/>
+                        </a:spcBef>
+                        <a:spcAft>
+                          <a:spcPts val="0"/>
+                        </a:spcAft>
+                      </a:pPr>
+                      <a:r>
+                        <a:rPr lang="uk-UA" sz="1800" dirty="0">
+                          <a:solidFill>
+                            <a:schemeClr val="tx1"/>
+                          </a:solidFill>
+                          <a:effectLst/>
+                        </a:rPr>
+                        <a:t>NP1502</a:t>
+                      </a:r>
+                      <a:r>
+                        <a:rPr lang="en-US" sz="1800" dirty="0">
+                          <a:solidFill>
+                            <a:schemeClr val="tx1"/>
+                          </a:solidFill>
+                          <a:effectLst/>
+                        </a:rPr>
+                        <a:t>, </a:t>
+                      </a:r>
+                      <a:r>
+                        <a:rPr lang="uk-UA" sz="1800" dirty="0">
+                          <a:solidFill>
+                            <a:schemeClr val="tx1"/>
+                          </a:solidFill>
+                          <a:effectLst/>
+                        </a:rPr>
+                        <a:t>NP1503</a:t>
+                      </a:r>
+                      <a:r>
+                        <a:rPr lang="en-US" sz="1800" dirty="0">
+                          <a:solidFill>
+                            <a:schemeClr val="tx1"/>
+                          </a:solidFill>
+                          <a:effectLst/>
+                        </a:rPr>
+                        <a:t>, </a:t>
+                      </a:r>
+                      <a:r>
+                        <a:rPr lang="uk-UA" sz="1800" dirty="0">
+                          <a:solidFill>
+                            <a:schemeClr val="tx1"/>
+                          </a:solidFill>
+                          <a:effectLst/>
+                        </a:rPr>
+                        <a:t>NP1508</a:t>
+                      </a:r>
+                      <a:r>
+                        <a:rPr lang="en-US" sz="1800" dirty="0">
+                          <a:solidFill>
+                            <a:schemeClr val="tx1"/>
+                          </a:solidFill>
+                          <a:effectLst/>
+                        </a:rPr>
+                        <a:t>, </a:t>
+                      </a:r>
+                      <a:r>
+                        <a:rPr lang="uk-UA" sz="1800" dirty="0">
+                          <a:solidFill>
+                            <a:schemeClr val="tx1"/>
+                          </a:solidFill>
+                          <a:effectLst/>
+                        </a:rPr>
+                        <a:t>NP1510</a:t>
+                      </a:r>
+                      <a:r>
+                        <a:rPr lang="en-US" sz="1800" dirty="0">
+                          <a:solidFill>
+                            <a:schemeClr val="tx1"/>
+                          </a:solidFill>
+                          <a:effectLst/>
+                        </a:rPr>
+                        <a:t>, </a:t>
+                      </a:r>
+                      <a:r>
+                        <a:rPr lang="uk-UA" sz="1800" dirty="0">
+                          <a:solidFill>
+                            <a:schemeClr val="tx1"/>
+                          </a:solidFill>
+                          <a:effectLst/>
+                        </a:rPr>
+                        <a:t>NP1520</a:t>
+                      </a:r>
+                      <a:r>
+                        <a:rPr lang="en-US" sz="1800" dirty="0">
+                          <a:solidFill>
+                            <a:schemeClr val="tx1"/>
+                          </a:solidFill>
+                          <a:effectLst/>
+                        </a:rPr>
+                        <a:t>, </a:t>
+                      </a:r>
+                      <a:r>
+                        <a:rPr lang="uk-UA" sz="1800" dirty="0">
+                          <a:solidFill>
+                            <a:schemeClr val="tx1"/>
+                          </a:solidFill>
+                          <a:effectLst/>
+                        </a:rPr>
+                        <a:t>NP1522</a:t>
+                      </a:r>
+                      <a:r>
+                        <a:rPr lang="en-US" sz="1800" dirty="0">
+                          <a:solidFill>
+                            <a:schemeClr val="tx1"/>
+                          </a:solidFill>
+                          <a:effectLst/>
+                        </a:rPr>
+                        <a:t>, </a:t>
+                      </a:r>
+                      <a:r>
+                        <a:rPr lang="uk-UA" sz="1800" dirty="0">
+                          <a:solidFill>
+                            <a:schemeClr val="tx1"/>
+                          </a:solidFill>
+                          <a:effectLst/>
+                        </a:rPr>
+                        <a:t>NP1525</a:t>
+                      </a:r>
+                      <a:r>
+                        <a:rPr lang="en-US" sz="1800" dirty="0">
+                          <a:solidFill>
+                            <a:schemeClr val="tx1"/>
+                          </a:solidFill>
+                          <a:effectLst/>
+                        </a:rPr>
+                        <a:t>, </a:t>
+                      </a:r>
+                      <a:r>
+                        <a:rPr lang="uk-UA" sz="1800" dirty="0">
+                          <a:solidFill>
+                            <a:schemeClr val="tx1"/>
+                          </a:solidFill>
+                          <a:effectLst/>
+                        </a:rPr>
+                        <a:t>X221</a:t>
+                      </a:r>
+                      <a:r>
+                        <a:rPr lang="en-US" sz="1800" dirty="0">
+                          <a:solidFill>
+                            <a:schemeClr val="tx1"/>
+                          </a:solidFill>
+                          <a:effectLst/>
+                        </a:rPr>
+                        <a:t>, </a:t>
+                      </a:r>
+                      <a:r>
+                        <a:rPr lang="uk-UA" sz="1800" dirty="0">
+                          <a:solidFill>
+                            <a:schemeClr val="tx1"/>
+                          </a:solidFill>
+                          <a:effectLst/>
+                        </a:rPr>
+                        <a:t>X271</a:t>
+                      </a:r>
+                      <a:r>
+                        <a:rPr lang="en-US" sz="1800" dirty="0">
+                          <a:solidFill>
+                            <a:schemeClr val="tx1"/>
+                          </a:solidFill>
+                          <a:effectLst/>
+                        </a:rPr>
+                        <a:t>, </a:t>
+                      </a:r>
+                      <a:r>
+                        <a:rPr lang="uk-UA" sz="1800" dirty="0">
+                          <a:solidFill>
+                            <a:schemeClr val="tx1"/>
+                          </a:solidFill>
+                          <a:effectLst/>
+                        </a:rPr>
+                        <a:t>NP3701</a:t>
+                      </a:r>
+                      <a:r>
+                        <a:rPr lang="en-US" sz="1800" dirty="0">
+                          <a:solidFill>
+                            <a:schemeClr val="tx1"/>
+                          </a:solidFill>
+                          <a:effectLst/>
+                        </a:rPr>
+                        <a:t>, </a:t>
+                      </a:r>
+                      <a:r>
+                        <a:rPr lang="uk-UA" sz="1800" dirty="0">
+                          <a:solidFill>
+                            <a:schemeClr val="tx1"/>
+                          </a:solidFill>
+                          <a:effectLst/>
+                        </a:rPr>
+                        <a:t>NP3708</a:t>
+                      </a:r>
+                      <a:endParaRPr lang="en-US" sz="1800" dirty="0">
+                        <a:solidFill>
+                          <a:schemeClr val="tx1"/>
+                        </a:solidFill>
+                        <a:effectLst/>
+                        <a:latin typeface="Times New Roman" panose="02020603050405020304" pitchFamily="18" charset="0"/>
+                        <a:ea typeface="Calibri" panose="020F0502020204030204" pitchFamily="34" charset="0"/>
+                        <a:cs typeface="Times New Roman" panose="02020603050405020304" pitchFamily="18" charset="0"/>
+                      </a:endParaRPr>
+                    </a:p>
+                  </a:txBody>
+                  <a:tcPr marL="56274" marR="56274" marT="0" marB="0">
+                    <a:lnL w="12700" cap="flat" cmpd="sng" algn="ctr">
+                      <a:solidFill>
+                        <a:schemeClr val="tx1"/>
+                      </a:solidFill>
+                      <a:prstDash val="solid"/>
+                      <a:round/>
+                      <a:headEnd type="none" w="med" len="med"/>
+                      <a:tailEnd type="none" w="med" len="med"/>
+                    </a:lnL>
+                    <a:lnR w="12700" cap="flat" cmpd="sng" algn="ctr">
+                      <a:solidFill>
+                        <a:schemeClr val="tx1"/>
+                      </a:solidFill>
+                      <a:prstDash val="solid"/>
+                      <a:round/>
+                      <a:headEnd type="none" w="med" len="med"/>
+                      <a:tailEnd type="none" w="med" len="med"/>
+                    </a:lnR>
+                    <a:lnT w="12700" cap="flat" cmpd="sng" algn="ctr">
+                      <a:solidFill>
+                        <a:schemeClr val="tx1"/>
+                      </a:solidFill>
+                      <a:prstDash val="solid"/>
+                      <a:round/>
+                      <a:headEnd type="none" w="med" len="med"/>
+                      <a:tailEnd type="none" w="med" len="med"/>
+                    </a:lnT>
+                    <a:lnB w="12700" cap="flat" cmpd="sng" algn="ctr">
+                      <a:solidFill>
+                        <a:schemeClr val="tx1"/>
+                      </a:solidFill>
+                      <a:prstDash val="solid"/>
+                      <a:round/>
+                      <a:headEnd type="none" w="med" len="med"/>
+                      <a:tailEnd type="none" w="med" len="med"/>
+                    </a:lnB>
+                    <a:lnTlToBr w="12700" cmpd="sng">
+                      <a:noFill/>
+                      <a:prstDash val="solid"/>
+                    </a:lnTlToBr>
+                    <a:lnBlToTr w="12700" cmpd="sng">
+                      <a:noFill/>
+                      <a:prstDash val="solid"/>
+                    </a:lnBlToTr>
+                    <a:noFill/>
+                  </a:tcPr>
+                </a:tc>
+                <a:extLst>
+                  <a:ext uri="{0D108BD9-81ED-4DB2-BD59-A6C34878D82A}">
+                    <a16:rowId xmlns:a16="http://schemas.microsoft.com/office/drawing/2014/main" val="1837126188"/>
+                  </a:ext>
+                </a:extLst>
+              </a:tr>
+              <a:tr h="175073">
+                <a:tc gridSpan="3">
+                  <a:txBody>
+                    <a:bodyPr/>
+                    <a:lstStyle/>
+                    <a:p>
+                      <a:pPr marL="0" marR="0" indent="0" algn="l">
+                        <a:spcBef>
+                          <a:spcPts val="0"/>
+                        </a:spcBef>
+                        <a:spcAft>
+                          <a:spcPts val="0"/>
+                        </a:spcAft>
+                      </a:pPr>
+                      <a:r>
+                        <a:rPr lang="en-US" sz="1800">
+                          <a:solidFill>
+                            <a:schemeClr val="tx1"/>
+                          </a:solidFill>
+                          <a:effectLst/>
+                        </a:rPr>
+                        <a:t>2B/3</a:t>
+                      </a:r>
+                      <a:endParaRPr lang="en-US" sz="1800">
+                        <a:solidFill>
+                          <a:schemeClr val="tx1"/>
+                        </a:solidFill>
+                        <a:effectLst/>
+                        <a:latin typeface="Times New Roman" panose="02020603050405020304" pitchFamily="18" charset="0"/>
+                        <a:ea typeface="Calibri" panose="020F0502020204030204" pitchFamily="34" charset="0"/>
+                        <a:cs typeface="Times New Roman" panose="02020603050405020304" pitchFamily="18" charset="0"/>
+                      </a:endParaRPr>
+                    </a:p>
+                  </a:txBody>
+                  <a:tcPr marL="56274" marR="56274" marT="0" marB="0" anchor="ctr">
+                    <a:lnL w="12700" cap="flat" cmpd="sng" algn="ctr">
+                      <a:solidFill>
+                        <a:schemeClr val="tx1"/>
+                      </a:solidFill>
+                      <a:prstDash val="solid"/>
+                      <a:round/>
+                      <a:headEnd type="none" w="med" len="med"/>
+                      <a:tailEnd type="none" w="med" len="med"/>
+                    </a:lnL>
+                    <a:lnR w="12700" cap="flat" cmpd="sng" algn="ctr">
+                      <a:solidFill>
+                        <a:schemeClr val="tx1"/>
+                      </a:solidFill>
+                      <a:prstDash val="solid"/>
+                      <a:round/>
+                      <a:headEnd type="none" w="med" len="med"/>
+                      <a:tailEnd type="none" w="med" len="med"/>
+                    </a:lnR>
+                    <a:lnT w="12700" cap="flat" cmpd="sng" algn="ctr">
+                      <a:solidFill>
+                        <a:schemeClr val="tx1"/>
+                      </a:solidFill>
+                      <a:prstDash val="solid"/>
+                      <a:round/>
+                      <a:headEnd type="none" w="med" len="med"/>
+                      <a:tailEnd type="none" w="med" len="med"/>
+                    </a:lnT>
+                    <a:lnB w="12700" cap="flat" cmpd="sng" algn="ctr">
+                      <a:solidFill>
+                        <a:schemeClr val="tx1"/>
+                      </a:solidFill>
+                      <a:prstDash val="solid"/>
+                      <a:round/>
+                      <a:headEnd type="none" w="med" len="med"/>
+                      <a:tailEnd type="none" w="med" len="med"/>
+                    </a:lnB>
+                    <a:lnTlToBr w="12700" cmpd="sng">
+                      <a:noFill/>
+                      <a:prstDash val="solid"/>
+                    </a:lnTlToBr>
+                    <a:lnBlToTr w="12700" cmpd="sng">
+                      <a:noFill/>
+                      <a:prstDash val="solid"/>
+                    </a:lnBlToTr>
+                    <a:noFill/>
+                  </a:tcPr>
+                </a:tc>
+                <a:tc hMerge="1">
+                  <a:txBody>
+                    <a:bodyPr/>
+                    <a:lstStyle/>
+                    <a:p>
+                      <a:endParaRPr lang="en-US"/>
+                    </a:p>
+                  </a:txBody>
+                  <a:tcPr/>
+                </a:tc>
+                <a:tc hMerge="1">
+                  <a:txBody>
+                    <a:bodyPr/>
+                    <a:lstStyle/>
+                    <a:p>
+                      <a:pPr marL="0" marR="0" indent="0" algn="l">
+                        <a:spcBef>
+                          <a:spcPts val="0"/>
+                        </a:spcBef>
+                        <a:spcAft>
+                          <a:spcPts val="0"/>
+                        </a:spcAft>
+                      </a:pPr>
+                      <a:endParaRPr lang="en-US" sz="1800">
+                        <a:solidFill>
+                          <a:schemeClr val="tx1"/>
+                        </a:solidFill>
+                        <a:effectLst/>
+                        <a:latin typeface="Times New Roman" panose="02020603050405020304" pitchFamily="18" charset="0"/>
+                        <a:ea typeface="Calibri" panose="020F0502020204030204" pitchFamily="34" charset="0"/>
+                        <a:cs typeface="Times New Roman" panose="02020603050405020304" pitchFamily="18" charset="0"/>
+                      </a:endParaRPr>
+                    </a:p>
+                  </a:txBody>
+                  <a:tcPr marL="56274" marR="56274" marT="0" marB="0" anchor="ctr">
+                    <a:lnL w="12700" cap="flat" cmpd="sng" algn="ctr">
+                      <a:solidFill>
+                        <a:schemeClr val="tx1"/>
+                      </a:solidFill>
+                      <a:prstDash val="solid"/>
+                      <a:round/>
+                      <a:headEnd type="none" w="med" len="med"/>
+                      <a:tailEnd type="none" w="med" len="med"/>
+                    </a:lnL>
+                    <a:lnR w="12700" cap="flat" cmpd="sng" algn="ctr">
+                      <a:solidFill>
+                        <a:schemeClr val="tx1"/>
+                      </a:solidFill>
+                      <a:prstDash val="solid"/>
+                      <a:round/>
+                      <a:headEnd type="none" w="med" len="med"/>
+                      <a:tailEnd type="none" w="med" len="med"/>
+                    </a:lnR>
+                    <a:lnT w="12700" cap="flat" cmpd="sng" algn="ctr">
+                      <a:solidFill>
+                        <a:schemeClr val="tx1"/>
+                      </a:solidFill>
+                      <a:prstDash val="solid"/>
+                      <a:round/>
+                      <a:headEnd type="none" w="med" len="med"/>
+                      <a:tailEnd type="none" w="med" len="med"/>
+                    </a:lnT>
+                    <a:lnB w="12700" cap="flat" cmpd="sng" algn="ctr">
+                      <a:solidFill>
+                        <a:schemeClr val="tx1"/>
+                      </a:solidFill>
+                      <a:prstDash val="solid"/>
+                      <a:round/>
+                      <a:headEnd type="none" w="med" len="med"/>
+                      <a:tailEnd type="none" w="med" len="med"/>
+                    </a:lnB>
+                    <a:lnTlToBr w="12700" cmpd="sng">
+                      <a:noFill/>
+                      <a:prstDash val="solid"/>
+                    </a:lnTlToBr>
+                    <a:lnBlToTr w="12700" cmpd="sng">
+                      <a:noFill/>
+                      <a:prstDash val="solid"/>
+                    </a:lnBlToTr>
+                    <a:noFill/>
+                  </a:tcPr>
+                </a:tc>
+                <a:tc>
+                  <a:txBody>
+                    <a:bodyPr/>
+                    <a:lstStyle/>
+                    <a:p>
+                      <a:pPr marL="0" marR="0" indent="0" algn="just">
+                        <a:spcBef>
+                          <a:spcPts val="0"/>
+                        </a:spcBef>
+                        <a:spcAft>
+                          <a:spcPts val="0"/>
+                        </a:spcAft>
+                      </a:pPr>
+                      <a:r>
+                        <a:rPr lang="uk-UA" sz="1800" dirty="0">
+                          <a:solidFill>
+                            <a:schemeClr val="tx1"/>
+                          </a:solidFill>
+                          <a:effectLst/>
+                        </a:rPr>
+                        <a:t>NP1528</a:t>
+                      </a:r>
+                      <a:endParaRPr lang="en-US" sz="1800" dirty="0">
+                        <a:solidFill>
+                          <a:schemeClr val="tx1"/>
+                        </a:solidFill>
+                        <a:effectLst/>
+                        <a:latin typeface="Times New Roman" panose="02020603050405020304" pitchFamily="18" charset="0"/>
+                        <a:ea typeface="Calibri" panose="020F0502020204030204" pitchFamily="34" charset="0"/>
+                        <a:cs typeface="Times New Roman" panose="02020603050405020304" pitchFamily="18" charset="0"/>
+                      </a:endParaRPr>
+                    </a:p>
+                  </a:txBody>
+                  <a:tcPr marL="56274" marR="56274" marT="0" marB="0">
+                    <a:lnL w="12700" cap="flat" cmpd="sng" algn="ctr">
+                      <a:solidFill>
+                        <a:schemeClr val="tx1"/>
+                      </a:solidFill>
+                      <a:prstDash val="solid"/>
+                      <a:round/>
+                      <a:headEnd type="none" w="med" len="med"/>
+                      <a:tailEnd type="none" w="med" len="med"/>
+                    </a:lnL>
+                    <a:lnR w="12700" cap="flat" cmpd="sng" algn="ctr">
+                      <a:solidFill>
+                        <a:schemeClr val="tx1"/>
+                      </a:solidFill>
+                      <a:prstDash val="solid"/>
+                      <a:round/>
+                      <a:headEnd type="none" w="med" len="med"/>
+                      <a:tailEnd type="none" w="med" len="med"/>
+                    </a:lnR>
+                    <a:lnT w="12700" cap="flat" cmpd="sng" algn="ctr">
+                      <a:solidFill>
+                        <a:schemeClr val="tx1"/>
+                      </a:solidFill>
+                      <a:prstDash val="solid"/>
+                      <a:round/>
+                      <a:headEnd type="none" w="med" len="med"/>
+                      <a:tailEnd type="none" w="med" len="med"/>
+                    </a:lnT>
+                    <a:lnB w="12700" cap="flat" cmpd="sng" algn="ctr">
+                      <a:solidFill>
+                        <a:schemeClr val="tx1"/>
+                      </a:solidFill>
+                      <a:prstDash val="solid"/>
+                      <a:round/>
+                      <a:headEnd type="none" w="med" len="med"/>
+                      <a:tailEnd type="none" w="med" len="med"/>
+                    </a:lnB>
+                    <a:lnTlToBr w="12700" cmpd="sng">
+                      <a:noFill/>
+                      <a:prstDash val="solid"/>
+                    </a:lnTlToBr>
+                    <a:lnBlToTr w="12700" cmpd="sng">
+                      <a:noFill/>
+                      <a:prstDash val="solid"/>
+                    </a:lnBlToTr>
+                    <a:noFill/>
+                  </a:tcPr>
+                </a:tc>
+                <a:extLst>
+                  <a:ext uri="{0D108BD9-81ED-4DB2-BD59-A6C34878D82A}">
+                    <a16:rowId xmlns:a16="http://schemas.microsoft.com/office/drawing/2014/main" val="2515948657"/>
+                  </a:ext>
+                </a:extLst>
+              </a:tr>
+              <a:tr h="175073">
+                <a:tc rowSpan="2">
+                  <a:txBody>
+                    <a:bodyPr/>
+                    <a:lstStyle/>
+                    <a:p>
+                      <a:pPr marL="0" marR="0" indent="0" algn="l">
+                        <a:spcBef>
+                          <a:spcPts val="0"/>
+                        </a:spcBef>
+                        <a:spcAft>
+                          <a:spcPts val="0"/>
+                        </a:spcAft>
+                      </a:pPr>
+                      <a:r>
+                        <a:rPr lang="en-US" sz="1800">
+                          <a:solidFill>
+                            <a:schemeClr val="tx1"/>
+                          </a:solidFill>
+                          <a:effectLst/>
+                        </a:rPr>
+                        <a:t>3</a:t>
+                      </a:r>
+                      <a:endParaRPr lang="en-US" sz="1800">
+                        <a:solidFill>
+                          <a:schemeClr val="tx1"/>
+                        </a:solidFill>
+                        <a:effectLst/>
+                        <a:latin typeface="Times New Roman" panose="02020603050405020304" pitchFamily="18" charset="0"/>
+                        <a:ea typeface="Calibri" panose="020F0502020204030204" pitchFamily="34" charset="0"/>
+                        <a:cs typeface="Times New Roman" panose="02020603050405020304" pitchFamily="18" charset="0"/>
+                      </a:endParaRPr>
+                    </a:p>
+                  </a:txBody>
+                  <a:tcPr marL="56274" marR="56274" marT="0" marB="0" anchor="ctr">
+                    <a:lnL w="12700" cap="flat" cmpd="sng" algn="ctr">
+                      <a:solidFill>
+                        <a:schemeClr val="tx1"/>
+                      </a:solidFill>
+                      <a:prstDash val="solid"/>
+                      <a:round/>
+                      <a:headEnd type="none" w="med" len="med"/>
+                      <a:tailEnd type="none" w="med" len="med"/>
+                    </a:lnL>
+                    <a:lnR w="12700" cap="flat" cmpd="sng" algn="ctr">
+                      <a:solidFill>
+                        <a:schemeClr val="tx1"/>
+                      </a:solidFill>
+                      <a:prstDash val="solid"/>
+                      <a:round/>
+                      <a:headEnd type="none" w="med" len="med"/>
+                      <a:tailEnd type="none" w="med" len="med"/>
+                    </a:lnR>
+                    <a:lnT w="12700" cap="flat" cmpd="sng" algn="ctr">
+                      <a:solidFill>
+                        <a:schemeClr val="tx1"/>
+                      </a:solidFill>
+                      <a:prstDash val="solid"/>
+                      <a:round/>
+                      <a:headEnd type="none" w="med" len="med"/>
+                      <a:tailEnd type="none" w="med" len="med"/>
+                    </a:lnT>
+                    <a:lnB w="12700" cap="flat" cmpd="sng" algn="ctr">
+                      <a:solidFill>
+                        <a:schemeClr val="tx1"/>
+                      </a:solidFill>
+                      <a:prstDash val="solid"/>
+                      <a:round/>
+                      <a:headEnd type="none" w="med" len="med"/>
+                      <a:tailEnd type="none" w="med" len="med"/>
+                    </a:lnB>
+                    <a:lnTlToBr w="12700" cmpd="sng">
+                      <a:noFill/>
+                      <a:prstDash val="solid"/>
+                    </a:lnTlToBr>
+                    <a:lnBlToTr w="12700" cmpd="sng">
+                      <a:noFill/>
+                      <a:prstDash val="solid"/>
+                    </a:lnBlToTr>
+                    <a:noFill/>
+                  </a:tcPr>
+                </a:tc>
+                <a:tc gridSpan="2">
+                  <a:txBody>
+                    <a:bodyPr/>
+                    <a:lstStyle/>
+                    <a:p>
+                      <a:pPr marL="0" marR="0" indent="0" algn="just">
+                        <a:spcBef>
+                          <a:spcPts val="0"/>
+                        </a:spcBef>
+                        <a:spcAft>
+                          <a:spcPts val="0"/>
+                        </a:spcAft>
+                      </a:pPr>
+                      <a:r>
+                        <a:rPr lang="en-US" sz="1800">
+                          <a:solidFill>
+                            <a:schemeClr val="tx1"/>
+                          </a:solidFill>
+                          <a:effectLst/>
+                        </a:rPr>
+                        <a:t>A</a:t>
+                      </a:r>
+                      <a:endParaRPr lang="en-US" sz="1800">
+                        <a:solidFill>
+                          <a:schemeClr val="tx1"/>
+                        </a:solidFill>
+                        <a:effectLst/>
+                        <a:latin typeface="Times New Roman" panose="02020603050405020304" pitchFamily="18" charset="0"/>
+                        <a:ea typeface="Calibri" panose="020F0502020204030204" pitchFamily="34" charset="0"/>
+                        <a:cs typeface="Times New Roman" panose="02020603050405020304" pitchFamily="18" charset="0"/>
+                      </a:endParaRPr>
+                    </a:p>
+                  </a:txBody>
+                  <a:tcPr marL="56274" marR="56274" marT="0" marB="0">
+                    <a:lnL w="12700" cap="flat" cmpd="sng" algn="ctr">
+                      <a:solidFill>
+                        <a:schemeClr val="tx1"/>
+                      </a:solidFill>
+                      <a:prstDash val="solid"/>
+                      <a:round/>
+                      <a:headEnd type="none" w="med" len="med"/>
+                      <a:tailEnd type="none" w="med" len="med"/>
+                    </a:lnL>
+                    <a:lnR w="12700" cap="flat" cmpd="sng" algn="ctr">
+                      <a:solidFill>
+                        <a:schemeClr val="tx1"/>
+                      </a:solidFill>
+                      <a:prstDash val="solid"/>
+                      <a:round/>
+                      <a:headEnd type="none" w="med" len="med"/>
+                      <a:tailEnd type="none" w="med" len="med"/>
+                    </a:lnR>
+                    <a:lnT w="12700" cap="flat" cmpd="sng" algn="ctr">
+                      <a:solidFill>
+                        <a:schemeClr val="tx1"/>
+                      </a:solidFill>
+                      <a:prstDash val="solid"/>
+                      <a:round/>
+                      <a:headEnd type="none" w="med" len="med"/>
+                      <a:tailEnd type="none" w="med" len="med"/>
+                    </a:lnT>
+                    <a:lnB w="12700" cap="flat" cmpd="sng" algn="ctr">
+                      <a:solidFill>
+                        <a:schemeClr val="tx1"/>
+                      </a:solidFill>
+                      <a:prstDash val="solid"/>
+                      <a:round/>
+                      <a:headEnd type="none" w="med" len="med"/>
+                      <a:tailEnd type="none" w="med" len="med"/>
+                    </a:lnB>
+                    <a:lnTlToBr w="12700" cmpd="sng">
+                      <a:noFill/>
+                      <a:prstDash val="solid"/>
+                    </a:lnTlToBr>
+                    <a:lnBlToTr w="12700" cmpd="sng">
+                      <a:noFill/>
+                      <a:prstDash val="solid"/>
+                    </a:lnBlToTr>
+                    <a:noFill/>
+                  </a:tcPr>
+                </a:tc>
+                <a:tc hMerge="1">
+                  <a:txBody>
+                    <a:bodyPr/>
+                    <a:lstStyle/>
+                    <a:p>
+                      <a:pPr marL="0" marR="0" indent="0" algn="just">
+                        <a:spcBef>
+                          <a:spcPts val="0"/>
+                        </a:spcBef>
+                        <a:spcAft>
+                          <a:spcPts val="0"/>
+                        </a:spcAft>
+                      </a:pPr>
+                      <a:endParaRPr lang="en-US" sz="1800">
+                        <a:solidFill>
+                          <a:schemeClr val="tx1"/>
+                        </a:solidFill>
+                        <a:effectLst/>
+                        <a:latin typeface="Times New Roman" panose="02020603050405020304" pitchFamily="18" charset="0"/>
+                        <a:ea typeface="Calibri" panose="020F0502020204030204" pitchFamily="34" charset="0"/>
+                        <a:cs typeface="Times New Roman" panose="02020603050405020304" pitchFamily="18" charset="0"/>
+                      </a:endParaRPr>
+                    </a:p>
+                  </a:txBody>
+                  <a:tcPr marL="56274" marR="56274" marT="0" marB="0">
+                    <a:lnL w="12700" cap="flat" cmpd="sng" algn="ctr">
+                      <a:solidFill>
+                        <a:schemeClr val="tx1"/>
+                      </a:solidFill>
+                      <a:prstDash val="solid"/>
+                      <a:round/>
+                      <a:headEnd type="none" w="med" len="med"/>
+                      <a:tailEnd type="none" w="med" len="med"/>
+                    </a:lnL>
+                    <a:lnR w="12700" cap="flat" cmpd="sng" algn="ctr">
+                      <a:solidFill>
+                        <a:schemeClr val="tx1"/>
+                      </a:solidFill>
+                      <a:prstDash val="solid"/>
+                      <a:round/>
+                      <a:headEnd type="none" w="med" len="med"/>
+                      <a:tailEnd type="none" w="med" len="med"/>
+                    </a:lnR>
+                    <a:lnT w="12700" cap="flat" cmpd="sng" algn="ctr">
+                      <a:solidFill>
+                        <a:schemeClr val="tx1"/>
+                      </a:solidFill>
+                      <a:prstDash val="solid"/>
+                      <a:round/>
+                      <a:headEnd type="none" w="med" len="med"/>
+                      <a:tailEnd type="none" w="med" len="med"/>
+                    </a:lnT>
+                    <a:lnB w="12700" cap="flat" cmpd="sng" algn="ctr">
+                      <a:solidFill>
+                        <a:schemeClr val="tx1"/>
+                      </a:solidFill>
+                      <a:prstDash val="solid"/>
+                      <a:round/>
+                      <a:headEnd type="none" w="med" len="med"/>
+                      <a:tailEnd type="none" w="med" len="med"/>
+                    </a:lnB>
+                    <a:lnTlToBr w="12700" cmpd="sng">
+                      <a:noFill/>
+                      <a:prstDash val="solid"/>
+                    </a:lnTlToBr>
+                    <a:lnBlToTr w="12700" cmpd="sng">
+                      <a:noFill/>
+                      <a:prstDash val="solid"/>
+                    </a:lnBlToTr>
+                    <a:noFill/>
+                  </a:tcPr>
+                </a:tc>
+                <a:tc>
+                  <a:txBody>
+                    <a:bodyPr/>
+                    <a:lstStyle/>
+                    <a:p>
+                      <a:pPr marL="0" marR="0" indent="0" algn="just">
+                        <a:spcBef>
+                          <a:spcPts val="0"/>
+                        </a:spcBef>
+                        <a:spcAft>
+                          <a:spcPts val="0"/>
+                        </a:spcAft>
+                      </a:pPr>
+                      <a:r>
+                        <a:rPr lang="uk-UA" sz="1800">
+                          <a:solidFill>
+                            <a:schemeClr val="tx1"/>
+                          </a:solidFill>
+                          <a:effectLst/>
+                        </a:rPr>
+                        <a:t>X202</a:t>
+                      </a:r>
+                      <a:r>
+                        <a:rPr lang="en-US" sz="1800">
+                          <a:solidFill>
+                            <a:schemeClr val="tx1"/>
+                          </a:solidFill>
+                          <a:effectLst/>
+                        </a:rPr>
+                        <a:t>, </a:t>
+                      </a:r>
+                      <a:r>
+                        <a:rPr lang="uk-UA" sz="1800">
+                          <a:solidFill>
+                            <a:schemeClr val="tx1"/>
+                          </a:solidFill>
+                          <a:effectLst/>
+                        </a:rPr>
+                        <a:t>X218</a:t>
+                      </a:r>
+                      <a:r>
+                        <a:rPr lang="en-US" sz="1800">
+                          <a:solidFill>
+                            <a:schemeClr val="tx1"/>
+                          </a:solidFill>
+                          <a:effectLst/>
+                        </a:rPr>
+                        <a:t>, </a:t>
+                      </a:r>
+                      <a:r>
+                        <a:rPr lang="uk-UA" sz="1800">
+                          <a:solidFill>
+                            <a:schemeClr val="tx1"/>
+                          </a:solidFill>
+                          <a:effectLst/>
+                        </a:rPr>
+                        <a:t>NP1518</a:t>
+                      </a:r>
+                      <a:r>
+                        <a:rPr lang="en-US" sz="1800">
+                          <a:solidFill>
+                            <a:schemeClr val="tx1"/>
+                          </a:solidFill>
+                          <a:effectLst/>
+                        </a:rPr>
+                        <a:t>, </a:t>
+                      </a:r>
+                      <a:r>
+                        <a:rPr lang="uk-UA" sz="1800">
+                          <a:solidFill>
+                            <a:schemeClr val="tx1"/>
+                          </a:solidFill>
+                          <a:effectLst/>
+                        </a:rPr>
+                        <a:t>NP1527</a:t>
+                      </a:r>
+                      <a:endParaRPr lang="en-US" sz="1800">
+                        <a:solidFill>
+                          <a:schemeClr val="tx1"/>
+                        </a:solidFill>
+                        <a:effectLst/>
+                        <a:latin typeface="Times New Roman" panose="02020603050405020304" pitchFamily="18" charset="0"/>
+                        <a:ea typeface="Calibri" panose="020F0502020204030204" pitchFamily="34" charset="0"/>
+                        <a:cs typeface="Times New Roman" panose="02020603050405020304" pitchFamily="18" charset="0"/>
+                      </a:endParaRPr>
+                    </a:p>
+                  </a:txBody>
+                  <a:tcPr marL="56274" marR="56274" marT="0" marB="0">
+                    <a:lnL w="12700" cap="flat" cmpd="sng" algn="ctr">
+                      <a:solidFill>
+                        <a:schemeClr val="tx1"/>
+                      </a:solidFill>
+                      <a:prstDash val="solid"/>
+                      <a:round/>
+                      <a:headEnd type="none" w="med" len="med"/>
+                      <a:tailEnd type="none" w="med" len="med"/>
+                    </a:lnL>
+                    <a:lnR w="12700" cap="flat" cmpd="sng" algn="ctr">
+                      <a:solidFill>
+                        <a:schemeClr val="tx1"/>
+                      </a:solidFill>
+                      <a:prstDash val="solid"/>
+                      <a:round/>
+                      <a:headEnd type="none" w="med" len="med"/>
+                      <a:tailEnd type="none" w="med" len="med"/>
+                    </a:lnR>
+                    <a:lnT w="12700" cap="flat" cmpd="sng" algn="ctr">
+                      <a:solidFill>
+                        <a:schemeClr val="tx1"/>
+                      </a:solidFill>
+                      <a:prstDash val="solid"/>
+                      <a:round/>
+                      <a:headEnd type="none" w="med" len="med"/>
+                      <a:tailEnd type="none" w="med" len="med"/>
+                    </a:lnT>
+                    <a:lnB w="12700" cap="flat" cmpd="sng" algn="ctr">
+                      <a:solidFill>
+                        <a:schemeClr val="tx1"/>
+                      </a:solidFill>
+                      <a:prstDash val="solid"/>
+                      <a:round/>
+                      <a:headEnd type="none" w="med" len="med"/>
+                      <a:tailEnd type="none" w="med" len="med"/>
+                    </a:lnB>
+                    <a:lnTlToBr w="12700" cmpd="sng">
+                      <a:noFill/>
+                      <a:prstDash val="solid"/>
+                    </a:lnTlToBr>
+                    <a:lnBlToTr w="12700" cmpd="sng">
+                      <a:noFill/>
+                      <a:prstDash val="solid"/>
+                    </a:lnBlToTr>
+                    <a:noFill/>
+                  </a:tcPr>
+                </a:tc>
+                <a:extLst>
+                  <a:ext uri="{0D108BD9-81ED-4DB2-BD59-A6C34878D82A}">
+                    <a16:rowId xmlns:a16="http://schemas.microsoft.com/office/drawing/2014/main" val="1112701948"/>
+                  </a:ext>
+                </a:extLst>
+              </a:tr>
+              <a:tr h="350147">
+                <a:tc vMerge="1">
+                  <a:txBody>
+                    <a:bodyPr/>
+                    <a:lstStyle/>
+                    <a:p>
+                      <a:endParaRPr lang="en-US"/>
+                    </a:p>
+                  </a:txBody>
+                  <a:tcPr/>
+                </a:tc>
+                <a:tc gridSpan="2">
+                  <a:txBody>
+                    <a:bodyPr/>
+                    <a:lstStyle/>
+                    <a:p>
+                      <a:pPr marL="0" marR="0" indent="0" algn="just">
+                        <a:spcBef>
+                          <a:spcPts val="0"/>
+                        </a:spcBef>
+                        <a:spcAft>
+                          <a:spcPts val="0"/>
+                        </a:spcAft>
+                      </a:pPr>
+                      <a:r>
+                        <a:rPr lang="en-US" sz="1800" dirty="0">
+                          <a:solidFill>
+                            <a:schemeClr val="tx1"/>
+                          </a:solidFill>
+                          <a:effectLst/>
+                        </a:rPr>
+                        <a:t>B</a:t>
+                      </a:r>
+                      <a:endParaRPr lang="en-US" sz="1800" dirty="0">
+                        <a:solidFill>
+                          <a:schemeClr val="tx1"/>
+                        </a:solidFill>
+                        <a:effectLst/>
+                        <a:latin typeface="Times New Roman" panose="02020603050405020304" pitchFamily="18" charset="0"/>
+                        <a:ea typeface="Calibri" panose="020F0502020204030204" pitchFamily="34" charset="0"/>
+                        <a:cs typeface="Times New Roman" panose="02020603050405020304" pitchFamily="18" charset="0"/>
+                      </a:endParaRPr>
+                    </a:p>
+                  </a:txBody>
+                  <a:tcPr marL="56274" marR="56274" marT="0" marB="0" anchor="ctr">
+                    <a:lnL w="12700" cap="flat" cmpd="sng" algn="ctr">
+                      <a:solidFill>
+                        <a:schemeClr val="tx1"/>
+                      </a:solidFill>
+                      <a:prstDash val="solid"/>
+                      <a:round/>
+                      <a:headEnd type="none" w="med" len="med"/>
+                      <a:tailEnd type="none" w="med" len="med"/>
+                    </a:lnL>
+                    <a:lnR w="12700" cap="flat" cmpd="sng" algn="ctr">
+                      <a:solidFill>
+                        <a:schemeClr val="tx1"/>
+                      </a:solidFill>
+                      <a:prstDash val="solid"/>
+                      <a:round/>
+                      <a:headEnd type="none" w="med" len="med"/>
+                      <a:tailEnd type="none" w="med" len="med"/>
+                    </a:lnR>
+                    <a:lnT w="12700" cap="flat" cmpd="sng" algn="ctr">
+                      <a:solidFill>
+                        <a:schemeClr val="tx1"/>
+                      </a:solidFill>
+                      <a:prstDash val="solid"/>
+                      <a:round/>
+                      <a:headEnd type="none" w="med" len="med"/>
+                      <a:tailEnd type="none" w="med" len="med"/>
+                    </a:lnT>
+                    <a:lnB w="12700" cap="flat" cmpd="sng" algn="ctr">
+                      <a:solidFill>
+                        <a:schemeClr val="tx1"/>
+                      </a:solidFill>
+                      <a:prstDash val="solid"/>
+                      <a:round/>
+                      <a:headEnd type="none" w="med" len="med"/>
+                      <a:tailEnd type="none" w="med" len="med"/>
+                    </a:lnB>
+                    <a:lnTlToBr w="12700" cmpd="sng">
+                      <a:noFill/>
+                      <a:prstDash val="solid"/>
+                    </a:lnTlToBr>
+                    <a:lnBlToTr w="12700" cmpd="sng">
+                      <a:noFill/>
+                      <a:prstDash val="solid"/>
+                    </a:lnBlToTr>
+                    <a:noFill/>
+                  </a:tcPr>
+                </a:tc>
+                <a:tc hMerge="1">
+                  <a:txBody>
+                    <a:bodyPr/>
+                    <a:lstStyle/>
+                    <a:p>
+                      <a:pPr marL="0" marR="0" indent="0" algn="just">
+                        <a:spcBef>
+                          <a:spcPts val="0"/>
+                        </a:spcBef>
+                        <a:spcAft>
+                          <a:spcPts val="0"/>
+                        </a:spcAft>
+                      </a:pPr>
+                      <a:endParaRPr lang="en-US" sz="1800">
+                        <a:solidFill>
+                          <a:schemeClr val="tx1"/>
+                        </a:solidFill>
+                        <a:effectLst/>
+                        <a:latin typeface="Times New Roman" panose="02020603050405020304" pitchFamily="18" charset="0"/>
+                        <a:ea typeface="Calibri" panose="020F0502020204030204" pitchFamily="34" charset="0"/>
+                        <a:cs typeface="Times New Roman" panose="02020603050405020304" pitchFamily="18" charset="0"/>
+                      </a:endParaRPr>
+                    </a:p>
+                  </a:txBody>
+                  <a:tcPr marL="56274" marR="56274" marT="0" marB="0">
+                    <a:lnL w="12700" cap="flat" cmpd="sng" algn="ctr">
+                      <a:solidFill>
+                        <a:schemeClr val="tx1"/>
+                      </a:solidFill>
+                      <a:prstDash val="solid"/>
+                      <a:round/>
+                      <a:headEnd type="none" w="med" len="med"/>
+                      <a:tailEnd type="none" w="med" len="med"/>
+                    </a:lnL>
+                    <a:lnR w="12700" cap="flat" cmpd="sng" algn="ctr">
+                      <a:solidFill>
+                        <a:schemeClr val="tx1"/>
+                      </a:solidFill>
+                      <a:prstDash val="solid"/>
+                      <a:round/>
+                      <a:headEnd type="none" w="med" len="med"/>
+                      <a:tailEnd type="none" w="med" len="med"/>
+                    </a:lnR>
+                    <a:lnT w="12700" cap="flat" cmpd="sng" algn="ctr">
+                      <a:solidFill>
+                        <a:schemeClr val="tx1"/>
+                      </a:solidFill>
+                      <a:prstDash val="solid"/>
+                      <a:round/>
+                      <a:headEnd type="none" w="med" len="med"/>
+                      <a:tailEnd type="none" w="med" len="med"/>
+                    </a:lnT>
+                    <a:lnB w="12700" cap="flat" cmpd="sng" algn="ctr">
+                      <a:solidFill>
+                        <a:schemeClr val="tx1"/>
+                      </a:solidFill>
+                      <a:prstDash val="solid"/>
+                      <a:round/>
+                      <a:headEnd type="none" w="med" len="med"/>
+                      <a:tailEnd type="none" w="med" len="med"/>
+                    </a:lnB>
+                    <a:lnTlToBr w="12700" cmpd="sng">
+                      <a:noFill/>
+                      <a:prstDash val="solid"/>
+                    </a:lnTlToBr>
+                    <a:lnBlToTr w="12700" cmpd="sng">
+                      <a:noFill/>
+                      <a:prstDash val="solid"/>
+                    </a:lnBlToTr>
+                    <a:noFill/>
+                  </a:tcPr>
+                </a:tc>
+                <a:tc>
+                  <a:txBody>
+                    <a:bodyPr/>
+                    <a:lstStyle/>
+                    <a:p>
+                      <a:pPr marL="0" marR="0" indent="0" algn="just">
+                        <a:spcBef>
+                          <a:spcPts val="0"/>
+                        </a:spcBef>
+                        <a:spcAft>
+                          <a:spcPts val="0"/>
+                        </a:spcAft>
+                      </a:pPr>
+                      <a:r>
+                        <a:rPr lang="uk-UA" sz="1800">
+                          <a:solidFill>
+                            <a:schemeClr val="tx1"/>
+                          </a:solidFill>
+                          <a:effectLst/>
+                        </a:rPr>
+                        <a:t>X32</a:t>
+                      </a:r>
+                      <a:r>
+                        <a:rPr lang="en-US" sz="1800">
+                          <a:solidFill>
+                            <a:schemeClr val="tx1"/>
+                          </a:solidFill>
+                          <a:effectLst/>
+                        </a:rPr>
+                        <a:t>, </a:t>
+                      </a:r>
+                      <a:r>
+                        <a:rPr lang="uk-UA" sz="1800">
+                          <a:solidFill>
+                            <a:schemeClr val="tx1"/>
+                          </a:solidFill>
+                          <a:effectLst/>
+                        </a:rPr>
+                        <a:t>X155</a:t>
+                      </a:r>
+                      <a:r>
+                        <a:rPr lang="en-US" sz="1800">
+                          <a:solidFill>
+                            <a:schemeClr val="tx1"/>
+                          </a:solidFill>
+                          <a:effectLst/>
+                        </a:rPr>
+                        <a:t>, </a:t>
+                      </a:r>
+                      <a:r>
+                        <a:rPr lang="uk-UA" sz="1800">
+                          <a:solidFill>
+                            <a:schemeClr val="tx1"/>
+                          </a:solidFill>
+                          <a:effectLst/>
+                        </a:rPr>
+                        <a:t>X41</a:t>
+                      </a:r>
+                      <a:r>
+                        <a:rPr lang="en-US" sz="1800">
+                          <a:solidFill>
+                            <a:schemeClr val="tx1"/>
+                          </a:solidFill>
+                          <a:effectLst/>
+                        </a:rPr>
+                        <a:t>, </a:t>
+                      </a:r>
+                      <a:r>
+                        <a:rPr lang="uk-UA" sz="1800">
+                          <a:solidFill>
+                            <a:schemeClr val="tx1"/>
+                          </a:solidFill>
+                          <a:effectLst/>
+                        </a:rPr>
+                        <a:t>X212</a:t>
+                      </a:r>
+                      <a:r>
+                        <a:rPr lang="en-US" sz="1800">
+                          <a:solidFill>
+                            <a:schemeClr val="tx1"/>
+                          </a:solidFill>
+                          <a:effectLst/>
+                        </a:rPr>
+                        <a:t>, </a:t>
+                      </a:r>
+                      <a:r>
+                        <a:rPr lang="uk-UA" sz="1800">
+                          <a:solidFill>
+                            <a:schemeClr val="tx1"/>
+                          </a:solidFill>
+                          <a:effectLst/>
+                        </a:rPr>
+                        <a:t>X213</a:t>
+                      </a:r>
+                      <a:r>
+                        <a:rPr lang="en-US" sz="1800">
+                          <a:solidFill>
+                            <a:schemeClr val="tx1"/>
+                          </a:solidFill>
+                          <a:effectLst/>
+                        </a:rPr>
+                        <a:t>, </a:t>
+                      </a:r>
+                      <a:r>
+                        <a:rPr lang="uk-UA" sz="1800">
+                          <a:solidFill>
+                            <a:schemeClr val="tx1"/>
+                          </a:solidFill>
+                          <a:effectLst/>
+                        </a:rPr>
+                        <a:t>X217</a:t>
+                      </a:r>
+                      <a:r>
+                        <a:rPr lang="en-US" sz="1800">
+                          <a:solidFill>
+                            <a:schemeClr val="tx1"/>
+                          </a:solidFill>
+                          <a:effectLst/>
+                        </a:rPr>
+                        <a:t>, </a:t>
+                      </a:r>
+                      <a:r>
+                        <a:rPr lang="uk-UA" sz="1800">
+                          <a:solidFill>
+                            <a:schemeClr val="tx1"/>
+                          </a:solidFill>
+                          <a:effectLst/>
+                        </a:rPr>
+                        <a:t>X223</a:t>
+                      </a:r>
+                      <a:r>
+                        <a:rPr lang="en-US" sz="1800">
+                          <a:solidFill>
+                            <a:schemeClr val="tx1"/>
+                          </a:solidFill>
+                          <a:effectLst/>
+                        </a:rPr>
+                        <a:t>, </a:t>
+                      </a:r>
+                      <a:r>
+                        <a:rPr lang="uk-UA" sz="1800">
+                          <a:solidFill>
+                            <a:schemeClr val="tx1"/>
+                          </a:solidFill>
+                          <a:effectLst/>
+                        </a:rPr>
+                        <a:t>X224</a:t>
+                      </a:r>
+                      <a:r>
+                        <a:rPr lang="en-US" sz="1800">
+                          <a:solidFill>
+                            <a:schemeClr val="tx1"/>
+                          </a:solidFill>
+                          <a:effectLst/>
+                        </a:rPr>
+                        <a:t>, </a:t>
+                      </a:r>
+                      <a:r>
+                        <a:rPr lang="uk-UA" sz="1800">
+                          <a:solidFill>
+                            <a:schemeClr val="tx1"/>
+                          </a:solidFill>
+                          <a:effectLst/>
+                        </a:rPr>
+                        <a:t>X233</a:t>
+                      </a:r>
+                      <a:r>
+                        <a:rPr lang="en-US" sz="1800">
+                          <a:solidFill>
+                            <a:schemeClr val="tx1"/>
+                          </a:solidFill>
+                          <a:effectLst/>
+                        </a:rPr>
+                        <a:t>, </a:t>
+                      </a:r>
+                      <a:r>
+                        <a:rPr lang="uk-UA" sz="1800">
+                          <a:solidFill>
+                            <a:schemeClr val="tx1"/>
+                          </a:solidFill>
+                          <a:effectLst/>
+                        </a:rPr>
+                        <a:t>NP1524</a:t>
+                      </a:r>
+                      <a:r>
+                        <a:rPr lang="en-US" sz="1800">
+                          <a:solidFill>
+                            <a:schemeClr val="tx1"/>
+                          </a:solidFill>
+                          <a:effectLst/>
+                        </a:rPr>
+                        <a:t>, </a:t>
+                      </a:r>
+                      <a:r>
+                        <a:rPr lang="uk-UA" sz="1800">
+                          <a:solidFill>
+                            <a:schemeClr val="tx1"/>
+                          </a:solidFill>
+                          <a:effectLst/>
+                        </a:rPr>
+                        <a:t>NP3715</a:t>
+                      </a:r>
+                      <a:endParaRPr lang="en-US" sz="1800">
+                        <a:solidFill>
+                          <a:schemeClr val="tx1"/>
+                        </a:solidFill>
+                        <a:effectLst/>
+                        <a:latin typeface="Times New Roman" panose="02020603050405020304" pitchFamily="18" charset="0"/>
+                        <a:ea typeface="Calibri" panose="020F0502020204030204" pitchFamily="34" charset="0"/>
+                        <a:cs typeface="Times New Roman" panose="02020603050405020304" pitchFamily="18" charset="0"/>
+                      </a:endParaRPr>
+                    </a:p>
+                  </a:txBody>
+                  <a:tcPr marL="56274" marR="56274" marT="0" marB="0">
+                    <a:lnL w="12700" cap="flat" cmpd="sng" algn="ctr">
+                      <a:solidFill>
+                        <a:schemeClr val="tx1"/>
+                      </a:solidFill>
+                      <a:prstDash val="solid"/>
+                      <a:round/>
+                      <a:headEnd type="none" w="med" len="med"/>
+                      <a:tailEnd type="none" w="med" len="med"/>
+                    </a:lnL>
+                    <a:lnR w="12700" cap="flat" cmpd="sng" algn="ctr">
+                      <a:solidFill>
+                        <a:schemeClr val="tx1"/>
+                      </a:solidFill>
+                      <a:prstDash val="solid"/>
+                      <a:round/>
+                      <a:headEnd type="none" w="med" len="med"/>
+                      <a:tailEnd type="none" w="med" len="med"/>
+                    </a:lnR>
+                    <a:lnT w="12700" cap="flat" cmpd="sng" algn="ctr">
+                      <a:solidFill>
+                        <a:schemeClr val="tx1"/>
+                      </a:solidFill>
+                      <a:prstDash val="solid"/>
+                      <a:round/>
+                      <a:headEnd type="none" w="med" len="med"/>
+                      <a:tailEnd type="none" w="med" len="med"/>
+                    </a:lnT>
+                    <a:lnB w="12700" cap="flat" cmpd="sng" algn="ctr">
+                      <a:solidFill>
+                        <a:schemeClr val="tx1"/>
+                      </a:solidFill>
+                      <a:prstDash val="solid"/>
+                      <a:round/>
+                      <a:headEnd type="none" w="med" len="med"/>
+                      <a:tailEnd type="none" w="med" len="med"/>
+                    </a:lnB>
+                    <a:lnTlToBr w="12700" cmpd="sng">
+                      <a:noFill/>
+                      <a:prstDash val="solid"/>
+                    </a:lnTlToBr>
+                    <a:lnBlToTr w="12700" cmpd="sng">
+                      <a:noFill/>
+                      <a:prstDash val="solid"/>
+                    </a:lnBlToTr>
+                    <a:noFill/>
+                  </a:tcPr>
+                </a:tc>
+                <a:extLst>
+                  <a:ext uri="{0D108BD9-81ED-4DB2-BD59-A6C34878D82A}">
+                    <a16:rowId xmlns:a16="http://schemas.microsoft.com/office/drawing/2014/main" val="3655889059"/>
+                  </a:ext>
+                </a:extLst>
+              </a:tr>
+              <a:tr h="175073">
+                <a:tc rowSpan="3">
+                  <a:txBody>
+                    <a:bodyPr/>
+                    <a:lstStyle/>
+                    <a:p>
+                      <a:pPr marL="0" marR="0" indent="0" algn="l">
+                        <a:spcBef>
+                          <a:spcPts val="0"/>
+                        </a:spcBef>
+                        <a:spcAft>
+                          <a:spcPts val="0"/>
+                        </a:spcAft>
+                      </a:pPr>
+                      <a:r>
+                        <a:rPr lang="en-US" sz="1800">
+                          <a:solidFill>
+                            <a:schemeClr val="tx1"/>
+                          </a:solidFill>
+                          <a:effectLst/>
+                        </a:rPr>
+                        <a:t>4</a:t>
+                      </a:r>
+                      <a:endParaRPr lang="en-US" sz="1800">
+                        <a:solidFill>
+                          <a:schemeClr val="tx1"/>
+                        </a:solidFill>
+                        <a:effectLst/>
+                        <a:latin typeface="Times New Roman" panose="02020603050405020304" pitchFamily="18" charset="0"/>
+                        <a:ea typeface="Calibri" panose="020F0502020204030204" pitchFamily="34" charset="0"/>
+                        <a:cs typeface="Times New Roman" panose="02020603050405020304" pitchFamily="18" charset="0"/>
+                      </a:endParaRPr>
+                    </a:p>
+                  </a:txBody>
+                  <a:tcPr marL="56274" marR="56274" marT="0" marB="0" anchor="ctr">
+                    <a:lnL w="12700" cap="flat" cmpd="sng" algn="ctr">
+                      <a:solidFill>
+                        <a:schemeClr val="tx1"/>
+                      </a:solidFill>
+                      <a:prstDash val="solid"/>
+                      <a:round/>
+                      <a:headEnd type="none" w="med" len="med"/>
+                      <a:tailEnd type="none" w="med" len="med"/>
+                    </a:lnL>
+                    <a:lnR w="12700" cap="flat" cmpd="sng" algn="ctr">
+                      <a:solidFill>
+                        <a:schemeClr val="tx1"/>
+                      </a:solidFill>
+                      <a:prstDash val="solid"/>
+                      <a:round/>
+                      <a:headEnd type="none" w="med" len="med"/>
+                      <a:tailEnd type="none" w="med" len="med"/>
+                    </a:lnR>
+                    <a:lnT w="12700" cap="flat" cmpd="sng" algn="ctr">
+                      <a:solidFill>
+                        <a:schemeClr val="tx1"/>
+                      </a:solidFill>
+                      <a:prstDash val="solid"/>
+                      <a:round/>
+                      <a:headEnd type="none" w="med" len="med"/>
+                      <a:tailEnd type="none" w="med" len="med"/>
+                    </a:lnT>
+                    <a:lnB w="12700" cap="flat" cmpd="sng" algn="ctr">
+                      <a:solidFill>
+                        <a:schemeClr val="tx1"/>
+                      </a:solidFill>
+                      <a:prstDash val="solid"/>
+                      <a:round/>
+                      <a:headEnd type="none" w="med" len="med"/>
+                      <a:tailEnd type="none" w="med" len="med"/>
+                    </a:lnB>
+                    <a:lnTlToBr w="12700" cmpd="sng">
+                      <a:noFill/>
+                      <a:prstDash val="solid"/>
+                    </a:lnTlToBr>
+                    <a:lnBlToTr w="12700" cmpd="sng">
+                      <a:noFill/>
+                      <a:prstDash val="solid"/>
+                    </a:lnBlToTr>
+                    <a:noFill/>
+                  </a:tcPr>
+                </a:tc>
+                <a:tc gridSpan="2">
+                  <a:txBody>
+                    <a:bodyPr/>
+                    <a:lstStyle/>
+                    <a:p>
+                      <a:pPr marL="0" marR="0" indent="0" algn="just">
+                        <a:spcBef>
+                          <a:spcPts val="0"/>
+                        </a:spcBef>
+                        <a:spcAft>
+                          <a:spcPts val="0"/>
+                        </a:spcAft>
+                      </a:pPr>
+                      <a:r>
+                        <a:rPr lang="en-US" sz="1800">
+                          <a:solidFill>
+                            <a:schemeClr val="tx1"/>
+                          </a:solidFill>
+                          <a:effectLst/>
+                        </a:rPr>
+                        <a:t>A</a:t>
+                      </a:r>
+                      <a:endParaRPr lang="en-US" sz="1800">
+                        <a:solidFill>
+                          <a:schemeClr val="tx1"/>
+                        </a:solidFill>
+                        <a:effectLst/>
+                        <a:latin typeface="Times New Roman" panose="02020603050405020304" pitchFamily="18" charset="0"/>
+                        <a:ea typeface="Calibri" panose="020F0502020204030204" pitchFamily="34" charset="0"/>
+                        <a:cs typeface="Times New Roman" panose="02020603050405020304" pitchFamily="18" charset="0"/>
+                      </a:endParaRPr>
+                    </a:p>
+                  </a:txBody>
+                  <a:tcPr marL="56274" marR="56274" marT="0" marB="0">
+                    <a:lnL w="12700" cap="flat" cmpd="sng" algn="ctr">
+                      <a:solidFill>
+                        <a:schemeClr val="tx1"/>
+                      </a:solidFill>
+                      <a:prstDash val="solid"/>
+                      <a:round/>
+                      <a:headEnd type="none" w="med" len="med"/>
+                      <a:tailEnd type="none" w="med" len="med"/>
+                    </a:lnL>
+                    <a:lnR w="12700" cap="flat" cmpd="sng" algn="ctr">
+                      <a:solidFill>
+                        <a:schemeClr val="tx1"/>
+                      </a:solidFill>
+                      <a:prstDash val="solid"/>
+                      <a:round/>
+                      <a:headEnd type="none" w="med" len="med"/>
+                      <a:tailEnd type="none" w="med" len="med"/>
+                    </a:lnR>
+                    <a:lnT w="12700" cap="flat" cmpd="sng" algn="ctr">
+                      <a:solidFill>
+                        <a:schemeClr val="tx1"/>
+                      </a:solidFill>
+                      <a:prstDash val="solid"/>
+                      <a:round/>
+                      <a:headEnd type="none" w="med" len="med"/>
+                      <a:tailEnd type="none" w="med" len="med"/>
+                    </a:lnT>
+                    <a:lnB w="12700" cap="flat" cmpd="sng" algn="ctr">
+                      <a:solidFill>
+                        <a:schemeClr val="tx1"/>
+                      </a:solidFill>
+                      <a:prstDash val="solid"/>
+                      <a:round/>
+                      <a:headEnd type="none" w="med" len="med"/>
+                      <a:tailEnd type="none" w="med" len="med"/>
+                    </a:lnB>
+                    <a:lnTlToBr w="12700" cmpd="sng">
+                      <a:noFill/>
+                      <a:prstDash val="solid"/>
+                    </a:lnTlToBr>
+                    <a:lnBlToTr w="12700" cmpd="sng">
+                      <a:noFill/>
+                      <a:prstDash val="solid"/>
+                    </a:lnBlToTr>
+                    <a:noFill/>
+                  </a:tcPr>
+                </a:tc>
+                <a:tc hMerge="1">
+                  <a:txBody>
+                    <a:bodyPr/>
+                    <a:lstStyle/>
+                    <a:p>
+                      <a:pPr marL="0" marR="0" indent="0" algn="just">
+                        <a:spcBef>
+                          <a:spcPts val="0"/>
+                        </a:spcBef>
+                        <a:spcAft>
+                          <a:spcPts val="0"/>
+                        </a:spcAft>
+                      </a:pPr>
+                      <a:endParaRPr lang="en-US" sz="1800">
+                        <a:solidFill>
+                          <a:schemeClr val="tx1"/>
+                        </a:solidFill>
+                        <a:effectLst/>
+                        <a:latin typeface="Times New Roman" panose="02020603050405020304" pitchFamily="18" charset="0"/>
+                        <a:ea typeface="Calibri" panose="020F0502020204030204" pitchFamily="34" charset="0"/>
+                        <a:cs typeface="Times New Roman" panose="02020603050405020304" pitchFamily="18" charset="0"/>
+                      </a:endParaRPr>
+                    </a:p>
+                  </a:txBody>
+                  <a:tcPr marL="56274" marR="56274" marT="0" marB="0">
+                    <a:lnL w="12700" cap="flat" cmpd="sng" algn="ctr">
+                      <a:solidFill>
+                        <a:schemeClr val="tx1"/>
+                      </a:solidFill>
+                      <a:prstDash val="solid"/>
+                      <a:round/>
+                      <a:headEnd type="none" w="med" len="med"/>
+                      <a:tailEnd type="none" w="med" len="med"/>
+                    </a:lnL>
+                    <a:lnR w="12700" cap="flat" cmpd="sng" algn="ctr">
+                      <a:solidFill>
+                        <a:schemeClr val="tx1"/>
+                      </a:solidFill>
+                      <a:prstDash val="solid"/>
+                      <a:round/>
+                      <a:headEnd type="none" w="med" len="med"/>
+                      <a:tailEnd type="none" w="med" len="med"/>
+                    </a:lnR>
+                    <a:lnT w="12700" cap="flat" cmpd="sng" algn="ctr">
+                      <a:solidFill>
+                        <a:schemeClr val="tx1"/>
+                      </a:solidFill>
+                      <a:prstDash val="solid"/>
+                      <a:round/>
+                      <a:headEnd type="none" w="med" len="med"/>
+                      <a:tailEnd type="none" w="med" len="med"/>
+                    </a:lnT>
+                    <a:lnB w="12700" cap="flat" cmpd="sng" algn="ctr">
+                      <a:solidFill>
+                        <a:schemeClr val="tx1"/>
+                      </a:solidFill>
+                      <a:prstDash val="solid"/>
+                      <a:round/>
+                      <a:headEnd type="none" w="med" len="med"/>
+                      <a:tailEnd type="none" w="med" len="med"/>
+                    </a:lnB>
+                    <a:lnTlToBr w="12700" cmpd="sng">
+                      <a:noFill/>
+                      <a:prstDash val="solid"/>
+                    </a:lnTlToBr>
+                    <a:lnBlToTr w="12700" cmpd="sng">
+                      <a:noFill/>
+                      <a:prstDash val="solid"/>
+                    </a:lnBlToTr>
+                    <a:noFill/>
+                  </a:tcPr>
+                </a:tc>
+                <a:tc>
+                  <a:txBody>
+                    <a:bodyPr/>
+                    <a:lstStyle/>
+                    <a:p>
+                      <a:pPr marL="0" marR="0" indent="0" algn="just">
+                        <a:spcBef>
+                          <a:spcPts val="0"/>
+                        </a:spcBef>
+                        <a:spcAft>
+                          <a:spcPts val="0"/>
+                        </a:spcAft>
+                      </a:pPr>
+                      <a:r>
+                        <a:rPr lang="uk-UA" sz="1800">
+                          <a:solidFill>
+                            <a:schemeClr val="tx1"/>
+                          </a:solidFill>
+                          <a:effectLst/>
+                        </a:rPr>
+                        <a:t>NP3706</a:t>
+                      </a:r>
+                      <a:endParaRPr lang="en-US" sz="1800">
+                        <a:solidFill>
+                          <a:schemeClr val="tx1"/>
+                        </a:solidFill>
+                        <a:effectLst/>
+                        <a:latin typeface="Times New Roman" panose="02020603050405020304" pitchFamily="18" charset="0"/>
+                        <a:ea typeface="Calibri" panose="020F0502020204030204" pitchFamily="34" charset="0"/>
+                        <a:cs typeface="Times New Roman" panose="02020603050405020304" pitchFamily="18" charset="0"/>
+                      </a:endParaRPr>
+                    </a:p>
+                  </a:txBody>
+                  <a:tcPr marL="56274" marR="56274" marT="0" marB="0">
+                    <a:lnL w="12700" cap="flat" cmpd="sng" algn="ctr">
+                      <a:solidFill>
+                        <a:schemeClr val="tx1"/>
+                      </a:solidFill>
+                      <a:prstDash val="solid"/>
+                      <a:round/>
+                      <a:headEnd type="none" w="med" len="med"/>
+                      <a:tailEnd type="none" w="med" len="med"/>
+                    </a:lnL>
+                    <a:lnR w="12700" cap="flat" cmpd="sng" algn="ctr">
+                      <a:solidFill>
+                        <a:schemeClr val="tx1"/>
+                      </a:solidFill>
+                      <a:prstDash val="solid"/>
+                      <a:round/>
+                      <a:headEnd type="none" w="med" len="med"/>
+                      <a:tailEnd type="none" w="med" len="med"/>
+                    </a:lnR>
+                    <a:lnT w="12700" cap="flat" cmpd="sng" algn="ctr">
+                      <a:solidFill>
+                        <a:schemeClr val="tx1"/>
+                      </a:solidFill>
+                      <a:prstDash val="solid"/>
+                      <a:round/>
+                      <a:headEnd type="none" w="med" len="med"/>
+                      <a:tailEnd type="none" w="med" len="med"/>
+                    </a:lnT>
+                    <a:lnB w="12700" cap="flat" cmpd="sng" algn="ctr">
+                      <a:solidFill>
+                        <a:schemeClr val="tx1"/>
+                      </a:solidFill>
+                      <a:prstDash val="solid"/>
+                      <a:round/>
+                      <a:headEnd type="none" w="med" len="med"/>
+                      <a:tailEnd type="none" w="med" len="med"/>
+                    </a:lnB>
+                    <a:lnTlToBr w="12700" cmpd="sng">
+                      <a:noFill/>
+                      <a:prstDash val="solid"/>
+                    </a:lnTlToBr>
+                    <a:lnBlToTr w="12700" cmpd="sng">
+                      <a:noFill/>
+                      <a:prstDash val="solid"/>
+                    </a:lnBlToTr>
+                    <a:noFill/>
+                  </a:tcPr>
+                </a:tc>
+                <a:extLst>
+                  <a:ext uri="{0D108BD9-81ED-4DB2-BD59-A6C34878D82A}">
+                    <a16:rowId xmlns:a16="http://schemas.microsoft.com/office/drawing/2014/main" val="3262690465"/>
+                  </a:ext>
+                </a:extLst>
+              </a:tr>
+              <a:tr h="175073">
+                <a:tc vMerge="1">
+                  <a:txBody>
+                    <a:bodyPr/>
+                    <a:lstStyle/>
+                    <a:p>
+                      <a:endParaRPr lang="en-US"/>
+                    </a:p>
+                  </a:txBody>
+                  <a:tcPr/>
+                </a:tc>
+                <a:tc gridSpan="2">
+                  <a:txBody>
+                    <a:bodyPr/>
+                    <a:lstStyle/>
+                    <a:p>
+                      <a:pPr marL="0" marR="0" indent="0" algn="just">
+                        <a:spcBef>
+                          <a:spcPts val="0"/>
+                        </a:spcBef>
+                        <a:spcAft>
+                          <a:spcPts val="0"/>
+                        </a:spcAft>
+                      </a:pPr>
+                      <a:r>
+                        <a:rPr lang="en-US" sz="1800">
+                          <a:solidFill>
+                            <a:schemeClr val="tx1"/>
+                          </a:solidFill>
+                          <a:effectLst/>
+                        </a:rPr>
+                        <a:t>B</a:t>
+                      </a:r>
+                      <a:endParaRPr lang="en-US" sz="1800">
+                        <a:solidFill>
+                          <a:schemeClr val="tx1"/>
+                        </a:solidFill>
+                        <a:effectLst/>
+                        <a:latin typeface="Times New Roman" panose="02020603050405020304" pitchFamily="18" charset="0"/>
+                        <a:ea typeface="Calibri" panose="020F0502020204030204" pitchFamily="34" charset="0"/>
+                        <a:cs typeface="Times New Roman" panose="02020603050405020304" pitchFamily="18" charset="0"/>
+                      </a:endParaRPr>
+                    </a:p>
+                  </a:txBody>
+                  <a:tcPr marL="56274" marR="56274" marT="0" marB="0">
+                    <a:lnL w="12700" cap="flat" cmpd="sng" algn="ctr">
+                      <a:solidFill>
+                        <a:schemeClr val="tx1"/>
+                      </a:solidFill>
+                      <a:prstDash val="solid"/>
+                      <a:round/>
+                      <a:headEnd type="none" w="med" len="med"/>
+                      <a:tailEnd type="none" w="med" len="med"/>
+                    </a:lnL>
+                    <a:lnR w="12700" cap="flat" cmpd="sng" algn="ctr">
+                      <a:solidFill>
+                        <a:schemeClr val="tx1"/>
+                      </a:solidFill>
+                      <a:prstDash val="solid"/>
+                      <a:round/>
+                      <a:headEnd type="none" w="med" len="med"/>
+                      <a:tailEnd type="none" w="med" len="med"/>
+                    </a:lnR>
+                    <a:lnT w="12700" cap="flat" cmpd="sng" algn="ctr">
+                      <a:solidFill>
+                        <a:schemeClr val="tx1"/>
+                      </a:solidFill>
+                      <a:prstDash val="solid"/>
+                      <a:round/>
+                      <a:headEnd type="none" w="med" len="med"/>
+                      <a:tailEnd type="none" w="med" len="med"/>
+                    </a:lnT>
+                    <a:lnB w="12700" cap="flat" cmpd="sng" algn="ctr">
+                      <a:solidFill>
+                        <a:schemeClr val="tx1"/>
+                      </a:solidFill>
+                      <a:prstDash val="solid"/>
+                      <a:round/>
+                      <a:headEnd type="none" w="med" len="med"/>
+                      <a:tailEnd type="none" w="med" len="med"/>
+                    </a:lnB>
+                    <a:lnTlToBr w="12700" cmpd="sng">
+                      <a:noFill/>
+                      <a:prstDash val="solid"/>
+                    </a:lnTlToBr>
+                    <a:lnBlToTr w="12700" cmpd="sng">
+                      <a:noFill/>
+                      <a:prstDash val="solid"/>
+                    </a:lnBlToTr>
+                    <a:noFill/>
+                  </a:tcPr>
+                </a:tc>
+                <a:tc hMerge="1">
+                  <a:txBody>
+                    <a:bodyPr/>
+                    <a:lstStyle/>
+                    <a:p>
+                      <a:pPr marL="0" marR="0" indent="0" algn="just">
+                        <a:spcBef>
+                          <a:spcPts val="0"/>
+                        </a:spcBef>
+                        <a:spcAft>
+                          <a:spcPts val="0"/>
+                        </a:spcAft>
+                      </a:pPr>
+                      <a:endParaRPr lang="en-US" sz="1800">
+                        <a:solidFill>
+                          <a:schemeClr val="tx1"/>
+                        </a:solidFill>
+                        <a:effectLst/>
+                        <a:latin typeface="Times New Roman" panose="02020603050405020304" pitchFamily="18" charset="0"/>
+                        <a:ea typeface="Calibri" panose="020F0502020204030204" pitchFamily="34" charset="0"/>
+                        <a:cs typeface="Times New Roman" panose="02020603050405020304" pitchFamily="18" charset="0"/>
+                      </a:endParaRPr>
+                    </a:p>
+                  </a:txBody>
+                  <a:tcPr marL="56274" marR="56274" marT="0" marB="0">
+                    <a:lnL w="12700" cap="flat" cmpd="sng" algn="ctr">
+                      <a:solidFill>
+                        <a:schemeClr val="tx1"/>
+                      </a:solidFill>
+                      <a:prstDash val="solid"/>
+                      <a:round/>
+                      <a:headEnd type="none" w="med" len="med"/>
+                      <a:tailEnd type="none" w="med" len="med"/>
+                    </a:lnL>
+                    <a:lnR w="12700" cap="flat" cmpd="sng" algn="ctr">
+                      <a:solidFill>
+                        <a:schemeClr val="tx1"/>
+                      </a:solidFill>
+                      <a:prstDash val="solid"/>
+                      <a:round/>
+                      <a:headEnd type="none" w="med" len="med"/>
+                      <a:tailEnd type="none" w="med" len="med"/>
+                    </a:lnR>
+                    <a:lnT w="12700" cap="flat" cmpd="sng" algn="ctr">
+                      <a:solidFill>
+                        <a:schemeClr val="tx1"/>
+                      </a:solidFill>
+                      <a:prstDash val="solid"/>
+                      <a:round/>
+                      <a:headEnd type="none" w="med" len="med"/>
+                      <a:tailEnd type="none" w="med" len="med"/>
+                    </a:lnT>
+                    <a:lnB w="12700" cap="flat" cmpd="sng" algn="ctr">
+                      <a:solidFill>
+                        <a:schemeClr val="tx1"/>
+                      </a:solidFill>
+                      <a:prstDash val="solid"/>
+                      <a:round/>
+                      <a:headEnd type="none" w="med" len="med"/>
+                      <a:tailEnd type="none" w="med" len="med"/>
+                    </a:lnB>
+                    <a:lnTlToBr w="12700" cmpd="sng">
+                      <a:noFill/>
+                      <a:prstDash val="solid"/>
+                    </a:lnTlToBr>
+                    <a:lnBlToTr w="12700" cmpd="sng">
+                      <a:noFill/>
+                      <a:prstDash val="solid"/>
+                    </a:lnBlToTr>
+                    <a:noFill/>
+                  </a:tcPr>
+                </a:tc>
+                <a:tc>
+                  <a:txBody>
+                    <a:bodyPr/>
+                    <a:lstStyle/>
+                    <a:p>
+                      <a:pPr marL="0" marR="0" indent="0" algn="just">
+                        <a:spcBef>
+                          <a:spcPts val="0"/>
+                        </a:spcBef>
+                        <a:spcAft>
+                          <a:spcPts val="0"/>
+                        </a:spcAft>
+                      </a:pPr>
+                      <a:r>
+                        <a:rPr lang="uk-UA" sz="1800">
+                          <a:solidFill>
+                            <a:schemeClr val="tx1"/>
+                          </a:solidFill>
+                          <a:effectLst/>
+                        </a:rPr>
+                        <a:t>X211</a:t>
+                      </a:r>
+                      <a:endParaRPr lang="en-US" sz="1800">
+                        <a:solidFill>
+                          <a:schemeClr val="tx1"/>
+                        </a:solidFill>
+                        <a:effectLst/>
+                        <a:latin typeface="Times New Roman" panose="02020603050405020304" pitchFamily="18" charset="0"/>
+                        <a:ea typeface="Calibri" panose="020F0502020204030204" pitchFamily="34" charset="0"/>
+                        <a:cs typeface="Times New Roman" panose="02020603050405020304" pitchFamily="18" charset="0"/>
+                      </a:endParaRPr>
+                    </a:p>
+                  </a:txBody>
+                  <a:tcPr marL="56274" marR="56274" marT="0" marB="0">
+                    <a:lnL w="12700" cap="flat" cmpd="sng" algn="ctr">
+                      <a:solidFill>
+                        <a:schemeClr val="tx1"/>
+                      </a:solidFill>
+                      <a:prstDash val="solid"/>
+                      <a:round/>
+                      <a:headEnd type="none" w="med" len="med"/>
+                      <a:tailEnd type="none" w="med" len="med"/>
+                    </a:lnL>
+                    <a:lnR w="12700" cap="flat" cmpd="sng" algn="ctr">
+                      <a:solidFill>
+                        <a:schemeClr val="tx1"/>
+                      </a:solidFill>
+                      <a:prstDash val="solid"/>
+                      <a:round/>
+                      <a:headEnd type="none" w="med" len="med"/>
+                      <a:tailEnd type="none" w="med" len="med"/>
+                    </a:lnR>
+                    <a:lnT w="12700" cap="flat" cmpd="sng" algn="ctr">
+                      <a:solidFill>
+                        <a:schemeClr val="tx1"/>
+                      </a:solidFill>
+                      <a:prstDash val="solid"/>
+                      <a:round/>
+                      <a:headEnd type="none" w="med" len="med"/>
+                      <a:tailEnd type="none" w="med" len="med"/>
+                    </a:lnT>
+                    <a:lnB w="12700" cap="flat" cmpd="sng" algn="ctr">
+                      <a:solidFill>
+                        <a:schemeClr val="tx1"/>
+                      </a:solidFill>
+                      <a:prstDash val="solid"/>
+                      <a:round/>
+                      <a:headEnd type="none" w="med" len="med"/>
+                      <a:tailEnd type="none" w="med" len="med"/>
+                    </a:lnB>
+                    <a:lnTlToBr w="12700" cmpd="sng">
+                      <a:noFill/>
+                      <a:prstDash val="solid"/>
+                    </a:lnTlToBr>
+                    <a:lnBlToTr w="12700" cmpd="sng">
+                      <a:noFill/>
+                      <a:prstDash val="solid"/>
+                    </a:lnBlToTr>
+                    <a:noFill/>
+                  </a:tcPr>
+                </a:tc>
+                <a:extLst>
+                  <a:ext uri="{0D108BD9-81ED-4DB2-BD59-A6C34878D82A}">
+                    <a16:rowId xmlns:a16="http://schemas.microsoft.com/office/drawing/2014/main" val="2035877328"/>
+                  </a:ext>
+                </a:extLst>
+              </a:tr>
+              <a:tr h="175073">
+                <a:tc vMerge="1">
+                  <a:txBody>
+                    <a:bodyPr/>
+                    <a:lstStyle/>
+                    <a:p>
+                      <a:endParaRPr lang="en-US"/>
+                    </a:p>
+                  </a:txBody>
+                  <a:tcPr/>
+                </a:tc>
+                <a:tc gridSpan="2">
+                  <a:txBody>
+                    <a:bodyPr/>
+                    <a:lstStyle/>
+                    <a:p>
+                      <a:pPr marL="0" marR="0" indent="0" algn="just">
+                        <a:spcBef>
+                          <a:spcPts val="0"/>
+                        </a:spcBef>
+                        <a:spcAft>
+                          <a:spcPts val="0"/>
+                        </a:spcAft>
+                      </a:pPr>
+                      <a:r>
+                        <a:rPr lang="en-US" sz="1800">
+                          <a:solidFill>
+                            <a:schemeClr val="tx1"/>
+                          </a:solidFill>
+                          <a:effectLst/>
+                        </a:rPr>
+                        <a:t>C</a:t>
+                      </a:r>
+                      <a:endParaRPr lang="en-US" sz="1800">
+                        <a:solidFill>
+                          <a:schemeClr val="tx1"/>
+                        </a:solidFill>
+                        <a:effectLst/>
+                        <a:latin typeface="Times New Roman" panose="02020603050405020304" pitchFamily="18" charset="0"/>
+                        <a:ea typeface="Calibri" panose="020F0502020204030204" pitchFamily="34" charset="0"/>
+                        <a:cs typeface="Times New Roman" panose="02020603050405020304" pitchFamily="18" charset="0"/>
+                      </a:endParaRPr>
+                    </a:p>
+                  </a:txBody>
+                  <a:tcPr marL="56274" marR="56274" marT="0" marB="0">
+                    <a:lnL w="12700" cap="flat" cmpd="sng" algn="ctr">
+                      <a:solidFill>
+                        <a:schemeClr val="tx1"/>
+                      </a:solidFill>
+                      <a:prstDash val="solid"/>
+                      <a:round/>
+                      <a:headEnd type="none" w="med" len="med"/>
+                      <a:tailEnd type="none" w="med" len="med"/>
+                    </a:lnL>
+                    <a:lnR w="12700" cap="flat" cmpd="sng" algn="ctr">
+                      <a:solidFill>
+                        <a:schemeClr val="tx1"/>
+                      </a:solidFill>
+                      <a:prstDash val="solid"/>
+                      <a:round/>
+                      <a:headEnd type="none" w="med" len="med"/>
+                      <a:tailEnd type="none" w="med" len="med"/>
+                    </a:lnR>
+                    <a:lnT w="12700" cap="flat" cmpd="sng" algn="ctr">
+                      <a:solidFill>
+                        <a:schemeClr val="tx1"/>
+                      </a:solidFill>
+                      <a:prstDash val="solid"/>
+                      <a:round/>
+                      <a:headEnd type="none" w="med" len="med"/>
+                      <a:tailEnd type="none" w="med" len="med"/>
+                    </a:lnT>
+                    <a:lnB w="12700" cap="flat" cmpd="sng" algn="ctr">
+                      <a:solidFill>
+                        <a:schemeClr val="tx1"/>
+                      </a:solidFill>
+                      <a:prstDash val="solid"/>
+                      <a:round/>
+                      <a:headEnd type="none" w="med" len="med"/>
+                      <a:tailEnd type="none" w="med" len="med"/>
+                    </a:lnB>
+                    <a:lnTlToBr w="12700" cmpd="sng">
+                      <a:noFill/>
+                      <a:prstDash val="solid"/>
+                    </a:lnTlToBr>
+                    <a:lnBlToTr w="12700" cmpd="sng">
+                      <a:noFill/>
+                      <a:prstDash val="solid"/>
+                    </a:lnBlToTr>
+                    <a:noFill/>
+                  </a:tcPr>
+                </a:tc>
+                <a:tc hMerge="1">
+                  <a:txBody>
+                    <a:bodyPr/>
+                    <a:lstStyle/>
+                    <a:p>
+                      <a:pPr marL="0" marR="0" indent="0" algn="just">
+                        <a:spcBef>
+                          <a:spcPts val="0"/>
+                        </a:spcBef>
+                        <a:spcAft>
+                          <a:spcPts val="0"/>
+                        </a:spcAft>
+                      </a:pPr>
+                      <a:endParaRPr lang="en-US" sz="1800">
+                        <a:solidFill>
+                          <a:schemeClr val="tx1"/>
+                        </a:solidFill>
+                        <a:effectLst/>
+                        <a:latin typeface="Times New Roman" panose="02020603050405020304" pitchFamily="18" charset="0"/>
+                        <a:ea typeface="Calibri" panose="020F0502020204030204" pitchFamily="34" charset="0"/>
+                        <a:cs typeface="Times New Roman" panose="02020603050405020304" pitchFamily="18" charset="0"/>
+                      </a:endParaRPr>
+                    </a:p>
+                  </a:txBody>
+                  <a:tcPr marL="56274" marR="56274" marT="0" marB="0">
+                    <a:lnL w="12700" cap="flat" cmpd="sng" algn="ctr">
+                      <a:solidFill>
+                        <a:schemeClr val="tx1"/>
+                      </a:solidFill>
+                      <a:prstDash val="solid"/>
+                      <a:round/>
+                      <a:headEnd type="none" w="med" len="med"/>
+                      <a:tailEnd type="none" w="med" len="med"/>
+                    </a:lnL>
+                    <a:lnR w="12700" cap="flat" cmpd="sng" algn="ctr">
+                      <a:solidFill>
+                        <a:schemeClr val="tx1"/>
+                      </a:solidFill>
+                      <a:prstDash val="solid"/>
+                      <a:round/>
+                      <a:headEnd type="none" w="med" len="med"/>
+                      <a:tailEnd type="none" w="med" len="med"/>
+                    </a:lnR>
+                    <a:lnT w="12700" cap="flat" cmpd="sng" algn="ctr">
+                      <a:solidFill>
+                        <a:schemeClr val="tx1"/>
+                      </a:solidFill>
+                      <a:prstDash val="solid"/>
+                      <a:round/>
+                      <a:headEnd type="none" w="med" len="med"/>
+                      <a:tailEnd type="none" w="med" len="med"/>
+                    </a:lnT>
+                    <a:lnB w="12700" cap="flat" cmpd="sng" algn="ctr">
+                      <a:solidFill>
+                        <a:schemeClr val="tx1"/>
+                      </a:solidFill>
+                      <a:prstDash val="solid"/>
+                      <a:round/>
+                      <a:headEnd type="none" w="med" len="med"/>
+                      <a:tailEnd type="none" w="med" len="med"/>
+                    </a:lnB>
+                    <a:lnTlToBr w="12700" cmpd="sng">
+                      <a:noFill/>
+                      <a:prstDash val="solid"/>
+                    </a:lnTlToBr>
+                    <a:lnBlToTr w="12700" cmpd="sng">
+                      <a:noFill/>
+                      <a:prstDash val="solid"/>
+                    </a:lnBlToTr>
+                    <a:noFill/>
+                  </a:tcPr>
+                </a:tc>
+                <a:tc>
+                  <a:txBody>
+                    <a:bodyPr/>
+                    <a:lstStyle/>
+                    <a:p>
+                      <a:pPr marL="0" marR="0" indent="0" algn="just">
+                        <a:spcBef>
+                          <a:spcPts val="0"/>
+                        </a:spcBef>
+                        <a:spcAft>
+                          <a:spcPts val="0"/>
+                        </a:spcAft>
+                      </a:pPr>
+                      <a:r>
+                        <a:rPr lang="uk-UA" sz="1800">
+                          <a:solidFill>
+                            <a:schemeClr val="tx1"/>
+                          </a:solidFill>
+                          <a:effectLst/>
+                        </a:rPr>
+                        <a:t>X215</a:t>
+                      </a:r>
+                      <a:endParaRPr lang="en-US" sz="1800">
+                        <a:solidFill>
+                          <a:schemeClr val="tx1"/>
+                        </a:solidFill>
+                        <a:effectLst/>
+                        <a:latin typeface="Times New Roman" panose="02020603050405020304" pitchFamily="18" charset="0"/>
+                        <a:ea typeface="Calibri" panose="020F0502020204030204" pitchFamily="34" charset="0"/>
+                        <a:cs typeface="Times New Roman" panose="02020603050405020304" pitchFamily="18" charset="0"/>
+                      </a:endParaRPr>
+                    </a:p>
+                  </a:txBody>
+                  <a:tcPr marL="56274" marR="56274" marT="0" marB="0">
+                    <a:lnL w="12700" cap="flat" cmpd="sng" algn="ctr">
+                      <a:solidFill>
+                        <a:schemeClr val="tx1"/>
+                      </a:solidFill>
+                      <a:prstDash val="solid"/>
+                      <a:round/>
+                      <a:headEnd type="none" w="med" len="med"/>
+                      <a:tailEnd type="none" w="med" len="med"/>
+                    </a:lnL>
+                    <a:lnR w="12700" cap="flat" cmpd="sng" algn="ctr">
+                      <a:solidFill>
+                        <a:schemeClr val="tx1"/>
+                      </a:solidFill>
+                      <a:prstDash val="solid"/>
+                      <a:round/>
+                      <a:headEnd type="none" w="med" len="med"/>
+                      <a:tailEnd type="none" w="med" len="med"/>
+                    </a:lnR>
+                    <a:lnT w="12700" cap="flat" cmpd="sng" algn="ctr">
+                      <a:solidFill>
+                        <a:schemeClr val="tx1"/>
+                      </a:solidFill>
+                      <a:prstDash val="solid"/>
+                      <a:round/>
+                      <a:headEnd type="none" w="med" len="med"/>
+                      <a:tailEnd type="none" w="med" len="med"/>
+                    </a:lnT>
+                    <a:lnB w="12700" cap="flat" cmpd="sng" algn="ctr">
+                      <a:solidFill>
+                        <a:schemeClr val="tx1"/>
+                      </a:solidFill>
+                      <a:prstDash val="solid"/>
+                      <a:round/>
+                      <a:headEnd type="none" w="med" len="med"/>
+                      <a:tailEnd type="none" w="med" len="med"/>
+                    </a:lnB>
+                    <a:lnTlToBr w="12700" cmpd="sng">
+                      <a:noFill/>
+                      <a:prstDash val="solid"/>
+                    </a:lnTlToBr>
+                    <a:lnBlToTr w="12700" cmpd="sng">
+                      <a:noFill/>
+                      <a:prstDash val="solid"/>
+                    </a:lnBlToTr>
+                    <a:noFill/>
+                  </a:tcPr>
+                </a:tc>
+                <a:extLst>
+                  <a:ext uri="{0D108BD9-81ED-4DB2-BD59-A6C34878D82A}">
+                    <a16:rowId xmlns:a16="http://schemas.microsoft.com/office/drawing/2014/main" val="2759181158"/>
+                  </a:ext>
+                </a:extLst>
+              </a:tr>
+              <a:tr h="175073">
+                <a:tc gridSpan="3">
+                  <a:txBody>
+                    <a:bodyPr/>
+                    <a:lstStyle/>
+                    <a:p>
+                      <a:pPr marL="0" marR="0" indent="0" algn="l">
+                        <a:spcBef>
+                          <a:spcPts val="0"/>
+                        </a:spcBef>
+                        <a:spcAft>
+                          <a:spcPts val="0"/>
+                        </a:spcAft>
+                      </a:pPr>
+                      <a:r>
+                        <a:rPr lang="en-US" sz="1800">
+                          <a:solidFill>
+                            <a:schemeClr val="tx1"/>
+                          </a:solidFill>
+                          <a:effectLst/>
+                        </a:rPr>
+                        <a:t>5</a:t>
+                      </a:r>
+                      <a:endParaRPr lang="en-US" sz="1800">
+                        <a:solidFill>
+                          <a:schemeClr val="tx1"/>
+                        </a:solidFill>
+                        <a:effectLst/>
+                        <a:latin typeface="Times New Roman" panose="02020603050405020304" pitchFamily="18" charset="0"/>
+                        <a:ea typeface="Calibri" panose="020F0502020204030204" pitchFamily="34" charset="0"/>
+                        <a:cs typeface="Times New Roman" panose="02020603050405020304" pitchFamily="18" charset="0"/>
+                      </a:endParaRPr>
+                    </a:p>
+                  </a:txBody>
+                  <a:tcPr marL="56274" marR="56274" marT="0" marB="0" anchor="ctr">
+                    <a:lnL w="12700" cap="flat" cmpd="sng" algn="ctr">
+                      <a:solidFill>
+                        <a:schemeClr val="tx1"/>
+                      </a:solidFill>
+                      <a:prstDash val="solid"/>
+                      <a:round/>
+                      <a:headEnd type="none" w="med" len="med"/>
+                      <a:tailEnd type="none" w="med" len="med"/>
+                    </a:lnL>
+                    <a:lnR w="12700" cap="flat" cmpd="sng" algn="ctr">
+                      <a:solidFill>
+                        <a:schemeClr val="tx1"/>
+                      </a:solidFill>
+                      <a:prstDash val="solid"/>
+                      <a:round/>
+                      <a:headEnd type="none" w="med" len="med"/>
+                      <a:tailEnd type="none" w="med" len="med"/>
+                    </a:lnR>
+                    <a:lnT w="12700" cap="flat" cmpd="sng" algn="ctr">
+                      <a:solidFill>
+                        <a:schemeClr val="tx1"/>
+                      </a:solidFill>
+                      <a:prstDash val="solid"/>
+                      <a:round/>
+                      <a:headEnd type="none" w="med" len="med"/>
+                      <a:tailEnd type="none" w="med" len="med"/>
+                    </a:lnT>
+                    <a:lnB w="12700" cap="flat" cmpd="sng" algn="ctr">
+                      <a:solidFill>
+                        <a:schemeClr val="tx1"/>
+                      </a:solidFill>
+                      <a:prstDash val="solid"/>
+                      <a:round/>
+                      <a:headEnd type="none" w="med" len="med"/>
+                      <a:tailEnd type="none" w="med" len="med"/>
+                    </a:lnB>
+                    <a:lnTlToBr w="12700" cmpd="sng">
+                      <a:noFill/>
+                      <a:prstDash val="solid"/>
+                    </a:lnTlToBr>
+                    <a:lnBlToTr w="12700" cmpd="sng">
+                      <a:noFill/>
+                      <a:prstDash val="solid"/>
+                    </a:lnBlToTr>
+                    <a:noFill/>
+                  </a:tcPr>
+                </a:tc>
+                <a:tc hMerge="1">
+                  <a:txBody>
+                    <a:bodyPr/>
+                    <a:lstStyle/>
+                    <a:p>
+                      <a:endParaRPr lang="en-US"/>
+                    </a:p>
+                  </a:txBody>
+                  <a:tcPr/>
+                </a:tc>
+                <a:tc hMerge="1">
+                  <a:txBody>
+                    <a:bodyPr/>
+                    <a:lstStyle/>
+                    <a:p>
+                      <a:pPr marL="0" marR="0" indent="0" algn="l">
+                        <a:spcBef>
+                          <a:spcPts val="0"/>
+                        </a:spcBef>
+                        <a:spcAft>
+                          <a:spcPts val="0"/>
+                        </a:spcAft>
+                      </a:pPr>
+                      <a:endParaRPr lang="en-US" sz="1800">
+                        <a:solidFill>
+                          <a:schemeClr val="tx1"/>
+                        </a:solidFill>
+                        <a:effectLst/>
+                        <a:latin typeface="Times New Roman" panose="02020603050405020304" pitchFamily="18" charset="0"/>
+                        <a:ea typeface="Calibri" panose="020F0502020204030204" pitchFamily="34" charset="0"/>
+                        <a:cs typeface="Times New Roman" panose="02020603050405020304" pitchFamily="18" charset="0"/>
+                      </a:endParaRPr>
+                    </a:p>
+                  </a:txBody>
+                  <a:tcPr marL="56274" marR="56274" marT="0" marB="0" anchor="ctr">
+                    <a:lnL w="12700" cap="flat" cmpd="sng" algn="ctr">
+                      <a:solidFill>
+                        <a:schemeClr val="tx1"/>
+                      </a:solidFill>
+                      <a:prstDash val="solid"/>
+                      <a:round/>
+                      <a:headEnd type="none" w="med" len="med"/>
+                      <a:tailEnd type="none" w="med" len="med"/>
+                    </a:lnL>
+                    <a:lnR w="12700" cap="flat" cmpd="sng" algn="ctr">
+                      <a:solidFill>
+                        <a:schemeClr val="tx1"/>
+                      </a:solidFill>
+                      <a:prstDash val="solid"/>
+                      <a:round/>
+                      <a:headEnd type="none" w="med" len="med"/>
+                      <a:tailEnd type="none" w="med" len="med"/>
+                    </a:lnR>
+                    <a:lnT w="12700" cap="flat" cmpd="sng" algn="ctr">
+                      <a:solidFill>
+                        <a:schemeClr val="tx1"/>
+                      </a:solidFill>
+                      <a:prstDash val="solid"/>
+                      <a:round/>
+                      <a:headEnd type="none" w="med" len="med"/>
+                      <a:tailEnd type="none" w="med" len="med"/>
+                    </a:lnT>
+                    <a:lnB w="12700" cap="flat" cmpd="sng" algn="ctr">
+                      <a:solidFill>
+                        <a:schemeClr val="tx1"/>
+                      </a:solidFill>
+                      <a:prstDash val="solid"/>
+                      <a:round/>
+                      <a:headEnd type="none" w="med" len="med"/>
+                      <a:tailEnd type="none" w="med" len="med"/>
+                    </a:lnB>
+                    <a:lnTlToBr w="12700" cmpd="sng">
+                      <a:noFill/>
+                      <a:prstDash val="solid"/>
+                    </a:lnTlToBr>
+                    <a:lnBlToTr w="12700" cmpd="sng">
+                      <a:noFill/>
+                      <a:prstDash val="solid"/>
+                    </a:lnBlToTr>
+                    <a:noFill/>
+                  </a:tcPr>
+                </a:tc>
+                <a:tc>
+                  <a:txBody>
+                    <a:bodyPr/>
+                    <a:lstStyle/>
+                    <a:p>
+                      <a:pPr marL="0" marR="0" indent="0" algn="just">
+                        <a:spcBef>
+                          <a:spcPts val="0"/>
+                        </a:spcBef>
+                        <a:spcAft>
+                          <a:spcPts val="0"/>
+                        </a:spcAft>
+                      </a:pPr>
+                      <a:r>
+                        <a:rPr lang="uk-UA" sz="1800" dirty="0">
+                          <a:solidFill>
+                            <a:schemeClr val="tx1"/>
+                          </a:solidFill>
+                          <a:effectLst/>
+                        </a:rPr>
+                        <a:t>X220</a:t>
+                      </a:r>
+                      <a:endParaRPr lang="en-US" sz="1800" dirty="0">
+                        <a:solidFill>
+                          <a:schemeClr val="tx1"/>
+                        </a:solidFill>
+                        <a:effectLst/>
+                        <a:latin typeface="Times New Roman" panose="02020603050405020304" pitchFamily="18" charset="0"/>
+                        <a:ea typeface="Calibri" panose="020F0502020204030204" pitchFamily="34" charset="0"/>
+                        <a:cs typeface="Times New Roman" panose="02020603050405020304" pitchFamily="18" charset="0"/>
+                      </a:endParaRPr>
+                    </a:p>
+                  </a:txBody>
+                  <a:tcPr marL="56274" marR="56274" marT="0" marB="0">
+                    <a:lnL w="12700" cap="flat" cmpd="sng" algn="ctr">
+                      <a:solidFill>
+                        <a:schemeClr val="tx1"/>
+                      </a:solidFill>
+                      <a:prstDash val="solid"/>
+                      <a:round/>
+                      <a:headEnd type="none" w="med" len="med"/>
+                      <a:tailEnd type="none" w="med" len="med"/>
+                    </a:lnL>
+                    <a:lnR w="12700" cap="flat" cmpd="sng" algn="ctr">
+                      <a:solidFill>
+                        <a:schemeClr val="tx1"/>
+                      </a:solidFill>
+                      <a:prstDash val="solid"/>
+                      <a:round/>
+                      <a:headEnd type="none" w="med" len="med"/>
+                      <a:tailEnd type="none" w="med" len="med"/>
+                    </a:lnR>
+                    <a:lnT w="12700" cap="flat" cmpd="sng" algn="ctr">
+                      <a:solidFill>
+                        <a:schemeClr val="tx1"/>
+                      </a:solidFill>
+                      <a:prstDash val="solid"/>
+                      <a:round/>
+                      <a:headEnd type="none" w="med" len="med"/>
+                      <a:tailEnd type="none" w="med" len="med"/>
+                    </a:lnT>
+                    <a:lnB w="12700" cap="flat" cmpd="sng" algn="ctr">
+                      <a:solidFill>
+                        <a:schemeClr val="tx1"/>
+                      </a:solidFill>
+                      <a:prstDash val="solid"/>
+                      <a:round/>
+                      <a:headEnd type="none" w="med" len="med"/>
+                      <a:tailEnd type="none" w="med" len="med"/>
+                    </a:lnB>
+                    <a:lnTlToBr w="12700" cmpd="sng">
+                      <a:noFill/>
+                      <a:prstDash val="solid"/>
+                    </a:lnTlToBr>
+                    <a:lnBlToTr w="12700" cmpd="sng">
+                      <a:noFill/>
+                      <a:prstDash val="solid"/>
+                    </a:lnBlToTr>
+                    <a:noFill/>
+                  </a:tcPr>
+                </a:tc>
+                <a:extLst>
+                  <a:ext uri="{0D108BD9-81ED-4DB2-BD59-A6C34878D82A}">
+                    <a16:rowId xmlns:a16="http://schemas.microsoft.com/office/drawing/2014/main" val="2389078797"/>
+                  </a:ext>
+                </a:extLst>
+              </a:tr>
+              <a:tr h="175073">
+                <a:tc gridSpan="3">
+                  <a:txBody>
+                    <a:bodyPr/>
+                    <a:lstStyle/>
+                    <a:p>
+                      <a:pPr marL="0" marR="0" indent="0" algn="l">
+                        <a:spcBef>
+                          <a:spcPts val="0"/>
+                        </a:spcBef>
+                        <a:spcAft>
+                          <a:spcPts val="0"/>
+                        </a:spcAft>
+                      </a:pPr>
+                      <a:r>
+                        <a:rPr lang="en-US" sz="1800">
+                          <a:solidFill>
+                            <a:schemeClr val="tx1"/>
+                          </a:solidFill>
+                          <a:effectLst/>
+                        </a:rPr>
+                        <a:t>6</a:t>
+                      </a:r>
+                      <a:endParaRPr lang="en-US" sz="1800">
+                        <a:solidFill>
+                          <a:schemeClr val="tx1"/>
+                        </a:solidFill>
+                        <a:effectLst/>
+                        <a:latin typeface="Times New Roman" panose="02020603050405020304" pitchFamily="18" charset="0"/>
+                        <a:ea typeface="Calibri" panose="020F0502020204030204" pitchFamily="34" charset="0"/>
+                        <a:cs typeface="Times New Roman" panose="02020603050405020304" pitchFamily="18" charset="0"/>
+                      </a:endParaRPr>
+                    </a:p>
+                  </a:txBody>
+                  <a:tcPr marL="56274" marR="56274" marT="0" marB="0" anchor="ctr">
+                    <a:lnL w="12700" cap="flat" cmpd="sng" algn="ctr">
+                      <a:solidFill>
+                        <a:schemeClr val="tx1"/>
+                      </a:solidFill>
+                      <a:prstDash val="solid"/>
+                      <a:round/>
+                      <a:headEnd type="none" w="med" len="med"/>
+                      <a:tailEnd type="none" w="med" len="med"/>
+                    </a:lnL>
+                    <a:lnR w="12700" cap="flat" cmpd="sng" algn="ctr">
+                      <a:solidFill>
+                        <a:schemeClr val="tx1"/>
+                      </a:solidFill>
+                      <a:prstDash val="solid"/>
+                      <a:round/>
+                      <a:headEnd type="none" w="med" len="med"/>
+                      <a:tailEnd type="none" w="med" len="med"/>
+                    </a:lnR>
+                    <a:lnT w="12700" cap="flat" cmpd="sng" algn="ctr">
+                      <a:solidFill>
+                        <a:schemeClr val="tx1"/>
+                      </a:solidFill>
+                      <a:prstDash val="solid"/>
+                      <a:round/>
+                      <a:headEnd type="none" w="med" len="med"/>
+                      <a:tailEnd type="none" w="med" len="med"/>
+                    </a:lnT>
+                    <a:lnB w="12700" cap="flat" cmpd="sng" algn="ctr">
+                      <a:solidFill>
+                        <a:schemeClr val="tx1"/>
+                      </a:solidFill>
+                      <a:prstDash val="solid"/>
+                      <a:round/>
+                      <a:headEnd type="none" w="med" len="med"/>
+                      <a:tailEnd type="none" w="med" len="med"/>
+                    </a:lnB>
+                    <a:lnTlToBr w="12700" cmpd="sng">
+                      <a:noFill/>
+                      <a:prstDash val="solid"/>
+                    </a:lnTlToBr>
+                    <a:lnBlToTr w="12700" cmpd="sng">
+                      <a:noFill/>
+                      <a:prstDash val="solid"/>
+                    </a:lnBlToTr>
+                    <a:noFill/>
+                  </a:tcPr>
+                </a:tc>
+                <a:tc hMerge="1">
+                  <a:txBody>
+                    <a:bodyPr/>
+                    <a:lstStyle/>
+                    <a:p>
+                      <a:endParaRPr lang="en-US"/>
+                    </a:p>
+                  </a:txBody>
+                  <a:tcPr/>
+                </a:tc>
+                <a:tc hMerge="1">
+                  <a:txBody>
+                    <a:bodyPr/>
+                    <a:lstStyle/>
+                    <a:p>
+                      <a:pPr marL="0" marR="0" indent="0" algn="l">
+                        <a:spcBef>
+                          <a:spcPts val="0"/>
+                        </a:spcBef>
+                        <a:spcAft>
+                          <a:spcPts val="0"/>
+                        </a:spcAft>
+                      </a:pPr>
+                      <a:endParaRPr lang="en-US" sz="1800">
+                        <a:solidFill>
+                          <a:schemeClr val="tx1"/>
+                        </a:solidFill>
+                        <a:effectLst/>
+                        <a:latin typeface="Times New Roman" panose="02020603050405020304" pitchFamily="18" charset="0"/>
+                        <a:ea typeface="Calibri" panose="020F0502020204030204" pitchFamily="34" charset="0"/>
+                        <a:cs typeface="Times New Roman" panose="02020603050405020304" pitchFamily="18" charset="0"/>
+                      </a:endParaRPr>
+                    </a:p>
+                  </a:txBody>
+                  <a:tcPr marL="56274" marR="56274" marT="0" marB="0" anchor="ctr">
+                    <a:lnL w="12700" cap="flat" cmpd="sng" algn="ctr">
+                      <a:solidFill>
+                        <a:schemeClr val="tx1"/>
+                      </a:solidFill>
+                      <a:prstDash val="solid"/>
+                      <a:round/>
+                      <a:headEnd type="none" w="med" len="med"/>
+                      <a:tailEnd type="none" w="med" len="med"/>
+                    </a:lnL>
+                    <a:lnR w="12700" cap="flat" cmpd="sng" algn="ctr">
+                      <a:solidFill>
+                        <a:schemeClr val="tx1"/>
+                      </a:solidFill>
+                      <a:prstDash val="solid"/>
+                      <a:round/>
+                      <a:headEnd type="none" w="med" len="med"/>
+                      <a:tailEnd type="none" w="med" len="med"/>
+                    </a:lnR>
+                    <a:lnT w="12700" cap="flat" cmpd="sng" algn="ctr">
+                      <a:solidFill>
+                        <a:schemeClr val="tx1"/>
+                      </a:solidFill>
+                      <a:prstDash val="solid"/>
+                      <a:round/>
+                      <a:headEnd type="none" w="med" len="med"/>
+                      <a:tailEnd type="none" w="med" len="med"/>
+                    </a:lnT>
+                    <a:lnB w="12700" cap="flat" cmpd="sng" algn="ctr">
+                      <a:solidFill>
+                        <a:schemeClr val="tx1"/>
+                      </a:solidFill>
+                      <a:prstDash val="solid"/>
+                      <a:round/>
+                      <a:headEnd type="none" w="med" len="med"/>
+                      <a:tailEnd type="none" w="med" len="med"/>
+                    </a:lnB>
+                    <a:lnTlToBr w="12700" cmpd="sng">
+                      <a:noFill/>
+                      <a:prstDash val="solid"/>
+                    </a:lnTlToBr>
+                    <a:lnBlToTr w="12700" cmpd="sng">
+                      <a:noFill/>
+                      <a:prstDash val="solid"/>
+                    </a:lnBlToTr>
+                    <a:noFill/>
+                  </a:tcPr>
+                </a:tc>
+                <a:tc>
+                  <a:txBody>
+                    <a:bodyPr/>
+                    <a:lstStyle/>
+                    <a:p>
+                      <a:pPr marL="0" marR="0" indent="0" algn="just">
+                        <a:spcBef>
+                          <a:spcPts val="0"/>
+                        </a:spcBef>
+                        <a:spcAft>
+                          <a:spcPts val="0"/>
+                        </a:spcAft>
+                      </a:pPr>
+                      <a:r>
+                        <a:rPr lang="uk-UA" sz="1800" dirty="0">
+                          <a:solidFill>
+                            <a:schemeClr val="tx1"/>
+                          </a:solidFill>
+                          <a:effectLst/>
+                        </a:rPr>
+                        <a:t>X275</a:t>
+                      </a:r>
+                      <a:endParaRPr lang="en-US" sz="1800" dirty="0">
+                        <a:solidFill>
+                          <a:schemeClr val="tx1"/>
+                        </a:solidFill>
+                        <a:effectLst/>
+                        <a:latin typeface="Times New Roman" panose="02020603050405020304" pitchFamily="18" charset="0"/>
+                        <a:ea typeface="Calibri" panose="020F0502020204030204" pitchFamily="34" charset="0"/>
+                        <a:cs typeface="Times New Roman" panose="02020603050405020304" pitchFamily="18" charset="0"/>
+                      </a:endParaRPr>
+                    </a:p>
+                  </a:txBody>
+                  <a:tcPr marL="56274" marR="56274" marT="0" marB="0">
+                    <a:lnL w="12700" cap="flat" cmpd="sng" algn="ctr">
+                      <a:solidFill>
+                        <a:schemeClr val="tx1"/>
+                      </a:solidFill>
+                      <a:prstDash val="solid"/>
+                      <a:round/>
+                      <a:headEnd type="none" w="med" len="med"/>
+                      <a:tailEnd type="none" w="med" len="med"/>
+                    </a:lnL>
+                    <a:lnR w="12700" cap="flat" cmpd="sng" algn="ctr">
+                      <a:solidFill>
+                        <a:schemeClr val="tx1"/>
+                      </a:solidFill>
+                      <a:prstDash val="solid"/>
+                      <a:round/>
+                      <a:headEnd type="none" w="med" len="med"/>
+                      <a:tailEnd type="none" w="med" len="med"/>
+                    </a:lnR>
+                    <a:lnT w="12700" cap="flat" cmpd="sng" algn="ctr">
+                      <a:solidFill>
+                        <a:schemeClr val="tx1"/>
+                      </a:solidFill>
+                      <a:prstDash val="solid"/>
+                      <a:round/>
+                      <a:headEnd type="none" w="med" len="med"/>
+                      <a:tailEnd type="none" w="med" len="med"/>
+                    </a:lnT>
+                    <a:lnB w="12700" cap="flat" cmpd="sng" algn="ctr">
+                      <a:solidFill>
+                        <a:schemeClr val="tx1"/>
+                      </a:solidFill>
+                      <a:prstDash val="solid"/>
+                      <a:round/>
+                      <a:headEnd type="none" w="med" len="med"/>
+                      <a:tailEnd type="none" w="med" len="med"/>
+                    </a:lnB>
+                    <a:lnTlToBr w="12700" cmpd="sng">
+                      <a:noFill/>
+                      <a:prstDash val="solid"/>
+                    </a:lnTlToBr>
+                    <a:lnBlToTr w="12700" cmpd="sng">
+                      <a:noFill/>
+                      <a:prstDash val="solid"/>
+                    </a:lnBlToTr>
+                    <a:noFill/>
+                  </a:tcPr>
+                </a:tc>
+                <a:extLst>
+                  <a:ext uri="{0D108BD9-81ED-4DB2-BD59-A6C34878D82A}">
+                    <a16:rowId xmlns:a16="http://schemas.microsoft.com/office/drawing/2014/main" val="373471761"/>
+                  </a:ext>
+                </a:extLst>
+              </a:tr>
+            </a:tbl>
+          </a:graphicData>
+        </a:graphic>
+      </p:graphicFrame>
       <p:sp>
         <p:nvSpPr>
-          <p:cNvPr id="4" name="Заголовок 1">
+          <p:cNvPr id="5" name="Rectangle 1">
             <a:extLst>
               <a:ext uri="{FF2B5EF4-FFF2-40B4-BE49-F238E27FC236}">
-                <a16:creationId xmlns:a16="http://schemas.microsoft.com/office/drawing/2014/main" id="{F8243150-867F-42C4-B527-2FA91B461363}"/>
+                <a16:creationId xmlns:a16="http://schemas.microsoft.com/office/drawing/2014/main" id="{B0176CD9-C788-4CD9-A69F-C8948618C9D2}"/>
+              </a:ext>
+            </a:extLst>
+          </p:cNvPr>
+          <p:cNvSpPr>
+            <a:spLocks noChangeArrowheads="1"/>
+          </p:cNvSpPr>
+          <p:nvPr/>
+        </p:nvSpPr>
+        <p:spPr bwMode="auto">
+          <a:xfrm>
+            <a:off x="1154113" y="1997075"/>
+            <a:ext cx="12192000" cy="457200"/>
+          </a:xfrm>
+          <a:prstGeom prst="rect">
+            <a:avLst/>
+          </a:prstGeom>
+          <a:noFill/>
+          <a:ln>
+            <a:noFill/>
+          </a:ln>
+          <a:effectLst/>
+          <a:extLst>
+            <a:ext uri="{909E8E84-426E-40DD-AFC4-6F175D3DCCD1}">
+              <a14:hiddenFill xmlns:a14="http://schemas.microsoft.com/office/drawing/2010/main">
+                <a:solidFill>
+                  <a:schemeClr val="accent1"/>
+                </a:solidFill>
+              </a14:hiddenFill>
+            </a:ext>
+            <a:ext uri="{91240B29-F687-4F45-9708-019B960494DF}">
+              <a14:hiddenLine xmlns:a14="http://schemas.microsoft.com/office/drawing/2010/main" w="9525">
+                <a:solidFill>
+                  <a:schemeClr val="tx1"/>
+                </a:solidFill>
+                <a:miter lim="800000"/>
+                <a:headEnd/>
+                <a:tailEnd/>
+              </a14:hiddenLine>
+            </a:ext>
+            <a:ext uri="{AF507438-7753-43E0-B8FC-AC1667EBCBE1}">
+              <a14:hiddenEffects xmlns:a14="http://schemas.microsoft.com/office/drawing/2010/main">
+                <a:effectLst>
+                  <a:outerShdw dist="35921" dir="2700000" algn="ctr" rotWithShape="0">
+                    <a:schemeClr val="bg2"/>
+                  </a:outerShdw>
+                </a:effectLst>
+              </a14:hiddenEffects>
+            </a:ext>
+          </a:extLst>
+        </p:spPr>
+        <p:txBody>
+          <a:bodyPr vert="horz" wrap="none" lIns="91440" tIns="45720" rIns="91440" bIns="45720" numCol="1" anchor="ctr" anchorCtr="0" compatLnSpc="1">
+            <a:prstTxWarp prst="textNoShape">
+              <a:avLst/>
+            </a:prstTxWarp>
+            <a:spAutoFit/>
+          </a:bodyPr>
+          <a:lstStyle/>
+          <a:p>
+            <a:endParaRPr lang="en-US"/>
+          </a:p>
+        </p:txBody>
+      </p:sp>
+      <p:sp>
+        <p:nvSpPr>
+          <p:cNvPr id="6" name="Заголовок 1">
+            <a:extLst>
+              <a:ext uri="{FF2B5EF4-FFF2-40B4-BE49-F238E27FC236}">
+                <a16:creationId xmlns:a16="http://schemas.microsoft.com/office/drawing/2014/main" id="{01535752-0069-4E39-B74D-57453C0AB1DD}"/>
               </a:ext>
             </a:extLst>
           </p:cNvPr>
@@ -9475,205 +16161,15 @@
                   <a:srgbClr val="0070C0"/>
                 </a:solidFill>
               </a:rPr>
-              <a:t>Кластеризація методом</a:t>
+              <a:t>Очікуваний результат</a:t>
             </a:r>
-            <a:r>
-              <a:rPr lang="en-US" dirty="0">
-                <a:solidFill>
-                  <a:srgbClr val="0070C0"/>
-                </a:solidFill>
-              </a:rPr>
-              <a:t> k-mods</a:t>
-            </a:r>
-            <a:r>
-              <a:rPr lang="uk-UA" dirty="0">
-                <a:solidFill>
-                  <a:srgbClr val="0070C0"/>
-                </a:solidFill>
-              </a:rPr>
-              <a:t> </a:t>
-            </a:r>
-          </a:p>
-        </p:txBody>
-      </p:sp>
-      <p:sp>
-        <p:nvSpPr>
-          <p:cNvPr id="6" name="TextBox 5">
-            <a:extLst>
-              <a:ext uri="{FF2B5EF4-FFF2-40B4-BE49-F238E27FC236}">
-                <a16:creationId xmlns:a16="http://schemas.microsoft.com/office/drawing/2014/main" id="{D8491B23-FE99-4CA6-9814-A95E9575423B}"/>
-              </a:ext>
-            </a:extLst>
-          </p:cNvPr>
-          <p:cNvSpPr txBox="1"/>
-          <p:nvPr/>
-        </p:nvSpPr>
-        <p:spPr>
-          <a:xfrm>
-            <a:off x="759038" y="4539093"/>
-            <a:ext cx="8491493" cy="1703480"/>
-          </a:xfrm>
-          <a:prstGeom prst="rect">
-            <a:avLst/>
-          </a:prstGeom>
-          <a:noFill/>
-        </p:spPr>
-        <p:txBody>
-          <a:bodyPr wrap="square">
-            <a:spAutoFit/>
-          </a:bodyPr>
-          <a:lstStyle/>
-          <a:p>
-            <a:pPr algn="just">
-              <a:lnSpc>
-                <a:spcPct val="150000"/>
-              </a:lnSpc>
-            </a:pPr>
-            <a:r>
-              <a:rPr lang="uk-UA" dirty="0"/>
-              <a:t>	</a:t>
-            </a:r>
-            <a:r>
-              <a:rPr lang="en-US" dirty="0"/>
-              <a:t>k-modes</a:t>
-            </a:r>
-            <a:r>
-              <a:rPr lang="uk-UA" dirty="0"/>
-              <a:t> – це алгоритм, який базується на алгоритмі </a:t>
-            </a:r>
-            <a:r>
-              <a:rPr lang="en-US" dirty="0"/>
-              <a:t>k-</a:t>
-            </a:r>
-            <a:r>
-              <a:rPr lang="uk-UA" dirty="0"/>
-              <a:t>середніх і використовується для кластеризації даних на основі якісних змінних.</a:t>
-            </a:r>
-          </a:p>
-          <a:p>
-            <a:pPr algn="just">
-              <a:lnSpc>
-                <a:spcPct val="150000"/>
-              </a:lnSpc>
-            </a:pPr>
-            <a:r>
-              <a:rPr lang="uk-UA" dirty="0"/>
-              <a:t>	</a:t>
-            </a:r>
-            <a:r>
-              <a:rPr lang="en-US" dirty="0"/>
-              <a:t>k-modes </a:t>
-            </a:r>
-            <a:r>
-              <a:rPr lang="uk-UA" dirty="0"/>
-              <a:t>визначає кластери на основі відповідності категорій між даними представленими у вигляді точок.</a:t>
-            </a:r>
-            <a:endParaRPr lang="en-US" dirty="0"/>
-          </a:p>
-        </p:txBody>
-      </p:sp>
-      <p:sp>
-        <p:nvSpPr>
-          <p:cNvPr id="8" name="TextBox 7">
-            <a:extLst>
-              <a:ext uri="{FF2B5EF4-FFF2-40B4-BE49-F238E27FC236}">
-                <a16:creationId xmlns:a16="http://schemas.microsoft.com/office/drawing/2014/main" id="{18852229-13C1-495A-8A2F-9EFD183EDC50}"/>
-              </a:ext>
-            </a:extLst>
-          </p:cNvPr>
-          <p:cNvSpPr txBox="1"/>
-          <p:nvPr/>
-        </p:nvSpPr>
-        <p:spPr>
-          <a:xfrm>
-            <a:off x="759040" y="894524"/>
-            <a:ext cx="8491492" cy="2534476"/>
-          </a:xfrm>
-          <a:prstGeom prst="rect">
-            <a:avLst/>
-          </a:prstGeom>
-          <a:noFill/>
-        </p:spPr>
-        <p:txBody>
-          <a:bodyPr wrap="square">
-            <a:spAutoFit/>
-          </a:bodyPr>
-          <a:lstStyle/>
-          <a:p>
-            <a:pPr>
-              <a:lnSpc>
-                <a:spcPct val="150000"/>
-              </a:lnSpc>
-            </a:pPr>
-            <a:r>
-              <a:rPr lang="uk-UA" dirty="0"/>
-              <a:t>	k-середніх – це популярний алгоритм кластеризації на основі </a:t>
-            </a:r>
-            <a:r>
-              <a:rPr lang="uk-UA" dirty="0" err="1"/>
-              <a:t>центроїдів</a:t>
-            </a:r>
-            <a:r>
-              <a:rPr lang="uk-UA" dirty="0"/>
-              <a:t>, який розділяє дані представлені у вигляді точок на k кластерів, кожен із яких має майже рівну кількість цих точок. Ідея цього алгоритму кластеризації полягає в тому, щоб знайти k </a:t>
-            </a:r>
-            <a:r>
-              <a:rPr lang="uk-UA" dirty="0" err="1"/>
-              <a:t>центроїдних</a:t>
-            </a:r>
-            <a:r>
-              <a:rPr lang="uk-UA" dirty="0"/>
-              <a:t> точок, де кожна точка з набору даних буде належати будь-якій з k-множин, що мають мінімальну евклідову відстань.</a:t>
-            </a:r>
-            <a:endParaRPr lang="en-US" dirty="0"/>
-          </a:p>
-        </p:txBody>
-      </p:sp>
-      <p:sp>
-        <p:nvSpPr>
-          <p:cNvPr id="10" name="TextBox 9">
-            <a:extLst>
-              <a:ext uri="{FF2B5EF4-FFF2-40B4-BE49-F238E27FC236}">
-                <a16:creationId xmlns:a16="http://schemas.microsoft.com/office/drawing/2014/main" id="{74BC541C-C498-4CE4-9632-8BCE4BDC9799}"/>
-              </a:ext>
-            </a:extLst>
-          </p:cNvPr>
-          <p:cNvSpPr txBox="1"/>
-          <p:nvPr/>
-        </p:nvSpPr>
-        <p:spPr>
-          <a:xfrm>
-            <a:off x="759039" y="3339888"/>
-            <a:ext cx="8491492" cy="1287981"/>
-          </a:xfrm>
-          <a:prstGeom prst="rect">
-            <a:avLst/>
-          </a:prstGeom>
-          <a:noFill/>
-        </p:spPr>
-        <p:txBody>
-          <a:bodyPr wrap="square">
-            <a:spAutoFit/>
-          </a:bodyPr>
-          <a:lstStyle/>
-          <a:p>
-            <a:pPr algn="just">
-              <a:lnSpc>
-                <a:spcPct val="150000"/>
-              </a:lnSpc>
-            </a:pPr>
-            <a:r>
-              <a:rPr lang="uk-UA" dirty="0"/>
-              <a:t>	Алгоритм k-середніх не застосовується до даних з якісними змінними, оскільки якісні змінні є дискретними і не мають природного походження. Отже, обчислення евклідової відстані для такого простору, не має сенсу.</a:t>
-            </a:r>
-            <a:endParaRPr lang="en-US" dirty="0"/>
           </a:p>
         </p:txBody>
       </p:sp>
     </p:spTree>
     <p:extLst>
       <p:ext uri="{BB962C8B-B14F-4D97-AF65-F5344CB8AC3E}">
-        <p14:creationId xmlns:p14="http://schemas.microsoft.com/office/powerpoint/2010/main" val="2444979819"/>
+        <p14:creationId xmlns:p14="http://schemas.microsoft.com/office/powerpoint/2010/main" val="1062605323"/>
       </p:ext>
     </p:extLst>
   </p:cSld>

--- a/Documents/Presentation_1.pptx
+++ b/Documents/Presentation_1.pptx
@@ -871,7 +871,7 @@
           <a:p>
             <a:fld id="{716955FD-5218-4B18-8B2D-05970B9A6621}" type="datetimeFigureOut">
               <a:rPr lang="en-US" smtClean="0"/>
-              <a:t>12/4/2021</a:t>
+              <a:t>12/6/2021</a:t>
             </a:fld>
             <a:endParaRPr lang="en-US"/>
           </a:p>
@@ -1122,7 +1122,7 @@
           <a:p>
             <a:fld id="{716955FD-5218-4B18-8B2D-05970B9A6621}" type="datetimeFigureOut">
               <a:rPr lang="en-US" smtClean="0"/>
-              <a:t>12/4/2021</a:t>
+              <a:t>12/6/2021</a:t>
             </a:fld>
             <a:endParaRPr lang="en-US"/>
           </a:p>
@@ -1436,7 +1436,7 @@
           <a:p>
             <a:fld id="{716955FD-5218-4B18-8B2D-05970B9A6621}" type="datetimeFigureOut">
               <a:rPr lang="en-US" smtClean="0"/>
-              <a:t>12/4/2021</a:t>
+              <a:t>12/6/2021</a:t>
             </a:fld>
             <a:endParaRPr lang="en-US"/>
           </a:p>
@@ -1769,7 +1769,7 @@
           <a:p>
             <a:fld id="{716955FD-5218-4B18-8B2D-05970B9A6621}" type="datetimeFigureOut">
               <a:rPr lang="en-US" smtClean="0"/>
-              <a:t>12/4/2021</a:t>
+              <a:t>12/6/2021</a:t>
             </a:fld>
             <a:endParaRPr lang="en-US"/>
           </a:p>
@@ -2083,7 +2083,7 @@
           <a:p>
             <a:fld id="{716955FD-5218-4B18-8B2D-05970B9A6621}" type="datetimeFigureOut">
               <a:rPr lang="en-US" smtClean="0"/>
-              <a:t>12/4/2021</a:t>
+              <a:t>12/6/2021</a:t>
             </a:fld>
             <a:endParaRPr lang="en-US"/>
           </a:p>
@@ -2476,7 +2476,7 @@
           <a:p>
             <a:fld id="{716955FD-5218-4B18-8B2D-05970B9A6621}" type="datetimeFigureOut">
               <a:rPr lang="en-US" smtClean="0"/>
-              <a:t>12/4/2021</a:t>
+              <a:t>12/6/2021</a:t>
             </a:fld>
             <a:endParaRPr lang="en-US"/>
           </a:p>
@@ -2646,7 +2646,7 @@
           <a:p>
             <a:fld id="{716955FD-5218-4B18-8B2D-05970B9A6621}" type="datetimeFigureOut">
               <a:rPr lang="en-US" smtClean="0"/>
-              <a:t>12/4/2021</a:t>
+              <a:t>12/6/2021</a:t>
             </a:fld>
             <a:endParaRPr lang="en-US"/>
           </a:p>
@@ -2826,7 +2826,7 @@
           <a:p>
             <a:fld id="{716955FD-5218-4B18-8B2D-05970B9A6621}" type="datetimeFigureOut">
               <a:rPr lang="en-US" smtClean="0"/>
-              <a:t>12/4/2021</a:t>
+              <a:t>12/6/2021</a:t>
             </a:fld>
             <a:endParaRPr lang="en-US"/>
           </a:p>
@@ -2996,7 +2996,7 @@
           <a:p>
             <a:fld id="{716955FD-5218-4B18-8B2D-05970B9A6621}" type="datetimeFigureOut">
               <a:rPr lang="en-US" smtClean="0"/>
-              <a:t>12/4/2021</a:t>
+              <a:t>12/6/2021</a:t>
             </a:fld>
             <a:endParaRPr lang="en-US"/>
           </a:p>
@@ -3243,7 +3243,7 @@
           <a:p>
             <a:fld id="{716955FD-5218-4B18-8B2D-05970B9A6621}" type="datetimeFigureOut">
               <a:rPr lang="en-US" smtClean="0"/>
-              <a:t>12/4/2021</a:t>
+              <a:t>12/6/2021</a:t>
             </a:fld>
             <a:endParaRPr lang="en-US"/>
           </a:p>
@@ -3475,7 +3475,7 @@
           <a:p>
             <a:fld id="{716955FD-5218-4B18-8B2D-05970B9A6621}" type="datetimeFigureOut">
               <a:rPr lang="en-US" smtClean="0"/>
-              <a:t>12/4/2021</a:t>
+              <a:t>12/6/2021</a:t>
             </a:fld>
             <a:endParaRPr lang="en-US"/>
           </a:p>
@@ -3849,7 +3849,7 @@
           <a:p>
             <a:fld id="{716955FD-5218-4B18-8B2D-05970B9A6621}" type="datetimeFigureOut">
               <a:rPr lang="en-US" smtClean="0"/>
-              <a:t>12/4/2021</a:t>
+              <a:t>12/6/2021</a:t>
             </a:fld>
             <a:endParaRPr lang="en-US"/>
           </a:p>
@@ -3972,7 +3972,7 @@
           <a:p>
             <a:fld id="{716955FD-5218-4B18-8B2D-05970B9A6621}" type="datetimeFigureOut">
               <a:rPr lang="en-US" smtClean="0"/>
-              <a:t>12/4/2021</a:t>
+              <a:t>12/6/2021</a:t>
             </a:fld>
             <a:endParaRPr lang="en-US"/>
           </a:p>
@@ -4067,7 +4067,7 @@
           <a:p>
             <a:fld id="{716955FD-5218-4B18-8B2D-05970B9A6621}" type="datetimeFigureOut">
               <a:rPr lang="en-US" smtClean="0"/>
-              <a:t>12/4/2021</a:t>
+              <a:t>12/6/2021</a:t>
             </a:fld>
             <a:endParaRPr lang="en-US"/>
           </a:p>
@@ -4322,7 +4322,7 @@
           <a:p>
             <a:fld id="{716955FD-5218-4B18-8B2D-05970B9A6621}" type="datetimeFigureOut">
               <a:rPr lang="en-US" smtClean="0"/>
-              <a:t>12/4/2021</a:t>
+              <a:t>12/6/2021</a:t>
             </a:fld>
             <a:endParaRPr lang="en-US"/>
           </a:p>
@@ -4627,7 +4627,7 @@
           <a:p>
             <a:fld id="{716955FD-5218-4B18-8B2D-05970B9A6621}" type="datetimeFigureOut">
               <a:rPr lang="en-US" smtClean="0"/>
-              <a:t>12/4/2021</a:t>
+              <a:t>12/6/2021</a:t>
             </a:fld>
             <a:endParaRPr lang="en-US"/>
           </a:p>
@@ -5329,7 +5329,7 @@
           <a:p>
             <a:fld id="{716955FD-5218-4B18-8B2D-05970B9A6621}" type="datetimeFigureOut">
               <a:rPr lang="en-US" smtClean="0"/>
-              <a:t>12/4/2021</a:t>
+              <a:t>12/6/2021</a:t>
             </a:fld>
             <a:endParaRPr lang="en-US"/>
           </a:p>
@@ -5915,17 +5915,24 @@
         </p:nvSpPr>
         <p:spPr>
           <a:xfrm>
-            <a:off x="281948" y="5568915"/>
-            <a:ext cx="4290051" cy="1096899"/>
+            <a:off x="406235" y="4849823"/>
+            <a:ext cx="4290051" cy="1799551"/>
           </a:xfrm>
         </p:spPr>
         <p:txBody>
           <a:bodyPr>
-            <a:normAutofit lnSpcReduction="10000"/>
+            <a:noAutofit/>
           </a:bodyPr>
           <a:lstStyle/>
           <a:p>
-            <a:pPr algn="l"/>
+            <a:pPr algn="l">
+              <a:lnSpc>
+                <a:spcPct val="150000"/>
+              </a:lnSpc>
+              <a:spcBef>
+                <a:spcPts val="0"/>
+              </a:spcBef>
+            </a:pPr>
             <a:r>
               <a:rPr lang="uk-UA" dirty="0">
                 <a:solidFill>
@@ -5936,7 +5943,14 @@
             </a:r>
           </a:p>
           <a:p>
-            <a:pPr algn="l"/>
+            <a:pPr algn="l">
+              <a:lnSpc>
+                <a:spcPct val="150000"/>
+              </a:lnSpc>
+              <a:spcBef>
+                <a:spcPts val="0"/>
+              </a:spcBef>
+            </a:pPr>
             <a:r>
               <a:rPr lang="uk-UA" dirty="0">
                 <a:solidFill>
@@ -5947,7 +5961,14 @@
             </a:r>
           </a:p>
           <a:p>
-            <a:pPr algn="l"/>
+            <a:pPr algn="l">
+              <a:lnSpc>
+                <a:spcPct val="150000"/>
+              </a:lnSpc>
+              <a:spcBef>
+                <a:spcPts val="0"/>
+              </a:spcBef>
+            </a:pPr>
             <a:r>
               <a:rPr lang="uk-UA" dirty="0">
                 <a:solidFill>
@@ -5971,6 +5992,40 @@
                 </a:solidFill>
               </a:rPr>
               <a:t> В.М.</a:t>
+            </a:r>
+          </a:p>
+          <a:p>
+            <a:pPr algn="l">
+              <a:lnSpc>
+                <a:spcPct val="150000"/>
+              </a:lnSpc>
+              <a:spcBef>
+                <a:spcPts val="0"/>
+              </a:spcBef>
+            </a:pPr>
+            <a:r>
+              <a:rPr lang="uk-UA" dirty="0">
+                <a:solidFill>
+                  <a:schemeClr val="tx1"/>
+                </a:solidFill>
+              </a:rPr>
+              <a:t>Консультант: </a:t>
+            </a:r>
+            <a:r>
+              <a:rPr lang="uk-UA" dirty="0" err="1">
+                <a:solidFill>
+                  <a:schemeClr val="tx1"/>
+                </a:solidFill>
+              </a:rPr>
+              <a:t>Лебедін</a:t>
+            </a:r>
+            <a:r>
+              <a:rPr lang="uk-UA" dirty="0">
+                <a:solidFill>
+                  <a:schemeClr val="tx1"/>
+                </a:solidFill>
+              </a:rPr>
+              <a:t> Ю.С.</a:t>
             </a:r>
             <a:endParaRPr lang="en-US" dirty="0">
               <a:solidFill>

--- a/Documents/Presentation_1.pptx
+++ b/Documents/Presentation_1.pptx
@@ -7,19 +7,18 @@
   <p:sldIdLst>
     <p:sldId id="256" r:id="rId2"/>
     <p:sldId id="257" r:id="rId3"/>
-    <p:sldId id="266" r:id="rId4"/>
-    <p:sldId id="260" r:id="rId5"/>
-    <p:sldId id="259" r:id="rId6"/>
-    <p:sldId id="262" r:id="rId7"/>
-    <p:sldId id="263" r:id="rId8"/>
-    <p:sldId id="261" r:id="rId9"/>
-    <p:sldId id="270" r:id="rId10"/>
-    <p:sldId id="267" r:id="rId11"/>
-    <p:sldId id="268" r:id="rId12"/>
-    <p:sldId id="269" r:id="rId13"/>
-    <p:sldId id="264" r:id="rId14"/>
-    <p:sldId id="265" r:id="rId15"/>
-    <p:sldId id="258" r:id="rId16"/>
+    <p:sldId id="260" r:id="rId4"/>
+    <p:sldId id="259" r:id="rId5"/>
+    <p:sldId id="262" r:id="rId6"/>
+    <p:sldId id="263" r:id="rId7"/>
+    <p:sldId id="261" r:id="rId8"/>
+    <p:sldId id="270" r:id="rId9"/>
+    <p:sldId id="267" r:id="rId10"/>
+    <p:sldId id="268" r:id="rId11"/>
+    <p:sldId id="269" r:id="rId12"/>
+    <p:sldId id="264" r:id="rId13"/>
+    <p:sldId id="265" r:id="rId14"/>
+    <p:sldId id="258" r:id="rId15"/>
   </p:sldIdLst>
   <p:sldSz cx="12192000" cy="6858000"/>
   <p:notesSz cx="6858000" cy="9144000"/>
@@ -6070,337 +6069,6 @@
           <p:cNvPr id="4" name="Заголовок 1">
             <a:extLst>
               <a:ext uri="{FF2B5EF4-FFF2-40B4-BE49-F238E27FC236}">
-                <a16:creationId xmlns:a16="http://schemas.microsoft.com/office/drawing/2014/main" id="{F8243150-867F-42C4-B527-2FA91B461363}"/>
-              </a:ext>
-            </a:extLst>
-          </p:cNvPr>
-          <p:cNvSpPr txBox="1">
-            <a:spLocks/>
-          </p:cNvSpPr>
-          <p:nvPr/>
-        </p:nvSpPr>
-        <p:spPr>
-          <a:xfrm>
-            <a:off x="168676" y="238379"/>
-            <a:ext cx="9081856" cy="747042"/>
-          </a:xfrm>
-          <a:prstGeom prst="rect">
-            <a:avLst/>
-          </a:prstGeom>
-        </p:spPr>
-        <p:txBody>
-          <a:bodyPr vert="horz" lIns="91440" tIns="45720" rIns="91440" bIns="45720" rtlCol="0" anchor="t">
-            <a:normAutofit/>
-          </a:bodyPr>
-          <a:lstStyle>
-            <a:lvl1pPr algn="l" defTabSz="457200" rtl="0" eaLnBrk="1" latinLnBrk="0" hangingPunct="1">
-              <a:spcBef>
-                <a:spcPct val="0"/>
-              </a:spcBef>
-              <a:buNone/>
-              <a:defRPr sz="3600" kern="1200">
-                <a:solidFill>
-                  <a:schemeClr val="accent1"/>
-                </a:solidFill>
-                <a:latin typeface="+mj-lt"/>
-                <a:ea typeface="+mj-ea"/>
-                <a:cs typeface="+mj-cs"/>
-              </a:defRPr>
-            </a:lvl1pPr>
-            <a:lvl2pPr eaLnBrk="1" hangingPunct="1">
-              <a:defRPr>
-                <a:solidFill>
-                  <a:schemeClr val="tx2"/>
-                </a:solidFill>
-              </a:defRPr>
-            </a:lvl2pPr>
-            <a:lvl3pPr eaLnBrk="1" hangingPunct="1">
-              <a:defRPr>
-                <a:solidFill>
-                  <a:schemeClr val="tx2"/>
-                </a:solidFill>
-              </a:defRPr>
-            </a:lvl3pPr>
-            <a:lvl4pPr eaLnBrk="1" hangingPunct="1">
-              <a:defRPr>
-                <a:solidFill>
-                  <a:schemeClr val="tx2"/>
-                </a:solidFill>
-              </a:defRPr>
-            </a:lvl4pPr>
-            <a:lvl5pPr eaLnBrk="1" hangingPunct="1">
-              <a:defRPr>
-                <a:solidFill>
-                  <a:schemeClr val="tx2"/>
-                </a:solidFill>
-              </a:defRPr>
-            </a:lvl5pPr>
-            <a:lvl6pPr eaLnBrk="1" hangingPunct="1">
-              <a:defRPr>
-                <a:solidFill>
-                  <a:schemeClr val="tx2"/>
-                </a:solidFill>
-              </a:defRPr>
-            </a:lvl6pPr>
-            <a:lvl7pPr eaLnBrk="1" hangingPunct="1">
-              <a:defRPr>
-                <a:solidFill>
-                  <a:schemeClr val="tx2"/>
-                </a:solidFill>
-              </a:defRPr>
-            </a:lvl7pPr>
-            <a:lvl8pPr eaLnBrk="1" hangingPunct="1">
-              <a:defRPr>
-                <a:solidFill>
-                  <a:schemeClr val="tx2"/>
-                </a:solidFill>
-              </a:defRPr>
-            </a:lvl8pPr>
-            <a:lvl9pPr eaLnBrk="1" hangingPunct="1">
-              <a:defRPr>
-                <a:solidFill>
-                  <a:schemeClr val="tx2"/>
-                </a:solidFill>
-              </a:defRPr>
-            </a:lvl9pPr>
-          </a:lstStyle>
-          <a:p>
-            <a:r>
-              <a:rPr lang="uk-UA" dirty="0">
-                <a:solidFill>
-                  <a:srgbClr val="0070C0"/>
-                </a:solidFill>
-              </a:rPr>
-              <a:t>Кластеризація методом</a:t>
-            </a:r>
-            <a:r>
-              <a:rPr lang="en-US" dirty="0">
-                <a:solidFill>
-                  <a:srgbClr val="0070C0"/>
-                </a:solidFill>
-              </a:rPr>
-              <a:t> k-mods</a:t>
-            </a:r>
-            <a:r>
-              <a:rPr lang="uk-UA" dirty="0">
-                <a:solidFill>
-                  <a:srgbClr val="0070C0"/>
-                </a:solidFill>
-              </a:rPr>
-              <a:t> </a:t>
-            </a:r>
-          </a:p>
-        </p:txBody>
-      </p:sp>
-      <p:sp>
-        <p:nvSpPr>
-          <p:cNvPr id="6" name="TextBox 5">
-            <a:extLst>
-              <a:ext uri="{FF2B5EF4-FFF2-40B4-BE49-F238E27FC236}">
-                <a16:creationId xmlns:a16="http://schemas.microsoft.com/office/drawing/2014/main" id="{D8491B23-FE99-4CA6-9814-A95E9575423B}"/>
-              </a:ext>
-            </a:extLst>
-          </p:cNvPr>
-          <p:cNvSpPr txBox="1"/>
-          <p:nvPr/>
-        </p:nvSpPr>
-        <p:spPr>
-          <a:xfrm>
-            <a:off x="759038" y="4539093"/>
-            <a:ext cx="8491493" cy="1703480"/>
-          </a:xfrm>
-          <a:prstGeom prst="rect">
-            <a:avLst/>
-          </a:prstGeom>
-          <a:noFill/>
-        </p:spPr>
-        <p:txBody>
-          <a:bodyPr wrap="square">
-            <a:spAutoFit/>
-          </a:bodyPr>
-          <a:lstStyle/>
-          <a:p>
-            <a:pPr algn="just">
-              <a:lnSpc>
-                <a:spcPct val="150000"/>
-              </a:lnSpc>
-            </a:pPr>
-            <a:r>
-              <a:rPr lang="uk-UA" dirty="0"/>
-              <a:t>	</a:t>
-            </a:r>
-            <a:r>
-              <a:rPr lang="en-US" dirty="0"/>
-              <a:t>k-modes</a:t>
-            </a:r>
-            <a:r>
-              <a:rPr lang="uk-UA" dirty="0"/>
-              <a:t> – це алгоритм, який базується на алгоритмі </a:t>
-            </a:r>
-            <a:r>
-              <a:rPr lang="en-US" dirty="0"/>
-              <a:t>k-</a:t>
-            </a:r>
-            <a:r>
-              <a:rPr lang="uk-UA" dirty="0"/>
-              <a:t>середніх і використовується для кластеризації даних на основі якісних змінних.</a:t>
-            </a:r>
-          </a:p>
-          <a:p>
-            <a:pPr algn="just">
-              <a:lnSpc>
-                <a:spcPct val="150000"/>
-              </a:lnSpc>
-            </a:pPr>
-            <a:r>
-              <a:rPr lang="uk-UA" dirty="0"/>
-              <a:t>	</a:t>
-            </a:r>
-            <a:r>
-              <a:rPr lang="en-US" dirty="0"/>
-              <a:t>k-modes </a:t>
-            </a:r>
-            <a:r>
-              <a:rPr lang="uk-UA" dirty="0"/>
-              <a:t>визначає кластери на основі відповідності категорій між точками даних.</a:t>
-            </a:r>
-            <a:endParaRPr lang="en-US" dirty="0"/>
-          </a:p>
-        </p:txBody>
-      </p:sp>
-      <p:sp>
-        <p:nvSpPr>
-          <p:cNvPr id="8" name="TextBox 7">
-            <a:extLst>
-              <a:ext uri="{FF2B5EF4-FFF2-40B4-BE49-F238E27FC236}">
-                <a16:creationId xmlns:a16="http://schemas.microsoft.com/office/drawing/2014/main" id="{18852229-13C1-495A-8A2F-9EFD183EDC50}"/>
-              </a:ext>
-            </a:extLst>
-          </p:cNvPr>
-          <p:cNvSpPr txBox="1"/>
-          <p:nvPr/>
-        </p:nvSpPr>
-        <p:spPr>
-          <a:xfrm>
-            <a:off x="759040" y="894524"/>
-            <a:ext cx="8491492" cy="2534476"/>
-          </a:xfrm>
-          <a:prstGeom prst="rect">
-            <a:avLst/>
-          </a:prstGeom>
-          <a:noFill/>
-        </p:spPr>
-        <p:txBody>
-          <a:bodyPr wrap="square">
-            <a:spAutoFit/>
-          </a:bodyPr>
-          <a:lstStyle/>
-          <a:p>
-            <a:pPr>
-              <a:lnSpc>
-                <a:spcPct val="150000"/>
-              </a:lnSpc>
-            </a:pPr>
-            <a:r>
-              <a:rPr lang="uk-UA" dirty="0"/>
-              <a:t>	k-середніх – це популярний алгоритм кластеризації на основі </a:t>
-            </a:r>
-            <a:r>
-              <a:rPr lang="uk-UA" dirty="0" err="1"/>
-              <a:t>центроїдів</a:t>
-            </a:r>
-            <a:r>
-              <a:rPr lang="uk-UA" dirty="0"/>
-              <a:t>, який розділяє дані представлені у вигляді точок на k кластерів, кожен із яких має майже рівну кількість цих точок. Ідея цього алгоритму кластеризації полягає в тому, щоб знайти k </a:t>
-            </a:r>
-            <a:r>
-              <a:rPr lang="uk-UA" dirty="0" err="1"/>
-              <a:t>центроїдних</a:t>
-            </a:r>
-            <a:r>
-              <a:rPr lang="uk-UA" dirty="0"/>
-              <a:t> точок, де кожна точка з набору даних буде належати будь-якій з k-множин, що мають мінімальну евклідову відстань.</a:t>
-            </a:r>
-            <a:endParaRPr lang="en-US" dirty="0"/>
-          </a:p>
-        </p:txBody>
-      </p:sp>
-      <p:sp>
-        <p:nvSpPr>
-          <p:cNvPr id="10" name="TextBox 9">
-            <a:extLst>
-              <a:ext uri="{FF2B5EF4-FFF2-40B4-BE49-F238E27FC236}">
-                <a16:creationId xmlns:a16="http://schemas.microsoft.com/office/drawing/2014/main" id="{74BC541C-C498-4CE4-9632-8BCE4BDC9799}"/>
-              </a:ext>
-            </a:extLst>
-          </p:cNvPr>
-          <p:cNvSpPr txBox="1"/>
-          <p:nvPr/>
-        </p:nvSpPr>
-        <p:spPr>
-          <a:xfrm>
-            <a:off x="759039" y="3339888"/>
-            <a:ext cx="8491492" cy="1287981"/>
-          </a:xfrm>
-          <a:prstGeom prst="rect">
-            <a:avLst/>
-          </a:prstGeom>
-          <a:noFill/>
-        </p:spPr>
-        <p:txBody>
-          <a:bodyPr wrap="square">
-            <a:spAutoFit/>
-          </a:bodyPr>
-          <a:lstStyle/>
-          <a:p>
-            <a:pPr algn="just">
-              <a:lnSpc>
-                <a:spcPct val="150000"/>
-              </a:lnSpc>
-            </a:pPr>
-            <a:r>
-              <a:rPr lang="uk-UA" dirty="0"/>
-              <a:t>	Алгоритм k-середніх не застосовується до даних з якісними змінними, оскільки якісні змінні є дискретними і не мають природного походження. Отже, обчислення евклідової відстані для такого простору, не має сенсу.</a:t>
-            </a:r>
-            <a:endParaRPr lang="en-US" dirty="0"/>
-          </a:p>
-        </p:txBody>
-      </p:sp>
-    </p:spTree>
-    <p:extLst>
-      <p:ext uri="{BB962C8B-B14F-4D97-AF65-F5344CB8AC3E}">
-        <p14:creationId xmlns:p14="http://schemas.microsoft.com/office/powerpoint/2010/main" val="2444979819"/>
-      </p:ext>
-    </p:extLst>
-  </p:cSld>
-  <p:clrMapOvr>
-    <a:masterClrMapping/>
-  </p:clrMapOvr>
-</p:sld>
-</file>
-
-<file path=ppt/slides/slide11.xml><?xml version="1.0" encoding="utf-8"?>
-<p:sld xmlns:a="http://schemas.openxmlformats.org/drawingml/2006/main" xmlns:r="http://schemas.openxmlformats.org/officeDocument/2006/relationships" xmlns:p="http://schemas.openxmlformats.org/presentationml/2006/main">
-  <p:cSld>
-    <p:spTree>
-      <p:nvGrpSpPr>
-        <p:cNvPr id="1" name=""/>
-        <p:cNvGrpSpPr/>
-        <p:nvPr/>
-      </p:nvGrpSpPr>
-      <p:grpSpPr>
-        <a:xfrm>
-          <a:off x="0" y="0"/>
-          <a:ext cx="0" cy="0"/>
-          <a:chOff x="0" y="0"/>
-          <a:chExt cx="0" cy="0"/>
-        </a:xfrm>
-      </p:grpSpPr>
-      <p:sp>
-        <p:nvSpPr>
-          <p:cNvPr id="4" name="Заголовок 1">
-            <a:extLst>
-              <a:ext uri="{FF2B5EF4-FFF2-40B4-BE49-F238E27FC236}">
                 <a16:creationId xmlns:a16="http://schemas.microsoft.com/office/drawing/2014/main" id="{E921E96E-5F6E-4A6E-A0C7-F31C33B147FD}"/>
               </a:ext>
             </a:extLst>
@@ -6509,10 +6177,10 @@
       </p:sp>
       <p:pic>
         <p:nvPicPr>
-          <p:cNvPr id="5" name="Рисунок 4">
+          <p:cNvPr id="7" name="Рисунок 6">
             <a:extLst>
               <a:ext uri="{FF2B5EF4-FFF2-40B4-BE49-F238E27FC236}">
-                <a16:creationId xmlns:a16="http://schemas.microsoft.com/office/drawing/2014/main" id="{7571CBAA-A9B6-45BC-A980-92F3E0CF083B}"/>
+                <a16:creationId xmlns:a16="http://schemas.microsoft.com/office/drawing/2014/main" id="{DDE54055-5808-4268-8740-EADE8120D3F8}"/>
               </a:ext>
             </a:extLst>
           </p:cNvPr>
@@ -6529,8 +6197,8 @@
         </p:blipFill>
         <p:spPr>
           <a:xfrm>
-            <a:off x="500103" y="1510552"/>
-            <a:ext cx="11191793" cy="4280648"/>
+            <a:off x="433374" y="1254124"/>
+            <a:ext cx="11325252" cy="4349751"/>
           </a:xfrm>
           <a:prstGeom prst="rect">
             <a:avLst/>
@@ -6550,7 +6218,7 @@
 </p:sld>
 </file>
 
-<file path=ppt/slides/slide12.xml><?xml version="1.0" encoding="utf-8"?>
+<file path=ppt/slides/slide11.xml><?xml version="1.0" encoding="utf-8"?>
 <p:sld xmlns:a="http://schemas.openxmlformats.org/drawingml/2006/main" xmlns:r="http://schemas.openxmlformats.org/officeDocument/2006/relationships" xmlns:p="http://schemas.openxmlformats.org/presentationml/2006/main">
   <p:cSld>
     <p:spTree>
@@ -8649,7 +8317,7 @@
 </p:sld>
 </file>
 
-<file path=ppt/slides/slide13.xml><?xml version="1.0" encoding="utf-8"?>
+<file path=ppt/slides/slide12.xml><?xml version="1.0" encoding="utf-8"?>
 <p:sld xmlns:a="http://schemas.openxmlformats.org/drawingml/2006/main" xmlns:r="http://schemas.openxmlformats.org/officeDocument/2006/relationships" xmlns:p="http://schemas.openxmlformats.org/presentationml/2006/main">
   <p:cSld>
     <p:spTree>
@@ -9098,7 +8766,7 @@
 </p:sld>
 </file>
 
-<file path=ppt/slides/slide14.xml><?xml version="1.0" encoding="utf-8"?>
+<file path=ppt/slides/slide13.xml><?xml version="1.0" encoding="utf-8"?>
 <p:sld xmlns:a="http://schemas.openxmlformats.org/drawingml/2006/main" xmlns:r="http://schemas.openxmlformats.org/officeDocument/2006/relationships" xmlns:p="http://schemas.openxmlformats.org/presentationml/2006/main">
   <p:cSld>
     <p:spTree>
@@ -9375,7 +9043,7 @@
 </p:sld>
 </file>
 
-<file path=ppt/slides/slide15.xml><?xml version="1.0" encoding="utf-8"?>
+<file path=ppt/slides/slide14.xml><?xml version="1.0" encoding="utf-8"?>
 <p:sld xmlns:a="http://schemas.openxmlformats.org/drawingml/2006/main" xmlns:r="http://schemas.openxmlformats.org/officeDocument/2006/relationships" xmlns:p="http://schemas.openxmlformats.org/presentationml/2006/main">
   <p:cSld>
     <p:spTree>
@@ -9536,10 +9204,10 @@
       </p:grpSpPr>
       <p:grpSp>
         <p:nvGrpSpPr>
-          <p:cNvPr id="16" name="Групувати 15">
+          <p:cNvPr id="2" name="Групувати 1">
             <a:extLst>
               <a:ext uri="{FF2B5EF4-FFF2-40B4-BE49-F238E27FC236}">
-                <a16:creationId xmlns:a16="http://schemas.microsoft.com/office/drawing/2014/main" id="{98AE3333-F867-4559-BACB-59C54F10B023}"/>
+                <a16:creationId xmlns:a16="http://schemas.microsoft.com/office/drawing/2014/main" id="{C5168138-2027-4F5F-A20D-87B59F15ACAD}"/>
               </a:ext>
             </a:extLst>
           </p:cNvPr>
@@ -9548,24 +9216,18 @@
         </p:nvGrpSpPr>
         <p:grpSpPr>
           <a:xfrm>
-            <a:off x="611849" y="1993037"/>
-            <a:ext cx="2344415" cy="2050742"/>
-            <a:chOff x="274760" y="745722"/>
-            <a:chExt cx="2344415" cy="2050742"/>
+            <a:off x="1077850" y="1404271"/>
+            <a:ext cx="3304197" cy="2926080"/>
+            <a:chOff x="611031" y="1842560"/>
+            <a:chExt cx="3867695" cy="3538270"/>
           </a:xfrm>
-          <a:solidFill>
-            <a:schemeClr val="accent6">
-              <a:lumMod val="40000"/>
-              <a:lumOff val="60000"/>
-            </a:schemeClr>
-          </a:solidFill>
         </p:grpSpPr>
         <p:sp>
           <p:nvSpPr>
-            <p:cNvPr id="15" name="Рівнобедрений трикутник 14">
+            <p:cNvPr id="18" name="Рівнобедрений трикутник 17">
               <a:extLst>
                 <a:ext uri="{FF2B5EF4-FFF2-40B4-BE49-F238E27FC236}">
-                  <a16:creationId xmlns:a16="http://schemas.microsoft.com/office/drawing/2014/main" id="{9A81FE2B-AA4C-4D38-BEB8-3EC43A688660}"/>
+                  <a16:creationId xmlns:a16="http://schemas.microsoft.com/office/drawing/2014/main" id="{A2EEE9CC-E698-4A5C-B4A5-447476C6E623}"/>
                 </a:ext>
               </a:extLst>
             </p:cNvPr>
@@ -9573,14 +9235,19 @@
             <p:nvPr/>
           </p:nvSpPr>
           <p:spPr>
-            <a:xfrm rot="6555288">
-              <a:off x="1894949" y="1891302"/>
-              <a:ext cx="892171" cy="556281"/>
+            <a:xfrm rot="5400000">
+              <a:off x="3315947" y="3143120"/>
+              <a:ext cx="1451957" cy="873601"/>
             </a:xfrm>
             <a:prstGeom prst="triangle">
               <a:avLst/>
             </a:prstGeom>
-            <a:grpFill/>
+            <a:solidFill>
+              <a:schemeClr val="accent6">
+                <a:lumMod val="40000"/>
+                <a:lumOff val="60000"/>
+              </a:schemeClr>
+            </a:solidFill>
             <a:ln>
               <a:solidFill>
                 <a:schemeClr val="accent4">
@@ -9628,13 +9295,18 @@
           </p:nvSpPr>
           <p:spPr>
             <a:xfrm>
-              <a:off x="274760" y="745722"/>
-              <a:ext cx="2104007" cy="2050742"/>
+              <a:off x="611031" y="1842560"/>
+              <a:ext cx="3425094" cy="3538270"/>
             </a:xfrm>
             <a:prstGeom prst="ellipse">
               <a:avLst/>
             </a:prstGeom>
-            <a:grpFill/>
+            <a:solidFill>
+              <a:schemeClr val="accent6">
+                <a:lumMod val="40000"/>
+                <a:lumOff val="60000"/>
+              </a:schemeClr>
+            </a:solidFill>
             <a:ln>
               <a:solidFill>
                 <a:schemeClr val="accent4">
@@ -9690,10 +9362,10 @@
         </p:nvGrpSpPr>
         <p:grpSpPr>
           <a:xfrm>
-            <a:off x="7186873" y="1895382"/>
-            <a:ext cx="2451317" cy="2135080"/>
-            <a:chOff x="7700299" y="1025371"/>
-            <a:chExt cx="2451317" cy="2135080"/>
+            <a:off x="5381546" y="1404271"/>
+            <a:ext cx="3541803" cy="2926080"/>
+            <a:chOff x="7681042" y="1109709"/>
+            <a:chExt cx="2255307" cy="1797962"/>
           </a:xfrm>
         </p:grpSpPr>
         <p:sp>
@@ -9709,8 +9381,8 @@
             <p:nvPr/>
           </p:nvSpPr>
           <p:spPr>
-            <a:xfrm rot="14655863">
-              <a:off x="7532354" y="2297555"/>
+            <a:xfrm rot="16200000">
+              <a:off x="7513097" y="1714403"/>
               <a:ext cx="892171" cy="556281"/>
             </a:xfrm>
             <a:prstGeom prst="triangle">
@@ -9769,10 +9441,10 @@
           </p:nvGrpSpPr>
           <p:grpSpPr>
             <a:xfrm>
-              <a:off x="7911485" y="1025371"/>
-              <a:ext cx="2240131" cy="2135080"/>
-              <a:chOff x="6846164" y="1877627"/>
-              <a:chExt cx="2240131" cy="2135080"/>
+              <a:off x="7911485" y="1109709"/>
+              <a:ext cx="2024864" cy="1797962"/>
+              <a:chOff x="6846164" y="1961965"/>
+              <a:chExt cx="2024864" cy="1797962"/>
             </a:xfrm>
           </p:grpSpPr>
           <p:sp>
@@ -9790,7 +9462,7 @@
             <p:spPr>
               <a:xfrm>
                 <a:off x="6846164" y="1961965"/>
-                <a:ext cx="2104007" cy="2050742"/>
+                <a:ext cx="1863234" cy="1797962"/>
               </a:xfrm>
               <a:prstGeom prst="ellipse">
                 <a:avLst/>
@@ -9855,8 +9527,8 @@
             </p:nvSpPr>
             <p:spPr>
               <a:xfrm>
-                <a:off x="8171895" y="1877627"/>
-                <a:ext cx="914400" cy="914400"/>
+                <a:off x="8163125" y="1961965"/>
+                <a:ext cx="707903" cy="699201"/>
               </a:xfrm>
               <a:prstGeom prst="star8">
                 <a:avLst/>
@@ -9909,8 +9581,8 @@
         </p:nvSpPr>
         <p:spPr>
           <a:xfrm>
-            <a:off x="2758737" y="1393793"/>
-            <a:ext cx="4572000" cy="4572000"/>
+            <a:off x="4217634" y="2181688"/>
+            <a:ext cx="1371600" cy="1371600"/>
           </a:xfrm>
           <a:prstGeom prst="ellipse">
             <a:avLst/>
@@ -9943,7 +9615,7 @@
           <a:p>
             <a:pPr algn="ctr"/>
             <a:r>
-              <a:rPr lang="en-US" sz="3200" dirty="0"/>
+              <a:rPr lang="en-US" sz="1200" dirty="0"/>
               <a:t>SARS-CoV-2</a:t>
             </a:r>
           </a:p>
@@ -10055,187 +9727,17 @@
                   <a:srgbClr val="0070C0"/>
                 </a:solidFill>
               </a:rPr>
-              <a:t>Модель приєднання антитіл в </a:t>
-            </a:r>
-            <a:r>
-              <a:rPr lang="en-US" dirty="0">
-                <a:solidFill>
-                  <a:srgbClr val="0070C0"/>
-                </a:solidFill>
-              </a:rPr>
-              <a:t>2D</a:t>
-            </a:r>
-            <a:endParaRPr lang="uk-UA" dirty="0">
-              <a:solidFill>
-                <a:srgbClr val="0070C0"/>
-              </a:solidFill>
-            </a:endParaRPr>
-          </a:p>
-        </p:txBody>
-      </p:sp>
-    </p:spTree>
-    <p:extLst>
-      <p:ext uri="{BB962C8B-B14F-4D97-AF65-F5344CB8AC3E}">
-        <p14:creationId xmlns:p14="http://schemas.microsoft.com/office/powerpoint/2010/main" val="1585807733"/>
-      </p:ext>
-    </p:extLst>
-  </p:cSld>
-  <p:clrMapOvr>
-    <a:masterClrMapping/>
-  </p:clrMapOvr>
-</p:sld>
-</file>
-
-<file path=ppt/slides/slide3.xml><?xml version="1.0" encoding="utf-8"?>
-<p:sld xmlns:a="http://schemas.openxmlformats.org/drawingml/2006/main" xmlns:r="http://schemas.openxmlformats.org/officeDocument/2006/relationships" xmlns:p="http://schemas.openxmlformats.org/presentationml/2006/main">
-  <p:cSld>
-    <p:spTree>
-      <p:nvGrpSpPr>
-        <p:cNvPr id="1" name=""/>
-        <p:cNvGrpSpPr/>
-        <p:nvPr/>
-      </p:nvGrpSpPr>
-      <p:grpSpPr>
-        <a:xfrm>
-          <a:off x="0" y="0"/>
-          <a:ext cx="0" cy="0"/>
-          <a:chOff x="0" y="0"/>
-          <a:chExt cx="0" cy="0"/>
-        </a:xfrm>
-      </p:grpSpPr>
-      <p:sp>
-        <p:nvSpPr>
-          <p:cNvPr id="4" name="Заголовок 1">
-            <a:extLst>
-              <a:ext uri="{FF2B5EF4-FFF2-40B4-BE49-F238E27FC236}">
-                <a16:creationId xmlns:a16="http://schemas.microsoft.com/office/drawing/2014/main" id="{731C0259-F45C-4647-9AA3-48CE6E93887F}"/>
-              </a:ext>
-            </a:extLst>
-          </p:cNvPr>
-          <p:cNvSpPr txBox="1">
-            <a:spLocks/>
-          </p:cNvSpPr>
-          <p:nvPr/>
-        </p:nvSpPr>
-        <p:spPr>
-          <a:xfrm>
-            <a:off x="168676" y="238378"/>
-            <a:ext cx="9081856" cy="1190925"/>
-          </a:xfrm>
-          <a:prstGeom prst="rect">
-            <a:avLst/>
-          </a:prstGeom>
-        </p:spPr>
-        <p:txBody>
-          <a:bodyPr vert="horz" lIns="91440" tIns="45720" rIns="91440" bIns="45720" rtlCol="0" anchor="t">
-            <a:noAutofit/>
-          </a:bodyPr>
-          <a:lstStyle>
-            <a:lvl1pPr algn="l" defTabSz="457200" rtl="0" eaLnBrk="1" latinLnBrk="0" hangingPunct="1">
-              <a:spcBef>
-                <a:spcPct val="0"/>
-              </a:spcBef>
-              <a:buNone/>
-              <a:defRPr sz="3600" kern="1200">
-                <a:solidFill>
-                  <a:schemeClr val="accent1"/>
-                </a:solidFill>
-                <a:latin typeface="+mj-lt"/>
-                <a:ea typeface="+mj-ea"/>
-                <a:cs typeface="+mj-cs"/>
-              </a:defRPr>
-            </a:lvl1pPr>
-            <a:lvl2pPr eaLnBrk="1" hangingPunct="1">
-              <a:defRPr>
-                <a:solidFill>
-                  <a:schemeClr val="tx2"/>
-                </a:solidFill>
-              </a:defRPr>
-            </a:lvl2pPr>
-            <a:lvl3pPr eaLnBrk="1" hangingPunct="1">
-              <a:defRPr>
-                <a:solidFill>
-                  <a:schemeClr val="tx2"/>
-                </a:solidFill>
-              </a:defRPr>
-            </a:lvl3pPr>
-            <a:lvl4pPr eaLnBrk="1" hangingPunct="1">
-              <a:defRPr>
-                <a:solidFill>
-                  <a:schemeClr val="tx2"/>
-                </a:solidFill>
-              </a:defRPr>
-            </a:lvl4pPr>
-            <a:lvl5pPr eaLnBrk="1" hangingPunct="1">
-              <a:defRPr>
-                <a:solidFill>
-                  <a:schemeClr val="tx2"/>
-                </a:solidFill>
-              </a:defRPr>
-            </a:lvl5pPr>
-            <a:lvl6pPr eaLnBrk="1" hangingPunct="1">
-              <a:defRPr>
-                <a:solidFill>
-                  <a:schemeClr val="tx2"/>
-                </a:solidFill>
-              </a:defRPr>
-            </a:lvl6pPr>
-            <a:lvl7pPr eaLnBrk="1" hangingPunct="1">
-              <a:defRPr>
-                <a:solidFill>
-                  <a:schemeClr val="tx2"/>
-                </a:solidFill>
-              </a:defRPr>
-            </a:lvl7pPr>
-            <a:lvl8pPr eaLnBrk="1" hangingPunct="1">
-              <a:defRPr>
-                <a:solidFill>
-                  <a:schemeClr val="tx2"/>
-                </a:solidFill>
-              </a:defRPr>
-            </a:lvl8pPr>
-            <a:lvl9pPr eaLnBrk="1" hangingPunct="1">
-              <a:defRPr>
-                <a:solidFill>
-                  <a:schemeClr val="tx2"/>
-                </a:solidFill>
-              </a:defRPr>
-            </a:lvl9pPr>
-          </a:lstStyle>
-          <a:p>
-            <a:r>
-              <a:rPr lang="uk-UA" dirty="0">
-                <a:solidFill>
-                  <a:srgbClr val="0070C0"/>
-                </a:solidFill>
-              </a:rPr>
-              <a:t>Модель приєднання антитіл</a:t>
-            </a:r>
-            <a:r>
-              <a:rPr lang="en-US" dirty="0">
-                <a:solidFill>
-                  <a:srgbClr val="0070C0"/>
-                </a:solidFill>
-              </a:rPr>
-              <a:t> </a:t>
-            </a:r>
-            <a:r>
-              <a:rPr lang="uk-UA" dirty="0">
-                <a:solidFill>
-                  <a:srgbClr val="0070C0"/>
-                </a:solidFill>
-              </a:rPr>
-              <a:t>в лінійному вигляді</a:t>
+              <a:t>Моделі приєднання антитіл</a:t>
             </a:r>
           </a:p>
         </p:txBody>
       </p:sp>
       <p:cxnSp>
         <p:nvCxnSpPr>
-          <p:cNvPr id="8" name="Пряма сполучна лінія 7">
+          <p:cNvPr id="23" name="Пряма сполучна лінія 22">
             <a:extLst>
               <a:ext uri="{FF2B5EF4-FFF2-40B4-BE49-F238E27FC236}">
-                <a16:creationId xmlns:a16="http://schemas.microsoft.com/office/drawing/2014/main" id="{39BBCCE0-BB31-45B3-8715-DE9B78895044}"/>
+                <a16:creationId xmlns:a16="http://schemas.microsoft.com/office/drawing/2014/main" id="{3A5A3826-0206-4122-A9D7-6D6EB0C8C4E3}"/>
               </a:ext>
             </a:extLst>
           </p:cNvPr>
@@ -10246,7 +9748,7 @@
         </p:nvCxnSpPr>
         <p:spPr>
           <a:xfrm>
-            <a:off x="408373" y="3429000"/>
+            <a:off x="416839" y="5343648"/>
             <a:ext cx="9081856" cy="0"/>
           </a:xfrm>
           <a:prstGeom prst="line">
@@ -10271,10 +9773,10 @@
       </p:cxnSp>
       <p:sp>
         <p:nvSpPr>
-          <p:cNvPr id="14" name="Рівнобедрений трикутник 13">
+          <p:cNvPr id="24" name="Рівнобедрений трикутник 23">
             <a:extLst>
               <a:ext uri="{FF2B5EF4-FFF2-40B4-BE49-F238E27FC236}">
-                <a16:creationId xmlns:a16="http://schemas.microsoft.com/office/drawing/2014/main" id="{2830652C-2385-4A25-8EE2-2B7696CCBD0C}"/>
+                <a16:creationId xmlns:a16="http://schemas.microsoft.com/office/drawing/2014/main" id="{F5F0F492-6A75-4B8A-BEB0-EAA514E0308A}"/>
               </a:ext>
             </a:extLst>
           </p:cNvPr>
@@ -10283,7 +9785,7 @@
         </p:nvSpPr>
         <p:spPr>
           <a:xfrm>
-            <a:off x="5629923" y="3462946"/>
+            <a:off x="5638389" y="5377594"/>
             <a:ext cx="850776" cy="605885"/>
           </a:xfrm>
           <a:prstGeom prst="triangle">
@@ -10320,10 +9822,10 @@
       </p:sp>
       <p:sp>
         <p:nvSpPr>
-          <p:cNvPr id="15" name="Рівнобедрений трикутник 14">
+          <p:cNvPr id="25" name="Рівнобедрений трикутник 24">
             <a:extLst>
               <a:ext uri="{FF2B5EF4-FFF2-40B4-BE49-F238E27FC236}">
-                <a16:creationId xmlns:a16="http://schemas.microsoft.com/office/drawing/2014/main" id="{7E07FD74-05F6-4F9E-8F53-B69F831C8D62}"/>
+                <a16:creationId xmlns:a16="http://schemas.microsoft.com/office/drawing/2014/main" id="{D9EE0531-C284-4101-AF52-91A71A3E5D24}"/>
               </a:ext>
             </a:extLst>
           </p:cNvPr>
@@ -10332,7 +9834,7 @@
         </p:nvSpPr>
         <p:spPr>
           <a:xfrm>
-            <a:off x="926238" y="3462945"/>
+            <a:off x="934704" y="5377593"/>
             <a:ext cx="850776" cy="605885"/>
           </a:xfrm>
           <a:prstGeom prst="triangle">
@@ -10369,10 +9871,10 @@
       </p:sp>
       <p:sp>
         <p:nvSpPr>
-          <p:cNvPr id="12" name="Прямокутник 11">
+          <p:cNvPr id="26" name="Прямокутник 25">
             <a:extLst>
               <a:ext uri="{FF2B5EF4-FFF2-40B4-BE49-F238E27FC236}">
-                <a16:creationId xmlns:a16="http://schemas.microsoft.com/office/drawing/2014/main" id="{FADE6023-F489-4FE9-B617-75425E4B538B}"/>
+                <a16:creationId xmlns:a16="http://schemas.microsoft.com/office/drawing/2014/main" id="{F5A8AADB-2022-45C9-A366-8953C39D41DF}"/>
               </a:ext>
             </a:extLst>
           </p:cNvPr>
@@ -10381,7 +9883,7 @@
         </p:nvSpPr>
         <p:spPr>
           <a:xfrm>
-            <a:off x="408373" y="3114493"/>
+            <a:off x="416839" y="5029141"/>
             <a:ext cx="2991775" cy="275205"/>
           </a:xfrm>
           <a:prstGeom prst="rect">
@@ -10435,10 +9937,10 @@
       </p:sp>
       <p:sp>
         <p:nvSpPr>
-          <p:cNvPr id="17" name="Прямокутник 16">
+          <p:cNvPr id="27" name="Прямокутник 26">
             <a:extLst>
               <a:ext uri="{FF2B5EF4-FFF2-40B4-BE49-F238E27FC236}">
-                <a16:creationId xmlns:a16="http://schemas.microsoft.com/office/drawing/2014/main" id="{C3EA8561-6F7A-4027-8EBC-6F060EE1ABEA}"/>
+                <a16:creationId xmlns:a16="http://schemas.microsoft.com/office/drawing/2014/main" id="{CBDEDFB9-9C8B-4E2C-8D08-872F14A98EA2}"/>
               </a:ext>
             </a:extLst>
           </p:cNvPr>
@@ -10447,7 +9949,7 @@
         </p:nvSpPr>
         <p:spPr>
           <a:xfrm>
-            <a:off x="3400148" y="3114493"/>
+            <a:off x="3408614" y="5029141"/>
             <a:ext cx="2334827" cy="275205"/>
           </a:xfrm>
           <a:prstGeom prst="rect">
@@ -10501,10 +10003,10 @@
       </p:sp>
       <p:sp>
         <p:nvSpPr>
-          <p:cNvPr id="18" name="Прямокутник 17">
+          <p:cNvPr id="28" name="Прямокутник 27">
             <a:extLst>
               <a:ext uri="{FF2B5EF4-FFF2-40B4-BE49-F238E27FC236}">
-                <a16:creationId xmlns:a16="http://schemas.microsoft.com/office/drawing/2014/main" id="{C2407A93-6FF6-477A-B6ED-7E40D5E4082A}"/>
+                <a16:creationId xmlns:a16="http://schemas.microsoft.com/office/drawing/2014/main" id="{65ECDD3E-4D75-4887-8EDA-79FAAF39BB46}"/>
               </a:ext>
             </a:extLst>
           </p:cNvPr>
@@ -10513,7 +10015,7 @@
         </p:nvSpPr>
         <p:spPr>
           <a:xfrm>
-            <a:off x="5734975" y="3114493"/>
+            <a:off x="5743441" y="5029141"/>
             <a:ext cx="3755254" cy="275205"/>
           </a:xfrm>
           <a:prstGeom prst="rect">
@@ -10568,7 +10070,7 @@
     </p:spTree>
     <p:extLst>
       <p:ext uri="{BB962C8B-B14F-4D97-AF65-F5344CB8AC3E}">
-        <p14:creationId xmlns:p14="http://schemas.microsoft.com/office/powerpoint/2010/main" val="3336302290"/>
+        <p14:creationId xmlns:p14="http://schemas.microsoft.com/office/powerpoint/2010/main" val="1585807733"/>
       </p:ext>
     </p:extLst>
   </p:cSld>
@@ -10578,7 +10080,7 @@
 </p:sld>
 </file>
 
-<file path=ppt/slides/slide4.xml><?xml version="1.0" encoding="utf-8"?>
+<file path=ppt/slides/slide3.xml><?xml version="1.0" encoding="utf-8"?>
 <p:sld xmlns:a="http://schemas.openxmlformats.org/drawingml/2006/main" xmlns:r="http://schemas.openxmlformats.org/officeDocument/2006/relationships" xmlns:p="http://schemas.openxmlformats.org/presentationml/2006/main">
   <p:cSld>
     <p:spTree>
@@ -10749,7 +10251,7 @@
 </p:sld>
 </file>
 
-<file path=ppt/slides/slide5.xml><?xml version="1.0" encoding="utf-8"?>
+<file path=ppt/slides/slide4.xml><?xml version="1.0" encoding="utf-8"?>
 <p:sld xmlns:a="http://schemas.openxmlformats.org/drawingml/2006/main" xmlns:r="http://schemas.openxmlformats.org/officeDocument/2006/relationships" xmlns:p="http://schemas.openxmlformats.org/presentationml/2006/main">
   <p:cSld>
     <p:spTree>
@@ -11304,7 +10806,7 @@
 </p:sld>
 </file>
 
-<file path=ppt/slides/slide6.xml><?xml version="1.0" encoding="utf-8"?>
+<file path=ppt/slides/slide5.xml><?xml version="1.0" encoding="utf-8"?>
 <p:sld xmlns:a="http://schemas.openxmlformats.org/drawingml/2006/main" xmlns:r="http://schemas.openxmlformats.org/officeDocument/2006/relationships" xmlns:p="http://schemas.openxmlformats.org/presentationml/2006/main">
   <p:cSld>
     <p:spTree>
@@ -11434,10 +10936,10 @@
       </p:sp>
       <p:pic>
         <p:nvPicPr>
-          <p:cNvPr id="9" name="Рисунок 8">
+          <p:cNvPr id="6" name="Рисунок 5">
             <a:extLst>
               <a:ext uri="{FF2B5EF4-FFF2-40B4-BE49-F238E27FC236}">
-                <a16:creationId xmlns:a16="http://schemas.microsoft.com/office/drawing/2014/main" id="{C63CA522-D2C1-4467-B67F-E8C1CC5D158A}"/>
+                <a16:creationId xmlns:a16="http://schemas.microsoft.com/office/drawing/2014/main" id="{0A0933CA-83F6-466B-A248-733FCBDF879E}"/>
               </a:ext>
             </a:extLst>
           </p:cNvPr>
@@ -11454,8 +10956,8 @@
         </p:blipFill>
         <p:spPr>
           <a:xfrm>
-            <a:off x="523875" y="1371599"/>
-            <a:ext cx="10871262" cy="4141433"/>
+            <a:off x="640200" y="1195204"/>
+            <a:ext cx="10911599" cy="4467591"/>
           </a:xfrm>
           <a:prstGeom prst="rect">
             <a:avLst/>
@@ -11475,7 +10977,7 @@
 </p:sld>
 </file>
 
-<file path=ppt/slides/slide7.xml><?xml version="1.0" encoding="utf-8"?>
+<file path=ppt/slides/slide6.xml><?xml version="1.0" encoding="utf-8"?>
 <p:sld xmlns:a="http://schemas.openxmlformats.org/drawingml/2006/main" xmlns:r="http://schemas.openxmlformats.org/officeDocument/2006/relationships" xmlns:p="http://schemas.openxmlformats.org/presentationml/2006/main">
   <p:cSld>
     <p:spTree>
@@ -11657,7 +11159,7 @@
 </p:sld>
 </file>
 
-<file path=ppt/slides/slide8.xml><?xml version="1.0" encoding="utf-8"?>
+<file path=ppt/slides/slide7.xml><?xml version="1.0" encoding="utf-8"?>
 <p:sld xmlns:a="http://schemas.openxmlformats.org/drawingml/2006/main" xmlns:r="http://schemas.openxmlformats.org/officeDocument/2006/relationships" xmlns:p="http://schemas.openxmlformats.org/presentationml/2006/main">
   <p:cSld>
     <p:spTree>
@@ -11674,36 +11176,6 @@
           <a:chExt cx="0" cy="0"/>
         </a:xfrm>
       </p:grpSpPr>
-      <p:pic>
-        <p:nvPicPr>
-          <p:cNvPr id="7" name="Рисунок 6">
-            <a:extLst>
-              <a:ext uri="{FF2B5EF4-FFF2-40B4-BE49-F238E27FC236}">
-                <a16:creationId xmlns:a16="http://schemas.microsoft.com/office/drawing/2014/main" id="{ADE375A0-945D-424B-8D9A-65534FEB371E}"/>
-              </a:ext>
-            </a:extLst>
-          </p:cNvPr>
-          <p:cNvPicPr>
-            <a:picLocks noChangeAspect="1"/>
-          </p:cNvPicPr>
-          <p:nvPr/>
-        </p:nvPicPr>
-        <p:blipFill>
-          <a:blip r:embed="rId2"/>
-          <a:stretch>
-            <a:fillRect/>
-          </a:stretch>
-        </p:blipFill>
-        <p:spPr>
-          <a:xfrm>
-            <a:off x="333375" y="1208176"/>
-            <a:ext cx="11525250" cy="4441648"/>
-          </a:xfrm>
-          <a:prstGeom prst="rect">
-            <a:avLst/>
-          </a:prstGeom>
-        </p:spPr>
-      </p:pic>
       <p:sp>
         <p:nvSpPr>
           <p:cNvPr id="34" name="Заголовок 1">
@@ -11815,6 +11287,36 @@
           </a:p>
         </p:txBody>
       </p:sp>
+      <p:pic>
+        <p:nvPicPr>
+          <p:cNvPr id="3" name="Рисунок 2">
+            <a:extLst>
+              <a:ext uri="{FF2B5EF4-FFF2-40B4-BE49-F238E27FC236}">
+                <a16:creationId xmlns:a16="http://schemas.microsoft.com/office/drawing/2014/main" id="{5EC6CB14-DDFF-4161-B561-F9458D1980D0}"/>
+              </a:ext>
+            </a:extLst>
+          </p:cNvPr>
+          <p:cNvPicPr>
+            <a:picLocks noChangeAspect="1"/>
+          </p:cNvPicPr>
+          <p:nvPr/>
+        </p:nvPicPr>
+        <p:blipFill>
+          <a:blip r:embed="rId2"/>
+          <a:stretch>
+            <a:fillRect/>
+          </a:stretch>
+        </p:blipFill>
+        <p:spPr>
+          <a:xfrm>
+            <a:off x="390525" y="985421"/>
+            <a:ext cx="11410950" cy="5348387"/>
+          </a:xfrm>
+          <a:prstGeom prst="rect">
+            <a:avLst/>
+          </a:prstGeom>
+        </p:spPr>
+      </p:pic>
     </p:spTree>
     <p:extLst>
       <p:ext uri="{BB962C8B-B14F-4D97-AF65-F5344CB8AC3E}">
@@ -11828,7 +11330,7 @@
 </p:sld>
 </file>
 
-<file path=ppt/slides/slide9.xml><?xml version="1.0" encoding="utf-8"?>
+<file path=ppt/slides/slide8.xml><?xml version="1.0" encoding="utf-8"?>
 <p:sld xmlns:a="http://schemas.openxmlformats.org/drawingml/2006/main" xmlns:r="http://schemas.openxmlformats.org/officeDocument/2006/relationships" xmlns:p="http://schemas.openxmlformats.org/presentationml/2006/main">
   <p:cSld>
     <p:spTree>
@@ -15801,7 +15303,7 @@
                         </a:spcAft>
                       </a:pPr>
                       <a:r>
-                        <a:rPr lang="en-US" sz="1800">
+                        <a:rPr lang="en-US" sz="1800" dirty="0">
                           <a:solidFill>
                             <a:schemeClr val="tx1"/>
                           </a:solidFill>
@@ -15809,7 +15311,7 @@
                         </a:rPr>
                         <a:t>6</a:t>
                       </a:r>
-                      <a:endParaRPr lang="en-US" sz="1800">
+                      <a:endParaRPr lang="en-US" sz="1800" dirty="0">
                         <a:solidFill>
                           <a:schemeClr val="tx1"/>
                         </a:solidFill>
@@ -16225,6 +15727,337 @@
     <p:extLst>
       <p:ext uri="{BB962C8B-B14F-4D97-AF65-F5344CB8AC3E}">
         <p14:creationId xmlns:p14="http://schemas.microsoft.com/office/powerpoint/2010/main" val="1062605323"/>
+      </p:ext>
+    </p:extLst>
+  </p:cSld>
+  <p:clrMapOvr>
+    <a:masterClrMapping/>
+  </p:clrMapOvr>
+</p:sld>
+</file>
+
+<file path=ppt/slides/slide9.xml><?xml version="1.0" encoding="utf-8"?>
+<p:sld xmlns:a="http://schemas.openxmlformats.org/drawingml/2006/main" xmlns:r="http://schemas.openxmlformats.org/officeDocument/2006/relationships" xmlns:p="http://schemas.openxmlformats.org/presentationml/2006/main">
+  <p:cSld>
+    <p:spTree>
+      <p:nvGrpSpPr>
+        <p:cNvPr id="1" name=""/>
+        <p:cNvGrpSpPr/>
+        <p:nvPr/>
+      </p:nvGrpSpPr>
+      <p:grpSpPr>
+        <a:xfrm>
+          <a:off x="0" y="0"/>
+          <a:ext cx="0" cy="0"/>
+          <a:chOff x="0" y="0"/>
+          <a:chExt cx="0" cy="0"/>
+        </a:xfrm>
+      </p:grpSpPr>
+      <p:sp>
+        <p:nvSpPr>
+          <p:cNvPr id="4" name="Заголовок 1">
+            <a:extLst>
+              <a:ext uri="{FF2B5EF4-FFF2-40B4-BE49-F238E27FC236}">
+                <a16:creationId xmlns:a16="http://schemas.microsoft.com/office/drawing/2014/main" id="{F8243150-867F-42C4-B527-2FA91B461363}"/>
+              </a:ext>
+            </a:extLst>
+          </p:cNvPr>
+          <p:cNvSpPr txBox="1">
+            <a:spLocks/>
+          </p:cNvSpPr>
+          <p:nvPr/>
+        </p:nvSpPr>
+        <p:spPr>
+          <a:xfrm>
+            <a:off x="168676" y="238379"/>
+            <a:ext cx="9081856" cy="747042"/>
+          </a:xfrm>
+          <a:prstGeom prst="rect">
+            <a:avLst/>
+          </a:prstGeom>
+        </p:spPr>
+        <p:txBody>
+          <a:bodyPr vert="horz" lIns="91440" tIns="45720" rIns="91440" bIns="45720" rtlCol="0" anchor="t">
+            <a:normAutofit/>
+          </a:bodyPr>
+          <a:lstStyle>
+            <a:lvl1pPr algn="l" defTabSz="457200" rtl="0" eaLnBrk="1" latinLnBrk="0" hangingPunct="1">
+              <a:spcBef>
+                <a:spcPct val="0"/>
+              </a:spcBef>
+              <a:buNone/>
+              <a:defRPr sz="3600" kern="1200">
+                <a:solidFill>
+                  <a:schemeClr val="accent1"/>
+                </a:solidFill>
+                <a:latin typeface="+mj-lt"/>
+                <a:ea typeface="+mj-ea"/>
+                <a:cs typeface="+mj-cs"/>
+              </a:defRPr>
+            </a:lvl1pPr>
+            <a:lvl2pPr eaLnBrk="1" hangingPunct="1">
+              <a:defRPr>
+                <a:solidFill>
+                  <a:schemeClr val="tx2"/>
+                </a:solidFill>
+              </a:defRPr>
+            </a:lvl2pPr>
+            <a:lvl3pPr eaLnBrk="1" hangingPunct="1">
+              <a:defRPr>
+                <a:solidFill>
+                  <a:schemeClr val="tx2"/>
+                </a:solidFill>
+              </a:defRPr>
+            </a:lvl3pPr>
+            <a:lvl4pPr eaLnBrk="1" hangingPunct="1">
+              <a:defRPr>
+                <a:solidFill>
+                  <a:schemeClr val="tx2"/>
+                </a:solidFill>
+              </a:defRPr>
+            </a:lvl4pPr>
+            <a:lvl5pPr eaLnBrk="1" hangingPunct="1">
+              <a:defRPr>
+                <a:solidFill>
+                  <a:schemeClr val="tx2"/>
+                </a:solidFill>
+              </a:defRPr>
+            </a:lvl5pPr>
+            <a:lvl6pPr eaLnBrk="1" hangingPunct="1">
+              <a:defRPr>
+                <a:solidFill>
+                  <a:schemeClr val="tx2"/>
+                </a:solidFill>
+              </a:defRPr>
+            </a:lvl6pPr>
+            <a:lvl7pPr eaLnBrk="1" hangingPunct="1">
+              <a:defRPr>
+                <a:solidFill>
+                  <a:schemeClr val="tx2"/>
+                </a:solidFill>
+              </a:defRPr>
+            </a:lvl7pPr>
+            <a:lvl8pPr eaLnBrk="1" hangingPunct="1">
+              <a:defRPr>
+                <a:solidFill>
+                  <a:schemeClr val="tx2"/>
+                </a:solidFill>
+              </a:defRPr>
+            </a:lvl8pPr>
+            <a:lvl9pPr eaLnBrk="1" hangingPunct="1">
+              <a:defRPr>
+                <a:solidFill>
+                  <a:schemeClr val="tx2"/>
+                </a:solidFill>
+              </a:defRPr>
+            </a:lvl9pPr>
+          </a:lstStyle>
+          <a:p>
+            <a:r>
+              <a:rPr lang="uk-UA" dirty="0">
+                <a:solidFill>
+                  <a:srgbClr val="0070C0"/>
+                </a:solidFill>
+              </a:rPr>
+              <a:t>Кластеризація методом</a:t>
+            </a:r>
+            <a:r>
+              <a:rPr lang="en-US" dirty="0">
+                <a:solidFill>
+                  <a:srgbClr val="0070C0"/>
+                </a:solidFill>
+              </a:rPr>
+              <a:t> k-mods</a:t>
+            </a:r>
+            <a:r>
+              <a:rPr lang="uk-UA" dirty="0">
+                <a:solidFill>
+                  <a:srgbClr val="0070C0"/>
+                </a:solidFill>
+              </a:rPr>
+              <a:t> </a:t>
+            </a:r>
+          </a:p>
+        </p:txBody>
+      </p:sp>
+      <p:sp>
+        <p:nvSpPr>
+          <p:cNvPr id="6" name="TextBox 5">
+            <a:extLst>
+              <a:ext uri="{FF2B5EF4-FFF2-40B4-BE49-F238E27FC236}">
+                <a16:creationId xmlns:a16="http://schemas.microsoft.com/office/drawing/2014/main" id="{D8491B23-FE99-4CA6-9814-A95E9575423B}"/>
+              </a:ext>
+            </a:extLst>
+          </p:cNvPr>
+          <p:cNvSpPr txBox="1"/>
+          <p:nvPr/>
+        </p:nvSpPr>
+        <p:spPr>
+          <a:xfrm>
+            <a:off x="759038" y="4539093"/>
+            <a:ext cx="8491493" cy="1703480"/>
+          </a:xfrm>
+          <a:prstGeom prst="rect">
+            <a:avLst/>
+          </a:prstGeom>
+          <a:noFill/>
+        </p:spPr>
+        <p:txBody>
+          <a:bodyPr wrap="square">
+            <a:spAutoFit/>
+          </a:bodyPr>
+          <a:lstStyle/>
+          <a:p>
+            <a:pPr algn="just">
+              <a:lnSpc>
+                <a:spcPct val="150000"/>
+              </a:lnSpc>
+            </a:pPr>
+            <a:r>
+              <a:rPr lang="uk-UA" dirty="0"/>
+              <a:t>	</a:t>
+            </a:r>
+            <a:r>
+              <a:rPr lang="en-US" dirty="0"/>
+              <a:t>k-modes</a:t>
+            </a:r>
+            <a:r>
+              <a:rPr lang="uk-UA" dirty="0"/>
+              <a:t> – це алгоритм, який базується на алгоритмі </a:t>
+            </a:r>
+            <a:r>
+              <a:rPr lang="en-US" dirty="0"/>
+              <a:t>k-</a:t>
+            </a:r>
+            <a:r>
+              <a:rPr lang="uk-UA" dirty="0"/>
+              <a:t>середніх і використовується для кластеризації даних на основі якісних змінних.</a:t>
+            </a:r>
+          </a:p>
+          <a:p>
+            <a:pPr algn="just">
+              <a:lnSpc>
+                <a:spcPct val="150000"/>
+              </a:lnSpc>
+            </a:pPr>
+            <a:r>
+              <a:rPr lang="uk-UA" dirty="0"/>
+              <a:t>	</a:t>
+            </a:r>
+            <a:r>
+              <a:rPr lang="en-US" dirty="0"/>
+              <a:t>k-modes </a:t>
+            </a:r>
+            <a:r>
+              <a:rPr lang="uk-UA" dirty="0"/>
+              <a:t>визначає кластери на основі відповідності категорій між точками даних.</a:t>
+            </a:r>
+            <a:endParaRPr lang="en-US" dirty="0"/>
+          </a:p>
+        </p:txBody>
+      </p:sp>
+      <p:sp>
+        <p:nvSpPr>
+          <p:cNvPr id="8" name="TextBox 7">
+            <a:extLst>
+              <a:ext uri="{FF2B5EF4-FFF2-40B4-BE49-F238E27FC236}">
+                <a16:creationId xmlns:a16="http://schemas.microsoft.com/office/drawing/2014/main" id="{18852229-13C1-495A-8A2F-9EFD183EDC50}"/>
+              </a:ext>
+            </a:extLst>
+          </p:cNvPr>
+          <p:cNvSpPr txBox="1"/>
+          <p:nvPr/>
+        </p:nvSpPr>
+        <p:spPr>
+          <a:xfrm>
+            <a:off x="759040" y="894524"/>
+            <a:ext cx="8491492" cy="2534476"/>
+          </a:xfrm>
+          <a:prstGeom prst="rect">
+            <a:avLst/>
+          </a:prstGeom>
+          <a:noFill/>
+        </p:spPr>
+        <p:txBody>
+          <a:bodyPr wrap="square">
+            <a:spAutoFit/>
+          </a:bodyPr>
+          <a:lstStyle/>
+          <a:p>
+            <a:pPr>
+              <a:lnSpc>
+                <a:spcPct val="150000"/>
+              </a:lnSpc>
+            </a:pPr>
+            <a:r>
+              <a:rPr lang="uk-UA" dirty="0"/>
+              <a:t>	k-середніх – це популярний алгоритм кластеризації на основі </a:t>
+            </a:r>
+            <a:r>
+              <a:rPr lang="uk-UA" dirty="0" err="1"/>
+              <a:t>центроїдів</a:t>
+            </a:r>
+            <a:r>
+              <a:rPr lang="uk-UA" dirty="0"/>
+              <a:t>, який розділяє дані представлені у вигляді точок на k кластерів, кожен із яких має майже рівну кількість цих точок. Ідея цього алгоритму кластеризації полягає в тому, щоб знайти k </a:t>
+            </a:r>
+            <a:r>
+              <a:rPr lang="uk-UA" dirty="0" err="1"/>
+              <a:t>центроїдних</a:t>
+            </a:r>
+            <a:r>
+              <a:rPr lang="uk-UA" dirty="0"/>
+              <a:t> точок, де кожна точка з набору даних буде належати будь-якій з k-множин, що мають мінімальну евклідову відстань.</a:t>
+            </a:r>
+            <a:endParaRPr lang="en-US" dirty="0"/>
+          </a:p>
+        </p:txBody>
+      </p:sp>
+      <p:sp>
+        <p:nvSpPr>
+          <p:cNvPr id="10" name="TextBox 9">
+            <a:extLst>
+              <a:ext uri="{FF2B5EF4-FFF2-40B4-BE49-F238E27FC236}">
+                <a16:creationId xmlns:a16="http://schemas.microsoft.com/office/drawing/2014/main" id="{74BC541C-C498-4CE4-9632-8BCE4BDC9799}"/>
+              </a:ext>
+            </a:extLst>
+          </p:cNvPr>
+          <p:cNvSpPr txBox="1"/>
+          <p:nvPr/>
+        </p:nvSpPr>
+        <p:spPr>
+          <a:xfrm>
+            <a:off x="759039" y="3339888"/>
+            <a:ext cx="8491492" cy="1287981"/>
+          </a:xfrm>
+          <a:prstGeom prst="rect">
+            <a:avLst/>
+          </a:prstGeom>
+          <a:noFill/>
+        </p:spPr>
+        <p:txBody>
+          <a:bodyPr wrap="square">
+            <a:spAutoFit/>
+          </a:bodyPr>
+          <a:lstStyle/>
+          <a:p>
+            <a:pPr algn="just">
+              <a:lnSpc>
+                <a:spcPct val="150000"/>
+              </a:lnSpc>
+            </a:pPr>
+            <a:r>
+              <a:rPr lang="uk-UA" dirty="0"/>
+              <a:t>	Алгоритм k-середніх не застосовується до даних з якісними змінними, оскільки якісні змінні є дискретними і не мають природного походження. Отже, обчислення евклідової відстані для такого простору, не має сенсу.</a:t>
+            </a:r>
+            <a:endParaRPr lang="en-US" dirty="0"/>
+          </a:p>
+        </p:txBody>
+      </p:sp>
+    </p:spTree>
+    <p:extLst>
+      <p:ext uri="{BB962C8B-B14F-4D97-AF65-F5344CB8AC3E}">
+        <p14:creationId xmlns:p14="http://schemas.microsoft.com/office/powerpoint/2010/main" val="2444979819"/>
       </p:ext>
     </p:extLst>
   </p:cSld>
